--- a/heart disease heart presentation.pptx
+++ b/heart disease heart presentation.pptx
@@ -12,11 +12,13 @@
     <p:sldId id="260" r:id="rId6"/>
     <p:sldId id="261" r:id="rId7"/>
     <p:sldId id="262" r:id="rId8"/>
-    <p:sldId id="263" r:id="rId9"/>
-    <p:sldId id="264" r:id="rId10"/>
+    <p:sldId id="264" r:id="rId9"/>
+    <p:sldId id="263" r:id="rId10"/>
     <p:sldId id="265" r:id="rId11"/>
     <p:sldId id="266" r:id="rId12"/>
     <p:sldId id="267" r:id="rId13"/>
+    <p:sldId id="268" r:id="rId14"/>
+    <p:sldId id="269" r:id="rId15"/>
   </p:sldIdLst>
   <p:sldSz cx="12192000" cy="6858000"/>
   <p:notesSz cx="6858000" cy="9144000"/>
@@ -115,13 +117,18 @@
       </a:defRPr>
     </a:lvl9pPr>
   </p:defaultTextStyle>
+  <p:extLst>
+    <p:ext uri="{EFAFB233-063F-42B5-8137-9DF3F51BA10A}">
+      <p15:sldGuideLst xmlns:p15="http://schemas.microsoft.com/office/powerpoint/2012/main"/>
+    </p:ext>
+  </p:extLst>
 </p:presentation>
 </file>
 
 <file path=ppt/revisionInfo.xml><?xml version="1.0" encoding="utf-8"?>
 <p1510:revInfo xmlns:a="http://schemas.openxmlformats.org/drawingml/2006/main" xmlns:r="http://schemas.openxmlformats.org/officeDocument/2006/relationships" xmlns:p1510="http://schemas.microsoft.com/office/powerpoint/2015/10/main">
   <p1510:revLst>
-    <p1510:client id="{33E821F5-1A91-4580-8050-CEC4D2338AC2}" v="5" dt="2023-06-08T00:47:28.688"/>
+    <p1510:client id="{33E821F5-1A91-4580-8050-CEC4D2338AC2}" v="22" dt="2023-06-10T19:09:11.709"/>
   </p1510:revLst>
 </p1510:revInfo>
 </file>
@@ -130,13 +137,13 @@
 <pc:chgInfo xmlns:a="http://schemas.openxmlformats.org/drawingml/2006/main" xmlns:r="http://schemas.openxmlformats.org/officeDocument/2006/relationships" xmlns:ac="http://schemas.microsoft.com/office/drawing/2013/main/command" xmlns:pc="http://schemas.microsoft.com/office/powerpoint/2013/main/command">
   <pc:docChgLst>
     <pc:chgData name="Bethann Wilde" userId="24fb2ca5d5dee031" providerId="LiveId" clId="{33E821F5-1A91-4580-8050-CEC4D2338AC2}"/>
-    <pc:docChg chg="undo redo custSel addSld modSld">
-      <pc:chgData name="Bethann Wilde" userId="24fb2ca5d5dee031" providerId="LiveId" clId="{33E821F5-1A91-4580-8050-CEC4D2338AC2}" dt="2023-06-08T00:59:13.158" v="586" actId="20577"/>
+    <pc:docChg chg="undo redo custSel addSld delSld modSld sldOrd">
+      <pc:chgData name="Bethann Wilde" userId="24fb2ca5d5dee031" providerId="LiveId" clId="{33E821F5-1A91-4580-8050-CEC4D2338AC2}" dt="2023-06-10T19:25:50.317" v="1930" actId="20577"/>
       <pc:docMkLst>
         <pc:docMk/>
       </pc:docMkLst>
-      <pc:sldChg chg="modSp mod">
-        <pc:chgData name="Bethann Wilde" userId="24fb2ca5d5dee031" providerId="LiveId" clId="{33E821F5-1A91-4580-8050-CEC4D2338AC2}" dt="2023-06-08T00:40:38.041" v="471" actId="27636"/>
+      <pc:sldChg chg="delSp modSp mod delDesignElem">
+        <pc:chgData name="Bethann Wilde" userId="24fb2ca5d5dee031" providerId="LiveId" clId="{33E821F5-1A91-4580-8050-CEC4D2338AC2}" dt="2023-06-10T18:39:47.774" v="1408"/>
         <pc:sldMkLst>
           <pc:docMk/>
           <pc:sldMk cId="744763522" sldId="256"/>
@@ -149,15 +156,62 @@
             <ac:spMk id="3" creationId="{131CFFD2-CC2C-AF8F-896A-799FCCFDB8DC}"/>
           </ac:spMkLst>
         </pc:spChg>
+        <pc:spChg chg="del">
+          <ac:chgData name="Bethann Wilde" userId="24fb2ca5d5dee031" providerId="LiveId" clId="{33E821F5-1A91-4580-8050-CEC4D2338AC2}" dt="2023-06-10T18:39:47.774" v="1408"/>
+          <ac:spMkLst>
+            <pc:docMk/>
+            <pc:sldMk cId="744763522" sldId="256"/>
+            <ac:spMk id="13" creationId="{9B45BA4C-9B54-4496-821F-9E0985CA984D}"/>
+          </ac:spMkLst>
+        </pc:spChg>
       </pc:sldChg>
-      <pc:sldChg chg="addSp delSp modSp mod setBg">
-        <pc:chgData name="Bethann Wilde" userId="24fb2ca5d5dee031" providerId="LiveId" clId="{33E821F5-1A91-4580-8050-CEC4D2338AC2}" dt="2023-06-08T00:39:01.291" v="453" actId="12"/>
+      <pc:sldChg chg="delSp modSp mod delDesignElem">
+        <pc:chgData name="Bethann Wilde" userId="24fb2ca5d5dee031" providerId="LiveId" clId="{33E821F5-1A91-4580-8050-CEC4D2338AC2}" dt="2023-06-10T18:39:47.774" v="1408"/>
+        <pc:sldMkLst>
+          <pc:docMk/>
+          <pc:sldMk cId="4036831504" sldId="257"/>
+        </pc:sldMkLst>
+        <pc:spChg chg="mod">
+          <ac:chgData name="Bethann Wilde" userId="24fb2ca5d5dee031" providerId="LiveId" clId="{33E821F5-1A91-4580-8050-CEC4D2338AC2}" dt="2023-06-10T17:50:14.198" v="1297" actId="20577"/>
+          <ac:spMkLst>
+            <pc:docMk/>
+            <pc:sldMk cId="4036831504" sldId="257"/>
+            <ac:spMk id="2" creationId="{479724D7-B01B-9FA0-2C08-0EFFCB58EF4E}"/>
+          </ac:spMkLst>
+        </pc:spChg>
+        <pc:spChg chg="del">
+          <ac:chgData name="Bethann Wilde" userId="24fb2ca5d5dee031" providerId="LiveId" clId="{33E821F5-1A91-4580-8050-CEC4D2338AC2}" dt="2023-06-10T18:39:47.774" v="1408"/>
+          <ac:spMkLst>
+            <pc:docMk/>
+            <pc:sldMk cId="4036831504" sldId="257"/>
+            <ac:spMk id="9" creationId="{49306479-8C4D-4E4A-A330-DFC80A8A01BE}"/>
+          </ac:spMkLst>
+        </pc:spChg>
+        <pc:spChg chg="del">
+          <ac:chgData name="Bethann Wilde" userId="24fb2ca5d5dee031" providerId="LiveId" clId="{33E821F5-1A91-4580-8050-CEC4D2338AC2}" dt="2023-06-10T18:39:47.774" v="1408"/>
+          <ac:spMkLst>
+            <pc:docMk/>
+            <pc:sldMk cId="4036831504" sldId="257"/>
+            <ac:spMk id="11" creationId="{9B45BA4C-9B54-4496-821F-9E0985CA984D}"/>
+          </ac:spMkLst>
+        </pc:spChg>
+        <pc:picChg chg="mod">
+          <ac:chgData name="Bethann Wilde" userId="24fb2ca5d5dee031" providerId="LiveId" clId="{33E821F5-1A91-4580-8050-CEC4D2338AC2}" dt="2023-06-08T23:09:34.316" v="587" actId="1076"/>
+          <ac:picMkLst>
+            <pc:docMk/>
+            <pc:sldMk cId="4036831504" sldId="257"/>
+            <ac:picMk id="5" creationId="{38497A86-BA03-5030-F6B7-A1055D2EE149}"/>
+          </ac:picMkLst>
+        </pc:picChg>
+      </pc:sldChg>
+      <pc:sldChg chg="addSp delSp modSp mod setBg delDesignElem">
+        <pc:chgData name="Bethann Wilde" userId="24fb2ca5d5dee031" providerId="LiveId" clId="{33E821F5-1A91-4580-8050-CEC4D2338AC2}" dt="2023-06-10T18:44:11.648" v="1440" actId="26606"/>
         <pc:sldMkLst>
           <pc:docMk/>
           <pc:sldMk cId="3082918316" sldId="258"/>
         </pc:sldMkLst>
         <pc:spChg chg="mod">
-          <ac:chgData name="Bethann Wilde" userId="24fb2ca5d5dee031" providerId="LiveId" clId="{33E821F5-1A91-4580-8050-CEC4D2338AC2}" dt="2023-06-08T00:38:01.977" v="444" actId="26606"/>
+          <ac:chgData name="Bethann Wilde" userId="24fb2ca5d5dee031" providerId="LiveId" clId="{33E821F5-1A91-4580-8050-CEC4D2338AC2}" dt="2023-06-10T18:44:11.648" v="1440" actId="26606"/>
           <ac:spMkLst>
             <pc:docMk/>
             <pc:sldMk cId="3082918316" sldId="258"/>
@@ -165,7 +219,7 @@
           </ac:spMkLst>
         </pc:spChg>
         <pc:spChg chg="mod">
-          <ac:chgData name="Bethann Wilde" userId="24fb2ca5d5dee031" providerId="LiveId" clId="{33E821F5-1A91-4580-8050-CEC4D2338AC2}" dt="2023-06-08T00:38:11.759" v="446" actId="14100"/>
+          <ac:chgData name="Bethann Wilde" userId="24fb2ca5d5dee031" providerId="LiveId" clId="{33E821F5-1A91-4580-8050-CEC4D2338AC2}" dt="2023-06-10T18:44:11.648" v="1440" actId="26606"/>
           <ac:spMkLst>
             <pc:docMk/>
             <pc:sldMk cId="3082918316" sldId="258"/>
@@ -181,54 +235,198 @@
           </ac:spMkLst>
         </pc:spChg>
         <pc:spChg chg="mod">
-          <ac:chgData name="Bethann Wilde" userId="24fb2ca5d5dee031" providerId="LiveId" clId="{33E821F5-1A91-4580-8050-CEC4D2338AC2}" dt="2023-06-08T00:39:01.291" v="453" actId="12"/>
+          <ac:chgData name="Bethann Wilde" userId="24fb2ca5d5dee031" providerId="LiveId" clId="{33E821F5-1A91-4580-8050-CEC4D2338AC2}" dt="2023-06-10T18:44:11.648" v="1440" actId="26606"/>
           <ac:spMkLst>
             <pc:docMk/>
             <pc:sldMk cId="3082918316" sldId="258"/>
             <ac:spMk id="5" creationId="{63BDE919-C74D-D047-F52B-80112D96660C}"/>
           </ac:spMkLst>
         </pc:spChg>
-        <pc:spChg chg="add">
-          <ac:chgData name="Bethann Wilde" userId="24fb2ca5d5dee031" providerId="LiveId" clId="{33E821F5-1A91-4580-8050-CEC4D2338AC2}" dt="2023-06-08T00:38:01.977" v="444" actId="26606"/>
+        <pc:spChg chg="add del">
+          <ac:chgData name="Bethann Wilde" userId="24fb2ca5d5dee031" providerId="LiveId" clId="{33E821F5-1A91-4580-8050-CEC4D2338AC2}" dt="2023-06-10T18:41:02.370" v="1411"/>
+          <ac:spMkLst>
+            <pc:docMk/>
+            <pc:sldMk cId="3082918316" sldId="258"/>
+            <ac:spMk id="7" creationId="{49306479-8C4D-4E4A-A330-DFC80A8A01BE}"/>
+          </ac:spMkLst>
+        </pc:spChg>
+        <pc:spChg chg="add del">
+          <ac:chgData name="Bethann Wilde" userId="24fb2ca5d5dee031" providerId="LiveId" clId="{33E821F5-1A91-4580-8050-CEC4D2338AC2}" dt="2023-06-10T18:41:02.370" v="1411"/>
+          <ac:spMkLst>
+            <pc:docMk/>
+            <pc:sldMk cId="3082918316" sldId="258"/>
+            <ac:spMk id="8" creationId="{ACEDC033-8DAA-4024-87F5-57430053AE84}"/>
+          </ac:spMkLst>
+        </pc:spChg>
+        <pc:spChg chg="add del">
+          <ac:chgData name="Bethann Wilde" userId="24fb2ca5d5dee031" providerId="LiveId" clId="{33E821F5-1A91-4580-8050-CEC4D2338AC2}" dt="2023-06-10T18:41:02.370" v="1411"/>
+          <ac:spMkLst>
+            <pc:docMk/>
+            <pc:sldMk cId="3082918316" sldId="258"/>
+            <ac:spMk id="9" creationId="{D584A691-C497-4066-927B-46560195E11F}"/>
+          </ac:spMkLst>
+        </pc:spChg>
+        <pc:spChg chg="add del">
+          <ac:chgData name="Bethann Wilde" userId="24fb2ca5d5dee031" providerId="LiveId" clId="{33E821F5-1A91-4580-8050-CEC4D2338AC2}" dt="2023-06-10T18:39:47.774" v="1408"/>
           <ac:spMkLst>
             <pc:docMk/>
             <pc:sldMk cId="3082918316" sldId="258"/>
             <ac:spMk id="10" creationId="{49306479-8C4D-4E4A-A330-DFC80A8A01BE}"/>
           </ac:spMkLst>
         </pc:spChg>
-        <pc:spChg chg="add">
-          <ac:chgData name="Bethann Wilde" userId="24fb2ca5d5dee031" providerId="LiveId" clId="{33E821F5-1A91-4580-8050-CEC4D2338AC2}" dt="2023-06-08T00:38:01.977" v="444" actId="26606"/>
+        <pc:spChg chg="add del">
+          <ac:chgData name="Bethann Wilde" userId="24fb2ca5d5dee031" providerId="LiveId" clId="{33E821F5-1A91-4580-8050-CEC4D2338AC2}" dt="2023-06-10T18:41:02.370" v="1411"/>
+          <ac:spMkLst>
+            <pc:docMk/>
+            <pc:sldMk cId="3082918316" sldId="258"/>
+            <ac:spMk id="11" creationId="{619A6F3B-F0D9-4CB0-B8A1-B84B57852C61}"/>
+          </ac:spMkLst>
+        </pc:spChg>
+        <pc:spChg chg="add del">
+          <ac:chgData name="Bethann Wilde" userId="24fb2ca5d5dee031" providerId="LiveId" clId="{33E821F5-1A91-4580-8050-CEC4D2338AC2}" dt="2023-06-10T18:39:47.774" v="1408"/>
           <ac:spMkLst>
             <pc:docMk/>
             <pc:sldMk cId="3082918316" sldId="258"/>
             <ac:spMk id="12" creationId="{ACEDC033-8DAA-4024-87F5-57430053AE84}"/>
           </ac:spMkLst>
         </pc:spChg>
-        <pc:spChg chg="add">
-          <ac:chgData name="Bethann Wilde" userId="24fb2ca5d5dee031" providerId="LiveId" clId="{33E821F5-1A91-4580-8050-CEC4D2338AC2}" dt="2023-06-08T00:38:01.977" v="444" actId="26606"/>
+        <pc:spChg chg="add del">
+          <ac:chgData name="Bethann Wilde" userId="24fb2ca5d5dee031" providerId="LiveId" clId="{33E821F5-1A91-4580-8050-CEC4D2338AC2}" dt="2023-06-10T18:44:03.683" v="1437" actId="26606"/>
+          <ac:spMkLst>
+            <pc:docMk/>
+            <pc:sldMk cId="3082918316" sldId="258"/>
+            <ac:spMk id="13" creationId="{49306479-8C4D-4E4A-A330-DFC80A8A01BE}"/>
+          </ac:spMkLst>
+        </pc:spChg>
+        <pc:spChg chg="add del">
+          <ac:chgData name="Bethann Wilde" userId="24fb2ca5d5dee031" providerId="LiveId" clId="{33E821F5-1A91-4580-8050-CEC4D2338AC2}" dt="2023-06-10T18:39:47.774" v="1408"/>
           <ac:spMkLst>
             <pc:docMk/>
             <pc:sldMk cId="3082918316" sldId="258"/>
             <ac:spMk id="14" creationId="{D584A691-C497-4066-927B-46560195E11F}"/>
           </ac:spMkLst>
         </pc:spChg>
-        <pc:spChg chg="add">
-          <ac:chgData name="Bethann Wilde" userId="24fb2ca5d5dee031" providerId="LiveId" clId="{33E821F5-1A91-4580-8050-CEC4D2338AC2}" dt="2023-06-08T00:38:01.977" v="444" actId="26606"/>
+        <pc:spChg chg="add del">
+          <ac:chgData name="Bethann Wilde" userId="24fb2ca5d5dee031" providerId="LiveId" clId="{33E821F5-1A91-4580-8050-CEC4D2338AC2}" dt="2023-06-10T18:44:03.683" v="1437" actId="26606"/>
+          <ac:spMkLst>
+            <pc:docMk/>
+            <pc:sldMk cId="3082918316" sldId="258"/>
+            <ac:spMk id="15" creationId="{ACEDC033-8DAA-4024-87F5-57430053AE84}"/>
+          </ac:spMkLst>
+        </pc:spChg>
+        <pc:spChg chg="add del">
+          <ac:chgData name="Bethann Wilde" userId="24fb2ca5d5dee031" providerId="LiveId" clId="{33E821F5-1A91-4580-8050-CEC4D2338AC2}" dt="2023-06-10T18:39:47.774" v="1408"/>
           <ac:spMkLst>
             <pc:docMk/>
             <pc:sldMk cId="3082918316" sldId="258"/>
             <ac:spMk id="16" creationId="{85142CA2-DBFB-4161-ABDF-E87C86881F99}"/>
           </ac:spMkLst>
         </pc:spChg>
+        <pc:spChg chg="add del">
+          <ac:chgData name="Bethann Wilde" userId="24fb2ca5d5dee031" providerId="LiveId" clId="{33E821F5-1A91-4580-8050-CEC4D2338AC2}" dt="2023-06-10T18:44:03.683" v="1437" actId="26606"/>
+          <ac:spMkLst>
+            <pc:docMk/>
+            <pc:sldMk cId="3082918316" sldId="258"/>
+            <ac:spMk id="17" creationId="{D584A691-C497-4066-927B-46560195E11F}"/>
+          </ac:spMkLst>
+        </pc:spChg>
+        <pc:spChg chg="add del">
+          <ac:chgData name="Bethann Wilde" userId="24fb2ca5d5dee031" providerId="LiveId" clId="{33E821F5-1A91-4580-8050-CEC4D2338AC2}" dt="2023-06-10T18:44:03.683" v="1437" actId="26606"/>
+          <ac:spMkLst>
+            <pc:docMk/>
+            <pc:sldMk cId="3082918316" sldId="258"/>
+            <ac:spMk id="18" creationId="{619A6F3B-F0D9-4CB0-B8A1-B84B57852C61}"/>
+          </ac:spMkLst>
+        </pc:spChg>
+        <pc:spChg chg="add del">
+          <ac:chgData name="Bethann Wilde" userId="24fb2ca5d5dee031" providerId="LiveId" clId="{33E821F5-1A91-4580-8050-CEC4D2338AC2}" dt="2023-06-10T18:44:11.621" v="1439" actId="26606"/>
+          <ac:spMkLst>
+            <pc:docMk/>
+            <pc:sldMk cId="3082918316" sldId="258"/>
+            <ac:spMk id="20" creationId="{49306479-8C4D-4E4A-A330-DFC80A8A01BE}"/>
+          </ac:spMkLst>
+        </pc:spChg>
+        <pc:spChg chg="add del">
+          <ac:chgData name="Bethann Wilde" userId="24fb2ca5d5dee031" providerId="LiveId" clId="{33E821F5-1A91-4580-8050-CEC4D2338AC2}" dt="2023-06-10T18:44:11.621" v="1439" actId="26606"/>
+          <ac:spMkLst>
+            <pc:docMk/>
+            <pc:sldMk cId="3082918316" sldId="258"/>
+            <ac:spMk id="21" creationId="{55B5583F-9936-4BDA-ACE1-E24A66B94C86}"/>
+          </ac:spMkLst>
+        </pc:spChg>
+        <pc:spChg chg="add del">
+          <ac:chgData name="Bethann Wilde" userId="24fb2ca5d5dee031" providerId="LiveId" clId="{33E821F5-1A91-4580-8050-CEC4D2338AC2}" dt="2023-06-10T18:44:11.621" v="1439" actId="26606"/>
+          <ac:spMkLst>
+            <pc:docMk/>
+            <pc:sldMk cId="3082918316" sldId="258"/>
+            <ac:spMk id="22" creationId="{675AF5A1-4884-4FBA-B1BB-80A2939EA21A}"/>
+          </ac:spMkLst>
+        </pc:spChg>
+        <pc:spChg chg="add del">
+          <ac:chgData name="Bethann Wilde" userId="24fb2ca5d5dee031" providerId="LiveId" clId="{33E821F5-1A91-4580-8050-CEC4D2338AC2}" dt="2023-06-10T18:44:11.621" v="1439" actId="26606"/>
+          <ac:spMkLst>
+            <pc:docMk/>
+            <pc:sldMk cId="3082918316" sldId="258"/>
+            <ac:spMk id="23" creationId="{5A8C16DA-E452-4500-B803-5D451BB091A3}"/>
+          </ac:spMkLst>
+        </pc:spChg>
+        <pc:spChg chg="add">
+          <ac:chgData name="Bethann Wilde" userId="24fb2ca5d5dee031" providerId="LiveId" clId="{33E821F5-1A91-4580-8050-CEC4D2338AC2}" dt="2023-06-10T18:44:11.648" v="1440" actId="26606"/>
+          <ac:spMkLst>
+            <pc:docMk/>
+            <pc:sldMk cId="3082918316" sldId="258"/>
+            <ac:spMk id="25" creationId="{49306479-8C4D-4E4A-A330-DFC80A8A01BE}"/>
+          </ac:spMkLst>
+        </pc:spChg>
+        <pc:spChg chg="add">
+          <ac:chgData name="Bethann Wilde" userId="24fb2ca5d5dee031" providerId="LiveId" clId="{33E821F5-1A91-4580-8050-CEC4D2338AC2}" dt="2023-06-10T18:44:11.648" v="1440" actId="26606"/>
+          <ac:spMkLst>
+            <pc:docMk/>
+            <pc:sldMk cId="3082918316" sldId="258"/>
+            <ac:spMk id="26" creationId="{ACEDC033-8DAA-4024-87F5-57430053AE84}"/>
+          </ac:spMkLst>
+        </pc:spChg>
+        <pc:spChg chg="add">
+          <ac:chgData name="Bethann Wilde" userId="24fb2ca5d5dee031" providerId="LiveId" clId="{33E821F5-1A91-4580-8050-CEC4D2338AC2}" dt="2023-06-10T18:44:11.648" v="1440" actId="26606"/>
+          <ac:spMkLst>
+            <pc:docMk/>
+            <pc:sldMk cId="3082918316" sldId="258"/>
+            <ac:spMk id="27" creationId="{D584A691-C497-4066-927B-46560195E11F}"/>
+          </ac:spMkLst>
+        </pc:spChg>
+        <pc:spChg chg="add">
+          <ac:chgData name="Bethann Wilde" userId="24fb2ca5d5dee031" providerId="LiveId" clId="{33E821F5-1A91-4580-8050-CEC4D2338AC2}" dt="2023-06-10T18:44:11.648" v="1440" actId="26606"/>
+          <ac:spMkLst>
+            <pc:docMk/>
+            <pc:sldMk cId="3082918316" sldId="258"/>
+            <ac:spMk id="28" creationId="{85142CA2-DBFB-4161-ABDF-E87C86881F99}"/>
+          </ac:spMkLst>
+        </pc:spChg>
+        <pc:picChg chg="add del mod">
+          <ac:chgData name="Bethann Wilde" userId="24fb2ca5d5dee031" providerId="LiveId" clId="{33E821F5-1A91-4580-8050-CEC4D2338AC2}" dt="2023-06-09T00:59:18.192" v="917" actId="21"/>
+          <ac:picMkLst>
+            <pc:docMk/>
+            <pc:sldMk cId="3082918316" sldId="258"/>
+            <ac:picMk id="6" creationId="{FDEDC056-5928-CA0B-C322-DC2FD78DF449}"/>
+          </ac:picMkLst>
+        </pc:picChg>
       </pc:sldChg>
       <pc:sldChg chg="modSp mod">
-        <pc:chgData name="Bethann Wilde" userId="24fb2ca5d5dee031" providerId="LiveId" clId="{33E821F5-1A91-4580-8050-CEC4D2338AC2}" dt="2023-06-07T23:55:46.773" v="156" actId="20577"/>
+        <pc:chgData name="Bethann Wilde" userId="24fb2ca5d5dee031" providerId="LiveId" clId="{33E821F5-1A91-4580-8050-CEC4D2338AC2}" dt="2023-06-10T18:42:24.499" v="1422"/>
         <pc:sldMkLst>
           <pc:docMk/>
           <pc:sldMk cId="1538798730" sldId="259"/>
         </pc:sldMkLst>
         <pc:spChg chg="mod">
-          <ac:chgData name="Bethann Wilde" userId="24fb2ca5d5dee031" providerId="LiveId" clId="{33E821F5-1A91-4580-8050-CEC4D2338AC2}" dt="2023-06-07T23:55:46.773" v="156" actId="20577"/>
+          <ac:chgData name="Bethann Wilde" userId="24fb2ca5d5dee031" providerId="LiveId" clId="{33E821F5-1A91-4580-8050-CEC4D2338AC2}" dt="2023-06-10T18:42:24.499" v="1422"/>
+          <ac:spMkLst>
+            <pc:docMk/>
+            <pc:sldMk cId="1538798730" sldId="259"/>
+            <ac:spMk id="2" creationId="{F4F8D6CA-5C78-605B-7F0F-29EF15D3011B}"/>
+          </ac:spMkLst>
+        </pc:spChg>
+        <pc:spChg chg="mod">
+          <ac:chgData name="Bethann Wilde" userId="24fb2ca5d5dee031" providerId="LiveId" clId="{33E821F5-1A91-4580-8050-CEC4D2338AC2}" dt="2023-06-10T18:42:24.499" v="1422"/>
           <ac:spMkLst>
             <pc:docMk/>
             <pc:sldMk cId="1538798730" sldId="259"/>
@@ -236,14 +434,14 @@
           </ac:spMkLst>
         </pc:spChg>
       </pc:sldChg>
-      <pc:sldChg chg="addSp delSp modSp new mod setBg">
-        <pc:chgData name="Bethann Wilde" userId="24fb2ca5d5dee031" providerId="LiveId" clId="{33E821F5-1A91-4580-8050-CEC4D2338AC2}" dt="2023-06-07T22:53:00.756" v="100" actId="20577"/>
+      <pc:sldChg chg="addSp delSp modSp new mod setBg delDesignElem">
+        <pc:chgData name="Bethann Wilde" userId="24fb2ca5d5dee031" providerId="LiveId" clId="{33E821F5-1A91-4580-8050-CEC4D2338AC2}" dt="2023-06-10T18:42:24.499" v="1422"/>
         <pc:sldMkLst>
           <pc:docMk/>
           <pc:sldMk cId="2015659930" sldId="260"/>
         </pc:sldMkLst>
         <pc:spChg chg="mod">
-          <ac:chgData name="Bethann Wilde" userId="24fb2ca5d5dee031" providerId="LiveId" clId="{33E821F5-1A91-4580-8050-CEC4D2338AC2}" dt="2023-06-07T22:27:18.798" v="80" actId="26606"/>
+          <ac:chgData name="Bethann Wilde" userId="24fb2ca5d5dee031" providerId="LiveId" clId="{33E821F5-1A91-4580-8050-CEC4D2338AC2}" dt="2023-06-10T18:41:44.282" v="1413" actId="26606"/>
           <ac:spMkLst>
             <pc:docMk/>
             <pc:sldMk cId="2015659930" sldId="260"/>
@@ -259,7 +457,7 @@
           </ac:spMkLst>
         </pc:spChg>
         <pc:spChg chg="mod ord">
-          <ac:chgData name="Bethann Wilde" userId="24fb2ca5d5dee031" providerId="LiveId" clId="{33E821F5-1A91-4580-8050-CEC4D2338AC2}" dt="2023-06-07T22:53:00.756" v="100" actId="20577"/>
+          <ac:chgData name="Bethann Wilde" userId="24fb2ca5d5dee031" providerId="LiveId" clId="{33E821F5-1A91-4580-8050-CEC4D2338AC2}" dt="2023-06-10T18:42:09.041" v="1419" actId="403"/>
           <ac:spMkLst>
             <pc:docMk/>
             <pc:sldMk cId="2015659930" sldId="260"/>
@@ -267,6 +465,22 @@
           </ac:spMkLst>
         </pc:spChg>
         <pc:spChg chg="add del">
+          <ac:chgData name="Bethann Wilde" userId="24fb2ca5d5dee031" providerId="LiveId" clId="{33E821F5-1A91-4580-8050-CEC4D2338AC2}" dt="2023-06-10T18:42:24.499" v="1422"/>
+          <ac:spMkLst>
+            <pc:docMk/>
+            <pc:sldMk cId="2015659930" sldId="260"/>
+            <ac:spMk id="7" creationId="{49306479-8C4D-4E4A-A330-DFC80A8A01BE}"/>
+          </ac:spMkLst>
+        </pc:spChg>
+        <pc:spChg chg="add del">
+          <ac:chgData name="Bethann Wilde" userId="24fb2ca5d5dee031" providerId="LiveId" clId="{33E821F5-1A91-4580-8050-CEC4D2338AC2}" dt="2023-06-10T18:42:24.499" v="1422"/>
+          <ac:spMkLst>
+            <pc:docMk/>
+            <pc:sldMk cId="2015659930" sldId="260"/>
+            <ac:spMk id="8" creationId="{84136905-015B-4510-B514-027CBA846BD6}"/>
+          </ac:spMkLst>
+        </pc:spChg>
+        <pc:spChg chg="add del">
           <ac:chgData name="Bethann Wilde" userId="24fb2ca5d5dee031" providerId="LiveId" clId="{33E821F5-1A91-4580-8050-CEC4D2338AC2}" dt="2023-06-07T22:27:34.596" v="82" actId="26606"/>
           <ac:spMkLst>
             <pc:docMk/>
@@ -282,16 +496,32 @@
             <ac:spMk id="12" creationId="{84136905-015B-4510-B514-027CBA846BD6}"/>
           </ac:spMkLst>
         </pc:spChg>
-        <pc:spChg chg="add">
-          <ac:chgData name="Bethann Wilde" userId="24fb2ca5d5dee031" providerId="LiveId" clId="{33E821F5-1A91-4580-8050-CEC4D2338AC2}" dt="2023-06-07T22:27:34.596" v="82" actId="26606"/>
+        <pc:spChg chg="add del">
+          <ac:chgData name="Bethann Wilde" userId="24fb2ca5d5dee031" providerId="LiveId" clId="{33E821F5-1A91-4580-8050-CEC4D2338AC2}" dt="2023-06-10T18:42:24.499" v="1422"/>
+          <ac:spMkLst>
+            <pc:docMk/>
+            <pc:sldMk cId="2015659930" sldId="260"/>
+            <ac:spMk id="14" creationId="{36CD0F97-2E5B-4E84-8544-EB24DED10446}"/>
+          </ac:spMkLst>
+        </pc:spChg>
+        <pc:spChg chg="add del">
+          <ac:chgData name="Bethann Wilde" userId="24fb2ca5d5dee031" providerId="LiveId" clId="{33E821F5-1A91-4580-8050-CEC4D2338AC2}" dt="2023-06-10T18:42:24.499" v="1422"/>
+          <ac:spMkLst>
+            <pc:docMk/>
+            <pc:sldMk cId="2015659930" sldId="260"/>
+            <ac:spMk id="16" creationId="{3B272257-593A-402F-88FA-F1DECD9E3FC4}"/>
+          </ac:spMkLst>
+        </pc:spChg>
+        <pc:spChg chg="add del">
+          <ac:chgData name="Bethann Wilde" userId="24fb2ca5d5dee031" providerId="LiveId" clId="{33E821F5-1A91-4580-8050-CEC4D2338AC2}" dt="2023-06-10T18:39:47.774" v="1408"/>
           <ac:spMkLst>
             <pc:docMk/>
             <pc:sldMk cId="2015659930" sldId="260"/>
             <ac:spMk id="17" creationId="{49306479-8C4D-4E4A-A330-DFC80A8A01BE}"/>
           </ac:spMkLst>
         </pc:spChg>
-        <pc:spChg chg="add">
-          <ac:chgData name="Bethann Wilde" userId="24fb2ca5d5dee031" providerId="LiveId" clId="{33E821F5-1A91-4580-8050-CEC4D2338AC2}" dt="2023-06-07T22:27:34.596" v="82" actId="26606"/>
+        <pc:spChg chg="add del">
+          <ac:chgData name="Bethann Wilde" userId="24fb2ca5d5dee031" providerId="LiveId" clId="{33E821F5-1A91-4580-8050-CEC4D2338AC2}" dt="2023-06-10T18:39:47.774" v="1408"/>
           <ac:spMkLst>
             <pc:docMk/>
             <pc:sldMk cId="2015659930" sldId="260"/>
@@ -299,7 +529,7 @@
           </ac:spMkLst>
         </pc:spChg>
         <pc:picChg chg="add mod">
-          <ac:chgData name="Bethann Wilde" userId="24fb2ca5d5dee031" providerId="LiveId" clId="{33E821F5-1A91-4580-8050-CEC4D2338AC2}" dt="2023-06-07T22:27:34.596" v="82" actId="26606"/>
+          <ac:chgData name="Bethann Wilde" userId="24fb2ca5d5dee031" providerId="LiveId" clId="{33E821F5-1A91-4580-8050-CEC4D2338AC2}" dt="2023-06-10T18:41:53.553" v="1415" actId="14100"/>
           <ac:picMkLst>
             <pc:docMk/>
             <pc:sldMk cId="2015659930" sldId="260"/>
@@ -307,8 +537,8 @@
           </ac:picMkLst>
         </pc:picChg>
       </pc:sldChg>
-      <pc:sldChg chg="addSp delSp modSp new mod setBg">
-        <pc:chgData name="Bethann Wilde" userId="24fb2ca5d5dee031" providerId="LiveId" clId="{33E821F5-1A91-4580-8050-CEC4D2338AC2}" dt="2023-06-08T00:59:13.158" v="586" actId="20577"/>
+      <pc:sldChg chg="addSp delSp modSp new mod setBg delDesignElem">
+        <pc:chgData name="Bethann Wilde" userId="24fb2ca5d5dee031" providerId="LiveId" clId="{33E821F5-1A91-4580-8050-CEC4D2338AC2}" dt="2023-06-10T18:43:34.997" v="1435" actId="26606"/>
         <pc:sldMkLst>
           <pc:docMk/>
           <pc:sldMk cId="3983833377" sldId="261"/>
@@ -330,7 +560,7 @@
           </ac:spMkLst>
         </pc:spChg>
         <pc:spChg chg="mod">
-          <ac:chgData name="Bethann Wilde" userId="24fb2ca5d5dee031" providerId="LiveId" clId="{33E821F5-1A91-4580-8050-CEC4D2338AC2}" dt="2023-06-08T00:59:13.158" v="586" actId="20577"/>
+          <ac:chgData name="Bethann Wilde" userId="24fb2ca5d5dee031" providerId="LiveId" clId="{33E821F5-1A91-4580-8050-CEC4D2338AC2}" dt="2023-06-10T18:43:34.997" v="1435" actId="26606"/>
           <ac:spMkLst>
             <pc:docMk/>
             <pc:sldMk cId="3983833377" sldId="261"/>
@@ -402,6 +632,22 @@
           </ac:spMkLst>
         </pc:spChg>
         <pc:spChg chg="add del">
+          <ac:chgData name="Bethann Wilde" userId="24fb2ca5d5dee031" providerId="LiveId" clId="{33E821F5-1A91-4580-8050-CEC4D2338AC2}" dt="2023-06-10T18:42:24.499" v="1422"/>
+          <ac:spMkLst>
+            <pc:docMk/>
+            <pc:sldMk cId="3983833377" sldId="261"/>
+            <ac:spMk id="24" creationId="{867738BA-6281-40B8-B775-410D49E724D0}"/>
+          </ac:spMkLst>
+        </pc:spChg>
+        <pc:spChg chg="add">
+          <ac:chgData name="Bethann Wilde" userId="24fb2ca5d5dee031" providerId="LiveId" clId="{33E821F5-1A91-4580-8050-CEC4D2338AC2}" dt="2023-06-10T18:43:34.997" v="1435" actId="26606"/>
+          <ac:spMkLst>
+            <pc:docMk/>
+            <pc:sldMk cId="3983833377" sldId="261"/>
+            <ac:spMk id="25" creationId="{49306479-8C4D-4E4A-A330-DFC80A8A01BE}"/>
+          </ac:spMkLst>
+        </pc:spChg>
+        <pc:spChg chg="add del">
           <ac:chgData name="Bethann Wilde" userId="24fb2ca5d5dee031" providerId="LiveId" clId="{33E821F5-1A91-4580-8050-CEC4D2338AC2}" dt="2023-06-08T00:33:17.189" v="414" actId="26606"/>
           <ac:spMkLst>
             <pc:docMk/>
@@ -410,6 +656,14 @@
           </ac:spMkLst>
         </pc:spChg>
         <pc:spChg chg="add del">
+          <ac:chgData name="Bethann Wilde" userId="24fb2ca5d5dee031" providerId="LiveId" clId="{33E821F5-1A91-4580-8050-CEC4D2338AC2}" dt="2023-06-10T18:42:24.499" v="1422"/>
+          <ac:spMkLst>
+            <pc:docMk/>
+            <pc:sldMk cId="3983833377" sldId="261"/>
+            <ac:spMk id="27" creationId="{49306479-8C4D-4E4A-A330-DFC80A8A01BE}"/>
+          </ac:spMkLst>
+        </pc:spChg>
+        <pc:spChg chg="add del">
           <ac:chgData name="Bethann Wilde" userId="24fb2ca5d5dee031" providerId="LiveId" clId="{33E821F5-1A91-4580-8050-CEC4D2338AC2}" dt="2023-06-08T00:33:17.189" v="414" actId="26606"/>
           <ac:spMkLst>
             <pc:docMk/>
@@ -417,8 +671,40 @@
             <ac:spMk id="28" creationId="{84136905-015B-4510-B514-027CBA846BD6}"/>
           </ac:spMkLst>
         </pc:spChg>
+        <pc:spChg chg="add del">
+          <ac:chgData name="Bethann Wilde" userId="24fb2ca5d5dee031" providerId="LiveId" clId="{33E821F5-1A91-4580-8050-CEC4D2338AC2}" dt="2023-06-10T18:42:24.499" v="1422"/>
+          <ac:spMkLst>
+            <pc:docMk/>
+            <pc:sldMk cId="3983833377" sldId="261"/>
+            <ac:spMk id="29" creationId="{84136905-015B-4510-B514-027CBA846BD6}"/>
+          </ac:spMkLst>
+        </pc:spChg>
         <pc:spChg chg="add">
-          <ac:chgData name="Bethann Wilde" userId="24fb2ca5d5dee031" providerId="LiveId" clId="{33E821F5-1A91-4580-8050-CEC4D2338AC2}" dt="2023-06-08T00:33:17.189" v="414" actId="26606"/>
+          <ac:chgData name="Bethann Wilde" userId="24fb2ca5d5dee031" providerId="LiveId" clId="{33E821F5-1A91-4580-8050-CEC4D2338AC2}" dt="2023-06-10T18:43:34.997" v="1435" actId="26606"/>
+          <ac:spMkLst>
+            <pc:docMk/>
+            <pc:sldMk cId="3983833377" sldId="261"/>
+            <ac:spMk id="30" creationId="{84136905-015B-4510-B514-027CBA846BD6}"/>
+          </ac:spMkLst>
+        </pc:spChg>
+        <pc:spChg chg="add del">
+          <ac:chgData name="Bethann Wilde" userId="24fb2ca5d5dee031" providerId="LiveId" clId="{33E821F5-1A91-4580-8050-CEC4D2338AC2}" dt="2023-06-10T18:42:24.499" v="1422"/>
+          <ac:spMkLst>
+            <pc:docMk/>
+            <pc:sldMk cId="3983833377" sldId="261"/>
+            <ac:spMk id="31" creationId="{36CD0F97-2E5B-4E84-8544-EB24DED10446}"/>
+          </ac:spMkLst>
+        </pc:spChg>
+        <pc:spChg chg="add">
+          <ac:chgData name="Bethann Wilde" userId="24fb2ca5d5dee031" providerId="LiveId" clId="{33E821F5-1A91-4580-8050-CEC4D2338AC2}" dt="2023-06-10T18:43:34.997" v="1435" actId="26606"/>
+          <ac:spMkLst>
+            <pc:docMk/>
+            <pc:sldMk cId="3983833377" sldId="261"/>
+            <ac:spMk id="32" creationId="{36CD0F97-2E5B-4E84-8544-EB24DED10446}"/>
+          </ac:spMkLst>
+        </pc:spChg>
+        <pc:spChg chg="add del">
+          <ac:chgData name="Bethann Wilde" userId="24fb2ca5d5dee031" providerId="LiveId" clId="{33E821F5-1A91-4580-8050-CEC4D2338AC2}" dt="2023-06-10T18:39:47.774" v="1408"/>
           <ac:spMkLst>
             <pc:docMk/>
             <pc:sldMk cId="3983833377" sldId="261"/>
@@ -426,23 +712,31 @@
           </ac:spMkLst>
         </pc:spChg>
         <pc:spChg chg="add">
-          <ac:chgData name="Bethann Wilde" userId="24fb2ca5d5dee031" providerId="LiveId" clId="{33E821F5-1A91-4580-8050-CEC4D2338AC2}" dt="2023-06-08T00:33:17.189" v="414" actId="26606"/>
+          <ac:chgData name="Bethann Wilde" userId="24fb2ca5d5dee031" providerId="LiveId" clId="{33E821F5-1A91-4580-8050-CEC4D2338AC2}" dt="2023-06-10T18:43:34.997" v="1435" actId="26606"/>
+          <ac:spMkLst>
+            <pc:docMk/>
+            <pc:sldMk cId="3983833377" sldId="261"/>
+            <ac:spMk id="34" creationId="{867738BA-6281-40B8-B775-410D49E724D0}"/>
+          </ac:spMkLst>
+        </pc:spChg>
+        <pc:spChg chg="add del">
+          <ac:chgData name="Bethann Wilde" userId="24fb2ca5d5dee031" providerId="LiveId" clId="{33E821F5-1A91-4580-8050-CEC4D2338AC2}" dt="2023-06-10T18:39:47.774" v="1408"/>
           <ac:spMkLst>
             <pc:docMk/>
             <pc:sldMk cId="3983833377" sldId="261"/>
             <ac:spMk id="35" creationId="{84136905-015B-4510-B514-027CBA846BD6}"/>
           </ac:spMkLst>
         </pc:spChg>
-        <pc:spChg chg="add">
-          <ac:chgData name="Bethann Wilde" userId="24fb2ca5d5dee031" providerId="LiveId" clId="{33E821F5-1A91-4580-8050-CEC4D2338AC2}" dt="2023-06-08T00:33:17.189" v="414" actId="26606"/>
+        <pc:spChg chg="add del">
+          <ac:chgData name="Bethann Wilde" userId="24fb2ca5d5dee031" providerId="LiveId" clId="{33E821F5-1A91-4580-8050-CEC4D2338AC2}" dt="2023-06-10T18:39:47.774" v="1408"/>
           <ac:spMkLst>
             <pc:docMk/>
             <pc:sldMk cId="3983833377" sldId="261"/>
             <ac:spMk id="37" creationId="{36CD0F97-2E5B-4E84-8544-EB24DED10446}"/>
           </ac:spMkLst>
         </pc:spChg>
-        <pc:spChg chg="add">
-          <ac:chgData name="Bethann Wilde" userId="24fb2ca5d5dee031" providerId="LiveId" clId="{33E821F5-1A91-4580-8050-CEC4D2338AC2}" dt="2023-06-08T00:33:17.189" v="414" actId="26606"/>
+        <pc:spChg chg="add del">
+          <ac:chgData name="Bethann Wilde" userId="24fb2ca5d5dee031" providerId="LiveId" clId="{33E821F5-1A91-4580-8050-CEC4D2338AC2}" dt="2023-06-10T18:39:47.774" v="1408"/>
           <ac:spMkLst>
             <pc:docMk/>
             <pc:sldMk cId="3983833377" sldId="261"/>
@@ -458,14 +752,14 @@
           </ac:picMkLst>
         </pc:picChg>
       </pc:sldChg>
-      <pc:sldChg chg="modSp new mod">
-        <pc:chgData name="Bethann Wilde" userId="24fb2ca5d5dee031" providerId="LiveId" clId="{33E821F5-1A91-4580-8050-CEC4D2338AC2}" dt="2023-06-08T00:53:53.649" v="578" actId="20577"/>
+      <pc:sldChg chg="addSp delSp modSp new mod">
+        <pc:chgData name="Bethann Wilde" userId="24fb2ca5d5dee031" providerId="LiveId" clId="{33E821F5-1A91-4580-8050-CEC4D2338AC2}" dt="2023-06-10T18:42:24.499" v="1422"/>
         <pc:sldMkLst>
           <pc:docMk/>
           <pc:sldMk cId="1008253675" sldId="262"/>
         </pc:sldMkLst>
         <pc:spChg chg="mod">
-          <ac:chgData name="Bethann Wilde" userId="24fb2ca5d5dee031" providerId="LiveId" clId="{33E821F5-1A91-4580-8050-CEC4D2338AC2}" dt="2023-06-08T00:42:07.176" v="477"/>
+          <ac:chgData name="Bethann Wilde" userId="24fb2ca5d5dee031" providerId="LiveId" clId="{33E821F5-1A91-4580-8050-CEC4D2338AC2}" dt="2023-06-10T18:42:24.499" v="1422"/>
           <ac:spMkLst>
             <pc:docMk/>
             <pc:sldMk cId="1008253675" sldId="262"/>
@@ -473,22 +767,54 @@
           </ac:spMkLst>
         </pc:spChg>
         <pc:spChg chg="mod">
-          <ac:chgData name="Bethann Wilde" userId="24fb2ca5d5dee031" providerId="LiveId" clId="{33E821F5-1A91-4580-8050-CEC4D2338AC2}" dt="2023-06-08T00:53:53.649" v="578" actId="20577"/>
+          <ac:chgData name="Bethann Wilde" userId="24fb2ca5d5dee031" providerId="LiveId" clId="{33E821F5-1A91-4580-8050-CEC4D2338AC2}" dt="2023-06-10T18:42:24.499" v="1422"/>
+          <ac:spMkLst>
+            <pc:docMk/>
+            <pc:sldMk cId="1008253675" sldId="262"/>
+            <ac:spMk id="3" creationId="{B3CAE228-85EE-25EA-51B9-CD15F03B4A4D}"/>
+          </ac:spMkLst>
+        </pc:spChg>
+        <pc:spChg chg="del mod">
+          <ac:chgData name="Bethann Wilde" userId="24fb2ca5d5dee031" providerId="LiveId" clId="{33E821F5-1A91-4580-8050-CEC4D2338AC2}" dt="2023-06-10T18:16:51.087" v="1299" actId="22"/>
           <ac:spMkLst>
             <pc:docMk/>
             <pc:sldMk cId="1008253675" sldId="262"/>
             <ac:spMk id="4" creationId="{50A3E92E-21B5-1632-6C8A-724F08ADFEB6}"/>
           </ac:spMkLst>
         </pc:spChg>
+        <pc:spChg chg="add mod ord">
+          <ac:chgData name="Bethann Wilde" userId="24fb2ca5d5dee031" providerId="LiveId" clId="{33E821F5-1A91-4580-8050-CEC4D2338AC2}" dt="2023-06-10T18:22:46.991" v="1312" actId="207"/>
+          <ac:spMkLst>
+            <pc:docMk/>
+            <pc:sldMk cId="1008253675" sldId="262"/>
+            <ac:spMk id="8" creationId="{7E26452A-84D2-650A-E8C3-5AFF856FBE2B}"/>
+          </ac:spMkLst>
+        </pc:spChg>
+        <pc:picChg chg="add mod ord">
+          <ac:chgData name="Bethann Wilde" userId="24fb2ca5d5dee031" providerId="LiveId" clId="{33E821F5-1A91-4580-8050-CEC4D2338AC2}" dt="2023-06-10T18:42:24.499" v="1422"/>
+          <ac:picMkLst>
+            <pc:docMk/>
+            <pc:sldMk cId="1008253675" sldId="262"/>
+            <ac:picMk id="6" creationId="{412DE073-2830-4637-EE52-4C580F26E4EB}"/>
+          </ac:picMkLst>
+        </pc:picChg>
+        <pc:picChg chg="add mod modCrop">
+          <ac:chgData name="Bethann Wilde" userId="24fb2ca5d5dee031" providerId="LiveId" clId="{33E821F5-1A91-4580-8050-CEC4D2338AC2}" dt="2023-06-10T18:19:23.505" v="1308" actId="1076"/>
+          <ac:picMkLst>
+            <pc:docMk/>
+            <pc:sldMk cId="1008253675" sldId="262"/>
+            <ac:picMk id="7" creationId="{6245EB18-466B-26D8-378B-7B31AD9BDEA2}"/>
+          </ac:picMkLst>
+        </pc:picChg>
       </pc:sldChg>
-      <pc:sldChg chg="modSp new mod">
-        <pc:chgData name="Bethann Wilde" userId="24fb2ca5d5dee031" providerId="LiveId" clId="{33E821F5-1A91-4580-8050-CEC4D2338AC2}" dt="2023-06-08T00:51:41.860" v="553"/>
+      <pc:sldChg chg="addSp delSp modSp new mod">
+        <pc:chgData name="Bethann Wilde" userId="24fb2ca5d5dee031" providerId="LiveId" clId="{33E821F5-1A91-4580-8050-CEC4D2338AC2}" dt="2023-06-10T18:42:24.499" v="1422"/>
         <pc:sldMkLst>
           <pc:docMk/>
           <pc:sldMk cId="1352397419" sldId="263"/>
         </pc:sldMkLst>
         <pc:spChg chg="mod">
-          <ac:chgData name="Bethann Wilde" userId="24fb2ca5d5dee031" providerId="LiveId" clId="{33E821F5-1A91-4580-8050-CEC4D2338AC2}" dt="2023-06-08T00:42:18.290" v="478"/>
+          <ac:chgData name="Bethann Wilde" userId="24fb2ca5d5dee031" providerId="LiveId" clId="{33E821F5-1A91-4580-8050-CEC4D2338AC2}" dt="2023-06-10T18:42:24.499" v="1422"/>
           <ac:spMkLst>
             <pc:docMk/>
             <pc:sldMk cId="1352397419" sldId="263"/>
@@ -496,53 +822,245 @@
           </ac:spMkLst>
         </pc:spChg>
         <pc:spChg chg="mod">
-          <ac:chgData name="Bethann Wilde" userId="24fb2ca5d5dee031" providerId="LiveId" clId="{33E821F5-1A91-4580-8050-CEC4D2338AC2}" dt="2023-06-08T00:51:41.860" v="553"/>
+          <ac:chgData name="Bethann Wilde" userId="24fb2ca5d5dee031" providerId="LiveId" clId="{33E821F5-1A91-4580-8050-CEC4D2338AC2}" dt="2023-06-10T18:42:24.499" v="1422"/>
+          <ac:spMkLst>
+            <pc:docMk/>
+            <pc:sldMk cId="1352397419" sldId="263"/>
+            <ac:spMk id="3" creationId="{51F736C5-640F-6BEC-23E2-BAB82E5FC071}"/>
+          </ac:spMkLst>
+        </pc:spChg>
+        <pc:spChg chg="mod">
+          <ac:chgData name="Bethann Wilde" userId="24fb2ca5d5dee031" providerId="LiveId" clId="{33E821F5-1A91-4580-8050-CEC4D2338AC2}" dt="2023-06-10T18:42:24.499" v="1422"/>
           <ac:spMkLst>
             <pc:docMk/>
             <pc:sldMk cId="1352397419" sldId="263"/>
             <ac:spMk id="4" creationId="{04E087CF-F218-E966-D87A-6751A0724182}"/>
           </ac:spMkLst>
         </pc:spChg>
+        <pc:picChg chg="add mod">
+          <ac:chgData name="Bethann Wilde" userId="24fb2ca5d5dee031" providerId="LiveId" clId="{33E821F5-1A91-4580-8050-CEC4D2338AC2}" dt="2023-06-08T23:16:05.801" v="590" actId="1076"/>
+          <ac:picMkLst>
+            <pc:docMk/>
+            <pc:sldMk cId="1352397419" sldId="263"/>
+            <ac:picMk id="6" creationId="{4E3110D7-787B-4A4D-F617-90D75B7F8C06}"/>
+          </ac:picMkLst>
+        </pc:picChg>
+        <pc:picChg chg="add del mod">
+          <ac:chgData name="Bethann Wilde" userId="24fb2ca5d5dee031" providerId="LiveId" clId="{33E821F5-1A91-4580-8050-CEC4D2338AC2}" dt="2023-06-08T23:19:05.873" v="595" actId="21"/>
+          <ac:picMkLst>
+            <pc:docMk/>
+            <pc:sldMk cId="1352397419" sldId="263"/>
+            <ac:picMk id="7" creationId="{5F00DF8D-AD86-61E5-6119-5A2B282BCA36}"/>
+          </ac:picMkLst>
+        </pc:picChg>
+        <pc:picChg chg="add del mod">
+          <ac:chgData name="Bethann Wilde" userId="24fb2ca5d5dee031" providerId="LiveId" clId="{33E821F5-1A91-4580-8050-CEC4D2338AC2}" dt="2023-06-08T23:29:47.210" v="610" actId="478"/>
+          <ac:picMkLst>
+            <pc:docMk/>
+            <pc:sldMk cId="1352397419" sldId="263"/>
+            <ac:picMk id="8" creationId="{0D788BCD-89A9-4FB9-082F-DDA209725324}"/>
+          </ac:picMkLst>
+        </pc:picChg>
+        <pc:picChg chg="add mod">
+          <ac:chgData name="Bethann Wilde" userId="24fb2ca5d5dee031" providerId="LiveId" clId="{33E821F5-1A91-4580-8050-CEC4D2338AC2}" dt="2023-06-09T01:01:13.018" v="929" actId="1076"/>
+          <ac:picMkLst>
+            <pc:docMk/>
+            <pc:sldMk cId="1352397419" sldId="263"/>
+            <ac:picMk id="9" creationId="{EB37A413-F775-8B53-F0FE-480AF7220D8B}"/>
+          </ac:picMkLst>
+        </pc:picChg>
+        <pc:picChg chg="add mod modCrop">
+          <ac:chgData name="Bethann Wilde" userId="24fb2ca5d5dee031" providerId="LiveId" clId="{33E821F5-1A91-4580-8050-CEC4D2338AC2}" dt="2023-06-09T01:01:01.660" v="926" actId="1076"/>
+          <ac:picMkLst>
+            <pc:docMk/>
+            <pc:sldMk cId="1352397419" sldId="263"/>
+            <ac:picMk id="10" creationId="{31FA9C0E-4779-C89D-B46B-2C34DA48A85A}"/>
+          </ac:picMkLst>
+        </pc:picChg>
       </pc:sldChg>
-      <pc:sldChg chg="modSp new mod">
-        <pc:chgData name="Bethann Wilde" userId="24fb2ca5d5dee031" providerId="LiveId" clId="{33E821F5-1A91-4580-8050-CEC4D2338AC2}" dt="2023-06-08T00:51:03.340" v="552"/>
+      <pc:sldChg chg="addSp delSp modSp new mod ord setBg delDesignElem">
+        <pc:chgData name="Bethann Wilde" userId="24fb2ca5d5dee031" providerId="LiveId" clId="{33E821F5-1A91-4580-8050-CEC4D2338AC2}" dt="2023-06-10T18:42:33.081" v="1423" actId="26606"/>
         <pc:sldMkLst>
           <pc:docMk/>
           <pc:sldMk cId="1644834414" sldId="264"/>
         </pc:sldMkLst>
         <pc:spChg chg="mod">
-          <ac:chgData name="Bethann Wilde" userId="24fb2ca5d5dee031" providerId="LiveId" clId="{33E821F5-1A91-4580-8050-CEC4D2338AC2}" dt="2023-06-08T00:42:31.353" v="479"/>
+          <ac:chgData name="Bethann Wilde" userId="24fb2ca5d5dee031" providerId="LiveId" clId="{33E821F5-1A91-4580-8050-CEC4D2338AC2}" dt="2023-06-10T17:12:20.721" v="948" actId="26606"/>
           <ac:spMkLst>
             <pc:docMk/>
             <pc:sldMk cId="1644834414" sldId="264"/>
             <ac:spMk id="2" creationId="{CFCE0837-93B0-7964-7F41-B0A953331003}"/>
           </ac:spMkLst>
         </pc:spChg>
-        <pc:spChg chg="mod">
-          <ac:chgData name="Bethann Wilde" userId="24fb2ca5d5dee031" providerId="LiveId" clId="{33E821F5-1A91-4580-8050-CEC4D2338AC2}" dt="2023-06-08T00:51:03.340" v="552"/>
+        <pc:spChg chg="mod ord">
+          <ac:chgData name="Bethann Wilde" userId="24fb2ca5d5dee031" providerId="LiveId" clId="{33E821F5-1A91-4580-8050-CEC4D2338AC2}" dt="2023-06-10T17:12:20.721" v="948" actId="26606"/>
+          <ac:spMkLst>
+            <pc:docMk/>
+            <pc:sldMk cId="1644834414" sldId="264"/>
+            <ac:spMk id="3" creationId="{77255DA6-04A0-48B8-A0A1-0A346130C5EA}"/>
+          </ac:spMkLst>
+        </pc:spChg>
+        <pc:spChg chg="del mod">
+          <ac:chgData name="Bethann Wilde" userId="24fb2ca5d5dee031" providerId="LiveId" clId="{33E821F5-1A91-4580-8050-CEC4D2338AC2}" dt="2023-06-08T23:27:40.330" v="606" actId="22"/>
           <ac:spMkLst>
             <pc:docMk/>
             <pc:sldMk cId="1644834414" sldId="264"/>
             <ac:spMk id="4" creationId="{7EDAF99E-6F5B-02D0-744E-2F9CDE13031F}"/>
           </ac:spMkLst>
         </pc:spChg>
+        <pc:spChg chg="add">
+          <ac:chgData name="Bethann Wilde" userId="24fb2ca5d5dee031" providerId="LiveId" clId="{33E821F5-1A91-4580-8050-CEC4D2338AC2}" dt="2023-06-10T18:42:33.081" v="1423" actId="26606"/>
+          <ac:spMkLst>
+            <pc:docMk/>
+            <pc:sldMk cId="1644834414" sldId="264"/>
+            <ac:spMk id="1028" creationId="{49306479-8C4D-4E4A-A330-DFC80A8A01BE}"/>
+          </ac:spMkLst>
+        </pc:spChg>
+        <pc:spChg chg="add">
+          <ac:chgData name="Bethann Wilde" userId="24fb2ca5d5dee031" providerId="LiveId" clId="{33E821F5-1A91-4580-8050-CEC4D2338AC2}" dt="2023-06-10T18:42:33.081" v="1423" actId="26606"/>
+          <ac:spMkLst>
+            <pc:docMk/>
+            <pc:sldMk cId="1644834414" sldId="264"/>
+            <ac:spMk id="1029" creationId="{84136905-015B-4510-B514-027CBA846BD6}"/>
+          </ac:spMkLst>
+        </pc:spChg>
+        <pc:spChg chg="add">
+          <ac:chgData name="Bethann Wilde" userId="24fb2ca5d5dee031" providerId="LiveId" clId="{33E821F5-1A91-4580-8050-CEC4D2338AC2}" dt="2023-06-10T18:42:33.081" v="1423" actId="26606"/>
+          <ac:spMkLst>
+            <pc:docMk/>
+            <pc:sldMk cId="1644834414" sldId="264"/>
+            <ac:spMk id="1030" creationId="{36CD0F97-2E5B-4E84-8544-EB24DED10446}"/>
+          </ac:spMkLst>
+        </pc:spChg>
+        <pc:spChg chg="add del">
+          <ac:chgData name="Bethann Wilde" userId="24fb2ca5d5dee031" providerId="LiveId" clId="{33E821F5-1A91-4580-8050-CEC4D2338AC2}" dt="2023-06-10T17:12:06.660" v="945" actId="26606"/>
+          <ac:spMkLst>
+            <pc:docMk/>
+            <pc:sldMk cId="1644834414" sldId="264"/>
+            <ac:spMk id="1031" creationId="{49306479-8C4D-4E4A-A330-DFC80A8A01BE}"/>
+          </ac:spMkLst>
+        </pc:spChg>
+        <pc:spChg chg="add">
+          <ac:chgData name="Bethann Wilde" userId="24fb2ca5d5dee031" providerId="LiveId" clId="{33E821F5-1A91-4580-8050-CEC4D2338AC2}" dt="2023-06-10T18:42:33.081" v="1423" actId="26606"/>
+          <ac:spMkLst>
+            <pc:docMk/>
+            <pc:sldMk cId="1644834414" sldId="264"/>
+            <ac:spMk id="1032" creationId="{A67FFD73-5996-479A-B8EB-EBA3DECC089A}"/>
+          </ac:spMkLst>
+        </pc:spChg>
+        <pc:spChg chg="add del">
+          <ac:chgData name="Bethann Wilde" userId="24fb2ca5d5dee031" providerId="LiveId" clId="{33E821F5-1A91-4580-8050-CEC4D2338AC2}" dt="2023-06-10T17:12:06.660" v="945" actId="26606"/>
+          <ac:spMkLst>
+            <pc:docMk/>
+            <pc:sldMk cId="1644834414" sldId="264"/>
+            <ac:spMk id="1033" creationId="{84136905-015B-4510-B514-027CBA846BD6}"/>
+          </ac:spMkLst>
+        </pc:spChg>
+        <pc:spChg chg="add del">
+          <ac:chgData name="Bethann Wilde" userId="24fb2ca5d5dee031" providerId="LiveId" clId="{33E821F5-1A91-4580-8050-CEC4D2338AC2}" dt="2023-06-10T17:12:06.660" v="945" actId="26606"/>
+          <ac:spMkLst>
+            <pc:docMk/>
+            <pc:sldMk cId="1644834414" sldId="264"/>
+            <ac:spMk id="1035" creationId="{36CD0F97-2E5B-4E84-8544-EB24DED10446}"/>
+          </ac:spMkLst>
+        </pc:spChg>
+        <pc:spChg chg="add del">
+          <ac:chgData name="Bethann Wilde" userId="24fb2ca5d5dee031" providerId="LiveId" clId="{33E821F5-1A91-4580-8050-CEC4D2338AC2}" dt="2023-06-10T17:12:06.660" v="945" actId="26606"/>
+          <ac:spMkLst>
+            <pc:docMk/>
+            <pc:sldMk cId="1644834414" sldId="264"/>
+            <ac:spMk id="1037" creationId="{3B272257-593A-402F-88FA-F1DECD9E3FC4}"/>
+          </ac:spMkLst>
+        </pc:spChg>
+        <pc:spChg chg="add del">
+          <ac:chgData name="Bethann Wilde" userId="24fb2ca5d5dee031" providerId="LiveId" clId="{33E821F5-1A91-4580-8050-CEC4D2338AC2}" dt="2023-06-10T17:12:20.696" v="947" actId="26606"/>
+          <ac:spMkLst>
+            <pc:docMk/>
+            <pc:sldMk cId="1644834414" sldId="264"/>
+            <ac:spMk id="1039" creationId="{49306479-8C4D-4E4A-A330-DFC80A8A01BE}"/>
+          </ac:spMkLst>
+        </pc:spChg>
+        <pc:spChg chg="add del">
+          <ac:chgData name="Bethann Wilde" userId="24fb2ca5d5dee031" providerId="LiveId" clId="{33E821F5-1A91-4580-8050-CEC4D2338AC2}" dt="2023-06-10T17:12:20.696" v="947" actId="26606"/>
+          <ac:spMkLst>
+            <pc:docMk/>
+            <pc:sldMk cId="1644834414" sldId="264"/>
+            <ac:spMk id="1040" creationId="{84136905-015B-4510-B514-027CBA846BD6}"/>
+          </ac:spMkLst>
+        </pc:spChg>
+        <pc:spChg chg="add del">
+          <ac:chgData name="Bethann Wilde" userId="24fb2ca5d5dee031" providerId="LiveId" clId="{33E821F5-1A91-4580-8050-CEC4D2338AC2}" dt="2023-06-10T18:39:47.774" v="1408"/>
+          <ac:spMkLst>
+            <pc:docMk/>
+            <pc:sldMk cId="1644834414" sldId="264"/>
+            <ac:spMk id="1042" creationId="{49306479-8C4D-4E4A-A330-DFC80A8A01BE}"/>
+          </ac:spMkLst>
+        </pc:spChg>
+        <pc:spChg chg="add del">
+          <ac:chgData name="Bethann Wilde" userId="24fb2ca5d5dee031" providerId="LiveId" clId="{33E821F5-1A91-4580-8050-CEC4D2338AC2}" dt="2023-06-10T18:39:47.774" v="1408"/>
+          <ac:spMkLst>
+            <pc:docMk/>
+            <pc:sldMk cId="1644834414" sldId="264"/>
+            <ac:spMk id="1043" creationId="{84136905-015B-4510-B514-027CBA846BD6}"/>
+          </ac:spMkLst>
+        </pc:spChg>
+        <pc:spChg chg="add del">
+          <ac:chgData name="Bethann Wilde" userId="24fb2ca5d5dee031" providerId="LiveId" clId="{33E821F5-1A91-4580-8050-CEC4D2338AC2}" dt="2023-06-10T18:39:47.774" v="1408"/>
+          <ac:spMkLst>
+            <pc:docMk/>
+            <pc:sldMk cId="1644834414" sldId="264"/>
+            <ac:spMk id="1044" creationId="{36CD0F97-2E5B-4E84-8544-EB24DED10446}"/>
+          </ac:spMkLst>
+        </pc:spChg>
+        <pc:spChg chg="add del">
+          <ac:chgData name="Bethann Wilde" userId="24fb2ca5d5dee031" providerId="LiveId" clId="{33E821F5-1A91-4580-8050-CEC4D2338AC2}" dt="2023-06-10T18:39:47.774" v="1408"/>
+          <ac:spMkLst>
+            <pc:docMk/>
+            <pc:sldMk cId="1644834414" sldId="264"/>
+            <ac:spMk id="1045" creationId="{A67FFD73-5996-479A-B8EB-EBA3DECC089A}"/>
+          </ac:spMkLst>
+        </pc:spChg>
+        <pc:picChg chg="add del mod">
+          <ac:chgData name="Bethann Wilde" userId="24fb2ca5d5dee031" providerId="LiveId" clId="{33E821F5-1A91-4580-8050-CEC4D2338AC2}" dt="2023-06-08T23:22:24.272" v="601" actId="478"/>
+          <ac:picMkLst>
+            <pc:docMk/>
+            <pc:sldMk cId="1644834414" sldId="264"/>
+            <ac:picMk id="5" creationId="{F4AF4E62-15B1-F653-1A7A-6743241F5F17}"/>
+          </ac:picMkLst>
+        </pc:picChg>
+        <pc:picChg chg="add mod ord">
+          <ac:chgData name="Bethann Wilde" userId="24fb2ca5d5dee031" providerId="LiveId" clId="{33E821F5-1A91-4580-8050-CEC4D2338AC2}" dt="2023-06-10T18:42:33.081" v="1423" actId="26606"/>
+          <ac:picMkLst>
+            <pc:docMk/>
+            <pc:sldMk cId="1644834414" sldId="264"/>
+            <ac:picMk id="7" creationId="{213344A2-59A1-BF4C-3146-A14DE0C87749}"/>
+          </ac:picMkLst>
+        </pc:picChg>
+        <pc:picChg chg="add mod">
+          <ac:chgData name="Bethann Wilde" userId="24fb2ca5d5dee031" providerId="LiveId" clId="{33E821F5-1A91-4580-8050-CEC4D2338AC2}" dt="2023-06-10T18:42:33.081" v="1423" actId="26606"/>
+          <ac:picMkLst>
+            <pc:docMk/>
+            <pc:sldMk cId="1644834414" sldId="264"/>
+            <ac:picMk id="1026" creationId="{348E0327-E6B1-FAC0-ACA4-E0EBCF88CA5C}"/>
+          </ac:picMkLst>
+        </pc:picChg>
       </pc:sldChg>
-      <pc:sldChg chg="addSp delSp modSp new mod">
-        <pc:chgData name="Bethann Wilde" userId="24fb2ca5d5dee031" providerId="LiveId" clId="{33E821F5-1A91-4580-8050-CEC4D2338AC2}" dt="2023-06-08T00:56:02.202" v="585" actId="20577"/>
+      <pc:sldChg chg="addSp delSp modSp new mod setBg delDesignElem">
+        <pc:chgData name="Bethann Wilde" userId="24fb2ca5d5dee031" providerId="LiveId" clId="{33E821F5-1A91-4580-8050-CEC4D2338AC2}" dt="2023-06-10T18:42:55.583" v="1426" actId="26606"/>
         <pc:sldMkLst>
           <pc:docMk/>
           <pc:sldMk cId="2834790090" sldId="265"/>
         </pc:sldMkLst>
         <pc:spChg chg="mod">
-          <ac:chgData name="Bethann Wilde" userId="24fb2ca5d5dee031" providerId="LiveId" clId="{33E821F5-1A91-4580-8050-CEC4D2338AC2}" dt="2023-06-08T00:43:16.746" v="488" actId="20577"/>
+          <ac:chgData name="Bethann Wilde" userId="24fb2ca5d5dee031" providerId="LiveId" clId="{33E821F5-1A91-4580-8050-CEC4D2338AC2}" dt="2023-06-10T18:42:55.567" v="1425" actId="26606"/>
           <ac:spMkLst>
             <pc:docMk/>
             <pc:sldMk cId="2834790090" sldId="265"/>
             <ac:spMk id="2" creationId="{54BAC91B-4BDE-73A0-69B0-30497B8A3E67}"/>
           </ac:spMkLst>
         </pc:spChg>
-        <pc:spChg chg="mod">
-          <ac:chgData name="Bethann Wilde" userId="24fb2ca5d5dee031" providerId="LiveId" clId="{33E821F5-1A91-4580-8050-CEC4D2338AC2}" dt="2023-06-08T00:49:41.473" v="550" actId="27636"/>
+        <pc:spChg chg="mod ord">
+          <ac:chgData name="Bethann Wilde" userId="24fb2ca5d5dee031" providerId="LiveId" clId="{33E821F5-1A91-4580-8050-CEC4D2338AC2}" dt="2023-06-10T18:42:55.583" v="1426" actId="26606"/>
           <ac:spMkLst>
             <pc:docMk/>
             <pc:sldMk cId="2834790090" sldId="265"/>
@@ -550,7 +1068,7 @@
           </ac:spMkLst>
         </pc:spChg>
         <pc:spChg chg="add del mod">
-          <ac:chgData name="Bethann Wilde" userId="24fb2ca5d5dee031" providerId="LiveId" clId="{33E821F5-1A91-4580-8050-CEC4D2338AC2}" dt="2023-06-08T00:56:02.202" v="585" actId="20577"/>
+          <ac:chgData name="Bethann Wilde" userId="24fb2ca5d5dee031" providerId="LiveId" clId="{33E821F5-1A91-4580-8050-CEC4D2338AC2}" dt="2023-06-08T23:34:16.568" v="616" actId="22"/>
           <ac:spMkLst>
             <pc:docMk/>
             <pc:sldMk cId="2834790090" sldId="265"/>
@@ -563,6 +1081,102 @@
             <pc:docMk/>
             <pc:sldMk cId="2834790090" sldId="265"/>
             <ac:spMk id="6" creationId="{EAD0FFB0-CFC7-4B6D-3104-CADEF26411A3}"/>
+          </ac:spMkLst>
+        </pc:spChg>
+        <pc:spChg chg="add del">
+          <ac:chgData name="Bethann Wilde" userId="24fb2ca5d5dee031" providerId="LiveId" clId="{33E821F5-1A91-4580-8050-CEC4D2338AC2}" dt="2023-06-10T18:42:55.567" v="1425" actId="26606"/>
+          <ac:spMkLst>
+            <pc:docMk/>
+            <pc:sldMk cId="2834790090" sldId="265"/>
+            <ac:spMk id="8" creationId="{49306479-8C4D-4E4A-A330-DFC80A8A01BE}"/>
+          </ac:spMkLst>
+        </pc:spChg>
+        <pc:spChg chg="add del">
+          <ac:chgData name="Bethann Wilde" userId="24fb2ca5d5dee031" providerId="LiveId" clId="{33E821F5-1A91-4580-8050-CEC4D2338AC2}" dt="2023-06-10T18:42:55.567" v="1425" actId="26606"/>
+          <ac:spMkLst>
+            <pc:docMk/>
+            <pc:sldMk cId="2834790090" sldId="265"/>
+            <ac:spMk id="9" creationId="{84136905-015B-4510-B514-027CBA846BD6}"/>
+          </ac:spMkLst>
+        </pc:spChg>
+        <pc:spChg chg="add del">
+          <ac:chgData name="Bethann Wilde" userId="24fb2ca5d5dee031" providerId="LiveId" clId="{33E821F5-1A91-4580-8050-CEC4D2338AC2}" dt="2023-06-10T18:42:55.567" v="1425" actId="26606"/>
+          <ac:spMkLst>
+            <pc:docMk/>
+            <pc:sldMk cId="2834790090" sldId="265"/>
+            <ac:spMk id="10" creationId="{36CD0F97-2E5B-4E84-8544-EB24DED10446}"/>
+          </ac:spMkLst>
+        </pc:spChg>
+        <pc:spChg chg="add del">
+          <ac:chgData name="Bethann Wilde" userId="24fb2ca5d5dee031" providerId="LiveId" clId="{33E821F5-1A91-4580-8050-CEC4D2338AC2}" dt="2023-06-10T18:39:47.774" v="1408"/>
+          <ac:spMkLst>
+            <pc:docMk/>
+            <pc:sldMk cId="2834790090" sldId="265"/>
+            <ac:spMk id="11" creationId="{49306479-8C4D-4E4A-A330-DFC80A8A01BE}"/>
+          </ac:spMkLst>
+        </pc:spChg>
+        <pc:spChg chg="add del">
+          <ac:chgData name="Bethann Wilde" userId="24fb2ca5d5dee031" providerId="LiveId" clId="{33E821F5-1A91-4580-8050-CEC4D2338AC2}" dt="2023-06-10T18:42:55.567" v="1425" actId="26606"/>
+          <ac:spMkLst>
+            <pc:docMk/>
+            <pc:sldMk cId="2834790090" sldId="265"/>
+            <ac:spMk id="12" creationId="{EF37EE88-E359-4E69-A072-9959A84E1110}"/>
+          </ac:spMkLst>
+        </pc:spChg>
+        <pc:spChg chg="add del">
+          <ac:chgData name="Bethann Wilde" userId="24fb2ca5d5dee031" providerId="LiveId" clId="{33E821F5-1A91-4580-8050-CEC4D2338AC2}" dt="2023-06-10T18:39:47.774" v="1408"/>
+          <ac:spMkLst>
+            <pc:docMk/>
+            <pc:sldMk cId="2834790090" sldId="265"/>
+            <ac:spMk id="13" creationId="{84136905-015B-4510-B514-027CBA846BD6}"/>
+          </ac:spMkLst>
+        </pc:spChg>
+        <pc:spChg chg="add">
+          <ac:chgData name="Bethann Wilde" userId="24fb2ca5d5dee031" providerId="LiveId" clId="{33E821F5-1A91-4580-8050-CEC4D2338AC2}" dt="2023-06-10T18:42:55.583" v="1426" actId="26606"/>
+          <ac:spMkLst>
+            <pc:docMk/>
+            <pc:sldMk cId="2834790090" sldId="265"/>
+            <ac:spMk id="14" creationId="{49306479-8C4D-4E4A-A330-DFC80A8A01BE}"/>
+          </ac:spMkLst>
+        </pc:spChg>
+        <pc:spChg chg="add del">
+          <ac:chgData name="Bethann Wilde" userId="24fb2ca5d5dee031" providerId="LiveId" clId="{33E821F5-1A91-4580-8050-CEC4D2338AC2}" dt="2023-06-10T18:39:47.774" v="1408"/>
+          <ac:spMkLst>
+            <pc:docMk/>
+            <pc:sldMk cId="2834790090" sldId="265"/>
+            <ac:spMk id="15" creationId="{36CD0F97-2E5B-4E84-8544-EB24DED10446}"/>
+          </ac:spMkLst>
+        </pc:spChg>
+        <pc:spChg chg="add">
+          <ac:chgData name="Bethann Wilde" userId="24fb2ca5d5dee031" providerId="LiveId" clId="{33E821F5-1A91-4580-8050-CEC4D2338AC2}" dt="2023-06-10T18:42:55.583" v="1426" actId="26606"/>
+          <ac:spMkLst>
+            <pc:docMk/>
+            <pc:sldMk cId="2834790090" sldId="265"/>
+            <ac:spMk id="16" creationId="{84136905-015B-4510-B514-027CBA846BD6}"/>
+          </ac:spMkLst>
+        </pc:spChg>
+        <pc:spChg chg="add del">
+          <ac:chgData name="Bethann Wilde" userId="24fb2ca5d5dee031" providerId="LiveId" clId="{33E821F5-1A91-4580-8050-CEC4D2338AC2}" dt="2023-06-10T18:39:47.774" v="1408"/>
+          <ac:spMkLst>
+            <pc:docMk/>
+            <pc:sldMk cId="2834790090" sldId="265"/>
+            <ac:spMk id="17" creationId="{18E670AF-873F-44DB-9862-796E652EECDB}"/>
+          </ac:spMkLst>
+        </pc:spChg>
+        <pc:spChg chg="add">
+          <ac:chgData name="Bethann Wilde" userId="24fb2ca5d5dee031" providerId="LiveId" clId="{33E821F5-1A91-4580-8050-CEC4D2338AC2}" dt="2023-06-10T18:42:55.583" v="1426" actId="26606"/>
+          <ac:spMkLst>
+            <pc:docMk/>
+            <pc:sldMk cId="2834790090" sldId="265"/>
+            <ac:spMk id="18" creationId="{36CD0F97-2E5B-4E84-8544-EB24DED10446}"/>
+          </ac:spMkLst>
+        </pc:spChg>
+        <pc:spChg chg="add">
+          <ac:chgData name="Bethann Wilde" userId="24fb2ca5d5dee031" providerId="LiveId" clId="{33E821F5-1A91-4580-8050-CEC4D2338AC2}" dt="2023-06-10T18:42:55.583" v="1426" actId="26606"/>
+          <ac:spMkLst>
+            <pc:docMk/>
+            <pc:sldMk cId="2834790090" sldId="265"/>
+            <ac:spMk id="19" creationId="{867738BA-6281-40B8-B775-410D49E724D0}"/>
           </ac:spMkLst>
         </pc:spChg>
         <pc:graphicFrameChg chg="add del mod">
@@ -573,15 +1187,23 @@
             <ac:graphicFrameMk id="5" creationId="{F2F2D721-8A72-0FF6-CD4B-969FFD5F35D5}"/>
           </ac:graphicFrameMkLst>
         </pc:graphicFrameChg>
+        <pc:picChg chg="add mod ord">
+          <ac:chgData name="Bethann Wilde" userId="24fb2ca5d5dee031" providerId="LiveId" clId="{33E821F5-1A91-4580-8050-CEC4D2338AC2}" dt="2023-06-10T18:42:55.583" v="1426" actId="26606"/>
+          <ac:picMkLst>
+            <pc:docMk/>
+            <pc:sldMk cId="2834790090" sldId="265"/>
+            <ac:picMk id="6" creationId="{6536A916-9183-EE4E-28DF-7BF874B63B2C}"/>
+          </ac:picMkLst>
+        </pc:picChg>
       </pc:sldChg>
-      <pc:sldChg chg="modSp new mod">
-        <pc:chgData name="Bethann Wilde" userId="24fb2ca5d5dee031" providerId="LiveId" clId="{33E821F5-1A91-4580-8050-CEC4D2338AC2}" dt="2023-06-08T00:55:05.261" v="579"/>
+      <pc:sldChg chg="addSp delSp modSp new mod">
+        <pc:chgData name="Bethann Wilde" userId="24fb2ca5d5dee031" providerId="LiveId" clId="{33E821F5-1A91-4580-8050-CEC4D2338AC2}" dt="2023-06-10T19:09:25.561" v="1499" actId="1076"/>
         <pc:sldMkLst>
           <pc:docMk/>
           <pc:sldMk cId="42658032" sldId="266"/>
         </pc:sldMkLst>
         <pc:spChg chg="mod">
-          <ac:chgData name="Bethann Wilde" userId="24fb2ca5d5dee031" providerId="LiveId" clId="{33E821F5-1A91-4580-8050-CEC4D2338AC2}" dt="2023-06-08T00:44:01.447" v="497"/>
+          <ac:chgData name="Bethann Wilde" userId="24fb2ca5d5dee031" providerId="LiveId" clId="{33E821F5-1A91-4580-8050-CEC4D2338AC2}" dt="2023-06-10T18:42:24.499" v="1422"/>
           <ac:spMkLst>
             <pc:docMk/>
             <pc:sldMk cId="42658032" sldId="266"/>
@@ -589,36 +1211,505 @@
           </ac:spMkLst>
         </pc:spChg>
         <pc:spChg chg="mod">
-          <ac:chgData name="Bethann Wilde" userId="24fb2ca5d5dee031" providerId="LiveId" clId="{33E821F5-1A91-4580-8050-CEC4D2338AC2}" dt="2023-06-08T00:55:05.261" v="579"/>
+          <ac:chgData name="Bethann Wilde" userId="24fb2ca5d5dee031" providerId="LiveId" clId="{33E821F5-1A91-4580-8050-CEC4D2338AC2}" dt="2023-06-10T18:54:02.006" v="1474" actId="6549"/>
+          <ac:spMkLst>
+            <pc:docMk/>
+            <pc:sldMk cId="42658032" sldId="266"/>
+            <ac:spMk id="3" creationId="{A01DA075-36AA-1D1D-4846-1064ED9F6885}"/>
+          </ac:spMkLst>
+        </pc:spChg>
+        <pc:spChg chg="del mod">
+          <ac:chgData name="Bethann Wilde" userId="24fb2ca5d5dee031" providerId="LiveId" clId="{33E821F5-1A91-4580-8050-CEC4D2338AC2}" dt="2023-06-10T19:06:10.591" v="1476" actId="22"/>
           <ac:spMkLst>
             <pc:docMk/>
             <pc:sldMk cId="42658032" sldId="266"/>
             <ac:spMk id="4" creationId="{CDAC1C07-92C3-7185-C0A8-B2B6E5518B7E}"/>
           </ac:spMkLst>
         </pc:spChg>
+        <pc:picChg chg="add mod ord">
+          <ac:chgData name="Bethann Wilde" userId="24fb2ca5d5dee031" providerId="LiveId" clId="{33E821F5-1A91-4580-8050-CEC4D2338AC2}" dt="2023-06-10T19:09:25.561" v="1499" actId="1076"/>
+          <ac:picMkLst>
+            <pc:docMk/>
+            <pc:sldMk cId="42658032" sldId="266"/>
+            <ac:picMk id="6" creationId="{E606B8BB-77BB-93F5-038F-8E584FD096D3}"/>
+          </ac:picMkLst>
+        </pc:picChg>
+        <pc:picChg chg="add mod modCrop">
+          <ac:chgData name="Bethann Wilde" userId="24fb2ca5d5dee031" providerId="LiveId" clId="{33E821F5-1A91-4580-8050-CEC4D2338AC2}" dt="2023-06-10T19:08:14.795" v="1492" actId="1037"/>
+          <ac:picMkLst>
+            <pc:docMk/>
+            <pc:sldMk cId="42658032" sldId="266"/>
+            <ac:picMk id="8" creationId="{BDEC93D8-794E-3D9D-6CEA-CE1FBA94CDAB}"/>
+          </ac:picMkLst>
+        </pc:picChg>
+        <pc:picChg chg="add mod">
+          <ac:chgData name="Bethann Wilde" userId="24fb2ca5d5dee031" providerId="LiveId" clId="{33E821F5-1A91-4580-8050-CEC4D2338AC2}" dt="2023-06-10T19:09:22.242" v="1498" actId="1076"/>
+          <ac:picMkLst>
+            <pc:docMk/>
+            <pc:sldMk cId="42658032" sldId="266"/>
+            <ac:picMk id="9" creationId="{80D69B0B-8FD9-FC1C-62BB-77F9DA3302BF}"/>
+          </ac:picMkLst>
+        </pc:picChg>
       </pc:sldChg>
-      <pc:sldChg chg="modSp new mod">
-        <pc:chgData name="Bethann Wilde" userId="24fb2ca5d5dee031" providerId="LiveId" clId="{33E821F5-1A91-4580-8050-CEC4D2338AC2}" dt="2023-06-08T00:55:50.942" v="580"/>
+      <pc:sldChg chg="addSp delSp modSp new mod setBg delDesignElem">
+        <pc:chgData name="Bethann Wilde" userId="24fb2ca5d5dee031" providerId="LiveId" clId="{33E821F5-1A91-4580-8050-CEC4D2338AC2}" dt="2023-06-10T18:43:12.838" v="1434" actId="27636"/>
         <pc:sldMkLst>
           <pc:docMk/>
           <pc:sldMk cId="3865918781" sldId="267"/>
         </pc:sldMkLst>
         <pc:spChg chg="mod">
-          <ac:chgData name="Bethann Wilde" userId="24fb2ca5d5dee031" providerId="LiveId" clId="{33E821F5-1A91-4580-8050-CEC4D2338AC2}" dt="2023-06-08T00:45:43.177" v="507" actId="6549"/>
+          <ac:chgData name="Bethann Wilde" userId="24fb2ca5d5dee031" providerId="LiveId" clId="{33E821F5-1A91-4580-8050-CEC4D2338AC2}" dt="2023-06-10T18:43:12.818" v="1433" actId="26606"/>
           <ac:spMkLst>
             <pc:docMk/>
             <pc:sldMk cId="3865918781" sldId="267"/>
             <ac:spMk id="2" creationId="{35A84A2E-DCA0-940C-F0C5-458D7C04B99B}"/>
           </ac:spMkLst>
         </pc:spChg>
-        <pc:spChg chg="mod">
-          <ac:chgData name="Bethann Wilde" userId="24fb2ca5d5dee031" providerId="LiveId" clId="{33E821F5-1A91-4580-8050-CEC4D2338AC2}" dt="2023-06-08T00:55:50.942" v="580"/>
+        <pc:spChg chg="add del">
+          <ac:chgData name="Bethann Wilde" userId="24fb2ca5d5dee031" providerId="LiveId" clId="{33E821F5-1A91-4580-8050-CEC4D2338AC2}" dt="2023-06-10T17:11:38.200" v="943" actId="26606"/>
+          <ac:spMkLst>
+            <pc:docMk/>
+            <pc:sldMk cId="3865918781" sldId="267"/>
+            <ac:spMk id="3" creationId="{DED0685E-57FC-1BAF-63F8-DAF7ABB3FE3C}"/>
+          </ac:spMkLst>
+        </pc:spChg>
+        <pc:spChg chg="del mod">
+          <ac:chgData name="Bethann Wilde" userId="24fb2ca5d5dee031" providerId="LiveId" clId="{33E821F5-1A91-4580-8050-CEC4D2338AC2}" dt="2023-06-10T17:10:44.437" v="932" actId="22"/>
           <ac:spMkLst>
             <pc:docMk/>
             <pc:sldMk cId="3865918781" sldId="267"/>
             <ac:spMk id="4" creationId="{145F2A55-170A-CC4D-CC33-E65684CF79E7}"/>
           </ac:spMkLst>
         </pc:spChg>
+        <pc:spChg chg="add del">
+          <ac:chgData name="Bethann Wilde" userId="24fb2ca5d5dee031" providerId="LiveId" clId="{33E821F5-1A91-4580-8050-CEC4D2338AC2}" dt="2023-06-10T17:10:58.447" v="934" actId="26606"/>
+          <ac:spMkLst>
+            <pc:docMk/>
+            <pc:sldMk cId="3865918781" sldId="267"/>
+            <ac:spMk id="11" creationId="{49306479-8C4D-4E4A-A330-DFC80A8A01BE}"/>
+          </ac:spMkLst>
+        </pc:spChg>
+        <pc:spChg chg="add del">
+          <ac:chgData name="Bethann Wilde" userId="24fb2ca5d5dee031" providerId="LiveId" clId="{33E821F5-1A91-4580-8050-CEC4D2338AC2}" dt="2023-06-10T17:10:58.447" v="934" actId="26606"/>
+          <ac:spMkLst>
+            <pc:docMk/>
+            <pc:sldMk cId="3865918781" sldId="267"/>
+            <ac:spMk id="13" creationId="{4843B56B-DD63-40AB-85E1-E18901E137B6}"/>
+          </ac:spMkLst>
+        </pc:spChg>
+        <pc:spChg chg="add del">
+          <ac:chgData name="Bethann Wilde" userId="24fb2ca5d5dee031" providerId="LiveId" clId="{33E821F5-1A91-4580-8050-CEC4D2338AC2}" dt="2023-06-10T17:10:58.447" v="934" actId="26606"/>
+          <ac:spMkLst>
+            <pc:docMk/>
+            <pc:sldMk cId="3865918781" sldId="267"/>
+            <ac:spMk id="15" creationId="{419344E4-CB02-427C-9FF0-E06375167953}"/>
+          </ac:spMkLst>
+        </pc:spChg>
+        <pc:spChg chg="add del">
+          <ac:chgData name="Bethann Wilde" userId="24fb2ca5d5dee031" providerId="LiveId" clId="{33E821F5-1A91-4580-8050-CEC4D2338AC2}" dt="2023-06-10T17:10:58.447" v="934" actId="26606"/>
+          <ac:spMkLst>
+            <pc:docMk/>
+            <pc:sldMk cId="3865918781" sldId="267"/>
+            <ac:spMk id="17" creationId="{220E33D0-A190-4F8A-9DB6-C531C95CA02D}"/>
+          </ac:spMkLst>
+        </pc:spChg>
+        <pc:spChg chg="add del">
+          <ac:chgData name="Bethann Wilde" userId="24fb2ca5d5dee031" providerId="LiveId" clId="{33E821F5-1A91-4580-8050-CEC4D2338AC2}" dt="2023-06-10T17:11:14.187" v="936" actId="26606"/>
+          <ac:spMkLst>
+            <pc:docMk/>
+            <pc:sldMk cId="3865918781" sldId="267"/>
+            <ac:spMk id="19" creationId="{49306479-8C4D-4E4A-A330-DFC80A8A01BE}"/>
+          </ac:spMkLst>
+        </pc:spChg>
+        <pc:spChg chg="add del">
+          <ac:chgData name="Bethann Wilde" userId="24fb2ca5d5dee031" providerId="LiveId" clId="{33E821F5-1A91-4580-8050-CEC4D2338AC2}" dt="2023-06-10T17:11:14.187" v="936" actId="26606"/>
+          <ac:spMkLst>
+            <pc:docMk/>
+            <pc:sldMk cId="3865918781" sldId="267"/>
+            <ac:spMk id="20" creationId="{84136905-015B-4510-B514-027CBA846BD6}"/>
+          </ac:spMkLst>
+        </pc:spChg>
+        <pc:spChg chg="add del">
+          <ac:chgData name="Bethann Wilde" userId="24fb2ca5d5dee031" providerId="LiveId" clId="{33E821F5-1A91-4580-8050-CEC4D2338AC2}" dt="2023-06-10T17:11:14.187" v="936" actId="26606"/>
+          <ac:spMkLst>
+            <pc:docMk/>
+            <pc:sldMk cId="3865918781" sldId="267"/>
+            <ac:spMk id="21" creationId="{DED0685E-57FC-1BAF-63F8-DAF7ABB3FE3C}"/>
+          </ac:spMkLst>
+        </pc:spChg>
+        <pc:spChg chg="add del">
+          <ac:chgData name="Bethann Wilde" userId="24fb2ca5d5dee031" providerId="LiveId" clId="{33E821F5-1A91-4580-8050-CEC4D2338AC2}" dt="2023-06-10T17:11:21.787" v="938" actId="26606"/>
+          <ac:spMkLst>
+            <pc:docMk/>
+            <pc:sldMk cId="3865918781" sldId="267"/>
+            <ac:spMk id="23" creationId="{49306479-8C4D-4E4A-A330-DFC80A8A01BE}"/>
+          </ac:spMkLst>
+        </pc:spChg>
+        <pc:spChg chg="add del">
+          <ac:chgData name="Bethann Wilde" userId="24fb2ca5d5dee031" providerId="LiveId" clId="{33E821F5-1A91-4580-8050-CEC4D2338AC2}" dt="2023-06-10T17:11:21.787" v="938" actId="26606"/>
+          <ac:spMkLst>
+            <pc:docMk/>
+            <pc:sldMk cId="3865918781" sldId="267"/>
+            <ac:spMk id="24" creationId="{84136905-015B-4510-B514-027CBA846BD6}"/>
+          </ac:spMkLst>
+        </pc:spChg>
+        <pc:spChg chg="add del">
+          <ac:chgData name="Bethann Wilde" userId="24fb2ca5d5dee031" providerId="LiveId" clId="{33E821F5-1A91-4580-8050-CEC4D2338AC2}" dt="2023-06-10T17:11:21.787" v="938" actId="26606"/>
+          <ac:spMkLst>
+            <pc:docMk/>
+            <pc:sldMk cId="3865918781" sldId="267"/>
+            <ac:spMk id="25" creationId="{36CD0F97-2E5B-4E84-8544-EB24DED10446}"/>
+          </ac:spMkLst>
+        </pc:spChg>
+        <pc:spChg chg="add del">
+          <ac:chgData name="Bethann Wilde" userId="24fb2ca5d5dee031" providerId="LiveId" clId="{33E821F5-1A91-4580-8050-CEC4D2338AC2}" dt="2023-06-10T17:11:21.787" v="938" actId="26606"/>
+          <ac:spMkLst>
+            <pc:docMk/>
+            <pc:sldMk cId="3865918781" sldId="267"/>
+            <ac:spMk id="26" creationId="{3B272257-593A-402F-88FA-F1DECD9E3FC4}"/>
+          </ac:spMkLst>
+        </pc:spChg>
+        <pc:spChg chg="add del">
+          <ac:chgData name="Bethann Wilde" userId="24fb2ca5d5dee031" providerId="LiveId" clId="{33E821F5-1A91-4580-8050-CEC4D2338AC2}" dt="2023-06-10T17:11:21.787" v="938" actId="26606"/>
+          <ac:spMkLst>
+            <pc:docMk/>
+            <pc:sldMk cId="3865918781" sldId="267"/>
+            <ac:spMk id="27" creationId="{DED0685E-57FC-1BAF-63F8-DAF7ABB3FE3C}"/>
+          </ac:spMkLst>
+        </pc:spChg>
+        <pc:spChg chg="add del">
+          <ac:chgData name="Bethann Wilde" userId="24fb2ca5d5dee031" providerId="LiveId" clId="{33E821F5-1A91-4580-8050-CEC4D2338AC2}" dt="2023-06-10T17:11:31.596" v="940" actId="26606"/>
+          <ac:spMkLst>
+            <pc:docMk/>
+            <pc:sldMk cId="3865918781" sldId="267"/>
+            <ac:spMk id="29" creationId="{49306479-8C4D-4E4A-A330-DFC80A8A01BE}"/>
+          </ac:spMkLst>
+        </pc:spChg>
+        <pc:spChg chg="add del">
+          <ac:chgData name="Bethann Wilde" userId="24fb2ca5d5dee031" providerId="LiveId" clId="{33E821F5-1A91-4580-8050-CEC4D2338AC2}" dt="2023-06-10T17:11:31.596" v="940" actId="26606"/>
+          <ac:spMkLst>
+            <pc:docMk/>
+            <pc:sldMk cId="3865918781" sldId="267"/>
+            <ac:spMk id="30" creationId="{84136905-015B-4510-B514-027CBA846BD6}"/>
+          </ac:spMkLst>
+        </pc:spChg>
+        <pc:spChg chg="add del">
+          <ac:chgData name="Bethann Wilde" userId="24fb2ca5d5dee031" providerId="LiveId" clId="{33E821F5-1A91-4580-8050-CEC4D2338AC2}" dt="2023-06-10T17:11:31.596" v="940" actId="26606"/>
+          <ac:spMkLst>
+            <pc:docMk/>
+            <pc:sldMk cId="3865918781" sldId="267"/>
+            <ac:spMk id="31" creationId="{36CD0F97-2E5B-4E84-8544-EB24DED10446}"/>
+          </ac:spMkLst>
+        </pc:spChg>
+        <pc:spChg chg="add del">
+          <ac:chgData name="Bethann Wilde" userId="24fb2ca5d5dee031" providerId="LiveId" clId="{33E821F5-1A91-4580-8050-CEC4D2338AC2}" dt="2023-06-10T17:11:31.596" v="940" actId="26606"/>
+          <ac:spMkLst>
+            <pc:docMk/>
+            <pc:sldMk cId="3865918781" sldId="267"/>
+            <ac:spMk id="32" creationId="{EF37EE88-E359-4E69-A072-9959A84E1110}"/>
+          </ac:spMkLst>
+        </pc:spChg>
+        <pc:spChg chg="add del">
+          <ac:chgData name="Bethann Wilde" userId="24fb2ca5d5dee031" providerId="LiveId" clId="{33E821F5-1A91-4580-8050-CEC4D2338AC2}" dt="2023-06-10T17:11:31.596" v="940" actId="26606"/>
+          <ac:spMkLst>
+            <pc:docMk/>
+            <pc:sldMk cId="3865918781" sldId="267"/>
+            <ac:spMk id="33" creationId="{DED0685E-57FC-1BAF-63F8-DAF7ABB3FE3C}"/>
+          </ac:spMkLst>
+        </pc:spChg>
+        <pc:spChg chg="add del">
+          <ac:chgData name="Bethann Wilde" userId="24fb2ca5d5dee031" providerId="LiveId" clId="{33E821F5-1A91-4580-8050-CEC4D2338AC2}" dt="2023-06-10T17:11:38.178" v="942" actId="26606"/>
+          <ac:spMkLst>
+            <pc:docMk/>
+            <pc:sldMk cId="3865918781" sldId="267"/>
+            <ac:spMk id="35" creationId="{49306479-8C4D-4E4A-A330-DFC80A8A01BE}"/>
+          </ac:spMkLst>
+        </pc:spChg>
+        <pc:spChg chg="add del">
+          <ac:chgData name="Bethann Wilde" userId="24fb2ca5d5dee031" providerId="LiveId" clId="{33E821F5-1A91-4580-8050-CEC4D2338AC2}" dt="2023-06-10T17:11:38.178" v="942" actId="26606"/>
+          <ac:spMkLst>
+            <pc:docMk/>
+            <pc:sldMk cId="3865918781" sldId="267"/>
+            <ac:spMk id="36" creationId="{84136905-015B-4510-B514-027CBA846BD6}"/>
+          </ac:spMkLst>
+        </pc:spChg>
+        <pc:spChg chg="add del">
+          <ac:chgData name="Bethann Wilde" userId="24fb2ca5d5dee031" providerId="LiveId" clId="{33E821F5-1A91-4580-8050-CEC4D2338AC2}" dt="2023-06-10T17:11:38.178" v="942" actId="26606"/>
+          <ac:spMkLst>
+            <pc:docMk/>
+            <pc:sldMk cId="3865918781" sldId="267"/>
+            <ac:spMk id="37" creationId="{36CD0F97-2E5B-4E84-8544-EB24DED10446}"/>
+          </ac:spMkLst>
+        </pc:spChg>
+        <pc:spChg chg="add del">
+          <ac:chgData name="Bethann Wilde" userId="24fb2ca5d5dee031" providerId="LiveId" clId="{33E821F5-1A91-4580-8050-CEC4D2338AC2}" dt="2023-06-10T17:11:38.178" v="942" actId="26606"/>
+          <ac:spMkLst>
+            <pc:docMk/>
+            <pc:sldMk cId="3865918781" sldId="267"/>
+            <ac:spMk id="38" creationId="{DB667490-DB81-488B-B0E9-A2D13C48B92B}"/>
+          </ac:spMkLst>
+        </pc:spChg>
+        <pc:spChg chg="add del">
+          <ac:chgData name="Bethann Wilde" userId="24fb2ca5d5dee031" providerId="LiveId" clId="{33E821F5-1A91-4580-8050-CEC4D2338AC2}" dt="2023-06-10T17:11:38.178" v="942" actId="26606"/>
+          <ac:spMkLst>
+            <pc:docMk/>
+            <pc:sldMk cId="3865918781" sldId="267"/>
+            <ac:spMk id="39" creationId="{DED0685E-57FC-1BAF-63F8-DAF7ABB3FE3C}"/>
+          </ac:spMkLst>
+        </pc:spChg>
+        <pc:spChg chg="add del">
+          <ac:chgData name="Bethann Wilde" userId="24fb2ca5d5dee031" providerId="LiveId" clId="{33E821F5-1A91-4580-8050-CEC4D2338AC2}" dt="2023-06-10T18:39:47.774" v="1408"/>
+          <ac:spMkLst>
+            <pc:docMk/>
+            <pc:sldMk cId="3865918781" sldId="267"/>
+            <ac:spMk id="41" creationId="{49306479-8C4D-4E4A-A330-DFC80A8A01BE}"/>
+          </ac:spMkLst>
+        </pc:spChg>
+        <pc:spChg chg="add del">
+          <ac:chgData name="Bethann Wilde" userId="24fb2ca5d5dee031" providerId="LiveId" clId="{33E821F5-1A91-4580-8050-CEC4D2338AC2}" dt="2023-06-10T18:39:47.774" v="1408"/>
+          <ac:spMkLst>
+            <pc:docMk/>
+            <pc:sldMk cId="3865918781" sldId="267"/>
+            <ac:spMk id="42" creationId="{84136905-015B-4510-B514-027CBA846BD6}"/>
+          </ac:spMkLst>
+        </pc:spChg>
+        <pc:spChg chg="add del">
+          <ac:chgData name="Bethann Wilde" userId="24fb2ca5d5dee031" providerId="LiveId" clId="{33E821F5-1A91-4580-8050-CEC4D2338AC2}" dt="2023-06-10T18:39:47.774" v="1408"/>
+          <ac:spMkLst>
+            <pc:docMk/>
+            <pc:sldMk cId="3865918781" sldId="267"/>
+            <ac:spMk id="43" creationId="{36CD0F97-2E5B-4E84-8544-EB24DED10446}"/>
+          </ac:spMkLst>
+        </pc:spChg>
+        <pc:spChg chg="add del">
+          <ac:chgData name="Bethann Wilde" userId="24fb2ca5d5dee031" providerId="LiveId" clId="{33E821F5-1A91-4580-8050-CEC4D2338AC2}" dt="2023-06-10T18:39:47.774" v="1408"/>
+          <ac:spMkLst>
+            <pc:docMk/>
+            <pc:sldMk cId="3865918781" sldId="267"/>
+            <ac:spMk id="44" creationId="{18E670AF-873F-44DB-9862-796E652EECDB}"/>
+          </ac:spMkLst>
+        </pc:spChg>
+        <pc:spChg chg="add mod">
+          <ac:chgData name="Bethann Wilde" userId="24fb2ca5d5dee031" providerId="LiveId" clId="{33E821F5-1A91-4580-8050-CEC4D2338AC2}" dt="2023-06-10T18:43:12.838" v="1434" actId="27636"/>
+          <ac:spMkLst>
+            <pc:docMk/>
+            <pc:sldMk cId="3865918781" sldId="267"/>
+            <ac:spMk id="45" creationId="{DED0685E-57FC-1BAF-63F8-DAF7ABB3FE3C}"/>
+          </ac:spMkLst>
+        </pc:spChg>
+        <pc:spChg chg="add del">
+          <ac:chgData name="Bethann Wilde" userId="24fb2ca5d5dee031" providerId="LiveId" clId="{33E821F5-1A91-4580-8050-CEC4D2338AC2}" dt="2023-06-10T18:43:10.710" v="1429" actId="26606"/>
+          <ac:spMkLst>
+            <pc:docMk/>
+            <pc:sldMk cId="3865918781" sldId="267"/>
+            <ac:spMk id="50" creationId="{49306479-8C4D-4E4A-A330-DFC80A8A01BE}"/>
+          </ac:spMkLst>
+        </pc:spChg>
+        <pc:spChg chg="add del">
+          <ac:chgData name="Bethann Wilde" userId="24fb2ca5d5dee031" providerId="LiveId" clId="{33E821F5-1A91-4580-8050-CEC4D2338AC2}" dt="2023-06-10T18:43:10.710" v="1429" actId="26606"/>
+          <ac:spMkLst>
+            <pc:docMk/>
+            <pc:sldMk cId="3865918781" sldId="267"/>
+            <ac:spMk id="52" creationId="{ACEDC033-8DAA-4024-87F5-57430053AE84}"/>
+          </ac:spMkLst>
+        </pc:spChg>
+        <pc:spChg chg="add del">
+          <ac:chgData name="Bethann Wilde" userId="24fb2ca5d5dee031" providerId="LiveId" clId="{33E821F5-1A91-4580-8050-CEC4D2338AC2}" dt="2023-06-10T18:43:10.710" v="1429" actId="26606"/>
+          <ac:spMkLst>
+            <pc:docMk/>
+            <pc:sldMk cId="3865918781" sldId="267"/>
+            <ac:spMk id="54" creationId="{D584A691-C497-4066-927B-46560195E11F}"/>
+          </ac:spMkLst>
+        </pc:spChg>
+        <pc:spChg chg="add del">
+          <ac:chgData name="Bethann Wilde" userId="24fb2ca5d5dee031" providerId="LiveId" clId="{33E821F5-1A91-4580-8050-CEC4D2338AC2}" dt="2023-06-10T18:43:10.710" v="1429" actId="26606"/>
+          <ac:spMkLst>
+            <pc:docMk/>
+            <pc:sldMk cId="3865918781" sldId="267"/>
+            <ac:spMk id="56" creationId="{619A6F3B-F0D9-4CB0-B8A1-B84B57852C61}"/>
+          </ac:spMkLst>
+        </pc:spChg>
+        <pc:spChg chg="add del">
+          <ac:chgData name="Bethann Wilde" userId="24fb2ca5d5dee031" providerId="LiveId" clId="{33E821F5-1A91-4580-8050-CEC4D2338AC2}" dt="2023-06-10T18:43:12.800" v="1432" actId="26606"/>
+          <ac:spMkLst>
+            <pc:docMk/>
+            <pc:sldMk cId="3865918781" sldId="267"/>
+            <ac:spMk id="58" creationId="{49306479-8C4D-4E4A-A330-DFC80A8A01BE}"/>
+          </ac:spMkLst>
+        </pc:spChg>
+        <pc:spChg chg="add del">
+          <ac:chgData name="Bethann Wilde" userId="24fb2ca5d5dee031" providerId="LiveId" clId="{33E821F5-1A91-4580-8050-CEC4D2338AC2}" dt="2023-06-10T18:43:12.800" v="1432" actId="26606"/>
+          <ac:spMkLst>
+            <pc:docMk/>
+            <pc:sldMk cId="3865918781" sldId="267"/>
+            <ac:spMk id="59" creationId="{ACEDC033-8DAA-4024-87F5-57430053AE84}"/>
+          </ac:spMkLst>
+        </pc:spChg>
+        <pc:spChg chg="add del">
+          <ac:chgData name="Bethann Wilde" userId="24fb2ca5d5dee031" providerId="LiveId" clId="{33E821F5-1A91-4580-8050-CEC4D2338AC2}" dt="2023-06-10T18:43:12.800" v="1432" actId="26606"/>
+          <ac:spMkLst>
+            <pc:docMk/>
+            <pc:sldMk cId="3865918781" sldId="267"/>
+            <ac:spMk id="60" creationId="{D584A691-C497-4066-927B-46560195E11F}"/>
+          </ac:spMkLst>
+        </pc:spChg>
+        <pc:spChg chg="add del">
+          <ac:chgData name="Bethann Wilde" userId="24fb2ca5d5dee031" providerId="LiveId" clId="{33E821F5-1A91-4580-8050-CEC4D2338AC2}" dt="2023-06-10T18:43:12.800" v="1432" actId="26606"/>
+          <ac:spMkLst>
+            <pc:docMk/>
+            <pc:sldMk cId="3865918781" sldId="267"/>
+            <ac:spMk id="61" creationId="{619A6F3B-F0D9-4CB0-B8A1-B84B57852C61}"/>
+          </ac:spMkLst>
+        </pc:spChg>
+        <pc:spChg chg="add">
+          <ac:chgData name="Bethann Wilde" userId="24fb2ca5d5dee031" providerId="LiveId" clId="{33E821F5-1A91-4580-8050-CEC4D2338AC2}" dt="2023-06-10T18:43:12.818" v="1433" actId="26606"/>
+          <ac:spMkLst>
+            <pc:docMk/>
+            <pc:sldMk cId="3865918781" sldId="267"/>
+            <ac:spMk id="63" creationId="{49306479-8C4D-4E4A-A330-DFC80A8A01BE}"/>
+          </ac:spMkLst>
+        </pc:spChg>
+        <pc:spChg chg="add">
+          <ac:chgData name="Bethann Wilde" userId="24fb2ca5d5dee031" providerId="LiveId" clId="{33E821F5-1A91-4580-8050-CEC4D2338AC2}" dt="2023-06-10T18:43:12.818" v="1433" actId="26606"/>
+          <ac:spMkLst>
+            <pc:docMk/>
+            <pc:sldMk cId="3865918781" sldId="267"/>
+            <ac:spMk id="64" creationId="{ACEDC033-8DAA-4024-87F5-57430053AE84}"/>
+          </ac:spMkLst>
+        </pc:spChg>
+        <pc:spChg chg="add">
+          <ac:chgData name="Bethann Wilde" userId="24fb2ca5d5dee031" providerId="LiveId" clId="{33E821F5-1A91-4580-8050-CEC4D2338AC2}" dt="2023-06-10T18:43:12.818" v="1433" actId="26606"/>
+          <ac:spMkLst>
+            <pc:docMk/>
+            <pc:sldMk cId="3865918781" sldId="267"/>
+            <ac:spMk id="65" creationId="{D584A691-C497-4066-927B-46560195E11F}"/>
+          </ac:spMkLst>
+        </pc:spChg>
+        <pc:spChg chg="add">
+          <ac:chgData name="Bethann Wilde" userId="24fb2ca5d5dee031" providerId="LiveId" clId="{33E821F5-1A91-4580-8050-CEC4D2338AC2}" dt="2023-06-10T18:43:12.818" v="1433" actId="26606"/>
+          <ac:spMkLst>
+            <pc:docMk/>
+            <pc:sldMk cId="3865918781" sldId="267"/>
+            <ac:spMk id="66" creationId="{619A6F3B-F0D9-4CB0-B8A1-B84B57852C61}"/>
+          </ac:spMkLst>
+        </pc:spChg>
+        <pc:picChg chg="add mod ord">
+          <ac:chgData name="Bethann Wilde" userId="24fb2ca5d5dee031" providerId="LiveId" clId="{33E821F5-1A91-4580-8050-CEC4D2338AC2}" dt="2023-06-10T18:43:12.818" v="1433" actId="26606"/>
+          <ac:picMkLst>
+            <pc:docMk/>
+            <pc:sldMk cId="3865918781" sldId="267"/>
+            <ac:picMk id="6" creationId="{C5DB9286-10D4-054A-4795-EA2982363A27}"/>
+          </ac:picMkLst>
+        </pc:picChg>
+        <pc:picChg chg="add mod">
+          <ac:chgData name="Bethann Wilde" userId="24fb2ca5d5dee031" providerId="LiveId" clId="{33E821F5-1A91-4580-8050-CEC4D2338AC2}" dt="2023-06-10T18:43:12.818" v="1433" actId="26606"/>
+          <ac:picMkLst>
+            <pc:docMk/>
+            <pc:sldMk cId="3865918781" sldId="267"/>
+            <ac:picMk id="8" creationId="{5F47C79E-53A9-9072-3F05-5A504A2FCBEC}"/>
+          </ac:picMkLst>
+        </pc:picChg>
+        <pc:picChg chg="add mod">
+          <ac:chgData name="Bethann Wilde" userId="24fb2ca5d5dee031" providerId="LiveId" clId="{33E821F5-1A91-4580-8050-CEC4D2338AC2}" dt="2023-06-10T18:43:12.818" v="1433" actId="26606"/>
+          <ac:picMkLst>
+            <pc:docMk/>
+            <pc:sldMk cId="3865918781" sldId="267"/>
+            <ac:picMk id="10" creationId="{4498566B-5443-9B87-E03D-60A6333F077D}"/>
+          </ac:picMkLst>
+        </pc:picChg>
+      </pc:sldChg>
+      <pc:sldChg chg="modSp new mod">
+        <pc:chgData name="Bethann Wilde" userId="24fb2ca5d5dee031" providerId="LiveId" clId="{33E821F5-1A91-4580-8050-CEC4D2338AC2}" dt="2023-06-10T19:25:50.317" v="1930" actId="20577"/>
+        <pc:sldMkLst>
+          <pc:docMk/>
+          <pc:sldMk cId="1274903695" sldId="268"/>
+        </pc:sldMkLst>
+        <pc:spChg chg="mod">
+          <ac:chgData name="Bethann Wilde" userId="24fb2ca5d5dee031" providerId="LiveId" clId="{33E821F5-1A91-4580-8050-CEC4D2338AC2}" dt="2023-06-10T18:42:24.499" v="1422"/>
+          <ac:spMkLst>
+            <pc:docMk/>
+            <pc:sldMk cId="1274903695" sldId="268"/>
+            <ac:spMk id="2" creationId="{A606D49F-32DE-F49D-959B-525971D57D51}"/>
+          </ac:spMkLst>
+        </pc:spChg>
+        <pc:spChg chg="mod">
+          <ac:chgData name="Bethann Wilde" userId="24fb2ca5d5dee031" providerId="LiveId" clId="{33E821F5-1A91-4580-8050-CEC4D2338AC2}" dt="2023-06-10T19:25:50.317" v="1930" actId="20577"/>
+          <ac:spMkLst>
+            <pc:docMk/>
+            <pc:sldMk cId="1274903695" sldId="268"/>
+            <ac:spMk id="3" creationId="{2B4B82D2-E63E-FDE5-5530-646DEBD07A3B}"/>
+          </ac:spMkLst>
+        </pc:spChg>
+        <pc:spChg chg="mod">
+          <ac:chgData name="Bethann Wilde" userId="24fb2ca5d5dee031" providerId="LiveId" clId="{33E821F5-1A91-4580-8050-CEC4D2338AC2}" dt="2023-06-10T19:24:16.821" v="1797" actId="20577"/>
+          <ac:spMkLst>
+            <pc:docMk/>
+            <pc:sldMk cId="1274903695" sldId="268"/>
+            <ac:spMk id="4" creationId="{50CB54EA-2EFE-0E85-F24D-6BB804C8AC35}"/>
+          </ac:spMkLst>
+        </pc:spChg>
+      </pc:sldChg>
+      <pc:sldChg chg="new del">
+        <pc:chgData name="Bethann Wilde" userId="24fb2ca5d5dee031" providerId="LiveId" clId="{33E821F5-1A91-4580-8050-CEC4D2338AC2}" dt="2023-06-09T00:54:03.142" v="878" actId="47"/>
+        <pc:sldMkLst>
+          <pc:docMk/>
+          <pc:sldMk cId="1434465390" sldId="269"/>
+        </pc:sldMkLst>
+      </pc:sldChg>
+      <pc:sldChg chg="addSp delSp modSp new mod setBg delDesignElem">
+        <pc:chgData name="Bethann Wilde" userId="24fb2ca5d5dee031" providerId="LiveId" clId="{33E821F5-1A91-4580-8050-CEC4D2338AC2}" dt="2023-06-10T18:39:47.774" v="1408"/>
+        <pc:sldMkLst>
+          <pc:docMk/>
+          <pc:sldMk cId="1474225141" sldId="269"/>
+        </pc:sldMkLst>
+        <pc:spChg chg="mod">
+          <ac:chgData name="Bethann Wilde" userId="24fb2ca5d5dee031" providerId="LiveId" clId="{33E821F5-1A91-4580-8050-CEC4D2338AC2}" dt="2023-06-10T17:13:19.207" v="953" actId="26606"/>
+          <ac:spMkLst>
+            <pc:docMk/>
+            <pc:sldMk cId="1474225141" sldId="269"/>
+            <ac:spMk id="2" creationId="{E04655C6-921D-8C59-08AB-673726BF2E7F}"/>
+          </ac:spMkLst>
+        </pc:spChg>
+        <pc:spChg chg="mod">
+          <ac:chgData name="Bethann Wilde" userId="24fb2ca5d5dee031" providerId="LiveId" clId="{33E821F5-1A91-4580-8050-CEC4D2338AC2}" dt="2023-06-10T17:13:19.207" v="953" actId="26606"/>
+          <ac:spMkLst>
+            <pc:docMk/>
+            <pc:sldMk cId="1474225141" sldId="269"/>
+            <ac:spMk id="3" creationId="{5E836551-32A2-66BF-6077-23C600E3853B}"/>
+          </ac:spMkLst>
+        </pc:spChg>
+        <pc:spChg chg="add del">
+          <ac:chgData name="Bethann Wilde" userId="24fb2ca5d5dee031" providerId="LiveId" clId="{33E821F5-1A91-4580-8050-CEC4D2338AC2}" dt="2023-06-10T18:39:47.774" v="1408"/>
+          <ac:spMkLst>
+            <pc:docMk/>
+            <pc:sldMk cId="1474225141" sldId="269"/>
+            <ac:spMk id="9" creationId="{49306479-8C4D-4E4A-A330-DFC80A8A01BE}"/>
+          </ac:spMkLst>
+        </pc:spChg>
+        <pc:spChg chg="add del">
+          <ac:chgData name="Bethann Wilde" userId="24fb2ca5d5dee031" providerId="LiveId" clId="{33E821F5-1A91-4580-8050-CEC4D2338AC2}" dt="2023-06-10T18:39:47.774" v="1408"/>
+          <ac:spMkLst>
+            <pc:docMk/>
+            <pc:sldMk cId="1474225141" sldId="269"/>
+            <ac:spMk id="11" creationId="{220E33D0-A190-4F8A-9DB6-C531C95CA02D}"/>
+          </ac:spMkLst>
+        </pc:spChg>
+        <pc:spChg chg="add del">
+          <ac:chgData name="Bethann Wilde" userId="24fb2ca5d5dee031" providerId="LiveId" clId="{33E821F5-1A91-4580-8050-CEC4D2338AC2}" dt="2023-06-10T18:39:47.774" v="1408"/>
+          <ac:spMkLst>
+            <pc:docMk/>
+            <pc:sldMk cId="1474225141" sldId="269"/>
+            <ac:spMk id="13" creationId="{1BD1D744-9969-4FA2-8008-BD8BF5A930D9}"/>
+          </ac:spMkLst>
+        </pc:spChg>
+        <pc:picChg chg="add">
+          <ac:chgData name="Bethann Wilde" userId="24fb2ca5d5dee031" providerId="LiveId" clId="{33E821F5-1A91-4580-8050-CEC4D2338AC2}" dt="2023-06-10T17:13:19.207" v="953" actId="26606"/>
+          <ac:picMkLst>
+            <pc:docMk/>
+            <pc:sldMk cId="1474225141" sldId="269"/>
+            <ac:picMk id="5" creationId="{B58BB68E-996D-CDFD-C5E3-AD6EC57A655B}"/>
+          </ac:picMkLst>
+        </pc:picChg>
       </pc:sldChg>
     </pc:docChg>
   </pc:docChgLst>
@@ -780,7 +1871,7 @@
             <a:fld id="{3F9AFA87-1417-4992-ABD9-27C3BC8CC883}" type="datetimeFigureOut">
               <a:rPr lang="en-US" smtClean="0"/>
               <a:pPr algn="r"/>
-              <a:t>6/7/2023</a:t>
+              <a:t>6/10/2023</a:t>
             </a:fld>
             <a:endParaRPr lang="en-US" dirty="0"/>
           </a:p>
@@ -981,7 +2072,7 @@
           <a:p>
             <a:fld id="{3F9AFA87-1417-4992-ABD9-27C3BC8CC883}" type="datetimeFigureOut">
               <a:rPr lang="en-US" smtClean="0"/>
-              <a:t>6/7/2023</a:t>
+              <a:t>6/10/2023</a:t>
             </a:fld>
             <a:endParaRPr lang="en-US"/>
           </a:p>
@@ -1191,7 +2282,7 @@
           <a:p>
             <a:fld id="{3F9AFA87-1417-4992-ABD9-27C3BC8CC883}" type="datetimeFigureOut">
               <a:rPr lang="en-US" smtClean="0"/>
-              <a:t>6/7/2023</a:t>
+              <a:t>6/10/2023</a:t>
             </a:fld>
             <a:endParaRPr lang="en-US"/>
           </a:p>
@@ -1389,7 +2480,7 @@
           <a:p>
             <a:fld id="{3F9AFA87-1417-4992-ABD9-27C3BC8CC883}" type="datetimeFigureOut">
               <a:rPr lang="en-US" smtClean="0"/>
-              <a:t>6/7/2023</a:t>
+              <a:t>6/10/2023</a:t>
             </a:fld>
             <a:endParaRPr lang="en-US"/>
           </a:p>
@@ -1663,7 +2754,7 @@
           <a:p>
             <a:fld id="{3F9AFA87-1417-4992-ABD9-27C3BC8CC883}" type="datetimeFigureOut">
               <a:rPr lang="en-US" smtClean="0"/>
-              <a:t>6/7/2023</a:t>
+              <a:t>6/10/2023</a:t>
             </a:fld>
             <a:endParaRPr lang="en-US"/>
           </a:p>
@@ -1928,7 +3019,7 @@
           <a:p>
             <a:fld id="{3F9AFA87-1417-4992-ABD9-27C3BC8CC883}" type="datetimeFigureOut">
               <a:rPr lang="en-US" smtClean="0"/>
-              <a:t>6/7/2023</a:t>
+              <a:t>6/10/2023</a:t>
             </a:fld>
             <a:endParaRPr lang="en-US" dirty="0"/>
           </a:p>
@@ -2315,7 +3406,7 @@
           <a:p>
             <a:fld id="{3F9AFA87-1417-4992-ABD9-27C3BC8CC883}" type="datetimeFigureOut">
               <a:rPr lang="en-US" smtClean="0"/>
-              <a:t>6/7/2023</a:t>
+              <a:t>6/10/2023</a:t>
             </a:fld>
             <a:endParaRPr lang="en-US"/>
           </a:p>
@@ -2485,7 +3576,7 @@
           <a:p>
             <a:fld id="{3F9AFA87-1417-4992-ABD9-27C3BC8CC883}" type="datetimeFigureOut">
               <a:rPr lang="en-US" smtClean="0"/>
-              <a:t>6/7/2023</a:t>
+              <a:t>6/10/2023</a:t>
             </a:fld>
             <a:endParaRPr lang="en-US"/>
           </a:p>
@@ -2598,7 +3689,7 @@
           <a:p>
             <a:fld id="{3F9AFA87-1417-4992-ABD9-27C3BC8CC883}" type="datetimeFigureOut">
               <a:rPr lang="en-US" smtClean="0"/>
-              <a:t>6/7/2023</a:t>
+              <a:t>6/10/2023</a:t>
             </a:fld>
             <a:endParaRPr lang="en-US"/>
           </a:p>
@@ -2918,7 +4009,7 @@
           <a:p>
             <a:fld id="{3F9AFA87-1417-4992-ABD9-27C3BC8CC883}" type="datetimeFigureOut">
               <a:rPr lang="en-US" smtClean="0"/>
-              <a:t>6/7/2023</a:t>
+              <a:t>6/10/2023</a:t>
             </a:fld>
             <a:endParaRPr lang="en-US"/>
           </a:p>
@@ -3223,7 +4314,7 @@
           <a:p>
             <a:fld id="{3F9AFA87-1417-4992-ABD9-27C3BC8CC883}" type="datetimeFigureOut">
               <a:rPr lang="en-US" smtClean="0"/>
-              <a:t>6/7/2023</a:t>
+              <a:t>6/10/2023</a:t>
             </a:fld>
             <a:endParaRPr lang="en-US"/>
           </a:p>
@@ -3466,7 +4557,7 @@
             <a:fld id="{3F9AFA87-1417-4992-ABD9-27C3BC8CC883}" type="datetimeFigureOut">
               <a:rPr lang="en-US" smtClean="0"/>
               <a:pPr algn="r"/>
-              <a:t>6/7/2023</a:t>
+              <a:t>6/10/2023</a:t>
             </a:fld>
             <a:endParaRPr lang="en-US" dirty="0"/>
           </a:p>
@@ -4053,66 +5144,6 @@
           <a:chExt cx="0" cy="0"/>
         </a:xfrm>
       </p:grpSpPr>
-      <p:sp useBgFill="1">
-        <p:nvSpPr>
-          <p:cNvPr id="13" name="Rectangle 8">
-            <a:extLst>
-              <a:ext uri="{FF2B5EF4-FFF2-40B4-BE49-F238E27FC236}">
-                <a16:creationId xmlns:a16="http://schemas.microsoft.com/office/drawing/2014/main" id="{9B45BA4C-9B54-4496-821F-9E0985CA984D}"/>
-              </a:ext>
-              <a:ext uri="{C183D7F6-B498-43B3-948B-1728B52AA6E4}">
-                <adec:decorative xmlns:adec="http://schemas.microsoft.com/office/drawing/2017/decorative" val="1"/>
-              </a:ext>
-            </a:extLst>
-          </p:cNvPr>
-          <p:cNvSpPr>
-            <a:spLocks noGrp="1" noRot="1" noChangeAspect="1" noMove="1" noResize="1" noEditPoints="1" noAdjustHandles="1" noChangeArrowheads="1" noChangeShapeType="1" noTextEdit="1"/>
-          </p:cNvSpPr>
-          <p:nvPr>
-            <p:extLst>
-              <p:ext uri="{386F3935-93C4-4BCD-93E2-E3B085C9AB24}">
-                <p16:designElem xmlns:p16="http://schemas.microsoft.com/office/powerpoint/2015/main" val="1"/>
-              </p:ext>
-            </p:extLst>
-          </p:nvPr>
-        </p:nvSpPr>
-        <p:spPr>
-          <a:xfrm>
-            <a:off x="0" y="0"/>
-            <a:ext cx="12192000" cy="6858000"/>
-          </a:xfrm>
-          <a:prstGeom prst="rect">
-            <a:avLst/>
-          </a:prstGeom>
-          <a:ln>
-            <a:noFill/>
-          </a:ln>
-        </p:spPr>
-        <p:style>
-          <a:lnRef idx="2">
-            <a:schemeClr val="accent1">
-              <a:shade val="50000"/>
-            </a:schemeClr>
-          </a:lnRef>
-          <a:fillRef idx="1">
-            <a:schemeClr val="accent1"/>
-          </a:fillRef>
-          <a:effectRef idx="0">
-            <a:schemeClr val="accent1"/>
-          </a:effectRef>
-          <a:fontRef idx="minor">
-            <a:schemeClr val="lt1"/>
-          </a:fontRef>
-        </p:style>
-        <p:txBody>
-          <a:bodyPr rtlCol="0" anchor="ctr"/>
-          <a:lstStyle/>
-          <a:p>
-            <a:pPr algn="ctr"/>
-            <a:endParaRPr lang="en-US"/>
-          </a:p>
-        </p:txBody>
-      </p:sp>
       <p:sp>
         <p:nvSpPr>
           <p:cNvPr id="2" name="Title 1">
@@ -4263,383 +5294,6 @@
 <file path=ppt/slides/slide10.xml><?xml version="1.0" encoding="utf-8"?>
 <p:sld xmlns:a="http://schemas.openxmlformats.org/drawingml/2006/main" xmlns:r="http://schemas.openxmlformats.org/officeDocument/2006/relationships" xmlns:p="http://schemas.openxmlformats.org/presentationml/2006/main">
   <p:cSld>
-    <p:spTree>
-      <p:nvGrpSpPr>
-        <p:cNvPr id="1" name=""/>
-        <p:cNvGrpSpPr/>
-        <p:nvPr/>
-      </p:nvGrpSpPr>
-      <p:grpSpPr>
-        <a:xfrm>
-          <a:off x="0" y="0"/>
-          <a:ext cx="0" cy="0"/>
-          <a:chOff x="0" y="0"/>
-          <a:chExt cx="0" cy="0"/>
-        </a:xfrm>
-      </p:grpSpPr>
-      <p:sp>
-        <p:nvSpPr>
-          <p:cNvPr id="2" name="Title 1">
-            <a:extLst>
-              <a:ext uri="{FF2B5EF4-FFF2-40B4-BE49-F238E27FC236}">
-                <a16:creationId xmlns:a16="http://schemas.microsoft.com/office/drawing/2014/main" id="{54BAC91B-4BDE-73A0-69B0-30497B8A3E67}"/>
-              </a:ext>
-            </a:extLst>
-          </p:cNvPr>
-          <p:cNvSpPr>
-            <a:spLocks noGrp="1"/>
-          </p:cNvSpPr>
-          <p:nvPr>
-            <p:ph type="title"/>
-          </p:nvPr>
-        </p:nvSpPr>
-        <p:spPr/>
-        <p:txBody>
-          <a:bodyPr/>
-          <a:lstStyle/>
-          <a:p>
-            <a:r>
-              <a:rPr lang="en-US" dirty="0"/>
-              <a:t>Support Vector Machine (SVM)</a:t>
-            </a:r>
-            <a:br>
-              <a:rPr lang="en-US" dirty="0"/>
-            </a:br>
-            <a:endParaRPr lang="en-US" dirty="0"/>
-          </a:p>
-        </p:txBody>
-      </p:sp>
-      <p:sp>
-        <p:nvSpPr>
-          <p:cNvPr id="3" name="Content Placeholder 2">
-            <a:extLst>
-              <a:ext uri="{FF2B5EF4-FFF2-40B4-BE49-F238E27FC236}">
-                <a16:creationId xmlns:a16="http://schemas.microsoft.com/office/drawing/2014/main" id="{40FB299B-BFE7-908B-ED28-FF30B0CFCED8}"/>
-              </a:ext>
-            </a:extLst>
-          </p:cNvPr>
-          <p:cNvSpPr>
-            <a:spLocks noGrp="1"/>
-          </p:cNvSpPr>
-          <p:nvPr>
-            <p:ph sz="half" idx="1"/>
-          </p:nvPr>
-        </p:nvSpPr>
-        <p:spPr/>
-        <p:txBody>
-          <a:bodyPr>
-            <a:normAutofit/>
-          </a:bodyPr>
-          <a:lstStyle/>
-          <a:p>
-            <a:endParaRPr lang="en-US" dirty="0"/>
-          </a:p>
-        </p:txBody>
-      </p:sp>
-      <p:sp>
-        <p:nvSpPr>
-          <p:cNvPr id="4" name="Content Placeholder 3">
-            <a:extLst>
-              <a:ext uri="{FF2B5EF4-FFF2-40B4-BE49-F238E27FC236}">
-                <a16:creationId xmlns:a16="http://schemas.microsoft.com/office/drawing/2014/main" id="{2469077E-60F4-BF21-66A6-D57D7DFA790F}"/>
-              </a:ext>
-            </a:extLst>
-          </p:cNvPr>
-          <p:cNvSpPr>
-            <a:spLocks noGrp="1"/>
-          </p:cNvSpPr>
-          <p:nvPr>
-            <p:ph sz="half" idx="2"/>
-          </p:nvPr>
-        </p:nvSpPr>
-        <p:spPr>
-          <a:xfrm>
-            <a:off x="6336792" y="2980944"/>
-            <a:ext cx="5037790" cy="3118104"/>
-          </a:xfrm>
-        </p:spPr>
-        <p:txBody>
-          <a:bodyPr>
-            <a:normAutofit/>
-          </a:bodyPr>
-          <a:lstStyle/>
-          <a:p>
-            <a:r>
-              <a:rPr lang="en-US" dirty="0"/>
-              <a:t>Confusion Metrix</a:t>
-            </a:r>
-          </a:p>
-          <a:p>
-            <a:pPr marL="0" indent="0">
-              <a:buNone/>
-            </a:pPr>
-            <a:r>
-              <a:rPr lang="en-US" dirty="0"/>
-              <a:t>.89</a:t>
-            </a:r>
-            <a:br>
-              <a:rPr lang="en-US" dirty="0"/>
-            </a:br>
-            <a:endParaRPr lang="en-US" dirty="0"/>
-          </a:p>
-        </p:txBody>
-      </p:sp>
-    </p:spTree>
-    <p:extLst>
-      <p:ext uri="{BB962C8B-B14F-4D97-AF65-F5344CB8AC3E}">
-        <p14:creationId xmlns:p14="http://schemas.microsoft.com/office/powerpoint/2010/main" val="2834790090"/>
-      </p:ext>
-    </p:extLst>
-  </p:cSld>
-  <p:clrMapOvr>
-    <a:masterClrMapping/>
-  </p:clrMapOvr>
-</p:sld>
-</file>
-
-<file path=ppt/slides/slide11.xml><?xml version="1.0" encoding="utf-8"?>
-<p:sld xmlns:a="http://schemas.openxmlformats.org/drawingml/2006/main" xmlns:r="http://schemas.openxmlformats.org/officeDocument/2006/relationships" xmlns:p="http://schemas.openxmlformats.org/presentationml/2006/main">
-  <p:cSld>
-    <p:spTree>
-      <p:nvGrpSpPr>
-        <p:cNvPr id="1" name=""/>
-        <p:cNvGrpSpPr/>
-        <p:nvPr/>
-      </p:nvGrpSpPr>
-      <p:grpSpPr>
-        <a:xfrm>
-          <a:off x="0" y="0"/>
-          <a:ext cx="0" cy="0"/>
-          <a:chOff x="0" y="0"/>
-          <a:chExt cx="0" cy="0"/>
-        </a:xfrm>
-      </p:grpSpPr>
-      <p:sp>
-        <p:nvSpPr>
-          <p:cNvPr id="2" name="Title 1">
-            <a:extLst>
-              <a:ext uri="{FF2B5EF4-FFF2-40B4-BE49-F238E27FC236}">
-                <a16:creationId xmlns:a16="http://schemas.microsoft.com/office/drawing/2014/main" id="{2D92FC7A-8B8B-ED2B-4254-30C013EA5308}"/>
-              </a:ext>
-            </a:extLst>
-          </p:cNvPr>
-          <p:cNvSpPr>
-            <a:spLocks noGrp="1"/>
-          </p:cNvSpPr>
-          <p:nvPr>
-            <p:ph type="title"/>
-          </p:nvPr>
-        </p:nvSpPr>
-        <p:spPr/>
-        <p:txBody>
-          <a:bodyPr/>
-          <a:lstStyle/>
-          <a:p>
-            <a:r>
-              <a:rPr lang="en-US" dirty="0"/>
-              <a:t>Sequential</a:t>
-            </a:r>
-          </a:p>
-        </p:txBody>
-      </p:sp>
-      <p:sp>
-        <p:nvSpPr>
-          <p:cNvPr id="3" name="Content Placeholder 2">
-            <a:extLst>
-              <a:ext uri="{FF2B5EF4-FFF2-40B4-BE49-F238E27FC236}">
-                <a16:creationId xmlns:a16="http://schemas.microsoft.com/office/drawing/2014/main" id="{A01DA075-36AA-1D1D-4846-1064ED9F6885}"/>
-              </a:ext>
-            </a:extLst>
-          </p:cNvPr>
-          <p:cNvSpPr>
-            <a:spLocks noGrp="1"/>
-          </p:cNvSpPr>
-          <p:nvPr>
-            <p:ph sz="half" idx="1"/>
-          </p:nvPr>
-        </p:nvSpPr>
-        <p:spPr/>
-        <p:txBody>
-          <a:bodyPr/>
-          <a:lstStyle/>
-          <a:p>
-            <a:endParaRPr lang="en-US"/>
-          </a:p>
-        </p:txBody>
-      </p:sp>
-      <p:sp>
-        <p:nvSpPr>
-          <p:cNvPr id="4" name="Content Placeholder 3">
-            <a:extLst>
-              <a:ext uri="{FF2B5EF4-FFF2-40B4-BE49-F238E27FC236}">
-                <a16:creationId xmlns:a16="http://schemas.microsoft.com/office/drawing/2014/main" id="{CDAC1C07-92C3-7185-C0A8-B2B6E5518B7E}"/>
-              </a:ext>
-            </a:extLst>
-          </p:cNvPr>
-          <p:cNvSpPr>
-            <a:spLocks noGrp="1"/>
-          </p:cNvSpPr>
-          <p:nvPr>
-            <p:ph sz="half" idx="2"/>
-          </p:nvPr>
-        </p:nvSpPr>
-        <p:spPr/>
-        <p:txBody>
-          <a:bodyPr/>
-          <a:lstStyle/>
-          <a:p>
-            <a:r>
-              <a:rPr lang="en-US" b="0" i="0" dirty="0">
-                <a:solidFill>
-                  <a:srgbClr val="000000"/>
-                </a:solidFill>
-                <a:effectLst/>
-                <a:latin typeface="Consolas" panose="020B0609020204030204" pitchFamily="49" charset="0"/>
-              </a:rPr>
-              <a:t>Accuracy: 0.8529411554336548</a:t>
-            </a:r>
-            <a:endParaRPr lang="en-US" dirty="0"/>
-          </a:p>
-        </p:txBody>
-      </p:sp>
-    </p:spTree>
-    <p:extLst>
-      <p:ext uri="{BB962C8B-B14F-4D97-AF65-F5344CB8AC3E}">
-        <p14:creationId xmlns:p14="http://schemas.microsoft.com/office/powerpoint/2010/main" val="42658032"/>
-      </p:ext>
-    </p:extLst>
-  </p:cSld>
-  <p:clrMapOvr>
-    <a:masterClrMapping/>
-  </p:clrMapOvr>
-</p:sld>
-</file>
-
-<file path=ppt/slides/slide12.xml><?xml version="1.0" encoding="utf-8"?>
-<p:sld xmlns:a="http://schemas.openxmlformats.org/drawingml/2006/main" xmlns:r="http://schemas.openxmlformats.org/officeDocument/2006/relationships" xmlns:p="http://schemas.openxmlformats.org/presentationml/2006/main">
-  <p:cSld>
-    <p:spTree>
-      <p:nvGrpSpPr>
-        <p:cNvPr id="1" name=""/>
-        <p:cNvGrpSpPr/>
-        <p:nvPr/>
-      </p:nvGrpSpPr>
-      <p:grpSpPr>
-        <a:xfrm>
-          <a:off x="0" y="0"/>
-          <a:ext cx="0" cy="0"/>
-          <a:chOff x="0" y="0"/>
-          <a:chExt cx="0" cy="0"/>
-        </a:xfrm>
-      </p:grpSpPr>
-      <p:sp>
-        <p:nvSpPr>
-          <p:cNvPr id="2" name="Title 1">
-            <a:extLst>
-              <a:ext uri="{FF2B5EF4-FFF2-40B4-BE49-F238E27FC236}">
-                <a16:creationId xmlns:a16="http://schemas.microsoft.com/office/drawing/2014/main" id="{35A84A2E-DCA0-940C-F0C5-458D7C04B99B}"/>
-              </a:ext>
-            </a:extLst>
-          </p:cNvPr>
-          <p:cNvSpPr>
-            <a:spLocks noGrp="1"/>
-          </p:cNvSpPr>
-          <p:nvPr>
-            <p:ph type="title"/>
-          </p:nvPr>
-        </p:nvSpPr>
-        <p:spPr/>
-        <p:txBody>
-          <a:bodyPr/>
-          <a:lstStyle/>
-          <a:p>
-            <a:r>
-              <a:rPr lang="en-US" dirty="0" err="1"/>
-              <a:t>Keras</a:t>
-            </a:r>
-            <a:r>
-              <a:rPr lang="en-US" dirty="0"/>
-              <a:t> Tuner</a:t>
-            </a:r>
-          </a:p>
-        </p:txBody>
-      </p:sp>
-      <p:sp>
-        <p:nvSpPr>
-          <p:cNvPr id="3" name="Content Placeholder 2">
-            <a:extLst>
-              <a:ext uri="{FF2B5EF4-FFF2-40B4-BE49-F238E27FC236}">
-                <a16:creationId xmlns:a16="http://schemas.microsoft.com/office/drawing/2014/main" id="{DED0685E-57FC-1BAF-63F8-DAF7ABB3FE3C}"/>
-              </a:ext>
-            </a:extLst>
-          </p:cNvPr>
-          <p:cNvSpPr>
-            <a:spLocks noGrp="1"/>
-          </p:cNvSpPr>
-          <p:nvPr>
-            <p:ph sz="half" idx="1"/>
-          </p:nvPr>
-        </p:nvSpPr>
-        <p:spPr/>
-        <p:txBody>
-          <a:bodyPr/>
-          <a:lstStyle/>
-          <a:p>
-            <a:endParaRPr lang="en-US"/>
-          </a:p>
-        </p:txBody>
-      </p:sp>
-      <p:sp>
-        <p:nvSpPr>
-          <p:cNvPr id="4" name="Content Placeholder 3">
-            <a:extLst>
-              <a:ext uri="{FF2B5EF4-FFF2-40B4-BE49-F238E27FC236}">
-                <a16:creationId xmlns:a16="http://schemas.microsoft.com/office/drawing/2014/main" id="{145F2A55-170A-CC4D-CC33-E65684CF79E7}"/>
-              </a:ext>
-            </a:extLst>
-          </p:cNvPr>
-          <p:cNvSpPr>
-            <a:spLocks noGrp="1"/>
-          </p:cNvSpPr>
-          <p:nvPr>
-            <p:ph sz="half" idx="2"/>
-          </p:nvPr>
-        </p:nvSpPr>
-        <p:spPr/>
-        <p:txBody>
-          <a:bodyPr/>
-          <a:lstStyle/>
-          <a:p>
-            <a:r>
-              <a:rPr lang="en-US" b="0" i="0" dirty="0">
-                <a:solidFill>
-                  <a:srgbClr val="000000"/>
-                </a:solidFill>
-                <a:effectLst/>
-                <a:latin typeface="Consolas" panose="020B0609020204030204" pitchFamily="49" charset="0"/>
-              </a:rPr>
-              <a:t>Accuracy: 0.8970588445663452</a:t>
-            </a:r>
-            <a:endParaRPr lang="en-US" dirty="0"/>
-          </a:p>
-        </p:txBody>
-      </p:sp>
-    </p:spTree>
-    <p:extLst>
-      <p:ext uri="{BB962C8B-B14F-4D97-AF65-F5344CB8AC3E}">
-        <p14:creationId xmlns:p14="http://schemas.microsoft.com/office/powerpoint/2010/main" val="3865918781"/>
-      </p:ext>
-    </p:extLst>
-  </p:cSld>
-  <p:clrMapOvr>
-    <a:masterClrMapping/>
-  </p:clrMapOvr>
-</p:sld>
-</file>
-
-<file path=ppt/slides/slide2.xml><?xml version="1.0" encoding="utf-8"?>
-<p:sld xmlns:a="http://schemas.openxmlformats.org/drawingml/2006/main" xmlns:r="http://schemas.openxmlformats.org/officeDocument/2006/relationships" xmlns:p="http://schemas.openxmlformats.org/presentationml/2006/main">
-  <p:cSld>
     <p:bg>
       <p:bgPr>
         <a:solidFill>
@@ -4664,7 +5318,7 @@
       </p:grpSpPr>
       <p:sp>
         <p:nvSpPr>
-          <p:cNvPr id="9" name="Freeform: Shape 8">
+          <p:cNvPr id="14" name="Freeform: Shape 10">
             <a:extLst>
               <a:ext uri="{FF2B5EF4-FFF2-40B4-BE49-F238E27FC236}">
                 <a16:creationId xmlns:a16="http://schemas.microsoft.com/office/drawing/2014/main" id="{49306479-8C4D-4E4A-A330-DFC80A8A01BE}"/>
@@ -4825,10 +5479,10 @@
       </p:sp>
       <p:sp useBgFill="1">
         <p:nvSpPr>
-          <p:cNvPr id="11" name="Rectangle 10">
-            <a:extLst>
-              <a:ext uri="{FF2B5EF4-FFF2-40B4-BE49-F238E27FC236}">
-                <a16:creationId xmlns:a16="http://schemas.microsoft.com/office/drawing/2014/main" id="{9B45BA4C-9B54-4496-821F-9E0985CA984D}"/>
+          <p:cNvPr id="16" name="Rectangle 12">
+            <a:extLst>
+              <a:ext uri="{FF2B5EF4-FFF2-40B4-BE49-F238E27FC236}">
+                <a16:creationId xmlns:a16="http://schemas.microsoft.com/office/drawing/2014/main" id="{84136905-015B-4510-B514-027CBA846BD6}"/>
               </a:ext>
               <a:ext uri="{C183D7F6-B498-43B3-948B-1728B52AA6E4}">
                 <adec:decorative xmlns:adec="http://schemas.microsoft.com/office/drawing/2017/decorative" val="1"/>
@@ -4885,292 +5539,271 @@
       </p:sp>
       <p:sp>
         <p:nvSpPr>
-          <p:cNvPr id="2" name="Title 1">
-            <a:extLst>
-              <a:ext uri="{FF2B5EF4-FFF2-40B4-BE49-F238E27FC236}">
-                <a16:creationId xmlns:a16="http://schemas.microsoft.com/office/drawing/2014/main" id="{479724D7-B01B-9FA0-2C08-0EFFCB58EF4E}"/>
-              </a:ext>
-            </a:extLst>
-          </p:cNvPr>
-          <p:cNvSpPr>
-            <a:spLocks noGrp="1"/>
-          </p:cNvSpPr>
-          <p:nvPr>
-            <p:ph type="title"/>
+          <p:cNvPr id="18" name="Rectangle 14">
+            <a:extLst>
+              <a:ext uri="{FF2B5EF4-FFF2-40B4-BE49-F238E27FC236}">
+                <a16:creationId xmlns:a16="http://schemas.microsoft.com/office/drawing/2014/main" id="{36CD0F97-2E5B-4E84-8544-EB24DED10446}"/>
+              </a:ext>
+              <a:ext uri="{C183D7F6-B498-43B3-948B-1728B52AA6E4}">
+                <adec:decorative xmlns:adec="http://schemas.microsoft.com/office/drawing/2017/decorative" val="1"/>
+              </a:ext>
+            </a:extLst>
+          </p:cNvPr>
+          <p:cNvSpPr>
+            <a:spLocks noGrp="1" noRot="1" noChangeAspect="1" noMove="1" noResize="1" noEditPoints="1" noAdjustHandles="1" noChangeArrowheads="1" noChangeShapeType="1" noTextEdit="1"/>
+          </p:cNvSpPr>
+          <p:nvPr>
+            <p:extLst>
+              <p:ext uri="{386F3935-93C4-4BCD-93E2-E3B085C9AB24}">
+                <p16:designElem xmlns:p16="http://schemas.microsoft.com/office/powerpoint/2015/main" val="1"/>
+              </p:ext>
+            </p:extLst>
           </p:nvPr>
         </p:nvSpPr>
         <p:spPr>
           <a:xfrm>
-            <a:off x="6096000" y="944274"/>
-            <a:ext cx="5160347" cy="4969451"/>
+            <a:off x="0" y="0"/>
+            <a:ext cx="12192000" cy="6099048"/>
+          </a:xfrm>
+          <a:prstGeom prst="rect">
+            <a:avLst/>
+          </a:prstGeom>
+          <a:gradFill flip="none" rotWithShape="1">
+            <a:gsLst>
+              <a:gs pos="10000">
+                <a:schemeClr val="accent5"/>
+              </a:gs>
+              <a:gs pos="90000">
+                <a:schemeClr val="accent1"/>
+              </a:gs>
+              <a:gs pos="70000">
+                <a:schemeClr val="accent2"/>
+              </a:gs>
+              <a:gs pos="30000">
+                <a:schemeClr val="accent4"/>
+              </a:gs>
+              <a:gs pos="50000">
+                <a:schemeClr val="accent3">
+                  <a:lumMod val="60000"/>
+                  <a:lumOff val="40000"/>
+                </a:schemeClr>
+              </a:gs>
+            </a:gsLst>
+            <a:lin ang="7200000" scaled="0"/>
+            <a:tileRect/>
+          </a:gradFill>
+          <a:ln>
+            <a:noFill/>
+          </a:ln>
+        </p:spPr>
+        <p:style>
+          <a:lnRef idx="2">
+            <a:schemeClr val="accent1">
+              <a:shade val="50000"/>
+            </a:schemeClr>
+          </a:lnRef>
+          <a:fillRef idx="1">
+            <a:schemeClr val="accent1"/>
+          </a:fillRef>
+          <a:effectRef idx="0">
+            <a:schemeClr val="accent1"/>
+          </a:effectRef>
+          <a:fontRef idx="minor">
+            <a:schemeClr val="lt1"/>
+          </a:fontRef>
+        </p:style>
+        <p:txBody>
+          <a:bodyPr rtlCol="0" anchor="ctr"/>
+          <a:lstStyle/>
+          <a:p>
+            <a:pPr algn="ctr"/>
+            <a:endParaRPr lang="en-US"/>
+          </a:p>
+        </p:txBody>
+      </p:sp>
+      <p:sp useBgFill="1">
+        <p:nvSpPr>
+          <p:cNvPr id="19" name="Rectangle 16">
+            <a:extLst>
+              <a:ext uri="{FF2B5EF4-FFF2-40B4-BE49-F238E27FC236}">
+                <a16:creationId xmlns:a16="http://schemas.microsoft.com/office/drawing/2014/main" id="{867738BA-6281-40B8-B775-410D49E724D0}"/>
+              </a:ext>
+              <a:ext uri="{C183D7F6-B498-43B3-948B-1728B52AA6E4}">
+                <adec:decorative xmlns:adec="http://schemas.microsoft.com/office/drawing/2017/decorative" val="1"/>
+              </a:ext>
+            </a:extLst>
+          </p:cNvPr>
+          <p:cNvSpPr>
+            <a:spLocks noGrp="1" noRot="1" noChangeAspect="1" noMove="1" noResize="1" noEditPoints="1" noAdjustHandles="1" noChangeArrowheads="1" noChangeShapeType="1" noTextEdit="1"/>
+          </p:cNvSpPr>
+          <p:nvPr>
+            <p:extLst>
+              <p:ext uri="{386F3935-93C4-4BCD-93E2-E3B085C9AB24}">
+                <p16:designElem xmlns:p16="http://schemas.microsoft.com/office/powerpoint/2015/main" val="1"/>
+              </p:ext>
+            </p:extLst>
+          </p:nvPr>
+        </p:nvSpPr>
+        <p:spPr>
+          <a:xfrm>
+            <a:off x="0" y="0"/>
+            <a:ext cx="5334003" cy="6858000"/>
+          </a:xfrm>
+          <a:prstGeom prst="rect">
+            <a:avLst/>
+          </a:prstGeom>
+          <a:ln>
+            <a:noFill/>
+          </a:ln>
+        </p:spPr>
+        <p:style>
+          <a:lnRef idx="2">
+            <a:schemeClr val="accent1">
+              <a:shade val="50000"/>
+            </a:schemeClr>
+          </a:lnRef>
+          <a:fillRef idx="1">
+            <a:schemeClr val="accent1"/>
+          </a:fillRef>
+          <a:effectRef idx="0">
+            <a:schemeClr val="accent1"/>
+          </a:effectRef>
+          <a:fontRef idx="minor">
+            <a:schemeClr val="lt1"/>
+          </a:fontRef>
+        </p:style>
+        <p:txBody>
+          <a:bodyPr rtlCol="0" anchor="ctr"/>
+          <a:lstStyle/>
+          <a:p>
+            <a:pPr algn="ctr"/>
+            <a:endParaRPr lang="en-US"/>
+          </a:p>
+        </p:txBody>
+      </p:sp>
+      <p:sp>
+        <p:nvSpPr>
+          <p:cNvPr id="2" name="Title 1">
+            <a:extLst>
+              <a:ext uri="{FF2B5EF4-FFF2-40B4-BE49-F238E27FC236}">
+                <a16:creationId xmlns:a16="http://schemas.microsoft.com/office/drawing/2014/main" id="{54BAC91B-4BDE-73A0-69B0-30497B8A3E67}"/>
+              </a:ext>
+            </a:extLst>
+          </p:cNvPr>
+          <p:cNvSpPr>
+            <a:spLocks noGrp="1"/>
+          </p:cNvSpPr>
+          <p:nvPr>
+            <p:ph type="title"/>
+          </p:nvPr>
+        </p:nvSpPr>
+        <p:spPr>
+          <a:xfrm>
+            <a:off x="762000" y="758953"/>
+            <a:ext cx="4089779" cy="2028388"/>
           </a:xfrm>
         </p:spPr>
         <p:txBody>
           <a:bodyPr vert="horz" lIns="91440" tIns="45720" rIns="91440" bIns="45720" rtlCol="0" anchor="ctr">
-            <a:noAutofit/>
+            <a:normAutofit/>
           </a:bodyPr>
           <a:lstStyle/>
           <a:p>
-            <a:pPr algn="l"/>
-            <a:r>
-              <a:rPr lang="en-US" sz="2000" b="1" i="0" dirty="0">
+            <a:r>
+              <a:rPr lang="en-US" kern="1200" spc="-50" baseline="0">
                 <a:solidFill>
-                  <a:srgbClr val="333333"/>
+                  <a:schemeClr val="tx1"/>
                 </a:solidFill>
-                <a:effectLst/>
-                <a:latin typeface="Open Sans Semibold" panose="020B0706030804020204" pitchFamily="34" charset="0"/>
+                <a:latin typeface="+mj-lt"/>
+                <a:ea typeface="+mj-ea"/>
+                <a:cs typeface="+mj-cs"/>
               </a:rPr>
-              <a:t>Heart Disease in the United States</a:t>
+              <a:t>Support Vector Classifier (SVC)</a:t>
             </a:r>
             <a:br>
-              <a:rPr lang="en-US" sz="2000" b="1" i="0" dirty="0">
+              <a:rPr lang="en-US" kern="1200" spc="-50" baseline="0">
                 <a:solidFill>
-                  <a:srgbClr val="333333"/>
+                  <a:schemeClr val="tx1"/>
                 </a:solidFill>
-                <a:effectLst/>
-                <a:latin typeface="Open Sans Semibold" panose="020B0706030804020204" pitchFamily="34" charset="0"/>
+                <a:latin typeface="+mj-lt"/>
+                <a:ea typeface="+mj-ea"/>
+                <a:cs typeface="+mj-cs"/>
               </a:rPr>
             </a:br>
-            <a:r>
-              <a:rPr lang="en-US" sz="2000" b="0" i="0" dirty="0">
-                <a:solidFill>
-                  <a:srgbClr val="000000"/>
-                </a:solidFill>
+            <a:endParaRPr lang="en-US" kern="1200" spc="-50" baseline="0" dirty="0">
+              <a:solidFill>
+                <a:schemeClr val="tx1"/>
+              </a:solidFill>
+              <a:latin typeface="+mj-lt"/>
+              <a:ea typeface="+mj-ea"/>
+              <a:cs typeface="+mj-cs"/>
+            </a:endParaRPr>
+          </a:p>
+        </p:txBody>
+      </p:sp>
+      <p:sp>
+        <p:nvSpPr>
+          <p:cNvPr id="3" name="Content Placeholder 2">
+            <a:extLst>
+              <a:ext uri="{FF2B5EF4-FFF2-40B4-BE49-F238E27FC236}">
+                <a16:creationId xmlns:a16="http://schemas.microsoft.com/office/drawing/2014/main" id="{40FB299B-BFE7-908B-ED28-FF30B0CFCED8}"/>
+              </a:ext>
+            </a:extLst>
+          </p:cNvPr>
+          <p:cNvSpPr>
+            <a:spLocks noGrp="1"/>
+          </p:cNvSpPr>
+          <p:nvPr>
+            <p:ph sz="half" idx="1"/>
+          </p:nvPr>
+        </p:nvSpPr>
+        <p:spPr>
+          <a:xfrm>
+            <a:off x="762000" y="2893326"/>
+            <a:ext cx="4089779" cy="3202674"/>
+          </a:xfrm>
+        </p:spPr>
+        <p:txBody>
+          <a:bodyPr vert="horz" lIns="91440" tIns="45720" rIns="91440" bIns="45720" rtlCol="0" anchor="t">
+            <a:normAutofit/>
+          </a:bodyPr>
+          <a:lstStyle/>
+          <a:p>
+            <a:r>
+              <a:rPr lang="en-US" b="0" i="0">
                 <a:effectLst/>
-                <a:latin typeface="Open Sans" panose="020B0606030504020204" pitchFamily="34" charset="0"/>
               </a:rPr>
-              <a:t>Heart disease is the </a:t>
-            </a:r>
-            <a:r>
-              <a:rPr lang="en-US" sz="2000" b="1" i="0" dirty="0">
-                <a:solidFill>
-                  <a:srgbClr val="000000"/>
-                </a:solidFill>
-                <a:effectLst/>
-                <a:latin typeface="Open Sans" panose="020B0606030504020204" pitchFamily="34" charset="0"/>
-              </a:rPr>
-              <a:t>leading cause of death</a:t>
-            </a:r>
-            <a:r>
-              <a:rPr lang="en-US" sz="2000" b="0" i="0" dirty="0">
-                <a:solidFill>
-                  <a:srgbClr val="000000"/>
-                </a:solidFill>
-                <a:effectLst/>
-                <a:latin typeface="Open Sans" panose="020B0606030504020204" pitchFamily="34" charset="0"/>
-              </a:rPr>
-              <a:t> for men, women, and people of most racial and ethnic groups in the United States.</a:t>
-            </a:r>
-            <a:br>
-              <a:rPr lang="en-US" sz="2000" baseline="30000" dirty="0">
-                <a:solidFill>
-                  <a:srgbClr val="000000"/>
-                </a:solidFill>
-                <a:latin typeface="Open Sans" panose="020B0606030504020204" pitchFamily="34" charset="0"/>
-              </a:rPr>
-            </a:br>
-            <a:br>
-              <a:rPr lang="en-US" sz="2000" b="0" i="0" dirty="0">
-                <a:solidFill>
-                  <a:srgbClr val="000000"/>
-                </a:solidFill>
-                <a:effectLst/>
-                <a:latin typeface="Open Sans" panose="020B0606030504020204" pitchFamily="34" charset="0"/>
-              </a:rPr>
-            </a:br>
-            <a:r>
-              <a:rPr lang="en-US" sz="2000" b="1" i="0" dirty="0">
-                <a:solidFill>
-                  <a:srgbClr val="000000"/>
-                </a:solidFill>
-                <a:effectLst/>
-                <a:latin typeface="Open Sans" panose="020B0606030504020204" pitchFamily="34" charset="0"/>
-              </a:rPr>
-              <a:t>One person dies every 33 seconds</a:t>
-            </a:r>
-            <a:r>
-              <a:rPr lang="en-US" sz="2000" b="0" i="0" dirty="0">
-                <a:solidFill>
-                  <a:srgbClr val="000000"/>
-                </a:solidFill>
-                <a:effectLst/>
-                <a:latin typeface="Open Sans" panose="020B0606030504020204" pitchFamily="34" charset="0"/>
-              </a:rPr>
-              <a:t> in the United States from cardiovascular disease.</a:t>
-            </a:r>
-            <a:r>
-              <a:rPr lang="en-US" sz="2000" b="0" i="0" u="none" strike="noStrike" baseline="30000" dirty="0">
-                <a:solidFill>
-                  <a:srgbClr val="000000"/>
-                </a:solidFill>
-                <a:effectLst/>
-                <a:latin typeface="Open Sans" panose="020B0606030504020204" pitchFamily="34" charset="0"/>
-              </a:rPr>
-              <a:t>1</a:t>
-            </a:r>
-            <a:br>
-              <a:rPr lang="en-US" sz="2000" b="0" i="0" dirty="0">
-                <a:solidFill>
-                  <a:srgbClr val="000000"/>
-                </a:solidFill>
-                <a:effectLst/>
-                <a:latin typeface="Open Sans" panose="020B0606030504020204" pitchFamily="34" charset="0"/>
-              </a:rPr>
-            </a:br>
-            <a:r>
-              <a:rPr lang="en-US" sz="2000" b="0" i="0" dirty="0">
-                <a:solidFill>
-                  <a:srgbClr val="000000"/>
-                </a:solidFill>
-                <a:effectLst/>
-                <a:latin typeface="Open Sans" panose="020B0606030504020204" pitchFamily="34" charset="0"/>
-              </a:rPr>
-              <a:t>About </a:t>
-            </a:r>
-            <a:r>
-              <a:rPr lang="en-US" sz="2000" b="1" i="0" dirty="0">
-                <a:solidFill>
-                  <a:srgbClr val="000000"/>
-                </a:solidFill>
-                <a:effectLst/>
-                <a:latin typeface="Open Sans" panose="020B0606030504020204" pitchFamily="34" charset="0"/>
-              </a:rPr>
-              <a:t>695,000 people in the United States </a:t>
-            </a:r>
-            <a:r>
-              <a:rPr lang="en-US" sz="2000" b="0" i="0" dirty="0">
-                <a:solidFill>
-                  <a:srgbClr val="000000"/>
-                </a:solidFill>
-                <a:effectLst/>
-                <a:latin typeface="Open Sans" panose="020B0606030504020204" pitchFamily="34" charset="0"/>
-              </a:rPr>
-              <a:t>died from heart disease in 2021—that’s </a:t>
-            </a:r>
-            <a:r>
-              <a:rPr lang="en-US" sz="2000" b="1" i="0" dirty="0">
-                <a:solidFill>
-                  <a:srgbClr val="000000"/>
-                </a:solidFill>
-                <a:effectLst/>
-                <a:latin typeface="Open Sans" panose="020B0606030504020204" pitchFamily="34" charset="0"/>
-              </a:rPr>
-              <a:t>1 in every 5 deaths</a:t>
-            </a:r>
-            <a:r>
-              <a:rPr lang="en-US" sz="2000" b="0" i="0" dirty="0">
-                <a:solidFill>
-                  <a:srgbClr val="000000"/>
-                </a:solidFill>
-                <a:effectLst/>
-                <a:latin typeface="Open Sans" panose="020B0606030504020204" pitchFamily="34" charset="0"/>
-              </a:rPr>
-              <a:t>.</a:t>
-            </a:r>
-            <a:br>
-              <a:rPr lang="en-US" sz="2000" baseline="30000" dirty="0">
-                <a:solidFill>
-                  <a:srgbClr val="000000"/>
-                </a:solidFill>
-                <a:latin typeface="Open Sans" panose="020B0606030504020204" pitchFamily="34" charset="0"/>
-              </a:rPr>
-            </a:br>
-            <a:br>
-              <a:rPr lang="en-US" sz="2000" b="0" i="0" dirty="0">
-                <a:solidFill>
-                  <a:srgbClr val="000000"/>
-                </a:solidFill>
-                <a:effectLst/>
-                <a:latin typeface="Open Sans" panose="020B0606030504020204" pitchFamily="34" charset="0"/>
-              </a:rPr>
-            </a:br>
-            <a:r>
-              <a:rPr lang="en-US" sz="2000" b="0" i="0" dirty="0">
-                <a:solidFill>
-                  <a:srgbClr val="000000"/>
-                </a:solidFill>
-                <a:effectLst/>
-                <a:latin typeface="Open Sans" panose="020B0606030504020204" pitchFamily="34" charset="0"/>
-              </a:rPr>
-              <a:t>Heart disease cost the United States about </a:t>
-            </a:r>
-            <a:r>
-              <a:rPr lang="en-US" sz="2000" b="1" i="0" dirty="0">
-                <a:solidFill>
-                  <a:srgbClr val="000000"/>
-                </a:solidFill>
-                <a:effectLst/>
-                <a:latin typeface="Open Sans" panose="020B0606030504020204" pitchFamily="34" charset="0"/>
-              </a:rPr>
-              <a:t>$239.9 billion</a:t>
-            </a:r>
-            <a:r>
-              <a:rPr lang="en-US" sz="2000" b="0" i="0" dirty="0">
-                <a:solidFill>
-                  <a:srgbClr val="000000"/>
-                </a:solidFill>
-                <a:effectLst/>
-                <a:latin typeface="Open Sans" panose="020B0606030504020204" pitchFamily="34" charset="0"/>
-              </a:rPr>
-              <a:t> each year from 2018 to 2019. This includes the cost of health care services, medicines, and lost productivity due to death.</a:t>
-            </a:r>
-            <a:br>
-              <a:rPr lang="en-US" sz="2400" b="0" i="0" dirty="0">
-                <a:solidFill>
-                  <a:srgbClr val="000000"/>
-                </a:solidFill>
-                <a:effectLst/>
-                <a:latin typeface="Open Sans" panose="020B0606030504020204" pitchFamily="34" charset="0"/>
-              </a:rPr>
-            </a:br>
-            <a:br>
-              <a:rPr lang="en-US" sz="2400" b="0" i="0" dirty="0">
-                <a:solidFill>
-                  <a:srgbClr val="000000"/>
-                </a:solidFill>
-                <a:effectLst/>
-                <a:latin typeface="Open Sans" panose="020B0606030504020204" pitchFamily="34" charset="0"/>
-              </a:rPr>
-            </a:br>
-            <a:r>
-              <a:rPr lang="en-US" sz="1050" dirty="0">
-                <a:hlinkClick r:id="rId2"/>
-              </a:rPr>
-              <a:t>Heart Disease Facts | cdc.gov</a:t>
-            </a:r>
-            <a:endParaRPr lang="en-US" sz="2400" b="0" i="0" dirty="0">
-              <a:solidFill>
-                <a:srgbClr val="000000"/>
-              </a:solidFill>
-              <a:effectLst/>
-              <a:latin typeface="Open Sans" panose="020B0606030504020204" pitchFamily="34" charset="0"/>
-            </a:endParaRPr>
+              <a:t>SVC works by mapping data points to a high-dimensional space and then finding the optimal hyperplane that divides the data into two classes.</a:t>
+            </a:r>
+            <a:endParaRPr lang="en-US" dirty="0"/>
           </a:p>
         </p:txBody>
       </p:sp>
       <p:pic>
         <p:nvPicPr>
-          <p:cNvPr id="5" name="Picture 4" descr="Stethoscope">
-            <a:extLst>
-              <a:ext uri="{FF2B5EF4-FFF2-40B4-BE49-F238E27FC236}">
-                <a16:creationId xmlns:a16="http://schemas.microsoft.com/office/drawing/2014/main" id="{38497A86-BA03-5030-F6B7-A1055D2EE149}"/>
+          <p:cNvPr id="6" name="Content Placeholder 5">
+            <a:extLst>
+              <a:ext uri="{FF2B5EF4-FFF2-40B4-BE49-F238E27FC236}">
+                <a16:creationId xmlns:a16="http://schemas.microsoft.com/office/drawing/2014/main" id="{6536A916-9183-EE4E-28DF-7BF874B63B2C}"/>
               </a:ext>
             </a:extLst>
           </p:cNvPr>
           <p:cNvPicPr>
-            <a:picLocks noChangeAspect="1"/>
+            <a:picLocks noGrp="1" noChangeAspect="1"/>
           </p:cNvPicPr>
-          <p:nvPr/>
+          <p:nvPr>
+            <p:ph sz="half" idx="2"/>
+          </p:nvPr>
         </p:nvPicPr>
         <p:blipFill rotWithShape="1">
-          <a:blip r:embed="rId3"/>
-          <a:srcRect l="26462" r="20934" b="-1"/>
+          <a:blip r:embed="rId2"/>
+          <a:srcRect r="11765"/>
           <a:stretch/>
         </p:blipFill>
         <p:spPr>
           <a:xfrm>
-            <a:off x="20" y="10"/>
-            <a:ext cx="5404493" cy="6857990"/>
+            <a:off x="5334003" y="762000"/>
+            <a:ext cx="6095997" cy="5337048"/>
           </a:xfrm>
           <a:prstGeom prst="rect">
             <a:avLst/>
@@ -5180,7 +5813,7 @@
     </p:spTree>
     <p:extLst>
       <p:ext uri="{BB962C8B-B14F-4D97-AF65-F5344CB8AC3E}">
-        <p14:creationId xmlns:p14="http://schemas.microsoft.com/office/powerpoint/2010/main" val="4036831504"/>
+        <p14:creationId xmlns:p14="http://schemas.microsoft.com/office/powerpoint/2010/main" val="2834790090"/>
       </p:ext>
     </p:extLst>
   </p:cSld>
@@ -5190,7 +5823,7 @@
 </p:sld>
 </file>
 
-<file path=ppt/slides/slide3.xml><?xml version="1.0" encoding="utf-8"?>
+<file path=ppt/slides/slide11.xml><?xml version="1.0" encoding="utf-8"?>
 <p:sld xmlns:a="http://schemas.openxmlformats.org/drawingml/2006/main" xmlns:r="http://schemas.openxmlformats.org/officeDocument/2006/relationships" xmlns:p="http://schemas.openxmlformats.org/presentationml/2006/main">
   <p:cSld>
     <p:spTree>
@@ -5212,7 +5845,7 @@
           <p:cNvPr id="2" name="Title 1">
             <a:extLst>
               <a:ext uri="{FF2B5EF4-FFF2-40B4-BE49-F238E27FC236}">
-                <a16:creationId xmlns:a16="http://schemas.microsoft.com/office/drawing/2014/main" id="{F4F8D6CA-5C78-605B-7F0F-29EF15D3011B}"/>
+                <a16:creationId xmlns:a16="http://schemas.microsoft.com/office/drawing/2014/main" id="{2D92FC7A-8B8B-ED2B-4254-30C013EA5308}"/>
               </a:ext>
             </a:extLst>
           </p:cNvPr>
@@ -5230,7 +5863,7 @@
           <a:p>
             <a:r>
               <a:rPr lang="en-US" dirty="0"/>
-              <a:t>Using Machine Learning to Predict Heart Disease, the process</a:t>
+              <a:t>Sequential</a:t>
             </a:r>
           </a:p>
         </p:txBody>
@@ -5240,7 +5873,7 @@
           <p:cNvPr id="3" name="Content Placeholder 2">
             <a:extLst>
               <a:ext uri="{FF2B5EF4-FFF2-40B4-BE49-F238E27FC236}">
-                <a16:creationId xmlns:a16="http://schemas.microsoft.com/office/drawing/2014/main" id="{04A2224F-7CCC-C791-B6A9-BE1C2A0882CB}"/>
+                <a16:creationId xmlns:a16="http://schemas.microsoft.com/office/drawing/2014/main" id="{A01DA075-36AA-1D1D-4846-1064ED9F6885}"/>
               </a:ext>
             </a:extLst>
           </p:cNvPr>
@@ -5248,45 +5881,140 @@
             <a:spLocks noGrp="1"/>
           </p:cNvSpPr>
           <p:nvPr>
-            <p:ph idx="1"/>
+            <p:ph sz="half" idx="1"/>
           </p:nvPr>
         </p:nvSpPr>
         <p:spPr/>
         <p:txBody>
-          <a:bodyPr>
-            <a:normAutofit/>
-          </a:bodyPr>
+          <a:bodyPr/>
           <a:lstStyle/>
           <a:p>
             <a:r>
-              <a:rPr lang="en-US" dirty="0"/>
-              <a:t>Found dataset related to heart disease</a:t>
-            </a:r>
-          </a:p>
-          <a:p>
-            <a:r>
-              <a:rPr lang="en-US" dirty="0"/>
-              <a:t>Review dataset to understand different factors and relationships to features and heart disease</a:t>
-            </a:r>
-          </a:p>
-          <a:p>
-            <a:r>
-              <a:rPr lang="en-US" dirty="0"/>
-              <a:t>Create Machine Learning models to Predict Heart Disease</a:t>
-            </a:r>
-          </a:p>
-          <a:p>
-            <a:r>
-              <a:rPr lang="en-US" dirty="0"/>
-              <a:t>A look at the results of Predicting Heart Disease</a:t>
-            </a:r>
-          </a:p>
-        </p:txBody>
-      </p:sp>
+              <a:rPr lang="en-US" b="0" i="0" dirty="0">
+                <a:solidFill>
+                  <a:srgbClr val="202124"/>
+                </a:solidFill>
+                <a:effectLst/>
+                <a:latin typeface="Google Sans"/>
+              </a:rPr>
+              <a:t>A Sequential model is </a:t>
+            </a:r>
+            <a:r>
+              <a:rPr lang="en-US" b="0" i="0" dirty="0">
+                <a:solidFill>
+                  <a:srgbClr val="040C28"/>
+                </a:solidFill>
+                <a:effectLst/>
+                <a:latin typeface="Google Sans"/>
+              </a:rPr>
+              <a:t>for plain stack of layers where each layer has exactly one input feature and one output target</a:t>
+            </a:r>
+            <a:r>
+              <a:rPr lang="en-US" b="0" i="0" dirty="0">
+                <a:solidFill>
+                  <a:srgbClr val="202124"/>
+                </a:solidFill>
+                <a:effectLst/>
+                <a:latin typeface="Google Sans"/>
+              </a:rPr>
+              <a:t>. </a:t>
+            </a:r>
+            <a:endParaRPr lang="en-US" dirty="0"/>
+          </a:p>
+        </p:txBody>
+      </p:sp>
+      <p:pic>
+        <p:nvPicPr>
+          <p:cNvPr id="6" name="Content Placeholder 5">
+            <a:extLst>
+              <a:ext uri="{FF2B5EF4-FFF2-40B4-BE49-F238E27FC236}">
+                <a16:creationId xmlns:a16="http://schemas.microsoft.com/office/drawing/2014/main" id="{E606B8BB-77BB-93F5-038F-8E584FD096D3}"/>
+              </a:ext>
+            </a:extLst>
+          </p:cNvPr>
+          <p:cNvPicPr>
+            <a:picLocks noGrp="1" noChangeAspect="1"/>
+          </p:cNvPicPr>
+          <p:nvPr>
+            <p:ph sz="half" idx="2"/>
+          </p:nvPr>
+        </p:nvPicPr>
+        <p:blipFill>
+          <a:blip r:embed="rId2"/>
+          <a:stretch>
+            <a:fillRect/>
+          </a:stretch>
+        </p:blipFill>
+        <p:spPr>
+          <a:xfrm>
+            <a:off x="6339842" y="3673240"/>
+            <a:ext cx="4843318" cy="1666856"/>
+          </a:xfrm>
+        </p:spPr>
+      </p:pic>
+      <p:pic>
+        <p:nvPicPr>
+          <p:cNvPr id="8" name="Picture 7">
+            <a:extLst>
+              <a:ext uri="{FF2B5EF4-FFF2-40B4-BE49-F238E27FC236}">
+                <a16:creationId xmlns:a16="http://schemas.microsoft.com/office/drawing/2014/main" id="{BDEC93D8-794E-3D9D-6CEA-CE1FBA94CDAB}"/>
+              </a:ext>
+            </a:extLst>
+          </p:cNvPr>
+          <p:cNvPicPr>
+            <a:picLocks noChangeAspect="1"/>
+          </p:cNvPicPr>
+          <p:nvPr/>
+        </p:nvPicPr>
+        <p:blipFill rotWithShape="1">
+          <a:blip r:embed="rId3"/>
+          <a:srcRect t="16589"/>
+          <a:stretch/>
+        </p:blipFill>
+        <p:spPr>
+          <a:xfrm>
+            <a:off x="5965209" y="3186545"/>
+            <a:ext cx="5459297" cy="346364"/>
+          </a:xfrm>
+          <a:prstGeom prst="rect">
+            <a:avLst/>
+          </a:prstGeom>
+        </p:spPr>
+      </p:pic>
+      <p:pic>
+        <p:nvPicPr>
+          <p:cNvPr id="9" name="Picture 8">
+            <a:extLst>
+              <a:ext uri="{FF2B5EF4-FFF2-40B4-BE49-F238E27FC236}">
+                <a16:creationId xmlns:a16="http://schemas.microsoft.com/office/drawing/2014/main" id="{80D69B0B-8FD9-FC1C-62BB-77F9DA3302BF}"/>
+              </a:ext>
+            </a:extLst>
+          </p:cNvPr>
+          <p:cNvPicPr>
+            <a:picLocks noChangeAspect="1"/>
+          </p:cNvPicPr>
+          <p:nvPr/>
+        </p:nvPicPr>
+        <p:blipFill>
+          <a:blip r:embed="rId4"/>
+          <a:stretch>
+            <a:fillRect/>
+          </a:stretch>
+        </p:blipFill>
+        <p:spPr>
+          <a:xfrm>
+            <a:off x="7294363" y="1236567"/>
+            <a:ext cx="2406741" cy="1787741"/>
+          </a:xfrm>
+          <a:prstGeom prst="rect">
+            <a:avLst/>
+          </a:prstGeom>
+        </p:spPr>
+      </p:pic>
     </p:spTree>
     <p:extLst>
       <p:ext uri="{BB962C8B-B14F-4D97-AF65-F5344CB8AC3E}">
-        <p14:creationId xmlns:p14="http://schemas.microsoft.com/office/powerpoint/2010/main" val="1538798730"/>
+        <p14:creationId xmlns:p14="http://schemas.microsoft.com/office/powerpoint/2010/main" val="42658032"/>
       </p:ext>
     </p:extLst>
   </p:cSld>
@@ -5296,7 +6024,7 @@
 </p:sld>
 </file>
 
-<file path=ppt/slides/slide4.xml><?xml version="1.0" encoding="utf-8"?>
+<file path=ppt/slides/slide12.xml><?xml version="1.0" encoding="utf-8"?>
 <p:sld xmlns:a="http://schemas.openxmlformats.org/drawingml/2006/main" xmlns:r="http://schemas.openxmlformats.org/officeDocument/2006/relationships" xmlns:p="http://schemas.openxmlformats.org/presentationml/2006/main">
   <p:cSld>
     <p:bg>
@@ -5323,7 +6051,7 @@
       </p:grpSpPr>
       <p:sp>
         <p:nvSpPr>
-          <p:cNvPr id="10" name="Freeform: Shape 9">
+          <p:cNvPr id="63" name="Freeform: Shape 49">
             <a:extLst>
               <a:ext uri="{FF2B5EF4-FFF2-40B4-BE49-F238E27FC236}">
                 <a16:creationId xmlns:a16="http://schemas.microsoft.com/office/drawing/2014/main" id="{49306479-8C4D-4E4A-A330-DFC80A8A01BE}"/>
@@ -5484,7 +6212,7 @@
       </p:sp>
       <p:sp useBgFill="1">
         <p:nvSpPr>
-          <p:cNvPr id="12" name="Rectangle 11">
+          <p:cNvPr id="64" name="Rectangle 51">
             <a:extLst>
               <a:ext uri="{FF2B5EF4-FFF2-40B4-BE49-F238E27FC236}">
                 <a16:creationId xmlns:a16="http://schemas.microsoft.com/office/drawing/2014/main" id="{ACEDC033-8DAA-4024-87F5-57430053AE84}"/>
@@ -5544,7 +6272,7 @@
       </p:sp>
       <p:sp>
         <p:nvSpPr>
-          <p:cNvPr id="14" name="Freeform: Shape 13">
+          <p:cNvPr id="65" name="Freeform: Shape 53">
             <a:extLst>
               <a:ext uri="{FF2B5EF4-FFF2-40B4-BE49-F238E27FC236}">
                 <a16:creationId xmlns:a16="http://schemas.microsoft.com/office/drawing/2014/main" id="{D584A691-C497-4066-927B-46560195E11F}"/>
@@ -5705,10 +6433,10 @@
       </p:sp>
       <p:sp useBgFill="1">
         <p:nvSpPr>
-          <p:cNvPr id="16" name="Rectangle 15">
-            <a:extLst>
-              <a:ext uri="{FF2B5EF4-FFF2-40B4-BE49-F238E27FC236}">
-                <a16:creationId xmlns:a16="http://schemas.microsoft.com/office/drawing/2014/main" id="{85142CA2-DBFB-4161-ABDF-E87C86881F99}"/>
+          <p:cNvPr id="66" name="Rectangle 55">
+            <a:extLst>
+              <a:ext uri="{FF2B5EF4-FFF2-40B4-BE49-F238E27FC236}">
+                <a16:creationId xmlns:a16="http://schemas.microsoft.com/office/drawing/2014/main" id="{619A6F3B-F0D9-4CB0-B8A1-B84B57852C61}"/>
               </a:ext>
               <a:ext uri="{C183D7F6-B498-43B3-948B-1728B52AA6E4}">
                 <adec:decorative xmlns:adec="http://schemas.microsoft.com/office/drawing/2017/decorative" val="1"/>
@@ -5728,13 +6456,13 @@
         </p:nvSpPr>
         <p:spPr>
           <a:xfrm>
-            <a:off x="-2" y="757238"/>
-            <a:ext cx="12192002" cy="6100762"/>
+            <a:off x="0" y="0"/>
+            <a:ext cx="6095999" cy="6858000"/>
           </a:xfrm>
           <a:prstGeom prst="rect">
             <a:avLst/>
           </a:prstGeom>
-          <a:ln w="76200">
+          <a:ln>
             <a:noFill/>
           </a:ln>
         </p:spPr>
@@ -5759,7 +6487,7 @@
           <a:lstStyle/>
           <a:p>
             <a:pPr algn="ctr"/>
-            <a:endParaRPr lang="en-US" dirty="0"/>
+            <a:endParaRPr lang="en-US"/>
           </a:p>
         </p:txBody>
       </p:sp>
@@ -5768,7 +6496,7 @@
           <p:cNvPr id="2" name="Title 1">
             <a:extLst>
               <a:ext uri="{FF2B5EF4-FFF2-40B4-BE49-F238E27FC236}">
-                <a16:creationId xmlns:a16="http://schemas.microsoft.com/office/drawing/2014/main" id="{BC134F07-A928-4A4A-6551-3C2A0F2AB0EE}"/>
+                <a16:creationId xmlns:a16="http://schemas.microsoft.com/office/drawing/2014/main" id="{35A84A2E-DCA0-940C-F0C5-458D7C04B99B}"/>
               </a:ext>
             </a:extLst>
           </p:cNvPr>
@@ -5781,17 +6509,19 @@
         </p:nvSpPr>
         <p:spPr>
           <a:xfrm>
-            <a:off x="2682905" y="1401556"/>
-            <a:ext cx="6853483" cy="1007462"/>
+            <a:off x="1537556" y="1390330"/>
+            <a:ext cx="3312697" cy="1642982"/>
           </a:xfrm>
         </p:spPr>
         <p:txBody>
-          <a:bodyPr/>
+          <a:bodyPr vert="horz" lIns="91440" tIns="45720" rIns="91440" bIns="45720" rtlCol="0" anchor="ctr">
+            <a:normAutofit/>
+          </a:bodyPr>
           <a:lstStyle/>
           <a:p>
-            <a:pPr defTabSz="676656"/>
-            <a:r>
-              <a:rPr lang="en-US" sz="3108" kern="1200" spc="-37" baseline="0">
+            <a:pPr defTabSz="731520"/>
+            <a:r>
+              <a:rPr lang="en-US" sz="3360" kern="1200" spc="-40" baseline="0">
                 <a:solidFill>
                   <a:schemeClr val="tx1"/>
                 </a:solidFill>
@@ -5799,18 +6529,25 @@
                 <a:ea typeface="+mj-ea"/>
                 <a:cs typeface="+mj-cs"/>
               </a:rPr>
-              <a:t>Machine Learning and Heart Disease Dataset</a:t>
-            </a:r>
-            <a:endParaRPr lang="en-US"/>
+              <a:t>Keras Tuner</a:t>
+            </a:r>
+            <a:endParaRPr lang="en-US" kern="1200" spc="-50" baseline="0">
+              <a:solidFill>
+                <a:schemeClr val="tx1"/>
+              </a:solidFill>
+              <a:latin typeface="+mj-lt"/>
+              <a:ea typeface="+mj-ea"/>
+              <a:cs typeface="+mj-cs"/>
+            </a:endParaRPr>
           </a:p>
         </p:txBody>
       </p:sp>
       <p:sp>
         <p:nvSpPr>
-          <p:cNvPr id="3" name="Content Placeholder 2">
-            <a:extLst>
-              <a:ext uri="{FF2B5EF4-FFF2-40B4-BE49-F238E27FC236}">
-                <a16:creationId xmlns:a16="http://schemas.microsoft.com/office/drawing/2014/main" id="{CFFB90DE-DD47-5318-F8B8-D2DBB7D46F5F}"/>
+          <p:cNvPr id="45" name="Content Placeholder 2">
+            <a:extLst>
+              <a:ext uri="{FF2B5EF4-FFF2-40B4-BE49-F238E27FC236}">
+                <a16:creationId xmlns:a16="http://schemas.microsoft.com/office/drawing/2014/main" id="{DED0685E-57FC-1BAF-63F8-DAF7ABB3FE3C}"/>
               </a:ext>
             </a:extLst>
           </p:cNvPr>
@@ -5818,32 +6555,31 @@
             <a:spLocks noGrp="1"/>
           </p:cNvSpPr>
           <p:nvPr>
-            <p:ph idx="1"/>
+            <p:ph sz="half" idx="1"/>
           </p:nvPr>
         </p:nvSpPr>
         <p:spPr>
           <a:xfrm>
-            <a:off x="2682905" y="2491260"/>
-            <a:ext cx="8543113" cy="840486"/>
+            <a:off x="1537556" y="3119160"/>
+            <a:ext cx="3312697" cy="976330"/>
           </a:xfrm>
         </p:spPr>
         <p:txBody>
-          <a:bodyPr>
+          <a:bodyPr vert="horz" lIns="91440" tIns="45720" rIns="91440" bIns="45720" rtlCol="0" anchor="t">
             <a:normAutofit/>
           </a:bodyPr>
           <a:lstStyle/>
           <a:p>
-            <a:pPr marL="0" indent="0" defTabSz="676656">
+            <a:pPr marL="292608" indent="-292608" defTabSz="731520">
               <a:lnSpc>
                 <a:spcPct val="95000"/>
               </a:lnSpc>
               <a:spcBef>
-                <a:spcPts val="666"/>
+                <a:spcPts val="720"/>
               </a:spcBef>
-              <a:buNone/>
             </a:pPr>
             <a:r>
-              <a:rPr lang="en-US" sz="1480" kern="1200" dirty="0" err="1">
+              <a:rPr lang="en-US" sz="1500" kern="1200" err="1">
                 <a:solidFill>
                   <a:schemeClr val="tx1"/>
                 </a:solidFill>
@@ -5851,10 +6587,10 @@
                 <a:ea typeface="+mn-ea"/>
                 <a:cs typeface="+mn-cs"/>
               </a:rPr>
-              <a:t>Kagger</a:t>
-            </a:r>
-            <a:r>
-              <a:rPr lang="en-US" sz="1480" kern="1200" dirty="0">
+              <a:t>Keras</a:t>
+            </a:r>
+            <a:r>
+              <a:rPr lang="en-US" sz="1500" kern="1200">
                 <a:solidFill>
                   <a:schemeClr val="tx1"/>
                 </a:solidFill>
@@ -5862,391 +6598,108 @@
                 <a:ea typeface="+mn-ea"/>
                 <a:cs typeface="+mn-cs"/>
               </a:rPr>
-              <a:t> Heart Disease:  This data set dates from 1988 and consists of four databases: Cleveland, Hungary, Switzerland, and Long Beach V. </a:t>
-            </a:r>
-          </a:p>
-          <a:p>
-            <a:pPr marL="0" indent="0" defTabSz="676656">
-              <a:lnSpc>
-                <a:spcPct val="95000"/>
-              </a:lnSpc>
-              <a:spcBef>
-                <a:spcPts val="666"/>
-              </a:spcBef>
-              <a:buNone/>
-            </a:pPr>
-            <a:r>
-              <a:rPr lang="en-US" sz="1480" kern="1200" dirty="0">
-                <a:solidFill>
-                  <a:schemeClr val="tx1"/>
-                </a:solidFill>
-                <a:latin typeface="+mn-lt"/>
-                <a:ea typeface="+mn-ea"/>
-                <a:cs typeface="+mn-cs"/>
-              </a:rPr>
-              <a:t>Features:</a:t>
-            </a:r>
-            <a:endParaRPr lang="en-US" sz="2000" dirty="0"/>
-          </a:p>
-        </p:txBody>
-      </p:sp>
-      <p:sp>
-        <p:nvSpPr>
-          <p:cNvPr id="5" name="TextBox 4">
-            <a:extLst>
-              <a:ext uri="{FF2B5EF4-FFF2-40B4-BE49-F238E27FC236}">
-                <a16:creationId xmlns:a16="http://schemas.microsoft.com/office/drawing/2014/main" id="{63BDE919-C74D-D047-F52B-80112D96660C}"/>
-              </a:ext>
-            </a:extLst>
-          </p:cNvPr>
-          <p:cNvSpPr txBox="1"/>
-          <p:nvPr/>
-        </p:nvSpPr>
+              <a:t> Tuner is a library that helps pick the optimal set of hyperparameters. </a:t>
+            </a:r>
+            <a:endParaRPr lang="en-US" sz="1500"/>
+          </a:p>
+        </p:txBody>
+      </p:sp>
+      <p:pic>
+        <p:nvPicPr>
+          <p:cNvPr id="6" name="Content Placeholder 5">
+            <a:extLst>
+              <a:ext uri="{FF2B5EF4-FFF2-40B4-BE49-F238E27FC236}">
+                <a16:creationId xmlns:a16="http://schemas.microsoft.com/office/drawing/2014/main" id="{C5DB9286-10D4-054A-4795-EA2982363A27}"/>
+              </a:ext>
+            </a:extLst>
+          </p:cNvPr>
+          <p:cNvPicPr>
+            <a:picLocks noGrp="1" noChangeAspect="1"/>
+          </p:cNvPicPr>
+          <p:nvPr>
+            <p:ph sz="half" idx="2"/>
+          </p:nvPr>
+        </p:nvPicPr>
+        <p:blipFill>
+          <a:blip r:embed="rId2"/>
+          <a:stretch>
+            <a:fillRect/>
+          </a:stretch>
+        </p:blipFill>
         <p:spPr>
           <a:xfrm>
-            <a:off x="2682905" y="3331746"/>
-            <a:ext cx="8543113" cy="2293064"/>
+            <a:off x="5467468" y="3296402"/>
+            <a:ext cx="4470830" cy="1754800"/>
           </a:xfrm>
           <a:prstGeom prst="rect">
             <a:avLst/>
           </a:prstGeom>
-          <a:noFill/>
         </p:spPr>
-        <p:txBody>
-          <a:bodyPr wrap="square" numCol="2" rtlCol="0">
-            <a:spAutoFit/>
-          </a:bodyPr>
-          <a:lstStyle/>
-          <a:p>
-            <a:pPr marL="285750" indent="-285750" defTabSz="676656">
-              <a:spcAft>
-                <a:spcPts val="600"/>
-              </a:spcAft>
-              <a:buFont typeface="Arial" panose="020B0604020202020204" pitchFamily="34" charset="0"/>
-              <a:buChar char="•"/>
-            </a:pPr>
-            <a:r>
-              <a:rPr lang="en-US" sz="1332" kern="1200" dirty="0">
-                <a:solidFill>
-                  <a:schemeClr val="tx1"/>
-                </a:solidFill>
-                <a:latin typeface="+mn-lt"/>
-                <a:ea typeface="+mn-ea"/>
-                <a:cs typeface="+mn-cs"/>
-              </a:rPr>
-              <a:t>age</a:t>
-            </a:r>
-          </a:p>
-          <a:p>
-            <a:pPr marL="285750" indent="-285750" defTabSz="676656">
-              <a:spcAft>
-                <a:spcPts val="600"/>
-              </a:spcAft>
-              <a:buFont typeface="Arial" panose="020B0604020202020204" pitchFamily="34" charset="0"/>
-              <a:buChar char="•"/>
-            </a:pPr>
-            <a:r>
-              <a:rPr lang="en-US" sz="1332" kern="1200" dirty="0">
-                <a:solidFill>
-                  <a:schemeClr val="tx1"/>
-                </a:solidFill>
-                <a:latin typeface="+mn-lt"/>
-                <a:ea typeface="+mn-ea"/>
-                <a:cs typeface="+mn-cs"/>
-              </a:rPr>
-              <a:t>sex</a:t>
-            </a:r>
-          </a:p>
-          <a:p>
-            <a:pPr marL="285750" indent="-285750" defTabSz="676656">
-              <a:spcAft>
-                <a:spcPts val="600"/>
-              </a:spcAft>
-              <a:buFont typeface="Arial" panose="020B0604020202020204" pitchFamily="34" charset="0"/>
-              <a:buChar char="•"/>
-            </a:pPr>
-            <a:r>
-              <a:rPr lang="en-US" sz="1332" kern="1200" dirty="0">
-                <a:solidFill>
-                  <a:schemeClr val="tx1"/>
-                </a:solidFill>
-                <a:latin typeface="+mn-lt"/>
-                <a:ea typeface="+mn-ea"/>
-                <a:cs typeface="+mn-cs"/>
-              </a:rPr>
-              <a:t>chest pain type (4 values)</a:t>
-            </a:r>
-          </a:p>
-          <a:p>
-            <a:pPr marL="285750" indent="-285750" defTabSz="676656">
-              <a:spcAft>
-                <a:spcPts val="600"/>
-              </a:spcAft>
-              <a:buFont typeface="Arial" panose="020B0604020202020204" pitchFamily="34" charset="0"/>
-              <a:buChar char="•"/>
-            </a:pPr>
-            <a:r>
-              <a:rPr lang="en-US" sz="1332" kern="1200" dirty="0">
-                <a:solidFill>
-                  <a:schemeClr val="tx1"/>
-                </a:solidFill>
-                <a:latin typeface="+mn-lt"/>
-                <a:ea typeface="+mn-ea"/>
-                <a:cs typeface="+mn-cs"/>
-              </a:rPr>
-              <a:t>resting blood pressure</a:t>
-            </a:r>
-          </a:p>
-          <a:p>
-            <a:pPr marL="285750" indent="-285750" defTabSz="676656">
-              <a:spcAft>
-                <a:spcPts val="600"/>
-              </a:spcAft>
-              <a:buFont typeface="Arial" panose="020B0604020202020204" pitchFamily="34" charset="0"/>
-              <a:buChar char="•"/>
-            </a:pPr>
-            <a:r>
-              <a:rPr lang="en-US" sz="1332" kern="1200" dirty="0">
-                <a:solidFill>
-                  <a:schemeClr val="tx1"/>
-                </a:solidFill>
-                <a:latin typeface="+mn-lt"/>
-                <a:ea typeface="+mn-ea"/>
-                <a:cs typeface="+mn-cs"/>
-              </a:rPr>
-              <a:t>serum </a:t>
-            </a:r>
-            <a:r>
-              <a:rPr lang="en-US" sz="1332" kern="1200" dirty="0" err="1">
-                <a:solidFill>
-                  <a:schemeClr val="tx1"/>
-                </a:solidFill>
-                <a:latin typeface="+mn-lt"/>
-                <a:ea typeface="+mn-ea"/>
-                <a:cs typeface="+mn-cs"/>
-              </a:rPr>
-              <a:t>cholestoral</a:t>
-            </a:r>
-            <a:r>
-              <a:rPr lang="en-US" sz="1332" kern="1200" dirty="0">
-                <a:solidFill>
-                  <a:schemeClr val="tx1"/>
-                </a:solidFill>
-                <a:latin typeface="+mn-lt"/>
-                <a:ea typeface="+mn-ea"/>
-                <a:cs typeface="+mn-cs"/>
-              </a:rPr>
-              <a:t> in mg/dl</a:t>
-            </a:r>
-          </a:p>
-          <a:p>
-            <a:pPr marL="285750" indent="-285750" defTabSz="676656">
-              <a:spcAft>
-                <a:spcPts val="600"/>
-              </a:spcAft>
-              <a:buFont typeface="Arial" panose="020B0604020202020204" pitchFamily="34" charset="0"/>
-              <a:buChar char="•"/>
-            </a:pPr>
-            <a:r>
-              <a:rPr lang="en-US" sz="1332" kern="1200" dirty="0">
-                <a:solidFill>
-                  <a:schemeClr val="tx1"/>
-                </a:solidFill>
-                <a:latin typeface="+mn-lt"/>
-                <a:ea typeface="+mn-ea"/>
-                <a:cs typeface="+mn-cs"/>
-              </a:rPr>
-              <a:t>fasting blood sugar &gt; 120 mg/dl</a:t>
-            </a:r>
-          </a:p>
-          <a:p>
-            <a:pPr marL="285750" indent="-285750" defTabSz="676656">
-              <a:spcAft>
-                <a:spcPts val="600"/>
-              </a:spcAft>
-              <a:buFont typeface="Arial" panose="020B0604020202020204" pitchFamily="34" charset="0"/>
-              <a:buChar char="•"/>
-            </a:pPr>
-            <a:r>
-              <a:rPr lang="en-US" sz="1332" kern="1200" dirty="0">
-                <a:solidFill>
-                  <a:schemeClr val="tx1"/>
-                </a:solidFill>
-                <a:latin typeface="+mn-lt"/>
-                <a:ea typeface="+mn-ea"/>
-                <a:cs typeface="+mn-cs"/>
-              </a:rPr>
-              <a:t>resting electrocardiographic results (values 0,1,2)</a:t>
-            </a:r>
-          </a:p>
-          <a:p>
-            <a:pPr marL="285750" indent="-285750" defTabSz="676656">
-              <a:spcAft>
-                <a:spcPts val="600"/>
-              </a:spcAft>
-              <a:buFont typeface="Arial" panose="020B0604020202020204" pitchFamily="34" charset="0"/>
-              <a:buChar char="•"/>
-            </a:pPr>
-            <a:r>
-              <a:rPr lang="en-US" sz="1332" kern="1200" dirty="0">
-                <a:solidFill>
-                  <a:schemeClr val="tx1"/>
-                </a:solidFill>
-                <a:latin typeface="+mn-lt"/>
-                <a:ea typeface="+mn-ea"/>
-                <a:cs typeface="+mn-cs"/>
-              </a:rPr>
-              <a:t>maximum heart rate achieved</a:t>
-            </a:r>
-          </a:p>
-          <a:p>
-            <a:pPr marL="285750" indent="-285750" defTabSz="676656">
-              <a:spcAft>
-                <a:spcPts val="600"/>
-              </a:spcAft>
-              <a:buFont typeface="Arial" panose="020B0604020202020204" pitchFamily="34" charset="0"/>
-              <a:buChar char="•"/>
-            </a:pPr>
-            <a:r>
-              <a:rPr lang="en-US" sz="1332" kern="1200" dirty="0">
-                <a:solidFill>
-                  <a:schemeClr val="tx1"/>
-                </a:solidFill>
-                <a:latin typeface="+mn-lt"/>
-                <a:ea typeface="+mn-ea"/>
-                <a:cs typeface="+mn-cs"/>
-              </a:rPr>
-              <a:t>exercise induced angina</a:t>
-            </a:r>
-          </a:p>
-          <a:p>
-            <a:pPr marL="285750" indent="-285750" defTabSz="676656">
-              <a:spcAft>
-                <a:spcPts val="600"/>
-              </a:spcAft>
-              <a:buFont typeface="Arial" panose="020B0604020202020204" pitchFamily="34" charset="0"/>
-              <a:buChar char="•"/>
-            </a:pPr>
-            <a:r>
-              <a:rPr lang="en-US" sz="1332" kern="1200" dirty="0" err="1">
-                <a:solidFill>
-                  <a:schemeClr val="tx1"/>
-                </a:solidFill>
-                <a:latin typeface="+mn-lt"/>
-                <a:ea typeface="+mn-ea"/>
-                <a:cs typeface="+mn-cs"/>
-              </a:rPr>
-              <a:t>oldpeak</a:t>
-            </a:r>
-            <a:r>
-              <a:rPr lang="en-US" sz="1332" kern="1200" dirty="0">
-                <a:solidFill>
-                  <a:schemeClr val="tx1"/>
-                </a:solidFill>
-                <a:latin typeface="+mn-lt"/>
-                <a:ea typeface="+mn-ea"/>
-                <a:cs typeface="+mn-cs"/>
-              </a:rPr>
-              <a:t> = ST depression induced by exercise relative to rest</a:t>
-            </a:r>
-          </a:p>
-          <a:p>
-            <a:pPr marL="285750" indent="-285750" defTabSz="676656">
-              <a:spcAft>
-                <a:spcPts val="600"/>
-              </a:spcAft>
-              <a:buFont typeface="Arial" panose="020B0604020202020204" pitchFamily="34" charset="0"/>
-              <a:buChar char="•"/>
-            </a:pPr>
-            <a:r>
-              <a:rPr lang="en-US" sz="1332" kern="1200" dirty="0">
-                <a:solidFill>
-                  <a:schemeClr val="tx1"/>
-                </a:solidFill>
-                <a:latin typeface="+mn-lt"/>
-                <a:ea typeface="+mn-ea"/>
-                <a:cs typeface="+mn-cs"/>
-              </a:rPr>
-              <a:t>the slope of the peak exercise ST segment</a:t>
-            </a:r>
-          </a:p>
-          <a:p>
-            <a:pPr marL="285750" indent="-285750" defTabSz="676656">
-              <a:spcAft>
-                <a:spcPts val="600"/>
-              </a:spcAft>
-              <a:buFont typeface="Arial" panose="020B0604020202020204" pitchFamily="34" charset="0"/>
-              <a:buChar char="•"/>
-            </a:pPr>
-            <a:r>
-              <a:rPr lang="en-US" sz="1332" kern="1200" dirty="0">
-                <a:solidFill>
-                  <a:schemeClr val="tx1"/>
-                </a:solidFill>
-                <a:latin typeface="+mn-lt"/>
-                <a:ea typeface="+mn-ea"/>
-                <a:cs typeface="+mn-cs"/>
-              </a:rPr>
-              <a:t>number of major vessels (0-3) colored by </a:t>
-            </a:r>
-            <a:r>
-              <a:rPr lang="en-US" sz="1332" kern="1200" dirty="0" err="1">
-                <a:solidFill>
-                  <a:schemeClr val="tx1"/>
-                </a:solidFill>
-                <a:latin typeface="+mn-lt"/>
-                <a:ea typeface="+mn-ea"/>
-                <a:cs typeface="+mn-cs"/>
-              </a:rPr>
-              <a:t>flourosopy</a:t>
-            </a:r>
-            <a:endParaRPr lang="en-US" sz="1332" kern="1200" dirty="0">
-              <a:solidFill>
-                <a:schemeClr val="tx1"/>
-              </a:solidFill>
-              <a:latin typeface="+mn-lt"/>
-              <a:ea typeface="+mn-ea"/>
-              <a:cs typeface="+mn-cs"/>
-            </a:endParaRPr>
-          </a:p>
-          <a:p>
-            <a:pPr marL="285750" indent="-285750" defTabSz="676656">
-              <a:spcAft>
-                <a:spcPts val="600"/>
-              </a:spcAft>
-              <a:buFont typeface="Arial" panose="020B0604020202020204" pitchFamily="34" charset="0"/>
-              <a:buChar char="•"/>
-            </a:pPr>
-            <a:r>
-              <a:rPr lang="en-US" sz="1332" kern="1200" dirty="0" err="1">
-                <a:solidFill>
-                  <a:schemeClr val="tx1"/>
-                </a:solidFill>
-                <a:latin typeface="+mn-lt"/>
-                <a:ea typeface="+mn-ea"/>
-                <a:cs typeface="+mn-cs"/>
-              </a:rPr>
-              <a:t>thal</a:t>
-            </a:r>
-            <a:r>
-              <a:rPr lang="en-US" sz="1332" kern="1200" dirty="0">
-                <a:solidFill>
-                  <a:schemeClr val="tx1"/>
-                </a:solidFill>
-                <a:latin typeface="+mn-lt"/>
-                <a:ea typeface="+mn-ea"/>
-                <a:cs typeface="+mn-cs"/>
-              </a:rPr>
-              <a:t>: 0 = normal; 1 = fixed defect; 2 = reversable defect</a:t>
-            </a:r>
-            <a:endParaRPr lang="en-US" dirty="0"/>
-          </a:p>
-        </p:txBody>
-      </p:sp>
+      </p:pic>
+      <p:pic>
+        <p:nvPicPr>
+          <p:cNvPr id="8" name="Picture 7">
+            <a:extLst>
+              <a:ext uri="{FF2B5EF4-FFF2-40B4-BE49-F238E27FC236}">
+                <a16:creationId xmlns:a16="http://schemas.microsoft.com/office/drawing/2014/main" id="{5F47C79E-53A9-9072-3F05-5A504A2FCBEC}"/>
+              </a:ext>
+            </a:extLst>
+          </p:cNvPr>
+          <p:cNvPicPr>
+            <a:picLocks noChangeAspect="1"/>
+          </p:cNvPicPr>
+          <p:nvPr/>
+        </p:nvPicPr>
+        <p:blipFill>
+          <a:blip r:embed="rId3"/>
+          <a:stretch>
+            <a:fillRect/>
+          </a:stretch>
+        </p:blipFill>
+        <p:spPr>
+          <a:xfrm>
+            <a:off x="1767617" y="4017695"/>
+            <a:ext cx="2328327" cy="2082216"/>
+          </a:xfrm>
+          <a:prstGeom prst="rect">
+            <a:avLst/>
+          </a:prstGeom>
+        </p:spPr>
+      </p:pic>
+      <p:pic>
+        <p:nvPicPr>
+          <p:cNvPr id="10" name="Picture 9">
+            <a:extLst>
+              <a:ext uri="{FF2B5EF4-FFF2-40B4-BE49-F238E27FC236}">
+                <a16:creationId xmlns:a16="http://schemas.microsoft.com/office/drawing/2014/main" id="{4498566B-5443-9B87-E03D-60A6333F077D}"/>
+              </a:ext>
+            </a:extLst>
+          </p:cNvPr>
+          <p:cNvPicPr>
+            <a:picLocks noChangeAspect="1"/>
+          </p:cNvPicPr>
+          <p:nvPr/>
+        </p:nvPicPr>
+        <p:blipFill>
+          <a:blip r:embed="rId4"/>
+          <a:stretch>
+            <a:fillRect/>
+          </a:stretch>
+        </p:blipFill>
+        <p:spPr>
+          <a:xfrm>
+            <a:off x="5185752" y="2476005"/>
+            <a:ext cx="4881843" cy="442998"/>
+          </a:xfrm>
+          <a:prstGeom prst="rect">
+            <a:avLst/>
+          </a:prstGeom>
+        </p:spPr>
+      </p:pic>
     </p:spTree>
     <p:extLst>
       <p:ext uri="{BB962C8B-B14F-4D97-AF65-F5344CB8AC3E}">
-        <p14:creationId xmlns:p14="http://schemas.microsoft.com/office/powerpoint/2010/main" val="3082918316"/>
+        <p14:creationId xmlns:p14="http://schemas.microsoft.com/office/powerpoint/2010/main" val="3865918781"/>
       </p:ext>
     </p:extLst>
   </p:cSld>
@@ -6256,7 +6709,370 @@
 </p:sld>
 </file>
 
-<file path=ppt/slides/slide5.xml><?xml version="1.0" encoding="utf-8"?>
+<file path=ppt/slides/slide13.xml><?xml version="1.0" encoding="utf-8"?>
+<p:sld xmlns:a="http://schemas.openxmlformats.org/drawingml/2006/main" xmlns:r="http://schemas.openxmlformats.org/officeDocument/2006/relationships" xmlns:p="http://schemas.openxmlformats.org/presentationml/2006/main">
+  <p:cSld>
+    <p:spTree>
+      <p:nvGrpSpPr>
+        <p:cNvPr id="1" name=""/>
+        <p:cNvGrpSpPr/>
+        <p:nvPr/>
+      </p:nvGrpSpPr>
+      <p:grpSpPr>
+        <a:xfrm>
+          <a:off x="0" y="0"/>
+          <a:ext cx="0" cy="0"/>
+          <a:chOff x="0" y="0"/>
+          <a:chExt cx="0" cy="0"/>
+        </a:xfrm>
+      </p:grpSpPr>
+      <p:sp>
+        <p:nvSpPr>
+          <p:cNvPr id="2" name="Title 1">
+            <a:extLst>
+              <a:ext uri="{FF2B5EF4-FFF2-40B4-BE49-F238E27FC236}">
+                <a16:creationId xmlns:a16="http://schemas.microsoft.com/office/drawing/2014/main" id="{A606D49F-32DE-F49D-959B-525971D57D51}"/>
+              </a:ext>
+            </a:extLst>
+          </p:cNvPr>
+          <p:cNvSpPr>
+            <a:spLocks noGrp="1"/>
+          </p:cNvSpPr>
+          <p:nvPr>
+            <p:ph type="title"/>
+          </p:nvPr>
+        </p:nvSpPr>
+        <p:spPr/>
+        <p:txBody>
+          <a:bodyPr/>
+          <a:lstStyle/>
+          <a:p>
+            <a:r>
+              <a:rPr lang="en-US" dirty="0"/>
+              <a:t>Which Model would recommend to Predict Heart Disease</a:t>
+            </a:r>
+          </a:p>
+        </p:txBody>
+      </p:sp>
+      <p:sp>
+        <p:nvSpPr>
+          <p:cNvPr id="3" name="Content Placeholder 2">
+            <a:extLst>
+              <a:ext uri="{FF2B5EF4-FFF2-40B4-BE49-F238E27FC236}">
+                <a16:creationId xmlns:a16="http://schemas.microsoft.com/office/drawing/2014/main" id="{2B4B82D2-E63E-FDE5-5530-646DEBD07A3B}"/>
+              </a:ext>
+            </a:extLst>
+          </p:cNvPr>
+          <p:cNvSpPr>
+            <a:spLocks noGrp="1"/>
+          </p:cNvSpPr>
+          <p:nvPr>
+            <p:ph sz="half" idx="1"/>
+          </p:nvPr>
+        </p:nvSpPr>
+        <p:spPr/>
+        <p:txBody>
+          <a:bodyPr>
+            <a:normAutofit/>
+          </a:bodyPr>
+          <a:lstStyle/>
+          <a:p>
+            <a:pPr marL="0" indent="0">
+              <a:buNone/>
+            </a:pPr>
+            <a:r>
+              <a:rPr lang="en-US" b="1" dirty="0">
+                <a:highlight>
+                  <a:srgbClr val="FF00FF"/>
+                </a:highlight>
+              </a:rPr>
+              <a:t>Support Vector Classifier </a:t>
+            </a:r>
+            <a:r>
+              <a:rPr lang="en-US" dirty="0"/>
+              <a:t>results in the highest weighted F1 scores and the greatest Accuracy of all the models tested and is </a:t>
+            </a:r>
+            <a:r>
+              <a:rPr lang="en-US"/>
+              <a:t>our Recommendation</a:t>
+            </a:r>
+            <a:endParaRPr lang="en-US" dirty="0"/>
+          </a:p>
+          <a:p>
+            <a:endParaRPr lang="en-US" dirty="0"/>
+          </a:p>
+        </p:txBody>
+      </p:sp>
+      <p:sp>
+        <p:nvSpPr>
+          <p:cNvPr id="4" name="Content Placeholder 3">
+            <a:extLst>
+              <a:ext uri="{FF2B5EF4-FFF2-40B4-BE49-F238E27FC236}">
+                <a16:creationId xmlns:a16="http://schemas.microsoft.com/office/drawing/2014/main" id="{50CB54EA-2EFE-0E85-F24D-6BB804C8AC35}"/>
+              </a:ext>
+            </a:extLst>
+          </p:cNvPr>
+          <p:cNvSpPr>
+            <a:spLocks noGrp="1"/>
+          </p:cNvSpPr>
+          <p:nvPr>
+            <p:ph sz="half" idx="2"/>
+          </p:nvPr>
+        </p:nvSpPr>
+        <p:spPr/>
+        <p:txBody>
+          <a:bodyPr>
+            <a:normAutofit/>
+          </a:bodyPr>
+          <a:lstStyle/>
+          <a:p>
+            <a:pPr marL="0" indent="0">
+              <a:buNone/>
+            </a:pPr>
+            <a:r>
+              <a:rPr lang="en-US" sz="2000" dirty="0"/>
+              <a:t>F1 scores and Accuracy:</a:t>
+            </a:r>
+          </a:p>
+          <a:p>
+            <a:pPr marL="800100" lvl="1" indent="-342900" algn="ctr">
+              <a:buFont typeface="Arial" panose="020B0604020202020204" pitchFamily="34" charset="0"/>
+              <a:buChar char="•"/>
+            </a:pPr>
+            <a:r>
+              <a:rPr lang="en-US" sz="1700" b="1" dirty="0">
+                <a:solidFill>
+                  <a:srgbClr val="7030A0"/>
+                </a:solidFill>
+              </a:rPr>
+              <a:t>Support Vector Classifier (SVC) </a:t>
+            </a:r>
+          </a:p>
+          <a:p>
+            <a:pPr marL="457200" lvl="1" algn="ctr"/>
+            <a:r>
+              <a:rPr lang="en-US" sz="1700" b="1" dirty="0">
+                <a:solidFill>
+                  <a:srgbClr val="7030A0"/>
+                </a:solidFill>
+              </a:rPr>
+              <a:t> .90</a:t>
+            </a:r>
+          </a:p>
+          <a:p>
+            <a:pPr marL="800100" lvl="1" indent="-342900">
+              <a:buFont typeface="Arial" panose="020B0604020202020204" pitchFamily="34" charset="0"/>
+              <a:buChar char="•"/>
+            </a:pPr>
+            <a:r>
+              <a:rPr lang="en-US" sz="1600" dirty="0" err="1"/>
+              <a:t>Keras</a:t>
+            </a:r>
+            <a:r>
+              <a:rPr lang="en-US" sz="1600" dirty="0"/>
+              <a:t> Tuner - .87 </a:t>
+            </a:r>
+          </a:p>
+          <a:p>
+            <a:pPr marL="800100" lvl="1" indent="-342900">
+              <a:buFont typeface="Arial" panose="020B0604020202020204" pitchFamily="34" charset="0"/>
+              <a:buChar char="•"/>
+            </a:pPr>
+            <a:r>
+              <a:rPr lang="en-US" sz="1600" dirty="0"/>
+              <a:t>Random Forest - .84                       </a:t>
+            </a:r>
+          </a:p>
+          <a:p>
+            <a:pPr marL="800100" lvl="1" indent="-342900">
+              <a:buFont typeface="Arial" panose="020B0604020202020204" pitchFamily="34" charset="0"/>
+              <a:buChar char="•"/>
+            </a:pPr>
+            <a:r>
+              <a:rPr lang="en-US" sz="1600" dirty="0"/>
+              <a:t>Sequential  - .81</a:t>
+            </a:r>
+          </a:p>
+          <a:p>
+            <a:pPr marL="800100" lvl="1" indent="-342900">
+              <a:buFont typeface="Arial" panose="020B0604020202020204" pitchFamily="34" charset="0"/>
+              <a:buChar char="•"/>
+            </a:pPr>
+            <a:r>
+              <a:rPr lang="en-US" sz="1600" dirty="0"/>
+              <a:t>Logistic Regression - .79</a:t>
+            </a:r>
+          </a:p>
+          <a:p>
+            <a:pPr marL="800100" lvl="1" indent="-342900">
+              <a:buFont typeface="Arial" panose="020B0604020202020204" pitchFamily="34" charset="0"/>
+              <a:buChar char="•"/>
+            </a:pPr>
+            <a:r>
+              <a:rPr lang="en-US" sz="1600" dirty="0"/>
+              <a:t>Decision Tree - .71</a:t>
+            </a:r>
+          </a:p>
+          <a:p>
+            <a:pPr marL="800100" lvl="1" indent="-342900">
+              <a:buFont typeface="Arial" panose="020B0604020202020204" pitchFamily="34" charset="0"/>
+              <a:buChar char="•"/>
+            </a:pPr>
+            <a:endParaRPr lang="en-US" sz="1600" dirty="0"/>
+          </a:p>
+        </p:txBody>
+      </p:sp>
+    </p:spTree>
+    <p:extLst>
+      <p:ext uri="{BB962C8B-B14F-4D97-AF65-F5344CB8AC3E}">
+        <p14:creationId xmlns:p14="http://schemas.microsoft.com/office/powerpoint/2010/main" val="1274903695"/>
+      </p:ext>
+    </p:extLst>
+  </p:cSld>
+  <p:clrMapOvr>
+    <a:masterClrMapping/>
+  </p:clrMapOvr>
+</p:sld>
+</file>
+
+<file path=ppt/slides/slide14.xml><?xml version="1.0" encoding="utf-8"?>
+<p:sld xmlns:a="http://schemas.openxmlformats.org/drawingml/2006/main" xmlns:r="http://schemas.openxmlformats.org/officeDocument/2006/relationships" xmlns:p="http://schemas.openxmlformats.org/presentationml/2006/main">
+  <p:cSld>
+    <p:bg>
+      <p:bgPr>
+        <a:solidFill>
+          <a:schemeClr val="bg1"/>
+        </a:solidFill>
+        <a:effectLst/>
+      </p:bgPr>
+    </p:bg>
+    <p:spTree>
+      <p:nvGrpSpPr>
+        <p:cNvPr id="1" name=""/>
+        <p:cNvGrpSpPr/>
+        <p:nvPr/>
+      </p:nvGrpSpPr>
+      <p:grpSpPr>
+        <a:xfrm>
+          <a:off x="0" y="0"/>
+          <a:ext cx="0" cy="0"/>
+          <a:chOff x="0" y="0"/>
+          <a:chExt cx="0" cy="0"/>
+        </a:xfrm>
+      </p:grpSpPr>
+      <p:pic>
+        <p:nvPicPr>
+          <p:cNvPr id="5" name="Picture 4">
+            <a:extLst>
+              <a:ext uri="{FF2B5EF4-FFF2-40B4-BE49-F238E27FC236}">
+                <a16:creationId xmlns:a16="http://schemas.microsoft.com/office/drawing/2014/main" id="{B58BB68E-996D-CDFD-C5E3-AD6EC57A655B}"/>
+              </a:ext>
+            </a:extLst>
+          </p:cNvPr>
+          <p:cNvPicPr>
+            <a:picLocks noChangeAspect="1"/>
+          </p:cNvPicPr>
+          <p:nvPr/>
+        </p:nvPicPr>
+        <p:blipFill rotWithShape="1">
+          <a:blip r:embed="rId2"/>
+          <a:srcRect t="4886" b="7566"/>
+          <a:stretch/>
+        </p:blipFill>
+        <p:spPr>
+          <a:xfrm>
+            <a:off x="20" y="-1"/>
+            <a:ext cx="12191977" cy="6858000"/>
+          </a:xfrm>
+          <a:prstGeom prst="rect">
+            <a:avLst/>
+          </a:prstGeom>
+        </p:spPr>
+      </p:pic>
+      <p:sp>
+        <p:nvSpPr>
+          <p:cNvPr id="2" name="Title 1">
+            <a:extLst>
+              <a:ext uri="{FF2B5EF4-FFF2-40B4-BE49-F238E27FC236}">
+                <a16:creationId xmlns:a16="http://schemas.microsoft.com/office/drawing/2014/main" id="{E04655C6-921D-8C59-08AB-673726BF2E7F}"/>
+              </a:ext>
+            </a:extLst>
+          </p:cNvPr>
+          <p:cNvSpPr>
+            <a:spLocks noGrp="1"/>
+          </p:cNvSpPr>
+          <p:nvPr>
+            <p:ph type="title"/>
+          </p:nvPr>
+        </p:nvSpPr>
+        <p:spPr>
+          <a:xfrm>
+            <a:off x="1223491" y="1249332"/>
+            <a:ext cx="4387875" cy="1955877"/>
+          </a:xfrm>
+        </p:spPr>
+        <p:txBody>
+          <a:bodyPr vert="horz" lIns="91440" tIns="45720" rIns="91440" bIns="45720" rtlCol="0" anchor="b">
+            <a:normAutofit/>
+          </a:bodyPr>
+          <a:lstStyle/>
+          <a:p>
+            <a:r>
+              <a:rPr lang="en-US" sz="4800"/>
+              <a:t>Thank You!</a:t>
+            </a:r>
+          </a:p>
+        </p:txBody>
+      </p:sp>
+      <p:sp>
+        <p:nvSpPr>
+          <p:cNvPr id="3" name="Text Placeholder 2">
+            <a:extLst>
+              <a:ext uri="{FF2B5EF4-FFF2-40B4-BE49-F238E27FC236}">
+                <a16:creationId xmlns:a16="http://schemas.microsoft.com/office/drawing/2014/main" id="{5E836551-32A2-66BF-6077-23C600E3853B}"/>
+              </a:ext>
+            </a:extLst>
+          </p:cNvPr>
+          <p:cNvSpPr>
+            <a:spLocks noGrp="1"/>
+          </p:cNvSpPr>
+          <p:nvPr>
+            <p:ph type="body" idx="1"/>
+          </p:nvPr>
+        </p:nvSpPr>
+        <p:spPr>
+          <a:xfrm>
+            <a:off x="1223488" y="3205209"/>
+            <a:ext cx="4387875" cy="586155"/>
+          </a:xfrm>
+        </p:spPr>
+        <p:txBody>
+          <a:bodyPr vert="horz" lIns="91440" tIns="45720" rIns="91440" bIns="45720" rtlCol="0">
+            <a:normAutofit/>
+          </a:bodyPr>
+          <a:lstStyle/>
+          <a:p>
+            <a:r>
+              <a:rPr lang="en-US" b="1"/>
+              <a:t>Q &amp; A</a:t>
+            </a:r>
+          </a:p>
+        </p:txBody>
+      </p:sp>
+    </p:spTree>
+    <p:extLst>
+      <p:ext uri="{BB962C8B-B14F-4D97-AF65-F5344CB8AC3E}">
+        <p14:creationId xmlns:p14="http://schemas.microsoft.com/office/powerpoint/2010/main" val="1474225141"/>
+      </p:ext>
+    </p:extLst>
+  </p:cSld>
+  <p:clrMapOvr>
+    <a:masterClrMapping/>
+  </p:clrMapOvr>
+</p:sld>
+</file>
+
+<file path=ppt/slides/slide2.xml><?xml version="1.0" encoding="utf-8"?>
 <p:sld xmlns:a="http://schemas.openxmlformats.org/drawingml/2006/main" xmlns:r="http://schemas.openxmlformats.org/officeDocument/2006/relationships" xmlns:p="http://schemas.openxmlformats.org/presentationml/2006/main">
   <p:cSld>
     <p:bg>
@@ -6283,7 +7099,425 @@
       </p:grpSpPr>
       <p:sp>
         <p:nvSpPr>
-          <p:cNvPr id="17" name="Freeform: Shape 16">
+          <p:cNvPr id="2" name="Title 1">
+            <a:extLst>
+              <a:ext uri="{FF2B5EF4-FFF2-40B4-BE49-F238E27FC236}">
+                <a16:creationId xmlns:a16="http://schemas.microsoft.com/office/drawing/2014/main" id="{479724D7-B01B-9FA0-2C08-0EFFCB58EF4E}"/>
+              </a:ext>
+            </a:extLst>
+          </p:cNvPr>
+          <p:cNvSpPr>
+            <a:spLocks noGrp="1"/>
+          </p:cNvSpPr>
+          <p:nvPr>
+            <p:ph type="title"/>
+          </p:nvPr>
+        </p:nvSpPr>
+        <p:spPr>
+          <a:xfrm>
+            <a:off x="6096000" y="1136073"/>
+            <a:ext cx="5160347" cy="4969451"/>
+          </a:xfrm>
+        </p:spPr>
+        <p:txBody>
+          <a:bodyPr vert="horz" lIns="91440" tIns="45720" rIns="91440" bIns="45720" rtlCol="0" anchor="ctr">
+            <a:noAutofit/>
+          </a:bodyPr>
+          <a:lstStyle/>
+          <a:p>
+            <a:pPr algn="l"/>
+            <a:br>
+              <a:rPr lang="en-US" sz="2000" b="1" i="0" dirty="0">
+                <a:solidFill>
+                  <a:srgbClr val="333333"/>
+                </a:solidFill>
+                <a:effectLst/>
+                <a:latin typeface="Open Sans Semibold" panose="020B0706030804020204" pitchFamily="34" charset="0"/>
+              </a:rPr>
+            </a:br>
+            <a:r>
+              <a:rPr lang="en-US" sz="2000" b="0" i="0" dirty="0">
+                <a:solidFill>
+                  <a:srgbClr val="000000"/>
+                </a:solidFill>
+                <a:effectLst/>
+                <a:latin typeface="Open Sans" panose="020B0606030504020204" pitchFamily="34" charset="0"/>
+              </a:rPr>
+              <a:t>Heart disease is the </a:t>
+            </a:r>
+            <a:r>
+              <a:rPr lang="en-US" sz="2000" b="1" i="0" dirty="0">
+                <a:solidFill>
+                  <a:srgbClr val="000000"/>
+                </a:solidFill>
+                <a:effectLst/>
+                <a:latin typeface="Open Sans" panose="020B0606030504020204" pitchFamily="34" charset="0"/>
+              </a:rPr>
+              <a:t>leading cause of death</a:t>
+            </a:r>
+            <a:r>
+              <a:rPr lang="en-US" sz="2000" b="0" i="0" dirty="0">
+                <a:solidFill>
+                  <a:srgbClr val="000000"/>
+                </a:solidFill>
+                <a:effectLst/>
+                <a:latin typeface="Open Sans" panose="020B0606030504020204" pitchFamily="34" charset="0"/>
+              </a:rPr>
+              <a:t> for men, women, and people of most racial and ethnic groups in the United States.</a:t>
+            </a:r>
+            <a:br>
+              <a:rPr lang="en-US" sz="2000" baseline="30000" dirty="0">
+                <a:solidFill>
+                  <a:srgbClr val="000000"/>
+                </a:solidFill>
+                <a:latin typeface="Open Sans" panose="020B0606030504020204" pitchFamily="34" charset="0"/>
+              </a:rPr>
+            </a:br>
+            <a:br>
+              <a:rPr lang="en-US" sz="2000" b="0" i="0" dirty="0">
+                <a:solidFill>
+                  <a:srgbClr val="000000"/>
+                </a:solidFill>
+                <a:effectLst/>
+                <a:latin typeface="Open Sans" panose="020B0606030504020204" pitchFamily="34" charset="0"/>
+              </a:rPr>
+            </a:br>
+            <a:r>
+              <a:rPr lang="en-US" sz="2000" b="1" i="0" dirty="0">
+                <a:solidFill>
+                  <a:srgbClr val="000000"/>
+                </a:solidFill>
+                <a:effectLst/>
+                <a:latin typeface="Open Sans" panose="020B0606030504020204" pitchFamily="34" charset="0"/>
+              </a:rPr>
+              <a:t>One person dies every 33 seconds</a:t>
+            </a:r>
+            <a:r>
+              <a:rPr lang="en-US" sz="2000" b="0" i="0" dirty="0">
+                <a:solidFill>
+                  <a:srgbClr val="000000"/>
+                </a:solidFill>
+                <a:effectLst/>
+                <a:latin typeface="Open Sans" panose="020B0606030504020204" pitchFamily="34" charset="0"/>
+              </a:rPr>
+              <a:t> in the United States from cardiovascular disease.</a:t>
+            </a:r>
+            <a:br>
+              <a:rPr lang="en-US" sz="2000" b="0" i="0" dirty="0">
+                <a:solidFill>
+                  <a:srgbClr val="000000"/>
+                </a:solidFill>
+                <a:effectLst/>
+                <a:latin typeface="Open Sans" panose="020B0606030504020204" pitchFamily="34" charset="0"/>
+              </a:rPr>
+            </a:br>
+            <a:r>
+              <a:rPr lang="en-US" sz="2000" b="0" i="0" dirty="0">
+                <a:solidFill>
+                  <a:srgbClr val="000000"/>
+                </a:solidFill>
+                <a:effectLst/>
+                <a:latin typeface="Open Sans" panose="020B0606030504020204" pitchFamily="34" charset="0"/>
+              </a:rPr>
+              <a:t>About </a:t>
+            </a:r>
+            <a:r>
+              <a:rPr lang="en-US" sz="2000" b="1" i="0" dirty="0">
+                <a:solidFill>
+                  <a:srgbClr val="000000"/>
+                </a:solidFill>
+                <a:effectLst/>
+                <a:latin typeface="Open Sans" panose="020B0606030504020204" pitchFamily="34" charset="0"/>
+              </a:rPr>
+              <a:t>695,000 people in the United States </a:t>
+            </a:r>
+            <a:r>
+              <a:rPr lang="en-US" sz="2000" b="0" i="0" dirty="0">
+                <a:solidFill>
+                  <a:srgbClr val="000000"/>
+                </a:solidFill>
+                <a:effectLst/>
+                <a:latin typeface="Open Sans" panose="020B0606030504020204" pitchFamily="34" charset="0"/>
+              </a:rPr>
+              <a:t>died from heart disease in 2021—that’s </a:t>
+            </a:r>
+            <a:r>
+              <a:rPr lang="en-US" sz="2000" b="1" i="0" dirty="0">
+                <a:solidFill>
+                  <a:srgbClr val="000000"/>
+                </a:solidFill>
+                <a:effectLst/>
+                <a:latin typeface="Open Sans" panose="020B0606030504020204" pitchFamily="34" charset="0"/>
+              </a:rPr>
+              <a:t>1 in every 5 deaths</a:t>
+            </a:r>
+            <a:r>
+              <a:rPr lang="en-US" sz="2000" b="0" i="0" dirty="0">
+                <a:solidFill>
+                  <a:srgbClr val="000000"/>
+                </a:solidFill>
+                <a:effectLst/>
+                <a:latin typeface="Open Sans" panose="020B0606030504020204" pitchFamily="34" charset="0"/>
+              </a:rPr>
+              <a:t>.</a:t>
+            </a:r>
+            <a:br>
+              <a:rPr lang="en-US" sz="2000" baseline="30000" dirty="0">
+                <a:solidFill>
+                  <a:srgbClr val="000000"/>
+                </a:solidFill>
+                <a:latin typeface="Open Sans" panose="020B0606030504020204" pitchFamily="34" charset="0"/>
+              </a:rPr>
+            </a:br>
+            <a:br>
+              <a:rPr lang="en-US" sz="2000" b="0" i="0" dirty="0">
+                <a:solidFill>
+                  <a:srgbClr val="000000"/>
+                </a:solidFill>
+                <a:effectLst/>
+                <a:latin typeface="Open Sans" panose="020B0606030504020204" pitchFamily="34" charset="0"/>
+              </a:rPr>
+            </a:br>
+            <a:r>
+              <a:rPr lang="en-US" sz="2000" b="0" i="0" dirty="0">
+                <a:solidFill>
+                  <a:srgbClr val="000000"/>
+                </a:solidFill>
+                <a:effectLst/>
+                <a:latin typeface="Open Sans" panose="020B0606030504020204" pitchFamily="34" charset="0"/>
+              </a:rPr>
+              <a:t>Heart disease cost the United States about </a:t>
+            </a:r>
+            <a:r>
+              <a:rPr lang="en-US" sz="2000" b="1" i="0" dirty="0">
+                <a:solidFill>
+                  <a:srgbClr val="000000"/>
+                </a:solidFill>
+                <a:effectLst/>
+                <a:latin typeface="Open Sans" panose="020B0606030504020204" pitchFamily="34" charset="0"/>
+              </a:rPr>
+              <a:t>$239.9 billion</a:t>
+            </a:r>
+            <a:r>
+              <a:rPr lang="en-US" sz="2000" b="0" i="0" dirty="0">
+                <a:solidFill>
+                  <a:srgbClr val="000000"/>
+                </a:solidFill>
+                <a:effectLst/>
+                <a:latin typeface="Open Sans" panose="020B0606030504020204" pitchFamily="34" charset="0"/>
+              </a:rPr>
+              <a:t> each year from 2018 to 2019. This includes the cost of health care services, medicines, and lost productivity due to death.</a:t>
+            </a:r>
+            <a:br>
+              <a:rPr lang="en-US" sz="2400" b="0" i="0" dirty="0">
+                <a:solidFill>
+                  <a:srgbClr val="000000"/>
+                </a:solidFill>
+                <a:effectLst/>
+                <a:latin typeface="Open Sans" panose="020B0606030504020204" pitchFamily="34" charset="0"/>
+              </a:rPr>
+            </a:br>
+            <a:br>
+              <a:rPr lang="en-US" sz="2400" b="0" i="0" dirty="0">
+                <a:solidFill>
+                  <a:srgbClr val="000000"/>
+                </a:solidFill>
+                <a:effectLst/>
+                <a:latin typeface="Open Sans" panose="020B0606030504020204" pitchFamily="34" charset="0"/>
+              </a:rPr>
+            </a:br>
+            <a:r>
+              <a:rPr lang="en-US" sz="1050" dirty="0">
+                <a:hlinkClick r:id="rId2"/>
+              </a:rPr>
+              <a:t>Heart Disease Facts | cdc.gov</a:t>
+            </a:r>
+            <a:endParaRPr lang="en-US" sz="2400" b="0" i="0" dirty="0">
+              <a:solidFill>
+                <a:srgbClr val="000000"/>
+              </a:solidFill>
+              <a:effectLst/>
+              <a:latin typeface="Open Sans" panose="020B0606030504020204" pitchFamily="34" charset="0"/>
+            </a:endParaRPr>
+          </a:p>
+        </p:txBody>
+      </p:sp>
+      <p:pic>
+        <p:nvPicPr>
+          <p:cNvPr id="5" name="Picture 4" descr="Stethoscope">
+            <a:extLst>
+              <a:ext uri="{FF2B5EF4-FFF2-40B4-BE49-F238E27FC236}">
+                <a16:creationId xmlns:a16="http://schemas.microsoft.com/office/drawing/2014/main" id="{38497A86-BA03-5030-F6B7-A1055D2EE149}"/>
+              </a:ext>
+            </a:extLst>
+          </p:cNvPr>
+          <p:cNvPicPr>
+            <a:picLocks noChangeAspect="1"/>
+          </p:cNvPicPr>
+          <p:nvPr/>
+        </p:nvPicPr>
+        <p:blipFill rotWithShape="1">
+          <a:blip r:embed="rId3"/>
+          <a:srcRect l="26462" r="20934" b="-1"/>
+          <a:stretch/>
+        </p:blipFill>
+        <p:spPr>
+          <a:xfrm>
+            <a:off x="0" y="10"/>
+            <a:ext cx="5404493" cy="6857990"/>
+          </a:xfrm>
+          <a:prstGeom prst="rect">
+            <a:avLst/>
+          </a:prstGeom>
+        </p:spPr>
+      </p:pic>
+    </p:spTree>
+    <p:extLst>
+      <p:ext uri="{BB962C8B-B14F-4D97-AF65-F5344CB8AC3E}">
+        <p14:creationId xmlns:p14="http://schemas.microsoft.com/office/powerpoint/2010/main" val="4036831504"/>
+      </p:ext>
+    </p:extLst>
+  </p:cSld>
+  <p:clrMapOvr>
+    <a:masterClrMapping/>
+  </p:clrMapOvr>
+</p:sld>
+</file>
+
+<file path=ppt/slides/slide3.xml><?xml version="1.0" encoding="utf-8"?>
+<p:sld xmlns:a="http://schemas.openxmlformats.org/drawingml/2006/main" xmlns:r="http://schemas.openxmlformats.org/officeDocument/2006/relationships" xmlns:p="http://schemas.openxmlformats.org/presentationml/2006/main">
+  <p:cSld>
+    <p:spTree>
+      <p:nvGrpSpPr>
+        <p:cNvPr id="1" name=""/>
+        <p:cNvGrpSpPr/>
+        <p:nvPr/>
+      </p:nvGrpSpPr>
+      <p:grpSpPr>
+        <a:xfrm>
+          <a:off x="0" y="0"/>
+          <a:ext cx="0" cy="0"/>
+          <a:chOff x="0" y="0"/>
+          <a:chExt cx="0" cy="0"/>
+        </a:xfrm>
+      </p:grpSpPr>
+      <p:sp>
+        <p:nvSpPr>
+          <p:cNvPr id="2" name="Title 1">
+            <a:extLst>
+              <a:ext uri="{FF2B5EF4-FFF2-40B4-BE49-F238E27FC236}">
+                <a16:creationId xmlns:a16="http://schemas.microsoft.com/office/drawing/2014/main" id="{F4F8D6CA-5C78-605B-7F0F-29EF15D3011B}"/>
+              </a:ext>
+            </a:extLst>
+          </p:cNvPr>
+          <p:cNvSpPr>
+            <a:spLocks noGrp="1"/>
+          </p:cNvSpPr>
+          <p:nvPr>
+            <p:ph type="title"/>
+          </p:nvPr>
+        </p:nvSpPr>
+        <p:spPr/>
+        <p:txBody>
+          <a:bodyPr/>
+          <a:lstStyle/>
+          <a:p>
+            <a:r>
+              <a:rPr lang="en-US" dirty="0"/>
+              <a:t>The process of using Machine Learning to Predict Heart Disease</a:t>
+            </a:r>
+          </a:p>
+        </p:txBody>
+      </p:sp>
+      <p:sp>
+        <p:nvSpPr>
+          <p:cNvPr id="3" name="Content Placeholder 2">
+            <a:extLst>
+              <a:ext uri="{FF2B5EF4-FFF2-40B4-BE49-F238E27FC236}">
+                <a16:creationId xmlns:a16="http://schemas.microsoft.com/office/drawing/2014/main" id="{04A2224F-7CCC-C791-B6A9-BE1C2A0882CB}"/>
+              </a:ext>
+            </a:extLst>
+          </p:cNvPr>
+          <p:cNvSpPr>
+            <a:spLocks noGrp="1"/>
+          </p:cNvSpPr>
+          <p:nvPr>
+            <p:ph idx="1"/>
+          </p:nvPr>
+        </p:nvSpPr>
+        <p:spPr/>
+        <p:txBody>
+          <a:bodyPr>
+            <a:normAutofit/>
+          </a:bodyPr>
+          <a:lstStyle/>
+          <a:p>
+            <a:r>
+              <a:rPr lang="en-US" dirty="0"/>
+              <a:t>Found dataset related to heart disease</a:t>
+            </a:r>
+          </a:p>
+          <a:p>
+            <a:r>
+              <a:rPr lang="en-US" dirty="0"/>
+              <a:t>Exploratory data analysis to understand different factors and relationships to features and heart disease</a:t>
+            </a:r>
+          </a:p>
+          <a:p>
+            <a:r>
+              <a:rPr lang="en-US" dirty="0"/>
+              <a:t>Created Machine Learning models to Predict Heart Disease</a:t>
+            </a:r>
+          </a:p>
+          <a:p>
+            <a:r>
+              <a:rPr lang="en-US" dirty="0"/>
+              <a:t>A look at the results of Predicting Heart Disease</a:t>
+            </a:r>
+          </a:p>
+        </p:txBody>
+      </p:sp>
+    </p:spTree>
+    <p:extLst>
+      <p:ext uri="{BB962C8B-B14F-4D97-AF65-F5344CB8AC3E}">
+        <p14:creationId xmlns:p14="http://schemas.microsoft.com/office/powerpoint/2010/main" val="1538798730"/>
+      </p:ext>
+    </p:extLst>
+  </p:cSld>
+  <p:clrMapOvr>
+    <a:masterClrMapping/>
+  </p:clrMapOvr>
+</p:sld>
+</file>
+
+<file path=ppt/slides/slide4.xml><?xml version="1.0" encoding="utf-8"?>
+<p:sld xmlns:a="http://schemas.openxmlformats.org/drawingml/2006/main" xmlns:r="http://schemas.openxmlformats.org/officeDocument/2006/relationships" xmlns:p="http://schemas.openxmlformats.org/presentationml/2006/main">
+  <p:cSld>
+    <p:bg>
+      <p:bgPr>
+        <a:solidFill>
+          <a:schemeClr val="bg1"/>
+        </a:solidFill>
+        <a:effectLst/>
+      </p:bgPr>
+    </p:bg>
+    <p:spTree>
+      <p:nvGrpSpPr>
+        <p:cNvPr id="1" name=""/>
+        <p:cNvGrpSpPr/>
+        <p:nvPr/>
+      </p:nvGrpSpPr>
+      <p:grpSpPr>
+        <a:xfrm>
+          <a:off x="0" y="0"/>
+          <a:ext cx="0" cy="0"/>
+          <a:chOff x="0" y="0"/>
+          <a:chExt cx="0" cy="0"/>
+        </a:xfrm>
+      </p:grpSpPr>
+      <p:sp>
+        <p:nvSpPr>
+          <p:cNvPr id="25" name="Freeform: Shape 9">
             <a:extLst>
               <a:ext uri="{FF2B5EF4-FFF2-40B4-BE49-F238E27FC236}">
                 <a16:creationId xmlns:a16="http://schemas.microsoft.com/office/drawing/2014/main" id="{49306479-8C4D-4E4A-A330-DFC80A8A01BE}"/>
@@ -6444,10 +7678,10 @@
       </p:sp>
       <p:sp useBgFill="1">
         <p:nvSpPr>
-          <p:cNvPr id="19" name="Rectangle 18">
-            <a:extLst>
-              <a:ext uri="{FF2B5EF4-FFF2-40B4-BE49-F238E27FC236}">
-                <a16:creationId xmlns:a16="http://schemas.microsoft.com/office/drawing/2014/main" id="{84136905-015B-4510-B514-027CBA846BD6}"/>
+          <p:cNvPr id="26" name="Rectangle 11">
+            <a:extLst>
+              <a:ext uri="{FF2B5EF4-FFF2-40B4-BE49-F238E27FC236}">
+                <a16:creationId xmlns:a16="http://schemas.microsoft.com/office/drawing/2014/main" id="{ACEDC033-8DAA-4024-87F5-57430053AE84}"/>
               </a:ext>
               <a:ext uri="{C183D7F6-B498-43B3-948B-1728B52AA6E4}">
                 <adec:decorative xmlns:adec="http://schemas.microsoft.com/office/drawing/2017/decorative" val="1"/>
@@ -6504,165 +7738,10 @@
       </p:sp>
       <p:sp>
         <p:nvSpPr>
-          <p:cNvPr id="2" name="Title 1">
-            <a:extLst>
-              <a:ext uri="{FF2B5EF4-FFF2-40B4-BE49-F238E27FC236}">
-                <a16:creationId xmlns:a16="http://schemas.microsoft.com/office/drawing/2014/main" id="{604E8EE8-914A-C5FB-2FEC-E5D394C12514}"/>
-              </a:ext>
-            </a:extLst>
-          </p:cNvPr>
-          <p:cNvSpPr>
-            <a:spLocks noGrp="1"/>
-          </p:cNvSpPr>
-          <p:nvPr>
-            <p:ph type="title"/>
-          </p:nvPr>
-        </p:nvSpPr>
-        <p:spPr>
-          <a:xfrm>
-            <a:off x="6163464" y="755650"/>
-            <a:ext cx="5266535" cy="1345115"/>
-          </a:xfrm>
-        </p:spPr>
-        <p:txBody>
-          <a:bodyPr vert="horz" lIns="91440" tIns="45720" rIns="91440" bIns="45720" rtlCol="0" anchor="t">
-            <a:normAutofit/>
-          </a:bodyPr>
-          <a:lstStyle/>
-          <a:p>
-            <a:pPr>
-              <a:lnSpc>
-                <a:spcPct val="95000"/>
-              </a:lnSpc>
-            </a:pPr>
-            <a:r>
-              <a:rPr lang="en-US" sz="4200" kern="1200" spc="-50" baseline="0">
-                <a:solidFill>
-                  <a:schemeClr val="tx1"/>
-                </a:solidFill>
-                <a:latin typeface="+mj-lt"/>
-                <a:ea typeface="+mj-ea"/>
-                <a:cs typeface="+mj-cs"/>
-              </a:rPr>
-              <a:t>Looking at the Data</a:t>
-            </a:r>
-          </a:p>
-        </p:txBody>
-      </p:sp>
-      <p:pic>
-        <p:nvPicPr>
-          <p:cNvPr id="5" name="Picture 4">
-            <a:extLst>
-              <a:ext uri="{FF2B5EF4-FFF2-40B4-BE49-F238E27FC236}">
-                <a16:creationId xmlns:a16="http://schemas.microsoft.com/office/drawing/2014/main" id="{7CA3BC05-1F94-DF5B-A5D1-ADDFE5C6E676}"/>
-              </a:ext>
-            </a:extLst>
-          </p:cNvPr>
-          <p:cNvPicPr>
-            <a:picLocks noChangeAspect="1"/>
-          </p:cNvPicPr>
-          <p:nvPr/>
-        </p:nvPicPr>
-        <p:blipFill rotWithShape="1">
-          <a:blip r:embed="rId2"/>
-          <a:srcRect l="10987" r="40350" b="-1"/>
-          <a:stretch/>
-        </p:blipFill>
-        <p:spPr>
-          <a:xfrm>
-            <a:off x="20" y="10"/>
-            <a:ext cx="5404493" cy="6857990"/>
-          </a:xfrm>
-          <a:prstGeom prst="rect">
-            <a:avLst/>
-          </a:prstGeom>
-        </p:spPr>
-      </p:pic>
-      <p:sp>
-        <p:nvSpPr>
-          <p:cNvPr id="4" name="Text Placeholder 3">
-            <a:extLst>
-              <a:ext uri="{FF2B5EF4-FFF2-40B4-BE49-F238E27FC236}">
-                <a16:creationId xmlns:a16="http://schemas.microsoft.com/office/drawing/2014/main" id="{E8D5986B-A007-368A-E7D5-A455AAED440B}"/>
-              </a:ext>
-            </a:extLst>
-          </p:cNvPr>
-          <p:cNvSpPr>
-            <a:spLocks noGrp="1"/>
-          </p:cNvSpPr>
-          <p:nvPr>
-            <p:ph type="body" sz="half" idx="2"/>
-          </p:nvPr>
-        </p:nvSpPr>
-        <p:spPr>
-          <a:xfrm>
-            <a:off x="6163464" y="2207969"/>
-            <a:ext cx="5266535" cy="3884983"/>
-          </a:xfrm>
-        </p:spPr>
-        <p:txBody>
-          <a:bodyPr vert="horz" lIns="91440" tIns="45720" rIns="91440" bIns="45720" rtlCol="0">
-            <a:normAutofit/>
-          </a:bodyPr>
-          <a:lstStyle/>
-          <a:p>
-            <a:r>
-              <a:rPr lang="en-US" dirty="0"/>
-              <a:t>Tableau storybook tell the story</a:t>
-            </a:r>
-          </a:p>
-          <a:p>
-            <a:r>
-              <a:rPr lang="en-US" dirty="0"/>
-              <a:t>https://public.tableau.com/views/HeartDisease_16861664220970/Sheet1?:language=en-US&amp;:display_count=n&amp;:origin=viz_share_link</a:t>
-            </a:r>
-          </a:p>
-        </p:txBody>
-      </p:sp>
-    </p:spTree>
-    <p:extLst>
-      <p:ext uri="{BB962C8B-B14F-4D97-AF65-F5344CB8AC3E}">
-        <p14:creationId xmlns:p14="http://schemas.microsoft.com/office/powerpoint/2010/main" val="2015659930"/>
-      </p:ext>
-    </p:extLst>
-  </p:cSld>
-  <p:clrMapOvr>
-    <a:masterClrMapping/>
-  </p:clrMapOvr>
-</p:sld>
-</file>
-
-<file path=ppt/slides/slide6.xml><?xml version="1.0" encoding="utf-8"?>
-<p:sld xmlns:a="http://schemas.openxmlformats.org/drawingml/2006/main" xmlns:r="http://schemas.openxmlformats.org/officeDocument/2006/relationships" xmlns:p="http://schemas.openxmlformats.org/presentationml/2006/main">
-  <p:cSld>
-    <p:bg>
-      <p:bgPr>
-        <a:solidFill>
-          <a:schemeClr val="bg1"/>
-        </a:solidFill>
-        <a:effectLst/>
-      </p:bgPr>
-    </p:bg>
-    <p:spTree>
-      <p:nvGrpSpPr>
-        <p:cNvPr id="1" name=""/>
-        <p:cNvGrpSpPr/>
-        <p:nvPr/>
-      </p:nvGrpSpPr>
-      <p:grpSpPr>
-        <a:xfrm>
-          <a:off x="0" y="0"/>
-          <a:ext cx="0" cy="0"/>
-          <a:chOff x="0" y="0"/>
-          <a:chExt cx="0" cy="0"/>
-        </a:xfrm>
-      </p:grpSpPr>
-      <p:sp>
-        <p:nvSpPr>
-          <p:cNvPr id="33" name="Freeform: Shape 32">
-            <a:extLst>
-              <a:ext uri="{FF2B5EF4-FFF2-40B4-BE49-F238E27FC236}">
-                <a16:creationId xmlns:a16="http://schemas.microsoft.com/office/drawing/2014/main" id="{49306479-8C4D-4E4A-A330-DFC80A8A01BE}"/>
+          <p:cNvPr id="27" name="Freeform: Shape 13">
+            <a:extLst>
+              <a:ext uri="{FF2B5EF4-FFF2-40B4-BE49-F238E27FC236}">
+                <a16:creationId xmlns:a16="http://schemas.microsoft.com/office/drawing/2014/main" id="{D584A691-C497-4066-927B-46560195E11F}"/>
               </a:ext>
               <a:ext uri="{C183D7F6-B498-43B3-948B-1728B52AA6E4}">
                 <adec:decorative xmlns:adec="http://schemas.microsoft.com/office/drawing/2017/decorative" val="1"/>
@@ -6820,7 +7899,879 @@
       </p:sp>
       <p:sp useBgFill="1">
         <p:nvSpPr>
-          <p:cNvPr id="35" name="Rectangle 34">
+          <p:cNvPr id="28" name="Rectangle 15">
+            <a:extLst>
+              <a:ext uri="{FF2B5EF4-FFF2-40B4-BE49-F238E27FC236}">
+                <a16:creationId xmlns:a16="http://schemas.microsoft.com/office/drawing/2014/main" id="{85142CA2-DBFB-4161-ABDF-E87C86881F99}"/>
+              </a:ext>
+              <a:ext uri="{C183D7F6-B498-43B3-948B-1728B52AA6E4}">
+                <adec:decorative xmlns:adec="http://schemas.microsoft.com/office/drawing/2017/decorative" val="1"/>
+              </a:ext>
+            </a:extLst>
+          </p:cNvPr>
+          <p:cNvSpPr>
+            <a:spLocks noGrp="1" noRot="1" noChangeAspect="1" noMove="1" noResize="1" noEditPoints="1" noAdjustHandles="1" noChangeArrowheads="1" noChangeShapeType="1" noTextEdit="1"/>
+          </p:cNvSpPr>
+          <p:nvPr>
+            <p:extLst>
+              <p:ext uri="{386F3935-93C4-4BCD-93E2-E3B085C9AB24}">
+                <p16:designElem xmlns:p16="http://schemas.microsoft.com/office/powerpoint/2015/main" val="1"/>
+              </p:ext>
+            </p:extLst>
+          </p:nvPr>
+        </p:nvSpPr>
+        <p:spPr>
+          <a:xfrm>
+            <a:off x="-2" y="757238"/>
+            <a:ext cx="12192002" cy="6100762"/>
+          </a:xfrm>
+          <a:prstGeom prst="rect">
+            <a:avLst/>
+          </a:prstGeom>
+          <a:ln w="76200">
+            <a:noFill/>
+          </a:ln>
+        </p:spPr>
+        <p:style>
+          <a:lnRef idx="2">
+            <a:schemeClr val="accent1">
+              <a:shade val="50000"/>
+            </a:schemeClr>
+          </a:lnRef>
+          <a:fillRef idx="1">
+            <a:schemeClr val="accent1"/>
+          </a:fillRef>
+          <a:effectRef idx="0">
+            <a:schemeClr val="accent1"/>
+          </a:effectRef>
+          <a:fontRef idx="minor">
+            <a:schemeClr val="lt1"/>
+          </a:fontRef>
+        </p:style>
+        <p:txBody>
+          <a:bodyPr rtlCol="0" anchor="ctr"/>
+          <a:lstStyle/>
+          <a:p>
+            <a:pPr algn="ctr"/>
+            <a:endParaRPr lang="en-US" dirty="0"/>
+          </a:p>
+        </p:txBody>
+      </p:sp>
+      <p:sp>
+        <p:nvSpPr>
+          <p:cNvPr id="2" name="Title 1">
+            <a:extLst>
+              <a:ext uri="{FF2B5EF4-FFF2-40B4-BE49-F238E27FC236}">
+                <a16:creationId xmlns:a16="http://schemas.microsoft.com/office/drawing/2014/main" id="{BC134F07-A928-4A4A-6551-3C2A0F2AB0EE}"/>
+              </a:ext>
+            </a:extLst>
+          </p:cNvPr>
+          <p:cNvSpPr>
+            <a:spLocks noGrp="1"/>
+          </p:cNvSpPr>
+          <p:nvPr>
+            <p:ph type="title"/>
+          </p:nvPr>
+        </p:nvSpPr>
+        <p:spPr>
+          <a:xfrm>
+            <a:off x="1405465" y="1412897"/>
+            <a:ext cx="7547607" cy="1109498"/>
+          </a:xfrm>
+        </p:spPr>
+        <p:txBody>
+          <a:bodyPr/>
+          <a:lstStyle/>
+          <a:p>
+            <a:pPr defTabSz="736066"/>
+            <a:r>
+              <a:rPr lang="en-US" sz="3381" kern="1200" spc="-40" baseline="0">
+                <a:solidFill>
+                  <a:schemeClr val="tx1"/>
+                </a:solidFill>
+                <a:latin typeface="+mj-lt"/>
+                <a:ea typeface="+mj-ea"/>
+                <a:cs typeface="+mj-cs"/>
+              </a:rPr>
+              <a:t>Machine Learning and Heart Disease Dataset</a:t>
+            </a:r>
+            <a:endParaRPr lang="en-US"/>
+          </a:p>
+        </p:txBody>
+      </p:sp>
+      <p:sp>
+        <p:nvSpPr>
+          <p:cNvPr id="3" name="Content Placeholder 2">
+            <a:extLst>
+              <a:ext uri="{FF2B5EF4-FFF2-40B4-BE49-F238E27FC236}">
+                <a16:creationId xmlns:a16="http://schemas.microsoft.com/office/drawing/2014/main" id="{CFFB90DE-DD47-5318-F8B8-D2DBB7D46F5F}"/>
+              </a:ext>
+            </a:extLst>
+          </p:cNvPr>
+          <p:cNvSpPr>
+            <a:spLocks noGrp="1"/>
+          </p:cNvSpPr>
+          <p:nvPr>
+            <p:ph idx="1"/>
+          </p:nvPr>
+        </p:nvSpPr>
+        <p:spPr>
+          <a:xfrm>
+            <a:off x="1405465" y="2612966"/>
+            <a:ext cx="9408364" cy="925611"/>
+          </a:xfrm>
+        </p:spPr>
+        <p:txBody>
+          <a:bodyPr>
+            <a:normAutofit/>
+          </a:bodyPr>
+          <a:lstStyle/>
+          <a:p>
+            <a:pPr marL="0" indent="0" defTabSz="736066">
+              <a:lnSpc>
+                <a:spcPct val="95000"/>
+              </a:lnSpc>
+              <a:spcBef>
+                <a:spcPts val="724"/>
+              </a:spcBef>
+              <a:buNone/>
+            </a:pPr>
+            <a:r>
+              <a:rPr lang="en-US" sz="1610" kern="1200" err="1">
+                <a:solidFill>
+                  <a:schemeClr val="tx1"/>
+                </a:solidFill>
+                <a:latin typeface="+mn-lt"/>
+                <a:ea typeface="+mn-ea"/>
+                <a:cs typeface="+mn-cs"/>
+              </a:rPr>
+              <a:t>Kagger</a:t>
+            </a:r>
+            <a:r>
+              <a:rPr lang="en-US" sz="1610" kern="1200">
+                <a:solidFill>
+                  <a:schemeClr val="tx1"/>
+                </a:solidFill>
+                <a:latin typeface="+mn-lt"/>
+                <a:ea typeface="+mn-ea"/>
+                <a:cs typeface="+mn-cs"/>
+              </a:rPr>
+              <a:t> Heart Disease:  This data set dates from 1988 and consists of four databases: Cleveland, Hungary, Switzerland, and Long Beach V. </a:t>
+            </a:r>
+          </a:p>
+          <a:p>
+            <a:pPr marL="0" indent="0" defTabSz="736066">
+              <a:lnSpc>
+                <a:spcPct val="95000"/>
+              </a:lnSpc>
+              <a:spcBef>
+                <a:spcPts val="724"/>
+              </a:spcBef>
+              <a:buNone/>
+            </a:pPr>
+            <a:r>
+              <a:rPr lang="en-US" sz="1610" kern="1200">
+                <a:solidFill>
+                  <a:schemeClr val="tx1"/>
+                </a:solidFill>
+                <a:latin typeface="+mn-lt"/>
+                <a:ea typeface="+mn-ea"/>
+                <a:cs typeface="+mn-cs"/>
+              </a:rPr>
+              <a:t>Features:</a:t>
+            </a:r>
+            <a:endParaRPr lang="en-US" sz="2000"/>
+          </a:p>
+        </p:txBody>
+      </p:sp>
+      <p:sp>
+        <p:nvSpPr>
+          <p:cNvPr id="5" name="TextBox 4">
+            <a:extLst>
+              <a:ext uri="{FF2B5EF4-FFF2-40B4-BE49-F238E27FC236}">
+                <a16:creationId xmlns:a16="http://schemas.microsoft.com/office/drawing/2014/main" id="{63BDE919-C74D-D047-F52B-80112D96660C}"/>
+              </a:ext>
+            </a:extLst>
+          </p:cNvPr>
+          <p:cNvSpPr txBox="1"/>
+          <p:nvPr/>
+        </p:nvSpPr>
+        <p:spPr>
+          <a:xfrm>
+            <a:off x="1405465" y="3538577"/>
+            <a:ext cx="9408364" cy="2549992"/>
+          </a:xfrm>
+          <a:prstGeom prst="rect">
+            <a:avLst/>
+          </a:prstGeom>
+          <a:noFill/>
+        </p:spPr>
+        <p:txBody>
+          <a:bodyPr wrap="square" numCol="2" rtlCol="0">
+            <a:spAutoFit/>
+          </a:bodyPr>
+          <a:lstStyle/>
+          <a:p>
+            <a:pPr marL="310839" indent="-310839" defTabSz="736066">
+              <a:spcAft>
+                <a:spcPts val="653"/>
+              </a:spcAft>
+              <a:buFont typeface="Arial" panose="020B0604020202020204" pitchFamily="34" charset="0"/>
+              <a:buChar char="•"/>
+            </a:pPr>
+            <a:r>
+              <a:rPr lang="en-US" sz="1449" kern="1200" dirty="0">
+                <a:solidFill>
+                  <a:schemeClr val="tx1"/>
+                </a:solidFill>
+                <a:latin typeface="+mn-lt"/>
+                <a:ea typeface="+mn-ea"/>
+                <a:cs typeface="+mn-cs"/>
+              </a:rPr>
+              <a:t>age</a:t>
+            </a:r>
+          </a:p>
+          <a:p>
+            <a:pPr marL="310839" indent="-310839" defTabSz="736066">
+              <a:spcAft>
+                <a:spcPts val="653"/>
+              </a:spcAft>
+              <a:buFont typeface="Arial" panose="020B0604020202020204" pitchFamily="34" charset="0"/>
+              <a:buChar char="•"/>
+            </a:pPr>
+            <a:r>
+              <a:rPr lang="en-US" sz="1449" kern="1200" dirty="0">
+                <a:solidFill>
+                  <a:schemeClr val="tx1"/>
+                </a:solidFill>
+                <a:latin typeface="+mn-lt"/>
+                <a:ea typeface="+mn-ea"/>
+                <a:cs typeface="+mn-cs"/>
+              </a:rPr>
+              <a:t>sex</a:t>
+            </a:r>
+          </a:p>
+          <a:p>
+            <a:pPr marL="310839" indent="-310839" defTabSz="736066">
+              <a:spcAft>
+                <a:spcPts val="653"/>
+              </a:spcAft>
+              <a:buFont typeface="Arial" panose="020B0604020202020204" pitchFamily="34" charset="0"/>
+              <a:buChar char="•"/>
+            </a:pPr>
+            <a:r>
+              <a:rPr lang="en-US" sz="1449" kern="1200" dirty="0">
+                <a:solidFill>
+                  <a:schemeClr val="tx1"/>
+                </a:solidFill>
+                <a:latin typeface="+mn-lt"/>
+                <a:ea typeface="+mn-ea"/>
+                <a:cs typeface="+mn-cs"/>
+              </a:rPr>
+              <a:t>chest pain type (4 values)</a:t>
+            </a:r>
+          </a:p>
+          <a:p>
+            <a:pPr marL="310839" indent="-310839" defTabSz="736066">
+              <a:spcAft>
+                <a:spcPts val="653"/>
+              </a:spcAft>
+              <a:buFont typeface="Arial" panose="020B0604020202020204" pitchFamily="34" charset="0"/>
+              <a:buChar char="•"/>
+            </a:pPr>
+            <a:r>
+              <a:rPr lang="en-US" sz="1449" kern="1200" dirty="0">
+                <a:solidFill>
+                  <a:schemeClr val="tx1"/>
+                </a:solidFill>
+                <a:latin typeface="+mn-lt"/>
+                <a:ea typeface="+mn-ea"/>
+                <a:cs typeface="+mn-cs"/>
+              </a:rPr>
+              <a:t>resting blood pressure</a:t>
+            </a:r>
+          </a:p>
+          <a:p>
+            <a:pPr marL="310839" indent="-310839" defTabSz="736066">
+              <a:spcAft>
+                <a:spcPts val="653"/>
+              </a:spcAft>
+              <a:buFont typeface="Arial" panose="020B0604020202020204" pitchFamily="34" charset="0"/>
+              <a:buChar char="•"/>
+            </a:pPr>
+            <a:r>
+              <a:rPr lang="en-US" sz="1449" kern="1200" dirty="0">
+                <a:solidFill>
+                  <a:schemeClr val="tx1"/>
+                </a:solidFill>
+                <a:latin typeface="+mn-lt"/>
+                <a:ea typeface="+mn-ea"/>
+                <a:cs typeface="+mn-cs"/>
+              </a:rPr>
+              <a:t>serum cholesterol in mg/dl</a:t>
+            </a:r>
+          </a:p>
+          <a:p>
+            <a:pPr marL="310839" indent="-310839" defTabSz="736066">
+              <a:spcAft>
+                <a:spcPts val="653"/>
+              </a:spcAft>
+              <a:buFont typeface="Arial" panose="020B0604020202020204" pitchFamily="34" charset="0"/>
+              <a:buChar char="•"/>
+            </a:pPr>
+            <a:r>
+              <a:rPr lang="en-US" sz="1449" kern="1200" dirty="0">
+                <a:solidFill>
+                  <a:schemeClr val="tx1"/>
+                </a:solidFill>
+                <a:latin typeface="+mn-lt"/>
+                <a:ea typeface="+mn-ea"/>
+                <a:cs typeface="+mn-cs"/>
+              </a:rPr>
+              <a:t>fasting blood sugar &gt; 120 mg/dl</a:t>
+            </a:r>
+          </a:p>
+          <a:p>
+            <a:pPr marL="310839" indent="-310839" defTabSz="736066">
+              <a:spcAft>
+                <a:spcPts val="653"/>
+              </a:spcAft>
+              <a:buFont typeface="Arial" panose="020B0604020202020204" pitchFamily="34" charset="0"/>
+              <a:buChar char="•"/>
+            </a:pPr>
+            <a:r>
+              <a:rPr lang="en-US" sz="1449" kern="1200" dirty="0">
+                <a:solidFill>
+                  <a:schemeClr val="tx1"/>
+                </a:solidFill>
+                <a:latin typeface="+mn-lt"/>
+                <a:ea typeface="+mn-ea"/>
+                <a:cs typeface="+mn-cs"/>
+              </a:rPr>
+              <a:t>resting electrocardiographic results (values 0,1,2)</a:t>
+            </a:r>
+          </a:p>
+          <a:p>
+            <a:pPr marL="310839" indent="-310839" defTabSz="736066">
+              <a:spcAft>
+                <a:spcPts val="653"/>
+              </a:spcAft>
+              <a:buFont typeface="Arial" panose="020B0604020202020204" pitchFamily="34" charset="0"/>
+              <a:buChar char="•"/>
+            </a:pPr>
+            <a:r>
+              <a:rPr lang="en-US" sz="1449" kern="1200" dirty="0">
+                <a:solidFill>
+                  <a:schemeClr val="tx1"/>
+                </a:solidFill>
+                <a:latin typeface="+mn-lt"/>
+                <a:ea typeface="+mn-ea"/>
+                <a:cs typeface="+mn-cs"/>
+              </a:rPr>
+              <a:t>maximum heart rate achieved</a:t>
+            </a:r>
+          </a:p>
+          <a:p>
+            <a:pPr marL="310839" indent="-310839" defTabSz="736066">
+              <a:spcAft>
+                <a:spcPts val="653"/>
+              </a:spcAft>
+              <a:buFont typeface="Arial" panose="020B0604020202020204" pitchFamily="34" charset="0"/>
+              <a:buChar char="•"/>
+            </a:pPr>
+            <a:r>
+              <a:rPr lang="en-US" sz="1449" kern="1200" dirty="0">
+                <a:solidFill>
+                  <a:schemeClr val="tx1"/>
+                </a:solidFill>
+                <a:latin typeface="+mn-lt"/>
+                <a:ea typeface="+mn-ea"/>
+                <a:cs typeface="+mn-cs"/>
+              </a:rPr>
+              <a:t>exercise induced angina</a:t>
+            </a:r>
+          </a:p>
+          <a:p>
+            <a:pPr marL="310839" indent="-310839" defTabSz="736066">
+              <a:spcAft>
+                <a:spcPts val="653"/>
+              </a:spcAft>
+              <a:buFont typeface="Arial" panose="020B0604020202020204" pitchFamily="34" charset="0"/>
+              <a:buChar char="•"/>
+            </a:pPr>
+            <a:r>
+              <a:rPr lang="en-US" sz="1449" kern="1200" dirty="0" err="1">
+                <a:solidFill>
+                  <a:schemeClr val="tx1"/>
+                </a:solidFill>
+                <a:latin typeface="+mn-lt"/>
+                <a:ea typeface="+mn-ea"/>
+                <a:cs typeface="+mn-cs"/>
+              </a:rPr>
+              <a:t>oldpeak</a:t>
+            </a:r>
+            <a:r>
+              <a:rPr lang="en-US" sz="1449" kern="1200" dirty="0">
+                <a:solidFill>
+                  <a:schemeClr val="tx1"/>
+                </a:solidFill>
+                <a:latin typeface="+mn-lt"/>
+                <a:ea typeface="+mn-ea"/>
+                <a:cs typeface="+mn-cs"/>
+              </a:rPr>
+              <a:t> = ST depression induced by exercise relative to rest</a:t>
+            </a:r>
+          </a:p>
+          <a:p>
+            <a:pPr marL="310839" indent="-310839" defTabSz="736066">
+              <a:spcAft>
+                <a:spcPts val="653"/>
+              </a:spcAft>
+              <a:buFont typeface="Arial" panose="020B0604020202020204" pitchFamily="34" charset="0"/>
+              <a:buChar char="•"/>
+            </a:pPr>
+            <a:r>
+              <a:rPr lang="en-US" sz="1449" kern="1200" dirty="0">
+                <a:solidFill>
+                  <a:schemeClr val="tx1"/>
+                </a:solidFill>
+                <a:latin typeface="+mn-lt"/>
+                <a:ea typeface="+mn-ea"/>
+                <a:cs typeface="+mn-cs"/>
+              </a:rPr>
+              <a:t>the slope of the peak exercise ST segment</a:t>
+            </a:r>
+          </a:p>
+          <a:p>
+            <a:pPr marL="310839" indent="-310839" defTabSz="736066">
+              <a:spcAft>
+                <a:spcPts val="653"/>
+              </a:spcAft>
+              <a:buFont typeface="Arial" panose="020B0604020202020204" pitchFamily="34" charset="0"/>
+              <a:buChar char="•"/>
+            </a:pPr>
+            <a:r>
+              <a:rPr lang="en-US" sz="1449" kern="1200" dirty="0">
+                <a:solidFill>
+                  <a:schemeClr val="tx1"/>
+                </a:solidFill>
+                <a:latin typeface="+mn-lt"/>
+                <a:ea typeface="+mn-ea"/>
+                <a:cs typeface="+mn-cs"/>
+              </a:rPr>
+              <a:t>number of major vessels (0-3) colored by fluoroscopy</a:t>
+            </a:r>
+          </a:p>
+          <a:p>
+            <a:pPr marL="310839" indent="-310839" defTabSz="736066">
+              <a:spcAft>
+                <a:spcPts val="653"/>
+              </a:spcAft>
+              <a:buFont typeface="Arial" panose="020B0604020202020204" pitchFamily="34" charset="0"/>
+              <a:buChar char="•"/>
+            </a:pPr>
+            <a:r>
+              <a:rPr lang="en-US" sz="1449" kern="1200" dirty="0" err="1">
+                <a:solidFill>
+                  <a:schemeClr val="tx1"/>
+                </a:solidFill>
+                <a:latin typeface="+mn-lt"/>
+                <a:ea typeface="+mn-ea"/>
+                <a:cs typeface="+mn-cs"/>
+              </a:rPr>
+              <a:t>thal</a:t>
+            </a:r>
+            <a:r>
+              <a:rPr lang="en-US" sz="1449" kern="1200" dirty="0">
+                <a:solidFill>
+                  <a:schemeClr val="tx1"/>
+                </a:solidFill>
+                <a:latin typeface="+mn-lt"/>
+                <a:ea typeface="+mn-ea"/>
+                <a:cs typeface="+mn-cs"/>
+              </a:rPr>
+              <a:t>: 0 = normal; 1 = fixed defect; 2 = reversable defect</a:t>
+            </a:r>
+            <a:endParaRPr lang="en-US" dirty="0"/>
+          </a:p>
+        </p:txBody>
+      </p:sp>
+    </p:spTree>
+    <p:extLst>
+      <p:ext uri="{BB962C8B-B14F-4D97-AF65-F5344CB8AC3E}">
+        <p14:creationId xmlns:p14="http://schemas.microsoft.com/office/powerpoint/2010/main" val="3082918316"/>
+      </p:ext>
+    </p:extLst>
+  </p:cSld>
+  <p:clrMapOvr>
+    <a:masterClrMapping/>
+  </p:clrMapOvr>
+</p:sld>
+</file>
+
+<file path=ppt/slides/slide5.xml><?xml version="1.0" encoding="utf-8"?>
+<p:sld xmlns:a="http://schemas.openxmlformats.org/drawingml/2006/main" xmlns:r="http://schemas.openxmlformats.org/officeDocument/2006/relationships" xmlns:p="http://schemas.openxmlformats.org/presentationml/2006/main">
+  <p:cSld>
+    <p:bg>
+      <p:bgPr>
+        <a:solidFill>
+          <a:schemeClr val="bg1"/>
+        </a:solidFill>
+        <a:effectLst/>
+      </p:bgPr>
+    </p:bg>
+    <p:spTree>
+      <p:nvGrpSpPr>
+        <p:cNvPr id="1" name=""/>
+        <p:cNvGrpSpPr/>
+        <p:nvPr/>
+      </p:nvGrpSpPr>
+      <p:grpSpPr>
+        <a:xfrm>
+          <a:off x="0" y="0"/>
+          <a:ext cx="0" cy="0"/>
+          <a:chOff x="0" y="0"/>
+          <a:chExt cx="0" cy="0"/>
+        </a:xfrm>
+      </p:grpSpPr>
+      <p:sp>
+        <p:nvSpPr>
+          <p:cNvPr id="2" name="Title 1">
+            <a:extLst>
+              <a:ext uri="{FF2B5EF4-FFF2-40B4-BE49-F238E27FC236}">
+                <a16:creationId xmlns:a16="http://schemas.microsoft.com/office/drawing/2014/main" id="{604E8EE8-914A-C5FB-2FEC-E5D394C12514}"/>
+              </a:ext>
+            </a:extLst>
+          </p:cNvPr>
+          <p:cNvSpPr>
+            <a:spLocks noGrp="1"/>
+          </p:cNvSpPr>
+          <p:nvPr>
+            <p:ph type="title"/>
+          </p:nvPr>
+        </p:nvSpPr>
+        <p:spPr>
+          <a:xfrm>
+            <a:off x="5431940" y="1517650"/>
+            <a:ext cx="5998059" cy="1344613"/>
+          </a:xfrm>
+        </p:spPr>
+        <p:txBody>
+          <a:bodyPr vert="horz" lIns="91440" tIns="45720" rIns="91440" bIns="45720" rtlCol="0" anchor="t">
+            <a:normAutofit/>
+          </a:bodyPr>
+          <a:lstStyle/>
+          <a:p>
+            <a:pPr>
+              <a:lnSpc>
+                <a:spcPct val="95000"/>
+              </a:lnSpc>
+            </a:pPr>
+            <a:r>
+              <a:rPr lang="en-US" sz="4200" kern="1200" spc="-50" baseline="0">
+                <a:solidFill>
+                  <a:schemeClr val="tx1"/>
+                </a:solidFill>
+                <a:latin typeface="+mj-lt"/>
+                <a:ea typeface="+mj-ea"/>
+                <a:cs typeface="+mj-cs"/>
+              </a:rPr>
+              <a:t>Looking at the Data</a:t>
+            </a:r>
+          </a:p>
+        </p:txBody>
+      </p:sp>
+      <p:sp>
+        <p:nvSpPr>
+          <p:cNvPr id="4" name="Text Placeholder 3">
+            <a:extLst>
+              <a:ext uri="{FF2B5EF4-FFF2-40B4-BE49-F238E27FC236}">
+                <a16:creationId xmlns:a16="http://schemas.microsoft.com/office/drawing/2014/main" id="{E8D5986B-A007-368A-E7D5-A455AAED440B}"/>
+              </a:ext>
+            </a:extLst>
+          </p:cNvPr>
+          <p:cNvSpPr>
+            <a:spLocks noGrp="1"/>
+          </p:cNvSpPr>
+          <p:nvPr>
+            <p:ph type="body" sz="half" idx="2"/>
+          </p:nvPr>
+        </p:nvSpPr>
+        <p:spPr>
+          <a:xfrm>
+            <a:off x="5431940" y="2970213"/>
+            <a:ext cx="5998059" cy="3125787"/>
+          </a:xfrm>
+        </p:spPr>
+        <p:txBody>
+          <a:bodyPr vert="horz" lIns="91440" tIns="45720" rIns="91440" bIns="45720" rtlCol="0">
+            <a:normAutofit/>
+          </a:bodyPr>
+          <a:lstStyle/>
+          <a:p>
+            <a:endParaRPr lang="en-US" dirty="0"/>
+          </a:p>
+          <a:p>
+            <a:endParaRPr lang="en-US" dirty="0"/>
+          </a:p>
+          <a:p>
+            <a:r>
+              <a:rPr lang="en-US" sz="3200" dirty="0">
+                <a:solidFill>
+                  <a:srgbClr val="0070C0"/>
+                </a:solidFill>
+                <a:hlinkClick r:id="rId2">
+                  <a:extLst>
+                    <a:ext uri="{A12FA001-AC4F-418D-AE19-62706E023703}">
+                      <ahyp:hlinkClr xmlns:ahyp="http://schemas.microsoft.com/office/drawing/2018/hyperlinkcolor" val="tx"/>
+                    </a:ext>
+                  </a:extLst>
+                </a:hlinkClick>
+              </a:rPr>
+              <a:t>The Story Starts Here</a:t>
+            </a:r>
+            <a:r>
+              <a:rPr lang="en-US" sz="3200" dirty="0">
+                <a:solidFill>
+                  <a:srgbClr val="0070C0"/>
+                </a:solidFill>
+              </a:rPr>
+              <a:t> </a:t>
+            </a:r>
+          </a:p>
+        </p:txBody>
+      </p:sp>
+      <p:pic>
+        <p:nvPicPr>
+          <p:cNvPr id="5" name="Picture 4">
+            <a:extLst>
+              <a:ext uri="{FF2B5EF4-FFF2-40B4-BE49-F238E27FC236}">
+                <a16:creationId xmlns:a16="http://schemas.microsoft.com/office/drawing/2014/main" id="{7CA3BC05-1F94-DF5B-A5D1-ADDFE5C6E676}"/>
+              </a:ext>
+            </a:extLst>
+          </p:cNvPr>
+          <p:cNvPicPr>
+            <a:picLocks noChangeAspect="1"/>
+          </p:cNvPicPr>
+          <p:nvPr/>
+        </p:nvPicPr>
+        <p:blipFill rotWithShape="1">
+          <a:blip r:embed="rId3"/>
+          <a:srcRect l="9070" r="38434" b="1"/>
+          <a:stretch/>
+        </p:blipFill>
+        <p:spPr>
+          <a:xfrm>
+            <a:off x="119583" y="761998"/>
+            <a:ext cx="4534710" cy="5334002"/>
+          </a:xfrm>
+          <a:prstGeom prst="rect">
+            <a:avLst/>
+          </a:prstGeom>
+        </p:spPr>
+      </p:pic>
+    </p:spTree>
+    <p:extLst>
+      <p:ext uri="{BB962C8B-B14F-4D97-AF65-F5344CB8AC3E}">
+        <p14:creationId xmlns:p14="http://schemas.microsoft.com/office/powerpoint/2010/main" val="2015659930"/>
+      </p:ext>
+    </p:extLst>
+  </p:cSld>
+  <p:clrMapOvr>
+    <a:masterClrMapping/>
+  </p:clrMapOvr>
+</p:sld>
+</file>
+
+<file path=ppt/slides/slide6.xml><?xml version="1.0" encoding="utf-8"?>
+<p:sld xmlns:a="http://schemas.openxmlformats.org/drawingml/2006/main" xmlns:r="http://schemas.openxmlformats.org/officeDocument/2006/relationships" xmlns:p="http://schemas.openxmlformats.org/presentationml/2006/main">
+  <p:cSld>
+    <p:bg>
+      <p:bgPr>
+        <a:solidFill>
+          <a:schemeClr val="bg1"/>
+        </a:solidFill>
+        <a:effectLst/>
+      </p:bgPr>
+    </p:bg>
+    <p:spTree>
+      <p:nvGrpSpPr>
+        <p:cNvPr id="1" name=""/>
+        <p:cNvGrpSpPr/>
+        <p:nvPr/>
+      </p:nvGrpSpPr>
+      <p:grpSpPr>
+        <a:xfrm>
+          <a:off x="0" y="0"/>
+          <a:ext cx="0" cy="0"/>
+          <a:chOff x="0" y="0"/>
+          <a:chExt cx="0" cy="0"/>
+        </a:xfrm>
+      </p:grpSpPr>
+      <p:sp>
+        <p:nvSpPr>
+          <p:cNvPr id="25" name="Freeform: Shape 26">
+            <a:extLst>
+              <a:ext uri="{FF2B5EF4-FFF2-40B4-BE49-F238E27FC236}">
+                <a16:creationId xmlns:a16="http://schemas.microsoft.com/office/drawing/2014/main" id="{49306479-8C4D-4E4A-A330-DFC80A8A01BE}"/>
+              </a:ext>
+              <a:ext uri="{C183D7F6-B498-43B3-948B-1728B52AA6E4}">
+                <adec:decorative xmlns:adec="http://schemas.microsoft.com/office/drawing/2017/decorative" val="1"/>
+              </a:ext>
+            </a:extLst>
+          </p:cNvPr>
+          <p:cNvSpPr>
+            <a:spLocks noGrp="1" noRot="1" noChangeAspect="1" noMove="1" noResize="1" noEditPoints="1" noAdjustHandles="1" noChangeArrowheads="1" noChangeShapeType="1" noTextEdit="1"/>
+          </p:cNvSpPr>
+          <p:nvPr>
+            <p:extLst>
+              <p:ext uri="{386F3935-93C4-4BCD-93E2-E3B085C9AB24}">
+                <p16:designElem xmlns:p16="http://schemas.microsoft.com/office/powerpoint/2015/main" val="1"/>
+              </p:ext>
+            </p:extLst>
+          </p:nvPr>
+        </p:nvSpPr>
+        <p:spPr>
+          <a:xfrm>
+            <a:off x="0" y="0"/>
+            <a:ext cx="12192000" cy="6105524"/>
+          </a:xfrm>
+          <a:custGeom>
+            <a:avLst/>
+            <a:gdLst>
+              <a:gd name="connsiteX0" fmla="*/ 0 w 12192000"/>
+              <a:gd name="connsiteY0" fmla="*/ 0 h 6105524"/>
+              <a:gd name="connsiteX1" fmla="*/ 12192000 w 12192000"/>
+              <a:gd name="connsiteY1" fmla="*/ 0 h 6105524"/>
+              <a:gd name="connsiteX2" fmla="*/ 12192000 w 12192000"/>
+              <a:gd name="connsiteY2" fmla="*/ 6105524 h 6105524"/>
+              <a:gd name="connsiteX3" fmla="*/ 11435080 w 12192000"/>
+              <a:gd name="connsiteY3" fmla="*/ 6105524 h 6105524"/>
+              <a:gd name="connsiteX4" fmla="*/ 11435080 w 12192000"/>
+              <a:gd name="connsiteY4" fmla="*/ 771523 h 6105524"/>
+              <a:gd name="connsiteX5" fmla="*/ 767080 w 12192000"/>
+              <a:gd name="connsiteY5" fmla="*/ 771523 h 6105524"/>
+              <a:gd name="connsiteX6" fmla="*/ 767080 w 12192000"/>
+              <a:gd name="connsiteY6" fmla="*/ 6105524 h 6105524"/>
+              <a:gd name="connsiteX7" fmla="*/ 0 w 12192000"/>
+              <a:gd name="connsiteY7" fmla="*/ 6105524 h 6105524"/>
+            </a:gdLst>
+            <a:ahLst/>
+            <a:cxnLst>
+              <a:cxn ang="0">
+                <a:pos x="connsiteX0" y="connsiteY0"/>
+              </a:cxn>
+              <a:cxn ang="0">
+                <a:pos x="connsiteX1" y="connsiteY1"/>
+              </a:cxn>
+              <a:cxn ang="0">
+                <a:pos x="connsiteX2" y="connsiteY2"/>
+              </a:cxn>
+              <a:cxn ang="0">
+                <a:pos x="connsiteX3" y="connsiteY3"/>
+              </a:cxn>
+              <a:cxn ang="0">
+                <a:pos x="connsiteX4" y="connsiteY4"/>
+              </a:cxn>
+              <a:cxn ang="0">
+                <a:pos x="connsiteX5" y="connsiteY5"/>
+              </a:cxn>
+              <a:cxn ang="0">
+                <a:pos x="connsiteX6" y="connsiteY6"/>
+              </a:cxn>
+              <a:cxn ang="0">
+                <a:pos x="connsiteX7" y="connsiteY7"/>
+              </a:cxn>
+            </a:cxnLst>
+            <a:rect l="l" t="t" r="r" b="b"/>
+            <a:pathLst>
+              <a:path w="12192000" h="6105524">
+                <a:moveTo>
+                  <a:pt x="0" y="0"/>
+                </a:moveTo>
+                <a:lnTo>
+                  <a:pt x="12192000" y="0"/>
+                </a:lnTo>
+                <a:lnTo>
+                  <a:pt x="12192000" y="6105524"/>
+                </a:lnTo>
+                <a:lnTo>
+                  <a:pt x="11435080" y="6105524"/>
+                </a:lnTo>
+                <a:lnTo>
+                  <a:pt x="11435080" y="771523"/>
+                </a:lnTo>
+                <a:lnTo>
+                  <a:pt x="767080" y="771523"/>
+                </a:lnTo>
+                <a:lnTo>
+                  <a:pt x="767080" y="6105524"/>
+                </a:lnTo>
+                <a:lnTo>
+                  <a:pt x="0" y="6105524"/>
+                </a:lnTo>
+                <a:close/>
+              </a:path>
+            </a:pathLst>
+          </a:custGeom>
+          <a:gradFill flip="none" rotWithShape="1">
+            <a:gsLst>
+              <a:gs pos="10000">
+                <a:schemeClr val="accent5"/>
+              </a:gs>
+              <a:gs pos="90000">
+                <a:schemeClr val="accent1"/>
+              </a:gs>
+              <a:gs pos="70000">
+                <a:schemeClr val="accent2"/>
+              </a:gs>
+              <a:gs pos="30000">
+                <a:schemeClr val="accent4"/>
+              </a:gs>
+              <a:gs pos="50000">
+                <a:schemeClr val="accent3">
+                  <a:lumMod val="60000"/>
+                  <a:lumOff val="40000"/>
+                </a:schemeClr>
+              </a:gs>
+            </a:gsLst>
+            <a:lin ang="7200000" scaled="0"/>
+            <a:tileRect/>
+          </a:gradFill>
+          <a:ln>
+            <a:noFill/>
+          </a:ln>
+        </p:spPr>
+        <p:style>
+          <a:lnRef idx="2">
+            <a:schemeClr val="accent1">
+              <a:shade val="50000"/>
+            </a:schemeClr>
+          </a:lnRef>
+          <a:fillRef idx="1">
+            <a:schemeClr val="accent1"/>
+          </a:fillRef>
+          <a:effectRef idx="0">
+            <a:schemeClr val="accent1"/>
+          </a:effectRef>
+          <a:fontRef idx="minor">
+            <a:schemeClr val="lt1"/>
+          </a:fontRef>
+        </p:style>
+        <p:txBody>
+          <a:bodyPr wrap="square" rtlCol="0" anchor="ctr">
+            <a:noAutofit/>
+          </a:bodyPr>
+          <a:lstStyle/>
+          <a:p>
+            <a:pPr algn="ctr"/>
+            <a:endParaRPr lang="en-US"/>
+          </a:p>
+        </p:txBody>
+      </p:sp>
+      <p:sp useBgFill="1">
+        <p:nvSpPr>
+          <p:cNvPr id="30" name="Rectangle 28">
             <a:extLst>
               <a:ext uri="{FF2B5EF4-FFF2-40B4-BE49-F238E27FC236}">
                 <a16:creationId xmlns:a16="http://schemas.microsoft.com/office/drawing/2014/main" id="{84136905-015B-4510-B514-027CBA846BD6}"/>
@@ -6880,7 +8831,7 @@
       </p:sp>
       <p:sp>
         <p:nvSpPr>
-          <p:cNvPr id="37" name="Rectangle 36">
+          <p:cNvPr id="32" name="Rectangle 30">
             <a:extLst>
               <a:ext uri="{FF2B5EF4-FFF2-40B4-BE49-F238E27FC236}">
                 <a16:creationId xmlns:a16="http://schemas.microsoft.com/office/drawing/2014/main" id="{36CD0F97-2E5B-4E84-8544-EB24DED10446}"/>
@@ -6964,7 +8915,7 @@
       </p:sp>
       <p:sp useBgFill="1">
         <p:nvSpPr>
-          <p:cNvPr id="39" name="Rectangle 38">
+          <p:cNvPr id="34" name="Rectangle 32">
             <a:extLst>
               <a:ext uri="{FF2B5EF4-FFF2-40B4-BE49-F238E27FC236}">
                 <a16:creationId xmlns:a16="http://schemas.microsoft.com/office/drawing/2014/main" id="{867738BA-6281-40B8-B775-410D49E724D0}"/>
@@ -7119,7 +9070,7 @@
             </a:pPr>
             <a:r>
               <a:rPr lang="en-US" dirty="0"/>
-              <a:t>Random Forest</a:t>
+              <a:t>Decision Tree</a:t>
             </a:r>
           </a:p>
           <a:p>
@@ -7129,7 +9080,7 @@
             </a:pPr>
             <a:r>
               <a:rPr lang="en-US" dirty="0"/>
-              <a:t>Decision Tree</a:t>
+              <a:t>Random Forest</a:t>
             </a:r>
           </a:p>
           <a:p>
@@ -7139,7 +9090,7 @@
             </a:pPr>
             <a:r>
               <a:rPr lang="en-US" dirty="0"/>
-              <a:t>Support Vector Machine (SVM)</a:t>
+              <a:t>Support Vector Classifier (SVC)</a:t>
             </a:r>
           </a:p>
           <a:p>
@@ -7289,35 +9240,108 @@
           <a:bodyPr/>
           <a:lstStyle/>
           <a:p>
-            <a:endParaRPr lang="en-US"/>
-          </a:p>
-        </p:txBody>
-      </p:sp>
+            <a:r>
+              <a:rPr lang="en-US" dirty="0"/>
+              <a:t>Logistic regression is a statistical method for predicting binary(0,1) outcomes from data. </a:t>
+            </a:r>
+          </a:p>
+          <a:p>
+            <a:pPr marL="0" indent="0">
+              <a:buNone/>
+            </a:pPr>
+            <a:endParaRPr lang="en-US" dirty="0"/>
+          </a:p>
+        </p:txBody>
+      </p:sp>
+      <p:pic>
+        <p:nvPicPr>
+          <p:cNvPr id="6" name="Content Placeholder 5">
+            <a:extLst>
+              <a:ext uri="{FF2B5EF4-FFF2-40B4-BE49-F238E27FC236}">
+                <a16:creationId xmlns:a16="http://schemas.microsoft.com/office/drawing/2014/main" id="{412DE073-2830-4637-EE52-4C580F26E4EB}"/>
+              </a:ext>
+            </a:extLst>
+          </p:cNvPr>
+          <p:cNvPicPr>
+            <a:picLocks noGrp="1" noChangeAspect="1"/>
+          </p:cNvPicPr>
+          <p:nvPr>
+            <p:ph sz="half" idx="2"/>
+          </p:nvPr>
+        </p:nvPicPr>
+        <p:blipFill>
+          <a:blip r:embed="rId2"/>
+          <a:stretch>
+            <a:fillRect/>
+          </a:stretch>
+        </p:blipFill>
+        <p:spPr>
+          <a:xfrm>
+            <a:off x="6417971" y="3120827"/>
+            <a:ext cx="4172532" cy="2838846"/>
+          </a:xfrm>
+        </p:spPr>
+      </p:pic>
+      <p:pic>
+        <p:nvPicPr>
+          <p:cNvPr id="7" name="Picture 6">
+            <a:extLst>
+              <a:ext uri="{FF2B5EF4-FFF2-40B4-BE49-F238E27FC236}">
+                <a16:creationId xmlns:a16="http://schemas.microsoft.com/office/drawing/2014/main" id="{6245EB18-466B-26D8-378B-7B31AD9BDEA2}"/>
+              </a:ext>
+            </a:extLst>
+          </p:cNvPr>
+          <p:cNvPicPr>
+            <a:picLocks noChangeAspect="1"/>
+          </p:cNvPicPr>
+          <p:nvPr/>
+        </p:nvPicPr>
+        <p:blipFill rotWithShape="1">
+          <a:blip r:embed="rId3"/>
+          <a:srcRect l="3765" t="7040" b="4941"/>
+          <a:stretch/>
+        </p:blipFill>
+        <p:spPr>
+          <a:xfrm>
+            <a:off x="7308344" y="1509871"/>
+            <a:ext cx="1988055" cy="1259372"/>
+          </a:xfrm>
+          <a:prstGeom prst="rect">
+            <a:avLst/>
+          </a:prstGeom>
+        </p:spPr>
+      </p:pic>
       <p:sp>
         <p:nvSpPr>
-          <p:cNvPr id="4" name="Content Placeholder 3">
-            <a:extLst>
-              <a:ext uri="{FF2B5EF4-FFF2-40B4-BE49-F238E27FC236}">
-                <a16:creationId xmlns:a16="http://schemas.microsoft.com/office/drawing/2014/main" id="{50A3E92E-21B5-1632-6C8A-724F08ADFEB6}"/>
-              </a:ext>
-            </a:extLst>
-          </p:cNvPr>
-          <p:cNvSpPr>
-            <a:spLocks noGrp="1"/>
-          </p:cNvSpPr>
-          <p:nvPr>
-            <p:ph sz="half" idx="2"/>
-          </p:nvPr>
-        </p:nvSpPr>
-        <p:spPr/>
-        <p:txBody>
-          <a:bodyPr/>
+          <p:cNvPr id="8" name="TextBox 7">
+            <a:extLst>
+              <a:ext uri="{FF2B5EF4-FFF2-40B4-BE49-F238E27FC236}">
+                <a16:creationId xmlns:a16="http://schemas.microsoft.com/office/drawing/2014/main" id="{7E26452A-84D2-650A-E8C3-5AFF856FBE2B}"/>
+              </a:ext>
+            </a:extLst>
+          </p:cNvPr>
+          <p:cNvSpPr txBox="1"/>
+          <p:nvPr/>
+        </p:nvSpPr>
+        <p:spPr>
+          <a:xfrm>
+            <a:off x="9185564" y="3295915"/>
+            <a:ext cx="678872" cy="369332"/>
+          </a:xfrm>
+          <a:prstGeom prst="rect">
+            <a:avLst/>
+          </a:prstGeom>
+          <a:solidFill>
+            <a:schemeClr val="bg1"/>
+          </a:solidFill>
+        </p:spPr>
+        <p:txBody>
+          <a:bodyPr wrap="square" rtlCol="0">
+            <a:spAutoFit/>
+          </a:bodyPr>
           <a:lstStyle/>
           <a:p>
-            <a:r>
-              <a:rPr lang="en-US" dirty="0"/>
-              <a:t>Accuracy score .78</a:t>
-            </a:r>
+            <a:endParaRPr lang="en-US" dirty="0"/>
           </a:p>
         </p:txBody>
       </p:sp>
@@ -7337,6 +9361,14 @@
 <file path=ppt/slides/slide8.xml><?xml version="1.0" encoding="utf-8"?>
 <p:sld xmlns:a="http://schemas.openxmlformats.org/drawingml/2006/main" xmlns:r="http://schemas.openxmlformats.org/officeDocument/2006/relationships" xmlns:p="http://schemas.openxmlformats.org/presentationml/2006/main">
   <p:cSld>
+    <p:bg>
+      <p:bgPr>
+        <a:solidFill>
+          <a:schemeClr val="bg1"/>
+        </a:solidFill>
+        <a:effectLst/>
+      </p:bgPr>
+    </p:bg>
     <p:spTree>
       <p:nvGrpSpPr>
         <p:cNvPr id="1" name=""/>
@@ -7353,10 +9385,452 @@
       </p:grpSpPr>
       <p:sp>
         <p:nvSpPr>
+          <p:cNvPr id="1028" name="Freeform: Shape 1030">
+            <a:extLst>
+              <a:ext uri="{FF2B5EF4-FFF2-40B4-BE49-F238E27FC236}">
+                <a16:creationId xmlns:a16="http://schemas.microsoft.com/office/drawing/2014/main" id="{49306479-8C4D-4E4A-A330-DFC80A8A01BE}"/>
+              </a:ext>
+              <a:ext uri="{C183D7F6-B498-43B3-948B-1728B52AA6E4}">
+                <adec:decorative xmlns:adec="http://schemas.microsoft.com/office/drawing/2017/decorative" val="1"/>
+              </a:ext>
+            </a:extLst>
+          </p:cNvPr>
+          <p:cNvSpPr>
+            <a:spLocks noGrp="1" noRot="1" noChangeAspect="1" noMove="1" noResize="1" noEditPoints="1" noAdjustHandles="1" noChangeArrowheads="1" noChangeShapeType="1" noTextEdit="1"/>
+          </p:cNvSpPr>
+          <p:nvPr>
+            <p:extLst>
+              <p:ext uri="{386F3935-93C4-4BCD-93E2-E3B085C9AB24}">
+                <p16:designElem xmlns:p16="http://schemas.microsoft.com/office/powerpoint/2015/main" val="1"/>
+              </p:ext>
+            </p:extLst>
+          </p:nvPr>
+        </p:nvSpPr>
+        <p:spPr>
+          <a:xfrm>
+            <a:off x="0" y="0"/>
+            <a:ext cx="12192000" cy="6105524"/>
+          </a:xfrm>
+          <a:custGeom>
+            <a:avLst/>
+            <a:gdLst>
+              <a:gd name="connsiteX0" fmla="*/ 0 w 12192000"/>
+              <a:gd name="connsiteY0" fmla="*/ 0 h 6105524"/>
+              <a:gd name="connsiteX1" fmla="*/ 12192000 w 12192000"/>
+              <a:gd name="connsiteY1" fmla="*/ 0 h 6105524"/>
+              <a:gd name="connsiteX2" fmla="*/ 12192000 w 12192000"/>
+              <a:gd name="connsiteY2" fmla="*/ 6105524 h 6105524"/>
+              <a:gd name="connsiteX3" fmla="*/ 11435080 w 12192000"/>
+              <a:gd name="connsiteY3" fmla="*/ 6105524 h 6105524"/>
+              <a:gd name="connsiteX4" fmla="*/ 11435080 w 12192000"/>
+              <a:gd name="connsiteY4" fmla="*/ 771523 h 6105524"/>
+              <a:gd name="connsiteX5" fmla="*/ 767080 w 12192000"/>
+              <a:gd name="connsiteY5" fmla="*/ 771523 h 6105524"/>
+              <a:gd name="connsiteX6" fmla="*/ 767080 w 12192000"/>
+              <a:gd name="connsiteY6" fmla="*/ 6105524 h 6105524"/>
+              <a:gd name="connsiteX7" fmla="*/ 0 w 12192000"/>
+              <a:gd name="connsiteY7" fmla="*/ 6105524 h 6105524"/>
+            </a:gdLst>
+            <a:ahLst/>
+            <a:cxnLst>
+              <a:cxn ang="0">
+                <a:pos x="connsiteX0" y="connsiteY0"/>
+              </a:cxn>
+              <a:cxn ang="0">
+                <a:pos x="connsiteX1" y="connsiteY1"/>
+              </a:cxn>
+              <a:cxn ang="0">
+                <a:pos x="connsiteX2" y="connsiteY2"/>
+              </a:cxn>
+              <a:cxn ang="0">
+                <a:pos x="connsiteX3" y="connsiteY3"/>
+              </a:cxn>
+              <a:cxn ang="0">
+                <a:pos x="connsiteX4" y="connsiteY4"/>
+              </a:cxn>
+              <a:cxn ang="0">
+                <a:pos x="connsiteX5" y="connsiteY5"/>
+              </a:cxn>
+              <a:cxn ang="0">
+                <a:pos x="connsiteX6" y="connsiteY6"/>
+              </a:cxn>
+              <a:cxn ang="0">
+                <a:pos x="connsiteX7" y="connsiteY7"/>
+              </a:cxn>
+            </a:cxnLst>
+            <a:rect l="l" t="t" r="r" b="b"/>
+            <a:pathLst>
+              <a:path w="12192000" h="6105524">
+                <a:moveTo>
+                  <a:pt x="0" y="0"/>
+                </a:moveTo>
+                <a:lnTo>
+                  <a:pt x="12192000" y="0"/>
+                </a:lnTo>
+                <a:lnTo>
+                  <a:pt x="12192000" y="6105524"/>
+                </a:lnTo>
+                <a:lnTo>
+                  <a:pt x="11435080" y="6105524"/>
+                </a:lnTo>
+                <a:lnTo>
+                  <a:pt x="11435080" y="771523"/>
+                </a:lnTo>
+                <a:lnTo>
+                  <a:pt x="767080" y="771523"/>
+                </a:lnTo>
+                <a:lnTo>
+                  <a:pt x="767080" y="6105524"/>
+                </a:lnTo>
+                <a:lnTo>
+                  <a:pt x="0" y="6105524"/>
+                </a:lnTo>
+                <a:close/>
+              </a:path>
+            </a:pathLst>
+          </a:custGeom>
+          <a:gradFill flip="none" rotWithShape="1">
+            <a:gsLst>
+              <a:gs pos="10000">
+                <a:schemeClr val="accent5"/>
+              </a:gs>
+              <a:gs pos="90000">
+                <a:schemeClr val="accent1"/>
+              </a:gs>
+              <a:gs pos="70000">
+                <a:schemeClr val="accent2"/>
+              </a:gs>
+              <a:gs pos="30000">
+                <a:schemeClr val="accent4"/>
+              </a:gs>
+              <a:gs pos="50000">
+                <a:schemeClr val="accent3">
+                  <a:lumMod val="60000"/>
+                  <a:lumOff val="40000"/>
+                </a:schemeClr>
+              </a:gs>
+            </a:gsLst>
+            <a:lin ang="7200000" scaled="0"/>
+            <a:tileRect/>
+          </a:gradFill>
+          <a:ln>
+            <a:noFill/>
+          </a:ln>
+        </p:spPr>
+        <p:style>
+          <a:lnRef idx="2">
+            <a:schemeClr val="accent1">
+              <a:shade val="50000"/>
+            </a:schemeClr>
+          </a:lnRef>
+          <a:fillRef idx="1">
+            <a:schemeClr val="accent1"/>
+          </a:fillRef>
+          <a:effectRef idx="0">
+            <a:schemeClr val="accent1"/>
+          </a:effectRef>
+          <a:fontRef idx="minor">
+            <a:schemeClr val="lt1"/>
+          </a:fontRef>
+        </p:style>
+        <p:txBody>
+          <a:bodyPr wrap="square" rtlCol="0" anchor="ctr">
+            <a:noAutofit/>
+          </a:bodyPr>
+          <a:lstStyle/>
+          <a:p>
+            <a:pPr algn="ctr"/>
+            <a:endParaRPr lang="en-US"/>
+          </a:p>
+        </p:txBody>
+      </p:sp>
+      <p:sp useBgFill="1">
+        <p:nvSpPr>
+          <p:cNvPr id="1029" name="Rectangle 1032">
+            <a:extLst>
+              <a:ext uri="{FF2B5EF4-FFF2-40B4-BE49-F238E27FC236}">
+                <a16:creationId xmlns:a16="http://schemas.microsoft.com/office/drawing/2014/main" id="{84136905-015B-4510-B514-027CBA846BD6}"/>
+              </a:ext>
+              <a:ext uri="{C183D7F6-B498-43B3-948B-1728B52AA6E4}">
+                <adec:decorative xmlns:adec="http://schemas.microsoft.com/office/drawing/2017/decorative" val="1"/>
+              </a:ext>
+            </a:extLst>
+          </p:cNvPr>
+          <p:cNvSpPr>
+            <a:spLocks noGrp="1" noRot="1" noChangeAspect="1" noMove="1" noResize="1" noEditPoints="1" noAdjustHandles="1" noChangeArrowheads="1" noChangeShapeType="1" noTextEdit="1"/>
+          </p:cNvSpPr>
+          <p:nvPr>
+            <p:extLst>
+              <p:ext uri="{386F3935-93C4-4BCD-93E2-E3B085C9AB24}">
+                <p16:designElem xmlns:p16="http://schemas.microsoft.com/office/powerpoint/2015/main" val="1"/>
+              </p:ext>
+            </p:extLst>
+          </p:nvPr>
+        </p:nvSpPr>
+        <p:spPr>
+          <a:xfrm>
+            <a:off x="0" y="0"/>
+            <a:ext cx="12192000" cy="6858000"/>
+          </a:xfrm>
+          <a:prstGeom prst="rect">
+            <a:avLst/>
+          </a:prstGeom>
+          <a:ln>
+            <a:noFill/>
+          </a:ln>
+        </p:spPr>
+        <p:style>
+          <a:lnRef idx="2">
+            <a:schemeClr val="accent1">
+              <a:shade val="50000"/>
+            </a:schemeClr>
+          </a:lnRef>
+          <a:fillRef idx="1">
+            <a:schemeClr val="accent1"/>
+          </a:fillRef>
+          <a:effectRef idx="0">
+            <a:schemeClr val="accent1"/>
+          </a:effectRef>
+          <a:fontRef idx="minor">
+            <a:schemeClr val="lt1"/>
+          </a:fontRef>
+        </p:style>
+        <p:txBody>
+          <a:bodyPr rtlCol="0" anchor="ctr"/>
+          <a:lstStyle/>
+          <a:p>
+            <a:pPr algn="ctr"/>
+            <a:endParaRPr lang="en-US"/>
+          </a:p>
+        </p:txBody>
+      </p:sp>
+      <p:sp>
+        <p:nvSpPr>
+          <p:cNvPr id="1030" name="Rectangle 1034">
+            <a:extLst>
+              <a:ext uri="{FF2B5EF4-FFF2-40B4-BE49-F238E27FC236}">
+                <a16:creationId xmlns:a16="http://schemas.microsoft.com/office/drawing/2014/main" id="{36CD0F97-2E5B-4E84-8544-EB24DED10446}"/>
+              </a:ext>
+              <a:ext uri="{C183D7F6-B498-43B3-948B-1728B52AA6E4}">
+                <adec:decorative xmlns:adec="http://schemas.microsoft.com/office/drawing/2017/decorative" val="1"/>
+              </a:ext>
+            </a:extLst>
+          </p:cNvPr>
+          <p:cNvSpPr>
+            <a:spLocks noGrp="1" noRot="1" noChangeAspect="1" noMove="1" noResize="1" noEditPoints="1" noAdjustHandles="1" noChangeArrowheads="1" noChangeShapeType="1" noTextEdit="1"/>
+          </p:cNvSpPr>
+          <p:nvPr>
+            <p:extLst>
+              <p:ext uri="{386F3935-93C4-4BCD-93E2-E3B085C9AB24}">
+                <p16:designElem xmlns:p16="http://schemas.microsoft.com/office/powerpoint/2015/main" val="1"/>
+              </p:ext>
+            </p:extLst>
+          </p:nvPr>
+        </p:nvSpPr>
+        <p:spPr>
+          <a:xfrm>
+            <a:off x="0" y="0"/>
+            <a:ext cx="12192000" cy="6099048"/>
+          </a:xfrm>
+          <a:prstGeom prst="rect">
+            <a:avLst/>
+          </a:prstGeom>
+          <a:gradFill flip="none" rotWithShape="1">
+            <a:gsLst>
+              <a:gs pos="10000">
+                <a:schemeClr val="accent5"/>
+              </a:gs>
+              <a:gs pos="90000">
+                <a:schemeClr val="accent1"/>
+              </a:gs>
+              <a:gs pos="70000">
+                <a:schemeClr val="accent2"/>
+              </a:gs>
+              <a:gs pos="30000">
+                <a:schemeClr val="accent4"/>
+              </a:gs>
+              <a:gs pos="50000">
+                <a:schemeClr val="accent3">
+                  <a:lumMod val="60000"/>
+                  <a:lumOff val="40000"/>
+                </a:schemeClr>
+              </a:gs>
+            </a:gsLst>
+            <a:lin ang="7200000" scaled="0"/>
+            <a:tileRect/>
+          </a:gradFill>
+          <a:ln>
+            <a:noFill/>
+          </a:ln>
+        </p:spPr>
+        <p:style>
+          <a:lnRef idx="2">
+            <a:schemeClr val="accent1">
+              <a:shade val="50000"/>
+            </a:schemeClr>
+          </a:lnRef>
+          <a:fillRef idx="1">
+            <a:schemeClr val="accent1"/>
+          </a:fillRef>
+          <a:effectRef idx="0">
+            <a:schemeClr val="accent1"/>
+          </a:effectRef>
+          <a:fontRef idx="minor">
+            <a:schemeClr val="lt1"/>
+          </a:fontRef>
+        </p:style>
+        <p:txBody>
+          <a:bodyPr rtlCol="0" anchor="ctr"/>
+          <a:lstStyle/>
+          <a:p>
+            <a:pPr algn="ctr"/>
+            <a:endParaRPr lang="en-US"/>
+          </a:p>
+        </p:txBody>
+      </p:sp>
+      <p:sp useBgFill="1">
+        <p:nvSpPr>
+          <p:cNvPr id="1032" name="Freeform: Shape 1036">
+            <a:extLst>
+              <a:ext uri="{FF2B5EF4-FFF2-40B4-BE49-F238E27FC236}">
+                <a16:creationId xmlns:a16="http://schemas.microsoft.com/office/drawing/2014/main" id="{A67FFD73-5996-479A-B8EB-EBA3DECC089A}"/>
+              </a:ext>
+              <a:ext uri="{C183D7F6-B498-43B3-948B-1728B52AA6E4}">
+                <adec:decorative xmlns:adec="http://schemas.microsoft.com/office/drawing/2017/decorative" val="1"/>
+              </a:ext>
+            </a:extLst>
+          </p:cNvPr>
+          <p:cNvSpPr>
+            <a:spLocks noGrp="1" noRot="1" noChangeAspect="1" noMove="1" noResize="1" noEditPoints="1" noAdjustHandles="1" noChangeArrowheads="1" noChangeShapeType="1" noTextEdit="1"/>
+          </p:cNvSpPr>
+          <p:nvPr>
+            <p:extLst>
+              <p:ext uri="{386F3935-93C4-4BCD-93E2-E3B085C9AB24}">
+                <p16:designElem xmlns:p16="http://schemas.microsoft.com/office/powerpoint/2015/main" val="1"/>
+              </p:ext>
+            </p:extLst>
+          </p:nvPr>
+        </p:nvSpPr>
+        <p:spPr>
+          <a:xfrm>
+            <a:off x="0" y="-1"/>
+            <a:ext cx="11443386" cy="6210556"/>
+          </a:xfrm>
+          <a:custGeom>
+            <a:avLst/>
+            <a:gdLst>
+              <a:gd name="connsiteX0" fmla="*/ 0 w 11443386"/>
+              <a:gd name="connsiteY0" fmla="*/ 0 h 6210556"/>
+              <a:gd name="connsiteX1" fmla="*/ 7534652 w 11443386"/>
+              <a:gd name="connsiteY1" fmla="*/ 0 h 6210556"/>
+              <a:gd name="connsiteX2" fmla="*/ 7534652 w 11443386"/>
+              <a:gd name="connsiteY2" fmla="*/ 758953 h 6210556"/>
+              <a:gd name="connsiteX3" fmla="*/ 11443386 w 11443386"/>
+              <a:gd name="connsiteY3" fmla="*/ 758953 h 6210556"/>
+              <a:gd name="connsiteX4" fmla="*/ 11443386 w 11443386"/>
+              <a:gd name="connsiteY4" fmla="*/ 6210556 h 6210556"/>
+              <a:gd name="connsiteX5" fmla="*/ 840766 w 11443386"/>
+              <a:gd name="connsiteY5" fmla="*/ 6210556 h 6210556"/>
+              <a:gd name="connsiteX6" fmla="*/ 840766 w 11443386"/>
+              <a:gd name="connsiteY6" fmla="*/ 6143050 h 6210556"/>
+              <a:gd name="connsiteX7" fmla="*/ 0 w 11443386"/>
+              <a:gd name="connsiteY7" fmla="*/ 6143050 h 6210556"/>
+            </a:gdLst>
+            <a:ahLst/>
+            <a:cxnLst>
+              <a:cxn ang="0">
+                <a:pos x="connsiteX0" y="connsiteY0"/>
+              </a:cxn>
+              <a:cxn ang="0">
+                <a:pos x="connsiteX1" y="connsiteY1"/>
+              </a:cxn>
+              <a:cxn ang="0">
+                <a:pos x="connsiteX2" y="connsiteY2"/>
+              </a:cxn>
+              <a:cxn ang="0">
+                <a:pos x="connsiteX3" y="connsiteY3"/>
+              </a:cxn>
+              <a:cxn ang="0">
+                <a:pos x="connsiteX4" y="connsiteY4"/>
+              </a:cxn>
+              <a:cxn ang="0">
+                <a:pos x="connsiteX5" y="connsiteY5"/>
+              </a:cxn>
+              <a:cxn ang="0">
+                <a:pos x="connsiteX6" y="connsiteY6"/>
+              </a:cxn>
+              <a:cxn ang="0">
+                <a:pos x="connsiteX7" y="connsiteY7"/>
+              </a:cxn>
+            </a:cxnLst>
+            <a:rect l="l" t="t" r="r" b="b"/>
+            <a:pathLst>
+              <a:path w="11443386" h="6210556">
+                <a:moveTo>
+                  <a:pt x="0" y="0"/>
+                </a:moveTo>
+                <a:lnTo>
+                  <a:pt x="7534652" y="0"/>
+                </a:lnTo>
+                <a:lnTo>
+                  <a:pt x="7534652" y="758953"/>
+                </a:lnTo>
+                <a:lnTo>
+                  <a:pt x="11443386" y="758953"/>
+                </a:lnTo>
+                <a:lnTo>
+                  <a:pt x="11443386" y="6210556"/>
+                </a:lnTo>
+                <a:lnTo>
+                  <a:pt x="840766" y="6210556"/>
+                </a:lnTo>
+                <a:lnTo>
+                  <a:pt x="840766" y="6143050"/>
+                </a:lnTo>
+                <a:lnTo>
+                  <a:pt x="0" y="6143050"/>
+                </a:lnTo>
+                <a:close/>
+              </a:path>
+            </a:pathLst>
+          </a:custGeom>
+          <a:ln>
+            <a:noFill/>
+          </a:ln>
+        </p:spPr>
+        <p:style>
+          <a:lnRef idx="2">
+            <a:schemeClr val="accent1">
+              <a:shade val="50000"/>
+            </a:schemeClr>
+          </a:lnRef>
+          <a:fillRef idx="1">
+            <a:schemeClr val="accent1"/>
+          </a:fillRef>
+          <a:effectRef idx="0">
+            <a:schemeClr val="accent1"/>
+          </a:effectRef>
+          <a:fontRef idx="minor">
+            <a:schemeClr val="lt1"/>
+          </a:fontRef>
+        </p:style>
+        <p:txBody>
+          <a:bodyPr wrap="square" rtlCol="0" anchor="ctr">
+            <a:noAutofit/>
+          </a:bodyPr>
+          <a:lstStyle/>
+          <a:p>
+            <a:pPr algn="ctr"/>
+            <a:endParaRPr lang="en-US"/>
+          </a:p>
+        </p:txBody>
+      </p:sp>
+      <p:sp>
+        <p:nvSpPr>
           <p:cNvPr id="2" name="Title 1">
             <a:extLst>
               <a:ext uri="{FF2B5EF4-FFF2-40B4-BE49-F238E27FC236}">
-                <a16:creationId xmlns:a16="http://schemas.microsoft.com/office/drawing/2014/main" id="{8BBDACE1-E5AB-4223-921C-AF6EC0CA2F39}"/>
+                <a16:creationId xmlns:a16="http://schemas.microsoft.com/office/drawing/2014/main" id="{CFCE0837-93B0-7964-7F41-B0A953331003}"/>
               </a:ext>
             </a:extLst>
           </p:cNvPr>
@@ -7367,19 +9841,47 @@
             <p:ph type="title"/>
           </p:nvPr>
         </p:nvSpPr>
-        <p:spPr/>
-        <p:txBody>
-          <a:bodyPr/>
+        <p:spPr>
+          <a:xfrm>
+            <a:off x="762000" y="758953"/>
+            <a:ext cx="5997270" cy="2028388"/>
+          </a:xfrm>
+        </p:spPr>
+        <p:txBody>
+          <a:bodyPr vert="horz" lIns="91440" tIns="45720" rIns="91440" bIns="45720" rtlCol="0" anchor="ctr">
+            <a:normAutofit/>
+          </a:bodyPr>
           <a:lstStyle/>
           <a:p>
             <a:r>
-              <a:rPr lang="en-US" dirty="0"/>
-              <a:t>Random Forest</a:t>
+              <a:rPr lang="en-US" kern="1200" spc="-50" baseline="0">
+                <a:solidFill>
+                  <a:schemeClr val="tx1"/>
+                </a:solidFill>
+                <a:latin typeface="+mj-lt"/>
+                <a:ea typeface="+mj-ea"/>
+                <a:cs typeface="+mj-cs"/>
+              </a:rPr>
+              <a:t>Decision Tree</a:t>
             </a:r>
             <a:br>
-              <a:rPr lang="en-US" dirty="0"/>
+              <a:rPr lang="en-US" kern="1200" spc="-50" baseline="0">
+                <a:solidFill>
+                  <a:schemeClr val="tx1"/>
+                </a:solidFill>
+                <a:latin typeface="+mj-lt"/>
+                <a:ea typeface="+mj-ea"/>
+                <a:cs typeface="+mj-cs"/>
+              </a:rPr>
             </a:br>
-            <a:endParaRPr lang="en-US" dirty="0"/>
+            <a:endParaRPr lang="en-US" kern="1200" spc="-50" baseline="0">
+              <a:solidFill>
+                <a:schemeClr val="tx1"/>
+              </a:solidFill>
+              <a:latin typeface="+mj-lt"/>
+              <a:ea typeface="+mj-ea"/>
+              <a:cs typeface="+mj-cs"/>
+            </a:endParaRPr>
           </a:p>
         </p:txBody>
       </p:sp>
@@ -7388,7 +9890,7 @@
           <p:cNvPr id="3" name="Content Placeholder 2">
             <a:extLst>
               <a:ext uri="{FF2B5EF4-FFF2-40B4-BE49-F238E27FC236}">
-                <a16:creationId xmlns:a16="http://schemas.microsoft.com/office/drawing/2014/main" id="{51F736C5-640F-6BEC-23E2-BAB82E5FC071}"/>
+                <a16:creationId xmlns:a16="http://schemas.microsoft.com/office/drawing/2014/main" id="{77255DA6-04A0-48B8-A0A1-0A346130C5EA}"/>
               </a:ext>
             </a:extLst>
           </p:cNvPr>
@@ -7399,54 +9901,114 @@
             <p:ph sz="half" idx="1"/>
           </p:nvPr>
         </p:nvSpPr>
-        <p:spPr/>
-        <p:txBody>
-          <a:bodyPr/>
+        <p:spPr>
+          <a:xfrm>
+            <a:off x="762000" y="2893326"/>
+            <a:ext cx="5997270" cy="3202674"/>
+          </a:xfrm>
+        </p:spPr>
+        <p:txBody>
+          <a:bodyPr vert="horz" lIns="91440" tIns="45720" rIns="91440" bIns="45720" rtlCol="0" anchor="t">
+            <a:normAutofit/>
+          </a:bodyPr>
           <a:lstStyle/>
           <a:p>
+            <a:pPr>
+              <a:lnSpc>
+                <a:spcPct val="95000"/>
+              </a:lnSpc>
+            </a:pPr>
+            <a:r>
+              <a:rPr lang="en-US" b="0" i="0">
+                <a:effectLst/>
+              </a:rPr>
+              <a:t>A decision tree is a non-parametric supervised learning algorithm, which is utilized for both classification and regression tasks. It has a hierarchical, tree structure, which consists of a root node, branches, internal nodes and leaf nodes.</a:t>
+            </a:r>
             <a:endParaRPr lang="en-US"/>
           </a:p>
         </p:txBody>
       </p:sp>
-      <p:sp>
-        <p:nvSpPr>
-          <p:cNvPr id="4" name="Content Placeholder 3">
-            <a:extLst>
-              <a:ext uri="{FF2B5EF4-FFF2-40B4-BE49-F238E27FC236}">
-                <a16:creationId xmlns:a16="http://schemas.microsoft.com/office/drawing/2014/main" id="{04E087CF-F218-E966-D87A-6751A0724182}"/>
-              </a:ext>
-            </a:extLst>
-          </p:cNvPr>
-          <p:cNvSpPr>
-            <a:spLocks noGrp="1"/>
-          </p:cNvSpPr>
+      <p:pic>
+        <p:nvPicPr>
+          <p:cNvPr id="7" name="Content Placeholder 6">
+            <a:extLst>
+              <a:ext uri="{FF2B5EF4-FFF2-40B4-BE49-F238E27FC236}">
+                <a16:creationId xmlns:a16="http://schemas.microsoft.com/office/drawing/2014/main" id="{213344A2-59A1-BF4C-3146-A14DE0C87749}"/>
+              </a:ext>
+            </a:extLst>
+          </p:cNvPr>
+          <p:cNvPicPr>
+            <a:picLocks noGrp="1" noChangeAspect="1"/>
+          </p:cNvPicPr>
           <p:nvPr>
             <p:ph sz="half" idx="2"/>
           </p:nvPr>
-        </p:nvSpPr>
-        <p:spPr/>
-        <p:txBody>
-          <a:bodyPr/>
-          <a:lstStyle/>
-          <a:p>
-            <a:r>
-              <a:rPr lang="en-US" b="0" i="0" dirty="0">
+        </p:nvPicPr>
+        <p:blipFill>
+          <a:blip r:embed="rId2"/>
+          <a:stretch>
+            <a:fillRect/>
+          </a:stretch>
+        </p:blipFill>
+        <p:spPr>
+          <a:xfrm>
+            <a:off x="7693736" y="1522146"/>
+            <a:ext cx="2815184" cy="2125464"/>
+          </a:xfrm>
+          <a:prstGeom prst="rect">
+            <a:avLst/>
+          </a:prstGeom>
+        </p:spPr>
+      </p:pic>
+      <p:pic>
+        <p:nvPicPr>
+          <p:cNvPr id="1026" name="Picture 2" descr="When to Use a 'Decision Tree' for Business Planning">
+            <a:extLst>
+              <a:ext uri="{FF2B5EF4-FFF2-40B4-BE49-F238E27FC236}">
+                <a16:creationId xmlns:a16="http://schemas.microsoft.com/office/drawing/2014/main" id="{348E0327-E6B1-FAC0-ACA4-E0EBCF88CA5C}"/>
+              </a:ext>
+            </a:extLst>
+          </p:cNvPr>
+          <p:cNvPicPr>
+            <a:picLocks noChangeAspect="1" noChangeArrowheads="1"/>
+          </p:cNvPicPr>
+          <p:nvPr/>
+        </p:nvPicPr>
+        <p:blipFill rotWithShape="1">
+          <a:blip r:embed="rId3">
+            <a:extLst>
+              <a:ext uri="{28A0092B-C50C-407E-A947-70E740481C1C}">
+                <a14:useLocalDpi xmlns:a14="http://schemas.microsoft.com/office/drawing/2010/main" val="0"/>
+              </a:ext>
+            </a:extLst>
+          </a:blip>
+          <a:srcRect b="15255"/>
+          <a:stretch/>
+        </p:blipFill>
+        <p:spPr bwMode="auto">
+          <a:xfrm>
+            <a:off x="7885111" y="3969341"/>
+            <a:ext cx="2432434" cy="2126659"/>
+          </a:xfrm>
+          <a:prstGeom prst="rect">
+            <a:avLst/>
+          </a:prstGeom>
+          <a:noFill/>
+          <a:extLst>
+            <a:ext uri="{909E8E84-426E-40DD-AFC4-6F175D3DCCD1}">
+              <a14:hiddenFill xmlns:a14="http://schemas.microsoft.com/office/drawing/2010/main">
                 <a:solidFill>
-                  <a:srgbClr val="212121"/>
+                  <a:srgbClr val="FFFFFF"/>
                 </a:solidFill>
-                <a:effectLst/>
-                <a:latin typeface="Courier New" panose="02070309020205020404" pitchFamily="49" charset="0"/>
-              </a:rPr>
-              <a:t>Accuracy Score : 0.8382352941176471</a:t>
-            </a:r>
-            <a:endParaRPr lang="en-US" dirty="0"/>
-          </a:p>
-        </p:txBody>
-      </p:sp>
+              </a14:hiddenFill>
+            </a:ext>
+          </a:extLst>
+        </p:spPr>
+      </p:pic>
     </p:spTree>
     <p:extLst>
       <p:ext uri="{BB962C8B-B14F-4D97-AF65-F5344CB8AC3E}">
-        <p14:creationId xmlns:p14="http://schemas.microsoft.com/office/powerpoint/2010/main" val="1352397419"/>
+        <p14:creationId xmlns:p14="http://schemas.microsoft.com/office/powerpoint/2010/main" val="1644834414"/>
       </p:ext>
     </p:extLst>
   </p:cSld>
@@ -7478,7 +10040,7 @@
           <p:cNvPr id="2" name="Title 1">
             <a:extLst>
               <a:ext uri="{FF2B5EF4-FFF2-40B4-BE49-F238E27FC236}">
-                <a16:creationId xmlns:a16="http://schemas.microsoft.com/office/drawing/2014/main" id="{CFCE0837-93B0-7964-7F41-B0A953331003}"/>
+                <a16:creationId xmlns:a16="http://schemas.microsoft.com/office/drawing/2014/main" id="{8BBDACE1-E5AB-4223-921C-AF6EC0CA2F39}"/>
               </a:ext>
             </a:extLst>
           </p:cNvPr>
@@ -7496,7 +10058,7 @@
           <a:p>
             <a:r>
               <a:rPr lang="en-US" dirty="0"/>
-              <a:t>Decision Tree</a:t>
+              <a:t>Random Forest</a:t>
             </a:r>
             <a:br>
               <a:rPr lang="en-US" dirty="0"/>
@@ -7510,7 +10072,7 @@
           <p:cNvPr id="3" name="Content Placeholder 2">
             <a:extLst>
               <a:ext uri="{FF2B5EF4-FFF2-40B4-BE49-F238E27FC236}">
-                <a16:creationId xmlns:a16="http://schemas.microsoft.com/office/drawing/2014/main" id="{77255DA6-04A0-48B8-A0A1-0A346130C5EA}"/>
+                <a16:creationId xmlns:a16="http://schemas.microsoft.com/office/drawing/2014/main" id="{51F736C5-640F-6BEC-23E2-BAB82E5FC071}"/>
               </a:ext>
             </a:extLst>
           </p:cNvPr>
@@ -7526,7 +10088,27 @@
           <a:bodyPr/>
           <a:lstStyle/>
           <a:p>
-            <a:endParaRPr lang="en-US"/>
+            <a:r>
+              <a:rPr lang="en-US" b="0" i="0" dirty="0">
+                <a:solidFill>
+                  <a:srgbClr val="202124"/>
+                </a:solidFill>
+                <a:effectLst/>
+                <a:latin typeface="Google Sans"/>
+              </a:rPr>
+              <a:t>Random Forest is used for both </a:t>
+            </a:r>
+            <a:r>
+              <a:rPr lang="en-US" b="0" i="0" dirty="0">
+                <a:solidFill>
+                  <a:srgbClr val="040C28"/>
+                </a:solidFill>
+                <a:effectLst/>
+                <a:latin typeface="Google Sans"/>
+              </a:rPr>
+              <a:t>classification and regression.</a:t>
+            </a:r>
+            <a:endParaRPr lang="en-US" dirty="0"/>
           </a:p>
         </p:txBody>
       </p:sp>
@@ -7535,7 +10117,7 @@
           <p:cNvPr id="4" name="Content Placeholder 3">
             <a:extLst>
               <a:ext uri="{FF2B5EF4-FFF2-40B4-BE49-F238E27FC236}">
-                <a16:creationId xmlns:a16="http://schemas.microsoft.com/office/drawing/2014/main" id="{7EDAF99E-6F5B-02D0-744E-2F9CDE13031F}"/>
+                <a16:creationId xmlns:a16="http://schemas.microsoft.com/office/drawing/2014/main" id="{04E087CF-F218-E966-D87A-6751A0724182}"/>
               </a:ext>
             </a:extLst>
           </p:cNvPr>
@@ -7551,24 +10133,103 @@
           <a:bodyPr/>
           <a:lstStyle/>
           <a:p>
-            <a:r>
-              <a:rPr lang="en-US" b="0" i="0" dirty="0">
-                <a:solidFill>
-                  <a:srgbClr val="212121"/>
-                </a:solidFill>
-                <a:effectLst/>
-                <a:latin typeface="Courier New" panose="02070309020205020404" pitchFamily="49" charset="0"/>
-              </a:rPr>
-              <a:t>Accuracy Score : 0.7058823529411765</a:t>
-            </a:r>
             <a:endParaRPr lang="en-US" dirty="0"/>
           </a:p>
         </p:txBody>
       </p:sp>
+      <p:pic>
+        <p:nvPicPr>
+          <p:cNvPr id="6" name="Picture 5">
+            <a:extLst>
+              <a:ext uri="{FF2B5EF4-FFF2-40B4-BE49-F238E27FC236}">
+                <a16:creationId xmlns:a16="http://schemas.microsoft.com/office/drawing/2014/main" id="{4E3110D7-787B-4A4D-F617-90D75B7F8C06}"/>
+              </a:ext>
+            </a:extLst>
+          </p:cNvPr>
+          <p:cNvPicPr>
+            <a:picLocks noChangeAspect="1"/>
+          </p:cNvPicPr>
+          <p:nvPr/>
+        </p:nvPicPr>
+        <p:blipFill>
+          <a:blip r:embed="rId2"/>
+          <a:stretch>
+            <a:fillRect/>
+          </a:stretch>
+        </p:blipFill>
+        <p:spPr>
+          <a:xfrm>
+            <a:off x="6384311" y="2953862"/>
+            <a:ext cx="4239217" cy="3172268"/>
+          </a:xfrm>
+          <a:prstGeom prst="rect">
+            <a:avLst/>
+          </a:prstGeom>
+        </p:spPr>
+      </p:pic>
+      <p:pic>
+        <p:nvPicPr>
+          <p:cNvPr id="9" name="Picture 8">
+            <a:extLst>
+              <a:ext uri="{FF2B5EF4-FFF2-40B4-BE49-F238E27FC236}">
+                <a16:creationId xmlns:a16="http://schemas.microsoft.com/office/drawing/2014/main" id="{EB37A413-F775-8B53-F0FE-480AF7220D8B}"/>
+              </a:ext>
+            </a:extLst>
+          </p:cNvPr>
+          <p:cNvPicPr>
+            <a:picLocks noChangeAspect="1"/>
+          </p:cNvPicPr>
+          <p:nvPr/>
+        </p:nvPicPr>
+        <p:blipFill>
+          <a:blip r:embed="rId3"/>
+          <a:stretch>
+            <a:fillRect/>
+          </a:stretch>
+        </p:blipFill>
+        <p:spPr>
+          <a:xfrm>
+            <a:off x="7378844" y="1149455"/>
+            <a:ext cx="2809875" cy="1628775"/>
+          </a:xfrm>
+          <a:prstGeom prst="rect">
+            <a:avLst/>
+          </a:prstGeom>
+        </p:spPr>
+      </p:pic>
+      <p:pic>
+        <p:nvPicPr>
+          <p:cNvPr id="10" name="Picture 9">
+            <a:extLst>
+              <a:ext uri="{FF2B5EF4-FFF2-40B4-BE49-F238E27FC236}">
+                <a16:creationId xmlns:a16="http://schemas.microsoft.com/office/drawing/2014/main" id="{31FA9C0E-4779-C89D-B46B-2C34DA48A85A}"/>
+              </a:ext>
+            </a:extLst>
+          </p:cNvPr>
+          <p:cNvPicPr>
+            <a:picLocks noChangeAspect="1"/>
+          </p:cNvPicPr>
+          <p:nvPr/>
+        </p:nvPicPr>
+        <p:blipFill rotWithShape="1">
+          <a:blip r:embed="rId4"/>
+          <a:srcRect r="10312"/>
+          <a:stretch/>
+        </p:blipFill>
+        <p:spPr>
+          <a:xfrm>
+            <a:off x="1442201" y="4323162"/>
+            <a:ext cx="4628515" cy="2033867"/>
+          </a:xfrm>
+          <a:prstGeom prst="rect">
+            <a:avLst/>
+          </a:prstGeom>
+        </p:spPr>
+      </p:pic>
     </p:spTree>
     <p:extLst>
       <p:ext uri="{BB962C8B-B14F-4D97-AF65-F5344CB8AC3E}">
-        <p14:creationId xmlns:p14="http://schemas.microsoft.com/office/powerpoint/2010/main" val="1644834414"/>
+        <p14:creationId xmlns:p14="http://schemas.microsoft.com/office/powerpoint/2010/main" val="1352397419"/>
       </p:ext>
     </p:extLst>
   </p:cSld>

--- a/heart disease heart presentation.pptx
+++ b/heart disease heart presentation.pptx
@@ -8,17 +8,18 @@
     <p:sldId id="256" r:id="rId2"/>
     <p:sldId id="257" r:id="rId3"/>
     <p:sldId id="259" r:id="rId4"/>
-    <p:sldId id="258" r:id="rId5"/>
-    <p:sldId id="260" r:id="rId6"/>
-    <p:sldId id="261" r:id="rId7"/>
-    <p:sldId id="262" r:id="rId8"/>
-    <p:sldId id="264" r:id="rId9"/>
-    <p:sldId id="263" r:id="rId10"/>
-    <p:sldId id="265" r:id="rId11"/>
-    <p:sldId id="266" r:id="rId12"/>
-    <p:sldId id="267" r:id="rId13"/>
-    <p:sldId id="268" r:id="rId14"/>
-    <p:sldId id="269" r:id="rId15"/>
+    <p:sldId id="270" r:id="rId5"/>
+    <p:sldId id="271" r:id="rId6"/>
+    <p:sldId id="260" r:id="rId7"/>
+    <p:sldId id="273" r:id="rId8"/>
+    <p:sldId id="262" r:id="rId9"/>
+    <p:sldId id="264" r:id="rId10"/>
+    <p:sldId id="263" r:id="rId11"/>
+    <p:sldId id="265" r:id="rId12"/>
+    <p:sldId id="266" r:id="rId13"/>
+    <p:sldId id="267" r:id="rId14"/>
+    <p:sldId id="268" r:id="rId15"/>
+    <p:sldId id="269" r:id="rId16"/>
   </p:sldIdLst>
   <p:sldSz cx="12192000" cy="6858000"/>
   <p:notesSz cx="6858000" cy="9144000"/>
@@ -1871,7 +1872,7 @@
             <a:fld id="{3F9AFA87-1417-4992-ABD9-27C3BC8CC883}" type="datetimeFigureOut">
               <a:rPr lang="en-US" smtClean="0"/>
               <a:pPr algn="r"/>
-              <a:t>6/10/2023</a:t>
+              <a:t>6/12/23</a:t>
             </a:fld>
             <a:endParaRPr lang="en-US" dirty="0"/>
           </a:p>
@@ -2072,7 +2073,7 @@
           <a:p>
             <a:fld id="{3F9AFA87-1417-4992-ABD9-27C3BC8CC883}" type="datetimeFigureOut">
               <a:rPr lang="en-US" smtClean="0"/>
-              <a:t>6/10/2023</a:t>
+              <a:t>6/12/23</a:t>
             </a:fld>
             <a:endParaRPr lang="en-US"/>
           </a:p>
@@ -2282,7 +2283,7 @@
           <a:p>
             <a:fld id="{3F9AFA87-1417-4992-ABD9-27C3BC8CC883}" type="datetimeFigureOut">
               <a:rPr lang="en-US" smtClean="0"/>
-              <a:t>6/10/2023</a:t>
+              <a:t>6/12/23</a:t>
             </a:fld>
             <a:endParaRPr lang="en-US"/>
           </a:p>
@@ -2480,7 +2481,7 @@
           <a:p>
             <a:fld id="{3F9AFA87-1417-4992-ABD9-27C3BC8CC883}" type="datetimeFigureOut">
               <a:rPr lang="en-US" smtClean="0"/>
-              <a:t>6/10/2023</a:t>
+              <a:t>6/12/23</a:t>
             </a:fld>
             <a:endParaRPr lang="en-US"/>
           </a:p>
@@ -2754,7 +2755,7 @@
           <a:p>
             <a:fld id="{3F9AFA87-1417-4992-ABD9-27C3BC8CC883}" type="datetimeFigureOut">
               <a:rPr lang="en-US" smtClean="0"/>
-              <a:t>6/10/2023</a:t>
+              <a:t>6/12/23</a:t>
             </a:fld>
             <a:endParaRPr lang="en-US"/>
           </a:p>
@@ -3019,7 +3020,7 @@
           <a:p>
             <a:fld id="{3F9AFA87-1417-4992-ABD9-27C3BC8CC883}" type="datetimeFigureOut">
               <a:rPr lang="en-US" smtClean="0"/>
-              <a:t>6/10/2023</a:t>
+              <a:t>6/12/23</a:t>
             </a:fld>
             <a:endParaRPr lang="en-US" dirty="0"/>
           </a:p>
@@ -3406,7 +3407,7 @@
           <a:p>
             <a:fld id="{3F9AFA87-1417-4992-ABD9-27C3BC8CC883}" type="datetimeFigureOut">
               <a:rPr lang="en-US" smtClean="0"/>
-              <a:t>6/10/2023</a:t>
+              <a:t>6/12/23</a:t>
             </a:fld>
             <a:endParaRPr lang="en-US"/>
           </a:p>
@@ -3576,7 +3577,7 @@
           <a:p>
             <a:fld id="{3F9AFA87-1417-4992-ABD9-27C3BC8CC883}" type="datetimeFigureOut">
               <a:rPr lang="en-US" smtClean="0"/>
-              <a:t>6/10/2023</a:t>
+              <a:t>6/12/23</a:t>
             </a:fld>
             <a:endParaRPr lang="en-US"/>
           </a:p>
@@ -3689,7 +3690,7 @@
           <a:p>
             <a:fld id="{3F9AFA87-1417-4992-ABD9-27C3BC8CC883}" type="datetimeFigureOut">
               <a:rPr lang="en-US" smtClean="0"/>
-              <a:t>6/10/2023</a:t>
+              <a:t>6/12/23</a:t>
             </a:fld>
             <a:endParaRPr lang="en-US"/>
           </a:p>
@@ -4009,7 +4010,7 @@
           <a:p>
             <a:fld id="{3F9AFA87-1417-4992-ABD9-27C3BC8CC883}" type="datetimeFigureOut">
               <a:rPr lang="en-US" smtClean="0"/>
-              <a:t>6/10/2023</a:t>
+              <a:t>6/12/23</a:t>
             </a:fld>
             <a:endParaRPr lang="en-US"/>
           </a:p>
@@ -4314,7 +4315,7 @@
           <a:p>
             <a:fld id="{3F9AFA87-1417-4992-ABD9-27C3BC8CC883}" type="datetimeFigureOut">
               <a:rPr lang="en-US" smtClean="0"/>
-              <a:t>6/10/2023</a:t>
+              <a:t>6/12/23</a:t>
             </a:fld>
             <a:endParaRPr lang="en-US"/>
           </a:p>
@@ -4557,7 +4558,7 @@
             <a:fld id="{3F9AFA87-1417-4992-ABD9-27C3BC8CC883}" type="datetimeFigureOut">
               <a:rPr lang="en-US" smtClean="0"/>
               <a:pPr algn="r"/>
-              <a:t>6/10/2023</a:t>
+              <a:t>6/12/23</a:t>
             </a:fld>
             <a:endParaRPr lang="en-US" dirty="0"/>
           </a:p>
@@ -5210,7 +5211,7 @@
           <a:p>
             <a:pPr algn="l"/>
             <a:r>
-              <a:rPr lang="en-US" dirty="0"/>
+              <a:rPr lang="en-US" b="1" dirty="0"/>
               <a:t>Group 2</a:t>
             </a:r>
           </a:p>
@@ -5292,6 +5293,227 @@
 </file>
 
 <file path=ppt/slides/slide10.xml><?xml version="1.0" encoding="utf-8"?>
+<p:sld xmlns:a="http://schemas.openxmlformats.org/drawingml/2006/main" xmlns:r="http://schemas.openxmlformats.org/officeDocument/2006/relationships" xmlns:p="http://schemas.openxmlformats.org/presentationml/2006/main">
+  <p:cSld>
+    <p:spTree>
+      <p:nvGrpSpPr>
+        <p:cNvPr id="1" name=""/>
+        <p:cNvGrpSpPr/>
+        <p:nvPr/>
+      </p:nvGrpSpPr>
+      <p:grpSpPr>
+        <a:xfrm>
+          <a:off x="0" y="0"/>
+          <a:ext cx="0" cy="0"/>
+          <a:chOff x="0" y="0"/>
+          <a:chExt cx="0" cy="0"/>
+        </a:xfrm>
+      </p:grpSpPr>
+      <p:sp>
+        <p:nvSpPr>
+          <p:cNvPr id="2" name="Title 1">
+            <a:extLst>
+              <a:ext uri="{FF2B5EF4-FFF2-40B4-BE49-F238E27FC236}">
+                <a16:creationId xmlns:a16="http://schemas.microsoft.com/office/drawing/2014/main" id="{8BBDACE1-E5AB-4223-921C-AF6EC0CA2F39}"/>
+              </a:ext>
+            </a:extLst>
+          </p:cNvPr>
+          <p:cNvSpPr>
+            <a:spLocks noGrp="1"/>
+          </p:cNvSpPr>
+          <p:nvPr>
+            <p:ph type="title"/>
+          </p:nvPr>
+        </p:nvSpPr>
+        <p:spPr/>
+        <p:txBody>
+          <a:bodyPr/>
+          <a:lstStyle/>
+          <a:p>
+            <a:r>
+              <a:rPr lang="en-US" dirty="0"/>
+              <a:t>Random Forest</a:t>
+            </a:r>
+            <a:br>
+              <a:rPr lang="en-US" dirty="0"/>
+            </a:br>
+            <a:endParaRPr lang="en-US" dirty="0"/>
+          </a:p>
+        </p:txBody>
+      </p:sp>
+      <p:sp>
+        <p:nvSpPr>
+          <p:cNvPr id="3" name="Content Placeholder 2">
+            <a:extLst>
+              <a:ext uri="{FF2B5EF4-FFF2-40B4-BE49-F238E27FC236}">
+                <a16:creationId xmlns:a16="http://schemas.microsoft.com/office/drawing/2014/main" id="{51F736C5-640F-6BEC-23E2-BAB82E5FC071}"/>
+              </a:ext>
+            </a:extLst>
+          </p:cNvPr>
+          <p:cNvSpPr>
+            <a:spLocks noGrp="1"/>
+          </p:cNvSpPr>
+          <p:nvPr>
+            <p:ph sz="half" idx="1"/>
+          </p:nvPr>
+        </p:nvSpPr>
+        <p:spPr/>
+        <p:txBody>
+          <a:bodyPr/>
+          <a:lstStyle/>
+          <a:p>
+            <a:r>
+              <a:rPr lang="en-US" b="0" i="0" dirty="0">
+                <a:solidFill>
+                  <a:srgbClr val="202124"/>
+                </a:solidFill>
+                <a:effectLst/>
+                <a:latin typeface="Google Sans"/>
+              </a:rPr>
+              <a:t>Random Forest is used for both </a:t>
+            </a:r>
+            <a:r>
+              <a:rPr lang="en-US" b="0" i="0" dirty="0">
+                <a:solidFill>
+                  <a:srgbClr val="040C28"/>
+                </a:solidFill>
+                <a:effectLst/>
+                <a:latin typeface="Google Sans"/>
+              </a:rPr>
+              <a:t>classification and regression.</a:t>
+            </a:r>
+            <a:endParaRPr lang="en-US" dirty="0"/>
+          </a:p>
+        </p:txBody>
+      </p:sp>
+      <p:sp>
+        <p:nvSpPr>
+          <p:cNvPr id="4" name="Content Placeholder 3">
+            <a:extLst>
+              <a:ext uri="{FF2B5EF4-FFF2-40B4-BE49-F238E27FC236}">
+                <a16:creationId xmlns:a16="http://schemas.microsoft.com/office/drawing/2014/main" id="{04E087CF-F218-E966-D87A-6751A0724182}"/>
+              </a:ext>
+            </a:extLst>
+          </p:cNvPr>
+          <p:cNvSpPr>
+            <a:spLocks noGrp="1"/>
+          </p:cNvSpPr>
+          <p:nvPr>
+            <p:ph sz="half" idx="2"/>
+          </p:nvPr>
+        </p:nvSpPr>
+        <p:spPr/>
+        <p:txBody>
+          <a:bodyPr/>
+          <a:lstStyle/>
+          <a:p>
+            <a:endParaRPr lang="en-US" dirty="0"/>
+          </a:p>
+        </p:txBody>
+      </p:sp>
+      <p:pic>
+        <p:nvPicPr>
+          <p:cNvPr id="6" name="Picture 5">
+            <a:extLst>
+              <a:ext uri="{FF2B5EF4-FFF2-40B4-BE49-F238E27FC236}">
+                <a16:creationId xmlns:a16="http://schemas.microsoft.com/office/drawing/2014/main" id="{4E3110D7-787B-4A4D-F617-90D75B7F8C06}"/>
+              </a:ext>
+            </a:extLst>
+          </p:cNvPr>
+          <p:cNvPicPr>
+            <a:picLocks noChangeAspect="1"/>
+          </p:cNvPicPr>
+          <p:nvPr/>
+        </p:nvPicPr>
+        <p:blipFill>
+          <a:blip r:embed="rId2"/>
+          <a:stretch>
+            <a:fillRect/>
+          </a:stretch>
+        </p:blipFill>
+        <p:spPr>
+          <a:xfrm>
+            <a:off x="6384311" y="2953862"/>
+            <a:ext cx="4239217" cy="3172268"/>
+          </a:xfrm>
+          <a:prstGeom prst="rect">
+            <a:avLst/>
+          </a:prstGeom>
+        </p:spPr>
+      </p:pic>
+      <p:pic>
+        <p:nvPicPr>
+          <p:cNvPr id="9" name="Picture 8">
+            <a:extLst>
+              <a:ext uri="{FF2B5EF4-FFF2-40B4-BE49-F238E27FC236}">
+                <a16:creationId xmlns:a16="http://schemas.microsoft.com/office/drawing/2014/main" id="{EB37A413-F775-8B53-F0FE-480AF7220D8B}"/>
+              </a:ext>
+            </a:extLst>
+          </p:cNvPr>
+          <p:cNvPicPr>
+            <a:picLocks noChangeAspect="1"/>
+          </p:cNvPicPr>
+          <p:nvPr/>
+        </p:nvPicPr>
+        <p:blipFill>
+          <a:blip r:embed="rId3"/>
+          <a:stretch>
+            <a:fillRect/>
+          </a:stretch>
+        </p:blipFill>
+        <p:spPr>
+          <a:xfrm>
+            <a:off x="7378844" y="1149455"/>
+            <a:ext cx="2809875" cy="1628775"/>
+          </a:xfrm>
+          <a:prstGeom prst="rect">
+            <a:avLst/>
+          </a:prstGeom>
+        </p:spPr>
+      </p:pic>
+      <p:pic>
+        <p:nvPicPr>
+          <p:cNvPr id="10" name="Picture 9">
+            <a:extLst>
+              <a:ext uri="{FF2B5EF4-FFF2-40B4-BE49-F238E27FC236}">
+                <a16:creationId xmlns:a16="http://schemas.microsoft.com/office/drawing/2014/main" id="{31FA9C0E-4779-C89D-B46B-2C34DA48A85A}"/>
+              </a:ext>
+            </a:extLst>
+          </p:cNvPr>
+          <p:cNvPicPr>
+            <a:picLocks noChangeAspect="1"/>
+          </p:cNvPicPr>
+          <p:nvPr/>
+        </p:nvPicPr>
+        <p:blipFill rotWithShape="1">
+          <a:blip r:embed="rId4"/>
+          <a:srcRect r="10312"/>
+          <a:stretch/>
+        </p:blipFill>
+        <p:spPr>
+          <a:xfrm>
+            <a:off x="1442201" y="4323162"/>
+            <a:ext cx="4628515" cy="2033867"/>
+          </a:xfrm>
+          <a:prstGeom prst="rect">
+            <a:avLst/>
+          </a:prstGeom>
+        </p:spPr>
+      </p:pic>
+    </p:spTree>
+    <p:extLst>
+      <p:ext uri="{BB962C8B-B14F-4D97-AF65-F5344CB8AC3E}">
+        <p14:creationId xmlns:p14="http://schemas.microsoft.com/office/powerpoint/2010/main" val="1352397419"/>
+      </p:ext>
+    </p:extLst>
+  </p:cSld>
+  <p:clrMapOvr>
+    <a:masterClrMapping/>
+  </p:clrMapOvr>
+</p:sld>
+</file>
+
+<file path=ppt/slides/slide11.xml><?xml version="1.0" encoding="utf-8"?>
 <p:sld xmlns:a="http://schemas.openxmlformats.org/drawingml/2006/main" xmlns:r="http://schemas.openxmlformats.org/officeDocument/2006/relationships" xmlns:p="http://schemas.openxmlformats.org/presentationml/2006/main">
   <p:cSld>
     <p:bg>
@@ -5823,7 +6045,7 @@
 </p:sld>
 </file>
 
-<file path=ppt/slides/slide11.xml><?xml version="1.0" encoding="utf-8"?>
+<file path=ppt/slides/slide12.xml><?xml version="1.0" encoding="utf-8"?>
 <p:sld xmlns:a="http://schemas.openxmlformats.org/drawingml/2006/main" xmlns:r="http://schemas.openxmlformats.org/officeDocument/2006/relationships" xmlns:p="http://schemas.openxmlformats.org/presentationml/2006/main">
   <p:cSld>
     <p:spTree>
@@ -6024,7 +6246,7 @@
 </p:sld>
 </file>
 
-<file path=ppt/slides/slide12.xml><?xml version="1.0" encoding="utf-8"?>
+<file path=ppt/slides/slide13.xml><?xml version="1.0" encoding="utf-8"?>
 <p:sld xmlns:a="http://schemas.openxmlformats.org/drawingml/2006/main" xmlns:r="http://schemas.openxmlformats.org/officeDocument/2006/relationships" xmlns:p="http://schemas.openxmlformats.org/presentationml/2006/main">
   <p:cSld>
     <p:bg>
@@ -6709,7 +6931,7 @@
 </p:sld>
 </file>
 
-<file path=ppt/slides/slide13.xml><?xml version="1.0" encoding="utf-8"?>
+<file path=ppt/slides/slide14.xml><?xml version="1.0" encoding="utf-8"?>
 <p:sld xmlns:a="http://schemas.openxmlformats.org/drawingml/2006/main" xmlns:r="http://schemas.openxmlformats.org/officeDocument/2006/relationships" xmlns:p="http://schemas.openxmlformats.org/presentationml/2006/main">
   <p:cSld>
     <p:spTree>
@@ -6935,7 +7157,7 @@
 </p:sld>
 </file>
 
-<file path=ppt/slides/slide14.xml><?xml version="1.0" encoding="utf-8"?>
+<file path=ppt/slides/slide15.xml><?xml version="1.0" encoding="utf-8"?>
 <p:sld xmlns:a="http://schemas.openxmlformats.org/drawingml/2006/main" xmlns:r="http://schemas.openxmlformats.org/officeDocument/2006/relationships" xmlns:p="http://schemas.openxmlformats.org/presentationml/2006/main">
   <p:cSld>
     <p:bg>
@@ -7115,8 +7337,8 @@
         </p:nvSpPr>
         <p:spPr>
           <a:xfrm>
-            <a:off x="6096000" y="1136073"/>
-            <a:ext cx="5160347" cy="4969451"/>
+            <a:off x="4450080" y="1940560"/>
+            <a:ext cx="6724987" cy="4368164"/>
           </a:xfrm>
         </p:spPr>
         <p:txBody>
@@ -7126,15 +7348,6 @@
           <a:lstStyle/>
           <a:p>
             <a:pPr algn="l"/>
-            <a:br>
-              <a:rPr lang="en-US" sz="2000" b="1" i="0" dirty="0">
-                <a:solidFill>
-                  <a:srgbClr val="333333"/>
-                </a:solidFill>
-                <a:effectLst/>
-                <a:latin typeface="Open Sans Semibold" panose="020B0706030804020204" pitchFamily="34" charset="0"/>
-              </a:rPr>
-            </a:br>
             <a:r>
               <a:rPr lang="en-US" sz="2000" b="0" i="0" dirty="0">
                 <a:solidFill>
@@ -7318,7 +7531,7 @@
               </a:rPr>
             </a:br>
             <a:br>
-              <a:rPr lang="en-US" sz="2400" b="0" i="0" dirty="0">
+              <a:rPr lang="en-US" sz="1000" b="0" i="0" dirty="0">
                 <a:solidFill>
                   <a:srgbClr val="000000"/>
                 </a:solidFill>
@@ -7363,14 +7576,68 @@
         </p:blipFill>
         <p:spPr>
           <a:xfrm>
-            <a:off x="0" y="10"/>
-            <a:ext cx="5404493" cy="6857990"/>
+            <a:off x="1016933" y="2154201"/>
+            <a:ext cx="3169919" cy="4022443"/>
           </a:xfrm>
           <a:prstGeom prst="rect">
             <a:avLst/>
           </a:prstGeom>
         </p:spPr>
       </p:pic>
+      <p:sp>
+        <p:nvSpPr>
+          <p:cNvPr id="3" name="Title 1">
+            <a:extLst>
+              <a:ext uri="{FF2B5EF4-FFF2-40B4-BE49-F238E27FC236}">
+                <a16:creationId xmlns:a16="http://schemas.microsoft.com/office/drawing/2014/main" id="{6D879261-B2E9-ECC4-9786-005031D6B1A3}"/>
+              </a:ext>
+            </a:extLst>
+          </p:cNvPr>
+          <p:cNvSpPr txBox="1">
+            <a:spLocks/>
+          </p:cNvSpPr>
+          <p:nvPr/>
+        </p:nvSpPr>
+        <p:spPr>
+          <a:xfrm>
+            <a:off x="1524000" y="1268476"/>
+            <a:ext cx="9144000" cy="1344168"/>
+          </a:xfrm>
+          <a:prstGeom prst="rect">
+            <a:avLst/>
+          </a:prstGeom>
+        </p:spPr>
+        <p:txBody>
+          <a:bodyPr vert="horz" lIns="91440" tIns="45720" rIns="91440" bIns="45720" rtlCol="0" anchor="t">
+            <a:normAutofit/>
+          </a:bodyPr>
+          <a:lstStyle>
+            <a:lvl1pPr algn="l" defTabSz="914400" rtl="0" eaLnBrk="1" latinLnBrk="0" hangingPunct="1">
+              <a:lnSpc>
+                <a:spcPct val="95000"/>
+              </a:lnSpc>
+              <a:spcBef>
+                <a:spcPct val="0"/>
+              </a:spcBef>
+              <a:buNone/>
+              <a:defRPr sz="4200" kern="1200" spc="-50" baseline="0">
+                <a:solidFill>
+                  <a:schemeClr val="tx1"/>
+                </a:solidFill>
+                <a:latin typeface="+mj-lt"/>
+                <a:ea typeface="+mj-ea"/>
+                <a:cs typeface="+mj-cs"/>
+              </a:defRPr>
+            </a:lvl1pPr>
+          </a:lstStyle>
+          <a:p>
+            <a:r>
+              <a:rPr lang="en-US" dirty="0"/>
+              <a:t>Why Heart Disease</a:t>
+            </a:r>
+          </a:p>
+        </p:txBody>
+      </p:sp>
     </p:spTree>
     <p:extLst>
       <p:ext uri="{BB962C8B-B14F-4D97-AF65-F5344CB8AC3E}">
@@ -7424,7 +7691,7 @@
           <a:p>
             <a:r>
               <a:rPr lang="en-US" dirty="0"/>
-              <a:t>The process of using Machine Learning to Predict Heart Disease</a:t>
+              <a:t>The Process of using Machine Learning to Predict Heart Disease</a:t>
             </a:r>
           </a:p>
         </p:txBody>
@@ -7460,19 +7727,19 @@
           <a:p>
             <a:r>
               <a:rPr lang="en-US" dirty="0"/>
-              <a:t>Exploratory data analysis to understand different factors and relationships to features and heart disease</a:t>
+              <a:t>Conducted exploratory data analysis to try to understand dataset, different factors and relationships</a:t>
             </a:r>
           </a:p>
           <a:p>
             <a:r>
               <a:rPr lang="en-US" dirty="0"/>
-              <a:t>Created Machine Learning models to Predict Heart Disease</a:t>
+              <a:t>Created machine learning models to predict heart disease</a:t>
             </a:r>
           </a:p>
           <a:p>
             <a:r>
               <a:rPr lang="en-US" dirty="0"/>
-              <a:t>A look at the results of Predicting Heart Disease</a:t>
+              <a:t>Looked at the results and made recommendations</a:t>
             </a:r>
           </a:p>
         </p:txBody>
@@ -7491,6 +7758,1219 @@
 </file>
 
 <file path=ppt/slides/slide4.xml><?xml version="1.0" encoding="utf-8"?>
+<p:sld xmlns:a="http://schemas.openxmlformats.org/drawingml/2006/main" xmlns:r="http://schemas.openxmlformats.org/officeDocument/2006/relationships" xmlns:p="http://schemas.openxmlformats.org/presentationml/2006/main">
+  <p:cSld>
+    <p:spTree>
+      <p:nvGrpSpPr>
+        <p:cNvPr id="1" name=""/>
+        <p:cNvGrpSpPr/>
+        <p:nvPr/>
+      </p:nvGrpSpPr>
+      <p:grpSpPr>
+        <a:xfrm>
+          <a:off x="0" y="0"/>
+          <a:ext cx="0" cy="0"/>
+          <a:chOff x="0" y="0"/>
+          <a:chExt cx="0" cy="0"/>
+        </a:xfrm>
+      </p:grpSpPr>
+      <p:sp>
+        <p:nvSpPr>
+          <p:cNvPr id="2" name="Title 1">
+            <a:extLst>
+              <a:ext uri="{FF2B5EF4-FFF2-40B4-BE49-F238E27FC236}">
+                <a16:creationId xmlns:a16="http://schemas.microsoft.com/office/drawing/2014/main" id="{F4F8D6CA-5C78-605B-7F0F-29EF15D3011B}"/>
+              </a:ext>
+            </a:extLst>
+          </p:cNvPr>
+          <p:cNvSpPr>
+            <a:spLocks noGrp="1"/>
+          </p:cNvSpPr>
+          <p:nvPr>
+            <p:ph type="title"/>
+          </p:nvPr>
+        </p:nvSpPr>
+        <p:spPr/>
+        <p:txBody>
+          <a:bodyPr/>
+          <a:lstStyle/>
+          <a:p>
+            <a:r>
+              <a:rPr lang="en-US" dirty="0"/>
+              <a:t>The Dataset</a:t>
+            </a:r>
+          </a:p>
+        </p:txBody>
+      </p:sp>
+      <p:sp>
+        <p:nvSpPr>
+          <p:cNvPr id="3" name="Content Placeholder 2">
+            <a:extLst>
+              <a:ext uri="{FF2B5EF4-FFF2-40B4-BE49-F238E27FC236}">
+                <a16:creationId xmlns:a16="http://schemas.microsoft.com/office/drawing/2014/main" id="{04A2224F-7CCC-C791-B6A9-BE1C2A0882CB}"/>
+              </a:ext>
+            </a:extLst>
+          </p:cNvPr>
+          <p:cNvSpPr>
+            <a:spLocks noGrp="1"/>
+          </p:cNvSpPr>
+          <p:nvPr>
+            <p:ph idx="1"/>
+          </p:nvPr>
+        </p:nvSpPr>
+        <p:spPr>
+          <a:xfrm>
+            <a:off x="1517904" y="2387600"/>
+            <a:ext cx="9144000" cy="3711448"/>
+          </a:xfrm>
+        </p:spPr>
+        <p:txBody>
+          <a:bodyPr>
+            <a:normAutofit/>
+          </a:bodyPr>
+          <a:lstStyle/>
+          <a:p>
+            <a:r>
+              <a:rPr lang="en-US" dirty="0"/>
+              <a:t>Found on </a:t>
+            </a:r>
+            <a:r>
+              <a:rPr lang="en-US" dirty="0" err="1"/>
+              <a:t>Kaggle.com</a:t>
+            </a:r>
+            <a:r>
+              <a:rPr lang="en-US" dirty="0"/>
+              <a:t> </a:t>
+            </a:r>
+            <a:r>
+              <a:rPr lang="en-US" sz="1800" dirty="0">
+                <a:hlinkClick r:id="rId2"/>
+              </a:rPr>
+              <a:t>https://www.kaggle.com/datasets/johnsmith88/heart-disease-dataset</a:t>
+            </a:r>
+            <a:r>
+              <a:rPr lang="en-US" sz="1800" dirty="0"/>
+              <a:t> </a:t>
+            </a:r>
+          </a:p>
+          <a:p>
+            <a:r>
+              <a:rPr lang="en-US" dirty="0"/>
+              <a:t>Citation </a:t>
+            </a:r>
+            <a:r>
+              <a:rPr lang="en-US" sz="1900" dirty="0" err="1"/>
+              <a:t>Janosi,Andras</a:t>
+            </a:r>
+            <a:r>
+              <a:rPr lang="en-US" sz="1900" dirty="0"/>
+              <a:t>, </a:t>
+            </a:r>
+            <a:r>
+              <a:rPr lang="en-US" sz="1900" dirty="0" err="1"/>
+              <a:t>Steinbrunn,William</a:t>
+            </a:r>
+            <a:r>
+              <a:rPr lang="en-US" sz="1900" dirty="0"/>
+              <a:t>, </a:t>
+            </a:r>
+            <a:r>
+              <a:rPr lang="en-US" sz="1900" dirty="0" err="1"/>
+              <a:t>Pfisterer,Matthias</a:t>
+            </a:r>
+            <a:r>
+              <a:rPr lang="en-US" sz="1900" dirty="0"/>
+              <a:t>, and </a:t>
+            </a:r>
+            <a:r>
+              <a:rPr lang="en-US" sz="1900" dirty="0" err="1"/>
+              <a:t>Detrano,Robert</a:t>
+            </a:r>
+            <a:r>
+              <a:rPr lang="en-US" sz="1900" dirty="0"/>
+              <a:t>. (1988). Heart Disease. UCI Machine Learning Repository. </a:t>
+            </a:r>
+            <a:r>
+              <a:rPr lang="en-US" sz="1900" dirty="0">
+                <a:hlinkClick r:id="rId3"/>
+              </a:rPr>
+              <a:t>https://doi.org/10.24432/C52P4X</a:t>
+            </a:r>
+            <a:r>
+              <a:rPr lang="en-US" sz="1900" dirty="0"/>
+              <a:t> </a:t>
+            </a:r>
+          </a:p>
+          <a:p>
+            <a:r>
+              <a:rPr lang="en-US" dirty="0"/>
+              <a:t>Donated June 1988. Names and SSNs removed later.</a:t>
+            </a:r>
+          </a:p>
+          <a:p>
+            <a:r>
+              <a:rPr lang="en-US" dirty="0"/>
+              <a:t>Data from Cleveland – 14 attributes</a:t>
+            </a:r>
+          </a:p>
+          <a:p>
+            <a:endParaRPr lang="en-US" dirty="0"/>
+          </a:p>
+        </p:txBody>
+      </p:sp>
+    </p:spTree>
+    <p:extLst>
+      <p:ext uri="{BB962C8B-B14F-4D97-AF65-F5344CB8AC3E}">
+        <p14:creationId xmlns:p14="http://schemas.microsoft.com/office/powerpoint/2010/main" val="1379893333"/>
+      </p:ext>
+    </p:extLst>
+  </p:cSld>
+  <p:clrMapOvr>
+    <a:masterClrMapping/>
+  </p:clrMapOvr>
+</p:sld>
+</file>
+
+<file path=ppt/slides/slide5.xml><?xml version="1.0" encoding="utf-8"?>
+<p:sld xmlns:a="http://schemas.openxmlformats.org/drawingml/2006/main" xmlns:r="http://schemas.openxmlformats.org/officeDocument/2006/relationships" xmlns:p="http://schemas.openxmlformats.org/presentationml/2006/main">
+  <p:cSld>
+    <p:spTree>
+      <p:nvGrpSpPr>
+        <p:cNvPr id="1" name=""/>
+        <p:cNvGrpSpPr/>
+        <p:nvPr/>
+      </p:nvGrpSpPr>
+      <p:grpSpPr>
+        <a:xfrm>
+          <a:off x="0" y="0"/>
+          <a:ext cx="0" cy="0"/>
+          <a:chOff x="0" y="0"/>
+          <a:chExt cx="0" cy="0"/>
+        </a:xfrm>
+      </p:grpSpPr>
+      <p:sp>
+        <p:nvSpPr>
+          <p:cNvPr id="2" name="Title 1">
+            <a:extLst>
+              <a:ext uri="{FF2B5EF4-FFF2-40B4-BE49-F238E27FC236}">
+                <a16:creationId xmlns:a16="http://schemas.microsoft.com/office/drawing/2014/main" id="{F4F8D6CA-5C78-605B-7F0F-29EF15D3011B}"/>
+              </a:ext>
+            </a:extLst>
+          </p:cNvPr>
+          <p:cNvSpPr>
+            <a:spLocks noGrp="1"/>
+          </p:cNvSpPr>
+          <p:nvPr>
+            <p:ph type="title"/>
+          </p:nvPr>
+        </p:nvSpPr>
+        <p:spPr>
+          <a:xfrm>
+            <a:off x="1524000" y="718312"/>
+            <a:ext cx="9144000" cy="1344168"/>
+          </a:xfrm>
+        </p:spPr>
+        <p:txBody>
+          <a:bodyPr/>
+          <a:lstStyle/>
+          <a:p>
+            <a:r>
+              <a:rPr lang="en-US" dirty="0"/>
+              <a:t>The Dataset Attributes</a:t>
+            </a:r>
+          </a:p>
+        </p:txBody>
+      </p:sp>
+      <p:sp>
+        <p:nvSpPr>
+          <p:cNvPr id="3" name="Content Placeholder 2">
+            <a:extLst>
+              <a:ext uri="{FF2B5EF4-FFF2-40B4-BE49-F238E27FC236}">
+                <a16:creationId xmlns:a16="http://schemas.microsoft.com/office/drawing/2014/main" id="{04A2224F-7CCC-C791-B6A9-BE1C2A0882CB}"/>
+              </a:ext>
+            </a:extLst>
+          </p:cNvPr>
+          <p:cNvSpPr>
+            <a:spLocks noGrp="1"/>
+          </p:cNvSpPr>
+          <p:nvPr>
+            <p:ph idx="1"/>
+          </p:nvPr>
+        </p:nvSpPr>
+        <p:spPr>
+          <a:xfrm>
+            <a:off x="1198880" y="1390396"/>
+            <a:ext cx="10261600" cy="4968240"/>
+          </a:xfrm>
+        </p:spPr>
+        <p:txBody>
+          <a:bodyPr>
+            <a:noAutofit/>
+          </a:bodyPr>
+          <a:lstStyle/>
+          <a:p>
+            <a:pPr marL="342900" marR="0" lvl="0" indent="-342900" algn="l" defTabSz="736066" rtl="0" eaLnBrk="1" fontAlgn="auto" latinLnBrk="0" hangingPunct="1">
+              <a:lnSpc>
+                <a:spcPct val="100000"/>
+              </a:lnSpc>
+              <a:spcBef>
+                <a:spcPts val="0"/>
+              </a:spcBef>
+              <a:spcAft>
+                <a:spcPts val="653"/>
+              </a:spcAft>
+              <a:buClrTx/>
+              <a:buSzTx/>
+              <a:buFont typeface="+mj-lt"/>
+              <a:buAutoNum type="arabicPeriod"/>
+              <a:tabLst/>
+              <a:defRPr/>
+            </a:pPr>
+            <a:r>
+              <a:rPr lang="en-US" sz="1600" b="1" dirty="0">
+                <a:solidFill>
+                  <a:srgbClr val="000000"/>
+                </a:solidFill>
+                <a:latin typeface="Avenir Next LT Pro"/>
+              </a:rPr>
+              <a:t>Age</a:t>
+            </a:r>
+            <a:r>
+              <a:rPr lang="en-US" sz="1600" dirty="0">
+                <a:solidFill>
+                  <a:srgbClr val="000000"/>
+                </a:solidFill>
+                <a:latin typeface="Avenir Next LT Pro"/>
+              </a:rPr>
+              <a:t> in years</a:t>
+            </a:r>
+            <a:endParaRPr kumimoji="0" lang="en-US" sz="1600" b="0" i="0" u="none" strike="noStrike" kern="1200" cap="none" spc="0" normalizeH="0" baseline="0" noProof="0" dirty="0">
+              <a:ln>
+                <a:noFill/>
+              </a:ln>
+              <a:solidFill>
+                <a:srgbClr val="000000"/>
+              </a:solidFill>
+              <a:effectLst/>
+              <a:uLnTx/>
+              <a:uFillTx/>
+              <a:latin typeface="Avenir Next LT Pro"/>
+              <a:ea typeface="+mn-ea"/>
+              <a:cs typeface="+mn-cs"/>
+            </a:endParaRPr>
+          </a:p>
+          <a:p>
+            <a:pPr marL="342900" indent="-342900" defTabSz="736066">
+              <a:lnSpc>
+                <a:spcPct val="100000"/>
+              </a:lnSpc>
+              <a:spcBef>
+                <a:spcPts val="0"/>
+              </a:spcBef>
+              <a:spcAft>
+                <a:spcPts val="653"/>
+              </a:spcAft>
+              <a:buClrTx/>
+              <a:buFont typeface="+mj-lt"/>
+              <a:buAutoNum type="arabicPeriod"/>
+              <a:defRPr/>
+            </a:pPr>
+            <a:r>
+              <a:rPr lang="en-US" sz="1600" b="1" dirty="0">
+                <a:solidFill>
+                  <a:srgbClr val="000000"/>
+                </a:solidFill>
+                <a:latin typeface="Avenir Next LT Pro"/>
+              </a:rPr>
+              <a:t>S</a:t>
+            </a:r>
+            <a:r>
+              <a:rPr kumimoji="0" lang="en-US" sz="1600" b="1" i="0" u="none" strike="noStrike" kern="1200" cap="none" spc="0" normalizeH="0" baseline="0" noProof="0" dirty="0">
+                <a:ln>
+                  <a:noFill/>
+                </a:ln>
+                <a:solidFill>
+                  <a:srgbClr val="000000"/>
+                </a:solidFill>
+                <a:effectLst/>
+                <a:uLnTx/>
+                <a:uFillTx/>
+                <a:latin typeface="Avenir Next LT Pro"/>
+                <a:ea typeface="+mn-ea"/>
+                <a:cs typeface="+mn-cs"/>
+              </a:rPr>
+              <a:t>ex</a:t>
+            </a:r>
+            <a:r>
+              <a:rPr kumimoji="0" lang="en-US" sz="1600" b="0" i="0" u="none" strike="noStrike" kern="1200" cap="none" spc="0" normalizeH="0" baseline="0" noProof="0" dirty="0">
+                <a:ln>
+                  <a:noFill/>
+                </a:ln>
+                <a:solidFill>
+                  <a:srgbClr val="000000"/>
+                </a:solidFill>
+                <a:effectLst/>
+                <a:uLnTx/>
+                <a:uFillTx/>
+                <a:latin typeface="Avenir Next LT Pro"/>
+                <a:ea typeface="+mn-ea"/>
+                <a:cs typeface="+mn-cs"/>
+              </a:rPr>
+              <a:t> (1 = male, 0 = female)</a:t>
+            </a:r>
+          </a:p>
+          <a:p>
+            <a:pPr marL="342900" marR="0" lvl="0" indent="-342900" algn="l" defTabSz="736066" rtl="0" eaLnBrk="1" fontAlgn="auto" latinLnBrk="0" hangingPunct="1">
+              <a:lnSpc>
+                <a:spcPct val="100000"/>
+              </a:lnSpc>
+              <a:spcBef>
+                <a:spcPts val="0"/>
+              </a:spcBef>
+              <a:spcAft>
+                <a:spcPts val="653"/>
+              </a:spcAft>
+              <a:buClrTx/>
+              <a:buSzTx/>
+              <a:buFont typeface="+mj-lt"/>
+              <a:buAutoNum type="arabicPeriod"/>
+              <a:tabLst/>
+              <a:defRPr/>
+            </a:pPr>
+            <a:r>
+              <a:rPr lang="en-US" sz="1600" b="1" dirty="0">
+                <a:solidFill>
+                  <a:srgbClr val="000000"/>
+                </a:solidFill>
+                <a:latin typeface="Avenir Next LT Pro"/>
+              </a:rPr>
+              <a:t>Chest</a:t>
+            </a:r>
+            <a:r>
+              <a:rPr kumimoji="0" lang="en-US" sz="1600" b="1" i="0" u="none" strike="noStrike" kern="1200" cap="none" spc="0" normalizeH="0" baseline="0" noProof="0" dirty="0">
+                <a:ln>
+                  <a:noFill/>
+                </a:ln>
+                <a:solidFill>
+                  <a:srgbClr val="000000"/>
+                </a:solidFill>
+                <a:effectLst/>
+                <a:uLnTx/>
+                <a:uFillTx/>
+                <a:latin typeface="Avenir Next LT Pro"/>
+                <a:ea typeface="+mn-ea"/>
+                <a:cs typeface="+mn-cs"/>
+              </a:rPr>
+              <a:t> pain type </a:t>
+            </a:r>
+            <a:r>
+              <a:rPr kumimoji="0" lang="en-US" sz="1600" b="0" i="0" u="none" strike="noStrike" kern="1200" cap="none" spc="0" normalizeH="0" baseline="0" noProof="0" dirty="0">
+                <a:ln>
+                  <a:noFill/>
+                </a:ln>
+                <a:solidFill>
+                  <a:srgbClr val="000000"/>
+                </a:solidFill>
+                <a:effectLst/>
+                <a:uLnTx/>
+                <a:uFillTx/>
+                <a:latin typeface="Avenir Next LT Pro"/>
+                <a:ea typeface="+mn-ea"/>
+                <a:cs typeface="+mn-cs"/>
+              </a:rPr>
+              <a:t>(1</a:t>
+            </a:r>
+            <a:r>
+              <a:rPr lang="en-US" sz="1600" dirty="0">
+                <a:solidFill>
+                  <a:srgbClr val="000000"/>
+                </a:solidFill>
+                <a:latin typeface="Avenir Next LT Pro"/>
+              </a:rPr>
+              <a:t> =</a:t>
+            </a:r>
+            <a:r>
+              <a:rPr kumimoji="0" lang="en-US" sz="1600" b="0" i="0" u="none" strike="noStrike" kern="1200" cap="none" spc="0" normalizeH="0" baseline="0" noProof="0" dirty="0">
+                <a:ln>
+                  <a:noFill/>
+                </a:ln>
+                <a:solidFill>
+                  <a:srgbClr val="000000"/>
+                </a:solidFill>
+                <a:effectLst/>
+                <a:uLnTx/>
+                <a:uFillTx/>
+                <a:latin typeface="Avenir Next LT Pro"/>
+                <a:ea typeface="+mn-ea"/>
+                <a:cs typeface="+mn-cs"/>
+              </a:rPr>
+              <a:t> typical angina, 2 = atypical angina, 3 = non-anginal pain, 4 = asymptomatic)</a:t>
+            </a:r>
+          </a:p>
+          <a:p>
+            <a:pPr marL="342900" indent="-342900" defTabSz="736066">
+              <a:lnSpc>
+                <a:spcPct val="100000"/>
+              </a:lnSpc>
+              <a:spcBef>
+                <a:spcPts val="0"/>
+              </a:spcBef>
+              <a:spcAft>
+                <a:spcPts val="653"/>
+              </a:spcAft>
+              <a:buClrTx/>
+              <a:buFont typeface="+mj-lt"/>
+              <a:buAutoNum type="arabicPeriod"/>
+              <a:defRPr/>
+            </a:pPr>
+            <a:r>
+              <a:rPr lang="en-US" sz="1600" b="1" dirty="0">
+                <a:solidFill>
+                  <a:srgbClr val="000000"/>
+                </a:solidFill>
+                <a:latin typeface="Avenir Next LT Pro"/>
+              </a:rPr>
+              <a:t>Resting</a:t>
+            </a:r>
+            <a:r>
+              <a:rPr kumimoji="0" lang="en-US" sz="1600" b="1" i="0" u="none" strike="noStrike" kern="1200" cap="none" spc="0" normalizeH="0" baseline="0" noProof="0" dirty="0">
+                <a:ln>
+                  <a:noFill/>
+                </a:ln>
+                <a:solidFill>
+                  <a:srgbClr val="000000"/>
+                </a:solidFill>
+                <a:effectLst/>
+                <a:uLnTx/>
+                <a:uFillTx/>
+                <a:latin typeface="Avenir Next LT Pro"/>
+                <a:ea typeface="+mn-ea"/>
+                <a:cs typeface="+mn-cs"/>
+              </a:rPr>
+              <a:t> blood pressure </a:t>
+            </a:r>
+            <a:r>
+              <a:rPr kumimoji="0" lang="en-US" sz="1600" b="0" i="0" u="none" strike="noStrike" kern="1200" cap="none" spc="0" normalizeH="0" baseline="0" noProof="0" dirty="0">
+                <a:ln>
+                  <a:noFill/>
+                </a:ln>
+                <a:solidFill>
+                  <a:srgbClr val="000000"/>
+                </a:solidFill>
+                <a:effectLst/>
+                <a:uLnTx/>
+                <a:uFillTx/>
+                <a:latin typeface="Avenir Next LT Pro"/>
+                <a:ea typeface="+mn-ea"/>
+                <a:cs typeface="+mn-cs"/>
+              </a:rPr>
+              <a:t>(in mm Hg on admission to the hospital)</a:t>
+            </a:r>
+          </a:p>
+          <a:p>
+            <a:pPr marL="342900" marR="0" lvl="0" indent="-342900" algn="l" defTabSz="736066" rtl="0" eaLnBrk="1" fontAlgn="auto" latinLnBrk="0" hangingPunct="1">
+              <a:lnSpc>
+                <a:spcPct val="100000"/>
+              </a:lnSpc>
+              <a:spcBef>
+                <a:spcPts val="0"/>
+              </a:spcBef>
+              <a:spcAft>
+                <a:spcPts val="653"/>
+              </a:spcAft>
+              <a:buClrTx/>
+              <a:buSzTx/>
+              <a:buFont typeface="+mj-lt"/>
+              <a:buAutoNum type="arabicPeriod"/>
+              <a:tabLst/>
+              <a:defRPr/>
+            </a:pPr>
+            <a:r>
+              <a:rPr lang="en-US" sz="1600" b="1" dirty="0">
+                <a:solidFill>
+                  <a:srgbClr val="000000"/>
+                </a:solidFill>
+                <a:latin typeface="Avenir Next LT Pro"/>
+              </a:rPr>
+              <a:t>Serum</a:t>
+            </a:r>
+            <a:r>
+              <a:rPr kumimoji="0" lang="en-US" sz="1600" b="1" i="0" u="none" strike="noStrike" kern="1200" cap="none" spc="0" normalizeH="0" baseline="0" noProof="0" dirty="0">
+                <a:ln>
+                  <a:noFill/>
+                </a:ln>
+                <a:solidFill>
+                  <a:srgbClr val="000000"/>
+                </a:solidFill>
+                <a:effectLst/>
+                <a:uLnTx/>
+                <a:uFillTx/>
+                <a:latin typeface="Avenir Next LT Pro"/>
+                <a:ea typeface="+mn-ea"/>
+                <a:cs typeface="+mn-cs"/>
+              </a:rPr>
+              <a:t> cholesterol </a:t>
+            </a:r>
+            <a:r>
+              <a:rPr kumimoji="0" lang="en-US" sz="1600" b="0" i="0" u="none" strike="noStrike" kern="1200" cap="none" spc="0" normalizeH="0" baseline="0" noProof="0" dirty="0">
+                <a:ln>
+                  <a:noFill/>
+                </a:ln>
+                <a:solidFill>
+                  <a:srgbClr val="000000"/>
+                </a:solidFill>
+                <a:effectLst/>
+                <a:uLnTx/>
+                <a:uFillTx/>
+                <a:latin typeface="Avenir Next LT Pro"/>
+                <a:ea typeface="+mn-ea"/>
+                <a:cs typeface="+mn-cs"/>
+              </a:rPr>
+              <a:t>in mg/dl</a:t>
+            </a:r>
+          </a:p>
+          <a:p>
+            <a:pPr marL="342900" indent="-342900" defTabSz="736066">
+              <a:lnSpc>
+                <a:spcPct val="100000"/>
+              </a:lnSpc>
+              <a:spcBef>
+                <a:spcPts val="0"/>
+              </a:spcBef>
+              <a:spcAft>
+                <a:spcPts val="653"/>
+              </a:spcAft>
+              <a:buClrTx/>
+              <a:buFont typeface="+mj-lt"/>
+              <a:buAutoNum type="arabicPeriod"/>
+              <a:defRPr/>
+            </a:pPr>
+            <a:r>
+              <a:rPr lang="en-US" sz="1600" b="1" dirty="0">
+                <a:solidFill>
+                  <a:srgbClr val="000000"/>
+                </a:solidFill>
+                <a:latin typeface="Avenir Next LT Pro"/>
+              </a:rPr>
+              <a:t>Fasting</a:t>
+            </a:r>
+            <a:r>
+              <a:rPr kumimoji="0" lang="en-US" sz="1600" b="1" i="0" u="none" strike="noStrike" kern="1200" cap="none" spc="0" normalizeH="0" baseline="0" noProof="0" dirty="0">
+                <a:ln>
+                  <a:noFill/>
+                </a:ln>
+                <a:solidFill>
+                  <a:srgbClr val="000000"/>
+                </a:solidFill>
+                <a:effectLst/>
+                <a:uLnTx/>
+                <a:uFillTx/>
+                <a:latin typeface="Avenir Next LT Pro"/>
+                <a:ea typeface="+mn-ea"/>
+                <a:cs typeface="+mn-cs"/>
+              </a:rPr>
+              <a:t> blood sugar </a:t>
+            </a:r>
+            <a:r>
+              <a:rPr kumimoji="0" lang="en-US" sz="1600" b="0" i="0" u="none" strike="noStrike" kern="1200" cap="none" spc="0" normalizeH="0" baseline="0" noProof="0" dirty="0">
+                <a:ln>
+                  <a:noFill/>
+                </a:ln>
+                <a:solidFill>
+                  <a:srgbClr val="000000"/>
+                </a:solidFill>
+                <a:effectLst/>
+                <a:uLnTx/>
+                <a:uFillTx/>
+                <a:latin typeface="Avenir Next LT Pro"/>
+                <a:ea typeface="+mn-ea"/>
+                <a:cs typeface="+mn-cs"/>
+              </a:rPr>
+              <a:t>&gt; 120 mg/dl (1 = true, 0 = false)</a:t>
+            </a:r>
+          </a:p>
+          <a:p>
+            <a:pPr marL="342900" indent="-342900" defTabSz="736066">
+              <a:lnSpc>
+                <a:spcPct val="100000"/>
+              </a:lnSpc>
+              <a:spcBef>
+                <a:spcPts val="0"/>
+              </a:spcBef>
+              <a:spcAft>
+                <a:spcPts val="653"/>
+              </a:spcAft>
+              <a:buClrTx/>
+              <a:buFont typeface="+mj-lt"/>
+              <a:buAutoNum type="arabicPeriod"/>
+              <a:defRPr/>
+            </a:pPr>
+            <a:r>
+              <a:rPr lang="en-US" sz="1600" b="1" dirty="0">
+                <a:solidFill>
+                  <a:srgbClr val="000000"/>
+                </a:solidFill>
+                <a:latin typeface="Avenir Next LT Pro"/>
+              </a:rPr>
+              <a:t>Resting</a:t>
+            </a:r>
+            <a:r>
+              <a:rPr kumimoji="0" lang="en-US" sz="1600" b="1" i="0" u="none" strike="noStrike" kern="1200" cap="none" spc="0" normalizeH="0" baseline="0" noProof="0" dirty="0">
+                <a:ln>
+                  <a:noFill/>
+                </a:ln>
+                <a:solidFill>
+                  <a:srgbClr val="000000"/>
+                </a:solidFill>
+                <a:effectLst/>
+                <a:uLnTx/>
+                <a:uFillTx/>
+                <a:latin typeface="Avenir Next LT Pro"/>
+                <a:ea typeface="+mn-ea"/>
+                <a:cs typeface="+mn-cs"/>
+              </a:rPr>
+              <a:t> electrocardiographic </a:t>
+            </a:r>
+            <a:r>
+              <a:rPr kumimoji="0" lang="en-US" sz="1600" b="0" i="0" u="none" strike="noStrike" kern="1200" cap="none" spc="0" normalizeH="0" baseline="0" noProof="0" dirty="0">
+                <a:ln>
+                  <a:noFill/>
+                </a:ln>
+                <a:solidFill>
+                  <a:srgbClr val="000000"/>
+                </a:solidFill>
+                <a:effectLst/>
+                <a:uLnTx/>
+                <a:uFillTx/>
+                <a:latin typeface="Avenir Next LT Pro"/>
+                <a:ea typeface="+mn-ea"/>
+                <a:cs typeface="+mn-cs"/>
+              </a:rPr>
+              <a:t>results (0 = normal, 1 = ST-T wave abnormality, 2 = probable or definite left ventricular hypertrophy)</a:t>
+            </a:r>
+          </a:p>
+          <a:p>
+            <a:pPr marL="342900" marR="0" lvl="0" indent="-342900" algn="l" defTabSz="736066" rtl="0" eaLnBrk="1" fontAlgn="auto" latinLnBrk="0" hangingPunct="1">
+              <a:lnSpc>
+                <a:spcPct val="100000"/>
+              </a:lnSpc>
+              <a:spcBef>
+                <a:spcPts val="0"/>
+              </a:spcBef>
+              <a:spcAft>
+                <a:spcPts val="653"/>
+              </a:spcAft>
+              <a:buClrTx/>
+              <a:buSzTx/>
+              <a:buFont typeface="+mj-lt"/>
+              <a:buAutoNum type="arabicPeriod"/>
+              <a:tabLst/>
+              <a:defRPr/>
+            </a:pPr>
+            <a:r>
+              <a:rPr lang="en-US" sz="1600" b="1" dirty="0">
+                <a:solidFill>
+                  <a:srgbClr val="000000"/>
+                </a:solidFill>
+                <a:latin typeface="Avenir Next LT Pro"/>
+              </a:rPr>
+              <a:t>Maximum</a:t>
+            </a:r>
+            <a:r>
+              <a:rPr kumimoji="0" lang="en-US" sz="1600" b="1" i="0" u="none" strike="noStrike" kern="1200" cap="none" spc="0" normalizeH="0" baseline="0" noProof="0" dirty="0">
+                <a:ln>
+                  <a:noFill/>
+                </a:ln>
+                <a:solidFill>
+                  <a:srgbClr val="000000"/>
+                </a:solidFill>
+                <a:effectLst/>
+                <a:uLnTx/>
+                <a:uFillTx/>
+                <a:latin typeface="Avenir Next LT Pro"/>
+                <a:ea typeface="+mn-ea"/>
+                <a:cs typeface="+mn-cs"/>
+              </a:rPr>
+              <a:t> heart rate </a:t>
+            </a:r>
+            <a:r>
+              <a:rPr kumimoji="0" lang="en-US" sz="1600" b="0" i="0" u="none" strike="noStrike" kern="1200" cap="none" spc="0" normalizeH="0" baseline="0" noProof="0" dirty="0">
+                <a:ln>
+                  <a:noFill/>
+                </a:ln>
+                <a:solidFill>
+                  <a:srgbClr val="000000"/>
+                </a:solidFill>
+                <a:effectLst/>
+                <a:uLnTx/>
+                <a:uFillTx/>
+                <a:latin typeface="Avenir Next LT Pro"/>
+                <a:ea typeface="+mn-ea"/>
+                <a:cs typeface="+mn-cs"/>
+              </a:rPr>
+              <a:t>achieved</a:t>
+            </a:r>
+          </a:p>
+          <a:p>
+            <a:pPr marL="342900" indent="-342900" defTabSz="736066">
+              <a:lnSpc>
+                <a:spcPct val="100000"/>
+              </a:lnSpc>
+              <a:spcBef>
+                <a:spcPts val="0"/>
+              </a:spcBef>
+              <a:spcAft>
+                <a:spcPts val="653"/>
+              </a:spcAft>
+              <a:buClrTx/>
+              <a:buFont typeface="+mj-lt"/>
+              <a:buAutoNum type="arabicPeriod"/>
+              <a:defRPr/>
+            </a:pPr>
+            <a:r>
+              <a:rPr lang="en-US" sz="1600" b="1" dirty="0">
+                <a:solidFill>
+                  <a:srgbClr val="000000"/>
+                </a:solidFill>
+                <a:latin typeface="Avenir Next LT Pro"/>
+              </a:rPr>
+              <a:t>Exercise</a:t>
+            </a:r>
+            <a:r>
+              <a:rPr kumimoji="0" lang="en-US" sz="1600" b="1" i="0" u="none" strike="noStrike" kern="1200" cap="none" spc="0" normalizeH="0" baseline="0" noProof="0" dirty="0">
+                <a:ln>
+                  <a:noFill/>
+                </a:ln>
+                <a:solidFill>
+                  <a:srgbClr val="000000"/>
+                </a:solidFill>
+                <a:effectLst/>
+                <a:uLnTx/>
+                <a:uFillTx/>
+                <a:latin typeface="Avenir Next LT Pro"/>
+                <a:ea typeface="+mn-ea"/>
+                <a:cs typeface="+mn-cs"/>
+              </a:rPr>
+              <a:t> induced angina </a:t>
+            </a:r>
+            <a:r>
+              <a:rPr kumimoji="0" lang="en-US" sz="1600" b="0" i="0" u="none" strike="noStrike" kern="1200" cap="none" spc="0" normalizeH="0" baseline="0" noProof="0" dirty="0">
+                <a:ln>
+                  <a:noFill/>
+                </a:ln>
+                <a:solidFill>
+                  <a:srgbClr val="000000"/>
+                </a:solidFill>
+                <a:effectLst/>
+                <a:uLnTx/>
+                <a:uFillTx/>
+                <a:latin typeface="Avenir Next LT Pro"/>
+                <a:ea typeface="+mn-ea"/>
+                <a:cs typeface="+mn-cs"/>
+              </a:rPr>
+              <a:t>(1 = yes, 0 = no)</a:t>
+            </a:r>
+          </a:p>
+          <a:p>
+            <a:pPr marL="342900" marR="0" lvl="0" indent="-342900" algn="l" defTabSz="736066" rtl="0" eaLnBrk="1" fontAlgn="auto" latinLnBrk="0" hangingPunct="1">
+              <a:lnSpc>
+                <a:spcPct val="100000"/>
+              </a:lnSpc>
+              <a:spcBef>
+                <a:spcPts val="0"/>
+              </a:spcBef>
+              <a:spcAft>
+                <a:spcPts val="653"/>
+              </a:spcAft>
+              <a:buClrTx/>
+              <a:buSzTx/>
+              <a:buFont typeface="+mj-lt"/>
+              <a:buAutoNum type="arabicPeriod"/>
+              <a:tabLst/>
+              <a:defRPr/>
+            </a:pPr>
+            <a:r>
+              <a:rPr kumimoji="0" lang="en-US" sz="1600" b="1" i="0" u="none" strike="noStrike" kern="1200" cap="none" spc="0" normalizeH="0" baseline="0" noProof="0" dirty="0">
+                <a:ln>
+                  <a:noFill/>
+                </a:ln>
+                <a:solidFill>
+                  <a:srgbClr val="000000"/>
+                </a:solidFill>
+                <a:effectLst/>
+                <a:uLnTx/>
+                <a:uFillTx/>
+                <a:latin typeface="Avenir Next LT Pro"/>
+                <a:ea typeface="+mn-ea"/>
+                <a:cs typeface="+mn-cs"/>
+              </a:rPr>
+              <a:t>ST depression </a:t>
+            </a:r>
+            <a:r>
+              <a:rPr kumimoji="0" lang="en-US" sz="1600" b="0" i="0" u="none" strike="noStrike" kern="1200" cap="none" spc="0" normalizeH="0" baseline="0" noProof="0" dirty="0">
+                <a:ln>
+                  <a:noFill/>
+                </a:ln>
+                <a:solidFill>
+                  <a:srgbClr val="000000"/>
+                </a:solidFill>
+                <a:effectLst/>
+                <a:uLnTx/>
+                <a:uFillTx/>
+                <a:latin typeface="Avenir Next LT Pro"/>
+                <a:ea typeface="+mn-ea"/>
+                <a:cs typeface="+mn-cs"/>
+              </a:rPr>
+              <a:t>induced by exercise relative to rest</a:t>
+            </a:r>
+          </a:p>
+          <a:p>
+            <a:pPr marL="342900" marR="0" lvl="0" indent="-342900" algn="l" defTabSz="736066" rtl="0" eaLnBrk="1" fontAlgn="auto" latinLnBrk="0" hangingPunct="1">
+              <a:lnSpc>
+                <a:spcPct val="100000"/>
+              </a:lnSpc>
+              <a:spcBef>
+                <a:spcPts val="0"/>
+              </a:spcBef>
+              <a:spcAft>
+                <a:spcPts val="653"/>
+              </a:spcAft>
+              <a:buClrTx/>
+              <a:buSzTx/>
+              <a:buFont typeface="+mj-lt"/>
+              <a:buAutoNum type="arabicPeriod"/>
+              <a:tabLst/>
+              <a:defRPr/>
+            </a:pPr>
+            <a:r>
+              <a:rPr lang="en-US" sz="1600" b="1" dirty="0">
+                <a:solidFill>
+                  <a:srgbClr val="000000"/>
+                </a:solidFill>
+                <a:latin typeface="Avenir Next LT Pro"/>
+              </a:rPr>
+              <a:t>S</a:t>
+            </a:r>
+            <a:r>
+              <a:rPr kumimoji="0" lang="en-US" sz="1600" b="1" i="0" u="none" strike="noStrike" kern="1200" cap="none" spc="0" normalizeH="0" baseline="0" noProof="0" dirty="0">
+                <a:ln>
+                  <a:noFill/>
+                </a:ln>
+                <a:solidFill>
+                  <a:srgbClr val="000000"/>
+                </a:solidFill>
+                <a:effectLst/>
+                <a:uLnTx/>
+                <a:uFillTx/>
+                <a:latin typeface="Avenir Next LT Pro"/>
+                <a:ea typeface="+mn-ea"/>
+                <a:cs typeface="+mn-cs"/>
+              </a:rPr>
+              <a:t>lope of the peak exercise ST segment </a:t>
+            </a:r>
+            <a:r>
+              <a:rPr kumimoji="0" lang="en-US" sz="1600" b="0" i="0" u="none" strike="noStrike" kern="1200" cap="none" spc="0" normalizeH="0" baseline="0" noProof="0" dirty="0">
+                <a:ln>
+                  <a:noFill/>
+                </a:ln>
+                <a:solidFill>
+                  <a:srgbClr val="000000"/>
+                </a:solidFill>
+                <a:effectLst/>
+                <a:uLnTx/>
+                <a:uFillTx/>
+                <a:latin typeface="Avenir Next LT Pro"/>
+                <a:ea typeface="+mn-ea"/>
+                <a:cs typeface="+mn-cs"/>
+              </a:rPr>
+              <a:t>(1</a:t>
+            </a:r>
+            <a:r>
+              <a:rPr lang="en-US" sz="1600" dirty="0">
+                <a:solidFill>
+                  <a:srgbClr val="000000"/>
+                </a:solidFill>
+                <a:latin typeface="Avenir Next LT Pro"/>
+              </a:rPr>
+              <a:t> =</a:t>
+            </a:r>
+            <a:r>
+              <a:rPr kumimoji="0" lang="en-US" sz="1600" b="0" i="0" u="none" strike="noStrike" kern="1200" cap="none" spc="0" normalizeH="0" baseline="0" noProof="0" dirty="0">
+                <a:ln>
+                  <a:noFill/>
+                </a:ln>
+                <a:solidFill>
+                  <a:srgbClr val="000000"/>
+                </a:solidFill>
+                <a:effectLst/>
+                <a:uLnTx/>
+                <a:uFillTx/>
+                <a:latin typeface="Avenir Next LT Pro"/>
+                <a:ea typeface="+mn-ea"/>
+                <a:cs typeface="+mn-cs"/>
+              </a:rPr>
+              <a:t> upsloping, 2 = flat, 3 = </a:t>
+            </a:r>
+            <a:r>
+              <a:rPr kumimoji="0" lang="en-US" sz="1600" b="0" i="0" u="none" strike="noStrike" kern="1200" cap="none" spc="0" normalizeH="0" baseline="0" noProof="0" dirty="0" err="1">
+                <a:ln>
+                  <a:noFill/>
+                </a:ln>
+                <a:solidFill>
+                  <a:srgbClr val="000000"/>
+                </a:solidFill>
+                <a:effectLst/>
+                <a:uLnTx/>
+                <a:uFillTx/>
+                <a:latin typeface="Avenir Next LT Pro"/>
+                <a:ea typeface="+mn-ea"/>
+                <a:cs typeface="+mn-cs"/>
+              </a:rPr>
+              <a:t>downsloping</a:t>
+            </a:r>
+            <a:r>
+              <a:rPr kumimoji="0" lang="en-US" sz="1600" b="0" i="0" u="none" strike="noStrike" kern="1200" cap="none" spc="0" normalizeH="0" baseline="0" noProof="0" dirty="0">
+                <a:ln>
+                  <a:noFill/>
+                </a:ln>
+                <a:solidFill>
+                  <a:srgbClr val="000000"/>
+                </a:solidFill>
+                <a:effectLst/>
+                <a:uLnTx/>
+                <a:uFillTx/>
+                <a:latin typeface="Avenir Next LT Pro"/>
+                <a:ea typeface="+mn-ea"/>
+                <a:cs typeface="+mn-cs"/>
+              </a:rPr>
+              <a:t>) </a:t>
+            </a:r>
+          </a:p>
+          <a:p>
+            <a:pPr marL="342900" marR="0" lvl="0" indent="-342900" algn="l" defTabSz="736066" rtl="0" eaLnBrk="1" fontAlgn="auto" latinLnBrk="0" hangingPunct="1">
+              <a:lnSpc>
+                <a:spcPct val="100000"/>
+              </a:lnSpc>
+              <a:spcBef>
+                <a:spcPts val="0"/>
+              </a:spcBef>
+              <a:spcAft>
+                <a:spcPts val="653"/>
+              </a:spcAft>
+              <a:buClrTx/>
+              <a:buSzTx/>
+              <a:buFont typeface="+mj-lt"/>
+              <a:buAutoNum type="arabicPeriod"/>
+              <a:tabLst/>
+              <a:defRPr/>
+            </a:pPr>
+            <a:r>
+              <a:rPr lang="en-US" sz="1600" b="1" dirty="0">
+                <a:solidFill>
+                  <a:srgbClr val="000000"/>
+                </a:solidFill>
+                <a:latin typeface="Avenir Next LT Pro"/>
+              </a:rPr>
+              <a:t>N</a:t>
+            </a:r>
+            <a:r>
+              <a:rPr kumimoji="0" lang="en-US" sz="1600" b="1" i="0" u="none" strike="noStrike" kern="1200" cap="none" spc="0" normalizeH="0" baseline="0" noProof="0" dirty="0">
+                <a:ln>
+                  <a:noFill/>
+                </a:ln>
+                <a:solidFill>
+                  <a:srgbClr val="000000"/>
+                </a:solidFill>
+                <a:effectLst/>
+                <a:uLnTx/>
+                <a:uFillTx/>
+                <a:latin typeface="Avenir Next LT Pro"/>
+                <a:ea typeface="+mn-ea"/>
+                <a:cs typeface="+mn-cs"/>
+              </a:rPr>
+              <a:t>umber of major vessels</a:t>
+            </a:r>
+            <a:r>
+              <a:rPr kumimoji="0" lang="en-US" sz="1600" b="0" i="0" u="none" strike="noStrike" kern="1200" cap="none" spc="0" normalizeH="0" baseline="0" noProof="0" dirty="0">
+                <a:ln>
+                  <a:noFill/>
+                </a:ln>
+                <a:solidFill>
+                  <a:srgbClr val="000000"/>
+                </a:solidFill>
+                <a:effectLst/>
+                <a:uLnTx/>
+                <a:uFillTx/>
+                <a:latin typeface="Avenir Next LT Pro"/>
+                <a:ea typeface="+mn-ea"/>
+                <a:cs typeface="+mn-cs"/>
+              </a:rPr>
+              <a:t> </a:t>
+            </a:r>
+            <a:r>
+              <a:rPr kumimoji="0" lang="en-US" sz="1600" b="1" i="0" u="none" strike="noStrike" kern="1200" cap="none" spc="0" normalizeH="0" baseline="0" noProof="0" dirty="0">
+                <a:ln>
+                  <a:noFill/>
+                </a:ln>
+                <a:solidFill>
+                  <a:srgbClr val="000000"/>
+                </a:solidFill>
+                <a:effectLst/>
+                <a:uLnTx/>
+                <a:uFillTx/>
+                <a:latin typeface="Avenir Next LT Pro"/>
+                <a:ea typeface="+mn-ea"/>
+                <a:cs typeface="+mn-cs"/>
+              </a:rPr>
+              <a:t>colored</a:t>
+            </a:r>
+            <a:r>
+              <a:rPr kumimoji="0" lang="en-US" sz="1600" b="0" i="0" u="none" strike="noStrike" kern="1200" cap="none" spc="0" normalizeH="0" baseline="0" noProof="0" dirty="0">
+                <a:ln>
+                  <a:noFill/>
+                </a:ln>
+                <a:solidFill>
+                  <a:srgbClr val="000000"/>
+                </a:solidFill>
+                <a:effectLst/>
+                <a:uLnTx/>
+                <a:uFillTx/>
+                <a:latin typeface="Avenir Next LT Pro"/>
+                <a:ea typeface="+mn-ea"/>
+                <a:cs typeface="+mn-cs"/>
+              </a:rPr>
+              <a:t> by fluoroscopy (0 to 3)</a:t>
+            </a:r>
+          </a:p>
+          <a:p>
+            <a:pPr marL="342900" marR="0" lvl="0" indent="-342900" algn="l" defTabSz="736066" rtl="0" eaLnBrk="1" fontAlgn="auto" latinLnBrk="0" hangingPunct="1">
+              <a:lnSpc>
+                <a:spcPct val="100000"/>
+              </a:lnSpc>
+              <a:spcBef>
+                <a:spcPts val="0"/>
+              </a:spcBef>
+              <a:spcAft>
+                <a:spcPts val="653"/>
+              </a:spcAft>
+              <a:buClrTx/>
+              <a:buSzTx/>
+              <a:buFont typeface="+mj-lt"/>
+              <a:buAutoNum type="arabicPeriod"/>
+              <a:tabLst/>
+              <a:defRPr/>
+            </a:pPr>
+            <a:r>
+              <a:rPr lang="en-US" sz="1600" b="1" dirty="0">
+                <a:solidFill>
+                  <a:srgbClr val="000000"/>
+                </a:solidFill>
+                <a:latin typeface="Avenir Next LT Pro"/>
+              </a:rPr>
+              <a:t>Thallium</a:t>
+            </a:r>
+            <a:r>
+              <a:rPr kumimoji="0" lang="en-US" sz="1600" b="1" i="0" u="none" strike="noStrike" kern="1200" cap="none" spc="0" normalizeH="0" baseline="0" noProof="0" dirty="0">
+                <a:ln>
+                  <a:noFill/>
+                </a:ln>
+                <a:solidFill>
+                  <a:srgbClr val="000000"/>
+                </a:solidFill>
+                <a:effectLst/>
+                <a:uLnTx/>
+                <a:uFillTx/>
+                <a:latin typeface="Avenir Next LT Pro"/>
+                <a:ea typeface="+mn-ea"/>
+                <a:cs typeface="+mn-cs"/>
+              </a:rPr>
+              <a:t> heart scan </a:t>
+            </a:r>
+            <a:r>
+              <a:rPr kumimoji="0" lang="en-US" sz="1600" b="0" i="0" u="none" strike="noStrike" kern="1200" cap="none" spc="0" normalizeH="0" baseline="0" noProof="0" dirty="0">
+                <a:ln>
+                  <a:noFill/>
+                </a:ln>
+                <a:solidFill>
+                  <a:srgbClr val="000000"/>
+                </a:solidFill>
+                <a:effectLst/>
+                <a:uLnTx/>
+                <a:uFillTx/>
+                <a:latin typeface="Avenir Next LT Pro"/>
+                <a:ea typeface="+mn-ea"/>
+                <a:cs typeface="+mn-cs"/>
+              </a:rPr>
+              <a:t>(0 = normal, 1 = fixed defect, 2 = reversable defect)</a:t>
+            </a:r>
+          </a:p>
+          <a:p>
+            <a:pPr marL="342900" marR="0" lvl="0" indent="-342900" algn="l" defTabSz="736066" rtl="0" eaLnBrk="1" fontAlgn="auto" latinLnBrk="0" hangingPunct="1">
+              <a:lnSpc>
+                <a:spcPct val="100000"/>
+              </a:lnSpc>
+              <a:spcBef>
+                <a:spcPts val="0"/>
+              </a:spcBef>
+              <a:spcAft>
+                <a:spcPts val="653"/>
+              </a:spcAft>
+              <a:buClrTx/>
+              <a:buSzTx/>
+              <a:buFont typeface="+mj-lt"/>
+              <a:buAutoNum type="arabicPeriod"/>
+              <a:tabLst/>
+              <a:defRPr/>
+            </a:pPr>
+            <a:r>
+              <a:rPr lang="en-US" sz="1600" b="1" dirty="0">
+                <a:solidFill>
+                  <a:srgbClr val="000000"/>
+                </a:solidFill>
+                <a:latin typeface="Avenir Next LT Pro"/>
+              </a:rPr>
+              <a:t>Heart disease </a:t>
+            </a:r>
+            <a:r>
+              <a:rPr lang="en-US" sz="1600" dirty="0">
+                <a:solidFill>
+                  <a:srgbClr val="000000"/>
+                </a:solidFill>
+                <a:latin typeface="Avenir Next LT Pro"/>
+              </a:rPr>
+              <a:t>(presence/absence)</a:t>
+            </a:r>
+            <a:endParaRPr kumimoji="0" lang="en-US" sz="1600" b="0" i="0" u="none" strike="noStrike" kern="1200" cap="none" spc="0" normalizeH="0" baseline="0" noProof="0" dirty="0">
+              <a:ln>
+                <a:noFill/>
+              </a:ln>
+              <a:solidFill>
+                <a:srgbClr val="000000"/>
+              </a:solidFill>
+              <a:effectLst/>
+              <a:uLnTx/>
+              <a:uFillTx/>
+              <a:latin typeface="Avenir Next LT Pro"/>
+              <a:ea typeface="+mn-ea"/>
+              <a:cs typeface="+mn-cs"/>
+            </a:endParaRPr>
+          </a:p>
+        </p:txBody>
+      </p:sp>
+    </p:spTree>
+    <p:extLst>
+      <p:ext uri="{BB962C8B-B14F-4D97-AF65-F5344CB8AC3E}">
+        <p14:creationId xmlns:p14="http://schemas.microsoft.com/office/powerpoint/2010/main" val="1531476793"/>
+      </p:ext>
+    </p:extLst>
+  </p:cSld>
+  <p:clrMapOvr>
+    <a:masterClrMapping/>
+  </p:clrMapOvr>
+</p:sld>
+</file>
+
+<file path=ppt/slides/slide6.xml><?xml version="1.0" encoding="utf-8"?>
 <p:sld xmlns:a="http://schemas.openxmlformats.org/drawingml/2006/main" xmlns:r="http://schemas.openxmlformats.org/officeDocument/2006/relationships" xmlns:p="http://schemas.openxmlformats.org/presentationml/2006/main">
   <p:cSld>
     <p:bg>
@@ -7517,7 +8997,776 @@
       </p:grpSpPr>
       <p:sp>
         <p:nvSpPr>
-          <p:cNvPr id="25" name="Freeform: Shape 9">
+          <p:cNvPr id="2" name="Title 1">
+            <a:extLst>
+              <a:ext uri="{FF2B5EF4-FFF2-40B4-BE49-F238E27FC236}">
+                <a16:creationId xmlns:a16="http://schemas.microsoft.com/office/drawing/2014/main" id="{604E8EE8-914A-C5FB-2FEC-E5D394C12514}"/>
+              </a:ext>
+            </a:extLst>
+          </p:cNvPr>
+          <p:cNvSpPr>
+            <a:spLocks noGrp="1"/>
+          </p:cNvSpPr>
+          <p:nvPr>
+            <p:ph type="title"/>
+          </p:nvPr>
+        </p:nvSpPr>
+        <p:spPr>
+          <a:xfrm>
+            <a:off x="5431940" y="1517650"/>
+            <a:ext cx="5998059" cy="1344613"/>
+          </a:xfrm>
+        </p:spPr>
+        <p:txBody>
+          <a:bodyPr vert="horz" lIns="91440" tIns="45720" rIns="91440" bIns="45720" rtlCol="0" anchor="t">
+            <a:normAutofit/>
+          </a:bodyPr>
+          <a:lstStyle/>
+          <a:p>
+            <a:pPr>
+              <a:lnSpc>
+                <a:spcPct val="95000"/>
+              </a:lnSpc>
+            </a:pPr>
+            <a:r>
+              <a:rPr lang="en-US" sz="4200" kern="1200" spc="-50" baseline="0" dirty="0">
+                <a:solidFill>
+                  <a:schemeClr val="tx1"/>
+                </a:solidFill>
+                <a:latin typeface="+mj-lt"/>
+                <a:ea typeface="+mj-ea"/>
+                <a:cs typeface="+mj-cs"/>
+              </a:rPr>
+              <a:t>A Look at the Data </a:t>
+            </a:r>
+            <a:br>
+              <a:rPr lang="en-US" sz="4200" kern="1200" spc="-50" baseline="0" dirty="0">
+                <a:solidFill>
+                  <a:schemeClr val="tx1"/>
+                </a:solidFill>
+                <a:latin typeface="+mj-lt"/>
+                <a:ea typeface="+mj-ea"/>
+                <a:cs typeface="+mj-cs"/>
+              </a:rPr>
+            </a:br>
+            <a:r>
+              <a:rPr lang="en-US" sz="4200" kern="1200" spc="-50" baseline="0" dirty="0">
+                <a:solidFill>
+                  <a:schemeClr val="tx1"/>
+                </a:solidFill>
+                <a:latin typeface="+mj-lt"/>
+                <a:ea typeface="+mj-ea"/>
+                <a:cs typeface="+mj-cs"/>
+              </a:rPr>
+              <a:t>(</a:t>
+            </a:r>
+            <a:r>
+              <a:rPr lang="en-US" sz="2900" kern="1200" spc="-50" dirty="0">
+                <a:solidFill>
+                  <a:schemeClr val="tx1"/>
+                </a:solidFill>
+                <a:latin typeface="+mj-lt"/>
+                <a:ea typeface="+mj-ea"/>
+                <a:cs typeface="+mj-cs"/>
+              </a:rPr>
+              <a:t>Exploratory Data Analysis)</a:t>
+            </a:r>
+          </a:p>
+        </p:txBody>
+      </p:sp>
+      <p:sp>
+        <p:nvSpPr>
+          <p:cNvPr id="4" name="Text Placeholder 3">
+            <a:extLst>
+              <a:ext uri="{FF2B5EF4-FFF2-40B4-BE49-F238E27FC236}">
+                <a16:creationId xmlns:a16="http://schemas.microsoft.com/office/drawing/2014/main" id="{E8D5986B-A007-368A-E7D5-A455AAED440B}"/>
+              </a:ext>
+            </a:extLst>
+          </p:cNvPr>
+          <p:cNvSpPr>
+            <a:spLocks noGrp="1"/>
+          </p:cNvSpPr>
+          <p:nvPr>
+            <p:ph type="body" sz="half" idx="2"/>
+          </p:nvPr>
+        </p:nvSpPr>
+        <p:spPr>
+          <a:xfrm>
+            <a:off x="5431940" y="2970213"/>
+            <a:ext cx="5998059" cy="3125787"/>
+          </a:xfrm>
+        </p:spPr>
+        <p:txBody>
+          <a:bodyPr vert="horz" lIns="91440" tIns="45720" rIns="91440" bIns="45720" rtlCol="0">
+            <a:normAutofit/>
+          </a:bodyPr>
+          <a:lstStyle/>
+          <a:p>
+            <a:endParaRPr lang="en-US" dirty="0"/>
+          </a:p>
+          <a:p>
+            <a:endParaRPr lang="en-US" dirty="0"/>
+          </a:p>
+          <a:p>
+            <a:r>
+              <a:rPr lang="en-US" sz="3200" dirty="0">
+                <a:solidFill>
+                  <a:srgbClr val="0070C0"/>
+                </a:solidFill>
+                <a:hlinkClick r:id="rId2">
+                  <a:extLst>
+                    <a:ext uri="{A12FA001-AC4F-418D-AE19-62706E023703}">
+                      <ahyp:hlinkClr xmlns:ahyp="http://schemas.microsoft.com/office/drawing/2018/hyperlinkcolor" val="tx"/>
+                    </a:ext>
+                  </a:extLst>
+                </a:hlinkClick>
+              </a:rPr>
+              <a:t>The Story Starts Here</a:t>
+            </a:r>
+            <a:r>
+              <a:rPr lang="en-US" sz="3200" dirty="0">
+                <a:solidFill>
+                  <a:srgbClr val="0070C0"/>
+                </a:solidFill>
+              </a:rPr>
+              <a:t> </a:t>
+            </a:r>
+          </a:p>
+        </p:txBody>
+      </p:sp>
+      <p:pic>
+        <p:nvPicPr>
+          <p:cNvPr id="5" name="Picture 4">
+            <a:extLst>
+              <a:ext uri="{FF2B5EF4-FFF2-40B4-BE49-F238E27FC236}">
+                <a16:creationId xmlns:a16="http://schemas.microsoft.com/office/drawing/2014/main" id="{7CA3BC05-1F94-DF5B-A5D1-ADDFE5C6E676}"/>
+              </a:ext>
+            </a:extLst>
+          </p:cNvPr>
+          <p:cNvPicPr>
+            <a:picLocks noChangeAspect="1"/>
+          </p:cNvPicPr>
+          <p:nvPr/>
+        </p:nvPicPr>
+        <p:blipFill rotWithShape="1">
+          <a:blip r:embed="rId3"/>
+          <a:srcRect l="3784" t="14168" r="43720"/>
+          <a:stretch/>
+        </p:blipFill>
+        <p:spPr>
+          <a:xfrm>
+            <a:off x="762001" y="1285637"/>
+            <a:ext cx="4534710" cy="4578351"/>
+          </a:xfrm>
+          <a:prstGeom prst="rect">
+            <a:avLst/>
+          </a:prstGeom>
+        </p:spPr>
+      </p:pic>
+    </p:spTree>
+    <p:extLst>
+      <p:ext uri="{BB962C8B-B14F-4D97-AF65-F5344CB8AC3E}">
+        <p14:creationId xmlns:p14="http://schemas.microsoft.com/office/powerpoint/2010/main" val="2015659930"/>
+      </p:ext>
+    </p:extLst>
+  </p:cSld>
+  <p:clrMapOvr>
+    <a:masterClrMapping/>
+  </p:clrMapOvr>
+</p:sld>
+</file>
+
+<file path=ppt/slides/slide7.xml><?xml version="1.0" encoding="utf-8"?>
+<p:sld xmlns:a="http://schemas.openxmlformats.org/drawingml/2006/main" xmlns:r="http://schemas.openxmlformats.org/officeDocument/2006/relationships" xmlns:p="http://schemas.openxmlformats.org/presentationml/2006/main">
+  <p:cSld>
+    <p:spTree>
+      <p:nvGrpSpPr>
+        <p:cNvPr id="1" name=""/>
+        <p:cNvGrpSpPr/>
+        <p:nvPr/>
+      </p:nvGrpSpPr>
+      <p:grpSpPr>
+        <a:xfrm>
+          <a:off x="0" y="0"/>
+          <a:ext cx="0" cy="0"/>
+          <a:chOff x="0" y="0"/>
+          <a:chExt cx="0" cy="0"/>
+        </a:xfrm>
+      </p:grpSpPr>
+      <p:sp>
+        <p:nvSpPr>
+          <p:cNvPr id="2" name="Title 1">
+            <a:extLst>
+              <a:ext uri="{FF2B5EF4-FFF2-40B4-BE49-F238E27FC236}">
+                <a16:creationId xmlns:a16="http://schemas.microsoft.com/office/drawing/2014/main" id="{479724D7-B01B-9FA0-2C08-0EFFCB58EF4E}"/>
+              </a:ext>
+            </a:extLst>
+          </p:cNvPr>
+          <p:cNvSpPr>
+            <a:spLocks noGrp="1"/>
+          </p:cNvSpPr>
+          <p:nvPr>
+            <p:ph type="title"/>
+          </p:nvPr>
+        </p:nvSpPr>
+        <p:spPr>
+          <a:xfrm>
+            <a:off x="1330961" y="1940560"/>
+            <a:ext cx="5781039" cy="4409440"/>
+          </a:xfrm>
+        </p:spPr>
+        <p:txBody>
+          <a:bodyPr vert="horz" lIns="91440" tIns="45720" rIns="91440" bIns="45720" rtlCol="0" anchor="ctr">
+            <a:noAutofit/>
+          </a:bodyPr>
+          <a:lstStyle/>
+          <a:p>
+            <a:pPr marR="0" lvl="0" algn="l" defTabSz="914400" rtl="0" eaLnBrk="1" fontAlgn="auto" latinLnBrk="0" hangingPunct="1">
+              <a:lnSpc>
+                <a:spcPct val="105000"/>
+              </a:lnSpc>
+              <a:spcBef>
+                <a:spcPts val="900"/>
+              </a:spcBef>
+              <a:spcAft>
+                <a:spcPts val="0"/>
+              </a:spcAft>
+              <a:buClr>
+                <a:srgbClr val="2944E7"/>
+              </a:buClr>
+              <a:buSzTx/>
+              <a:tabLst/>
+              <a:defRPr/>
+            </a:pPr>
+            <a:r>
+              <a:rPr lang="en-US" sz="2000" b="0" i="0" dirty="0">
+                <a:solidFill>
+                  <a:srgbClr val="000000"/>
+                </a:solidFill>
+                <a:effectLst/>
+                <a:latin typeface="Open Sans" panose="020B0606030504020204" pitchFamily="34" charset="0"/>
+              </a:rPr>
+              <a:t>Multiple models were created to determine which was the most effective to predict heart disease. </a:t>
+            </a:r>
+            <a:br>
+              <a:rPr lang="en-US" sz="2000" b="0" i="0" dirty="0">
+                <a:solidFill>
+                  <a:srgbClr val="000000"/>
+                </a:solidFill>
+                <a:effectLst/>
+                <a:latin typeface="Open Sans" panose="020B0606030504020204" pitchFamily="34" charset="0"/>
+              </a:rPr>
+            </a:br>
+            <a:br>
+              <a:rPr lang="en-US" sz="2000" b="0" i="0" dirty="0">
+                <a:solidFill>
+                  <a:srgbClr val="000000"/>
+                </a:solidFill>
+                <a:effectLst/>
+                <a:latin typeface="Open Sans" panose="020B0606030504020204" pitchFamily="34" charset="0"/>
+              </a:rPr>
+            </a:br>
+            <a:r>
+              <a:rPr lang="en-US" sz="2000" b="0" i="0" dirty="0">
+                <a:solidFill>
+                  <a:srgbClr val="000000"/>
+                </a:solidFill>
+                <a:effectLst/>
+                <a:latin typeface="Open Sans" panose="020B0606030504020204" pitchFamily="34" charset="0"/>
+              </a:rPr>
+              <a:t>Supervised Learning Models:</a:t>
+            </a:r>
+            <a:br>
+              <a:rPr lang="en-US" sz="2000" b="0" i="0" dirty="0">
+                <a:solidFill>
+                  <a:srgbClr val="000000"/>
+                </a:solidFill>
+                <a:effectLst/>
+                <a:latin typeface="Open Sans" panose="020B0606030504020204" pitchFamily="34" charset="0"/>
+              </a:rPr>
+            </a:br>
+            <a:r>
+              <a:rPr lang="en-US" sz="2000" b="0" i="0" dirty="0">
+                <a:solidFill>
+                  <a:srgbClr val="000000"/>
+                </a:solidFill>
+                <a:effectLst/>
+                <a:latin typeface="Open Sans" panose="020B0606030504020204" pitchFamily="34" charset="0"/>
+              </a:rPr>
+              <a:t> - Logistic Regression</a:t>
+            </a:r>
+            <a:br>
+              <a:rPr lang="en-US" sz="2000" b="0" i="0" dirty="0">
+                <a:solidFill>
+                  <a:srgbClr val="000000"/>
+                </a:solidFill>
+                <a:effectLst/>
+                <a:latin typeface="Open Sans" panose="020B0606030504020204" pitchFamily="34" charset="0"/>
+              </a:rPr>
+            </a:br>
+            <a:r>
+              <a:rPr lang="en-US" sz="2000" b="0" i="0" dirty="0">
+                <a:solidFill>
+                  <a:srgbClr val="000000"/>
+                </a:solidFill>
+                <a:effectLst/>
+                <a:latin typeface="Open Sans" panose="020B0606030504020204" pitchFamily="34" charset="0"/>
+              </a:rPr>
+              <a:t> - Decision Tree</a:t>
+            </a:r>
+            <a:br>
+              <a:rPr lang="en-US" sz="2000" b="0" i="0" dirty="0">
+                <a:solidFill>
+                  <a:srgbClr val="000000"/>
+                </a:solidFill>
+                <a:effectLst/>
+                <a:latin typeface="Open Sans" panose="020B0606030504020204" pitchFamily="34" charset="0"/>
+              </a:rPr>
+            </a:br>
+            <a:r>
+              <a:rPr lang="en-US" sz="2000" b="0" i="0" dirty="0">
+                <a:solidFill>
+                  <a:srgbClr val="000000"/>
+                </a:solidFill>
+                <a:effectLst/>
+                <a:latin typeface="Open Sans" panose="020B0606030504020204" pitchFamily="34" charset="0"/>
+              </a:rPr>
+              <a:t> - Random Forest</a:t>
+            </a:r>
+            <a:br>
+              <a:rPr lang="en-US" sz="2000" dirty="0">
+                <a:solidFill>
+                  <a:srgbClr val="000000"/>
+                </a:solidFill>
+                <a:latin typeface="Open Sans" panose="020B0606030504020204" pitchFamily="34" charset="0"/>
+              </a:rPr>
+            </a:br>
+            <a:r>
+              <a:rPr lang="en-US" sz="2000" dirty="0">
+                <a:solidFill>
+                  <a:srgbClr val="000000"/>
+                </a:solidFill>
+                <a:latin typeface="Open Sans" panose="020B0606030504020204" pitchFamily="34" charset="0"/>
+              </a:rPr>
+              <a:t> - </a:t>
+            </a:r>
+            <a:r>
+              <a:rPr lang="en-US" sz="2000" b="0" i="0" dirty="0">
+                <a:solidFill>
+                  <a:srgbClr val="000000"/>
+                </a:solidFill>
+                <a:effectLst/>
+                <a:latin typeface="Open Sans" panose="020B0606030504020204" pitchFamily="34" charset="0"/>
+              </a:rPr>
+              <a:t>Support Vector Classifier (SVC)</a:t>
+            </a:r>
+            <a:br>
+              <a:rPr lang="en-US" sz="2000" b="0" i="0" dirty="0">
+                <a:solidFill>
+                  <a:srgbClr val="000000"/>
+                </a:solidFill>
+                <a:effectLst/>
+                <a:latin typeface="Open Sans" panose="020B0606030504020204" pitchFamily="34" charset="0"/>
+              </a:rPr>
+            </a:br>
+            <a:br>
+              <a:rPr lang="en-US" sz="2000" dirty="0">
+                <a:solidFill>
+                  <a:srgbClr val="000000"/>
+                </a:solidFill>
+                <a:latin typeface="Open Sans" panose="020B0606030504020204" pitchFamily="34" charset="0"/>
+              </a:rPr>
+            </a:br>
+            <a:r>
+              <a:rPr lang="en-US" sz="2000" b="0" i="0" dirty="0">
+                <a:solidFill>
+                  <a:srgbClr val="000000"/>
+                </a:solidFill>
+                <a:effectLst/>
+                <a:latin typeface="Open Sans" panose="020B0606030504020204" pitchFamily="34" charset="0"/>
+              </a:rPr>
+              <a:t>Neural Networks:</a:t>
+            </a:r>
+            <a:br>
+              <a:rPr lang="en-US" sz="2000" b="0" i="0" dirty="0">
+                <a:solidFill>
+                  <a:srgbClr val="000000"/>
+                </a:solidFill>
+                <a:effectLst/>
+                <a:latin typeface="Open Sans" panose="020B0606030504020204" pitchFamily="34" charset="0"/>
+              </a:rPr>
+            </a:br>
+            <a:r>
+              <a:rPr lang="en-US" sz="2000" b="0" i="0" dirty="0">
+                <a:solidFill>
+                  <a:srgbClr val="000000"/>
+                </a:solidFill>
+                <a:effectLst/>
+                <a:latin typeface="Open Sans" panose="020B0606030504020204" pitchFamily="34" charset="0"/>
+              </a:rPr>
+              <a:t> - Sequential </a:t>
+            </a:r>
+            <a:br>
+              <a:rPr lang="en-US" sz="2000" b="0" i="0" dirty="0">
+                <a:solidFill>
+                  <a:srgbClr val="000000"/>
+                </a:solidFill>
+                <a:effectLst/>
+                <a:latin typeface="Open Sans" panose="020B0606030504020204" pitchFamily="34" charset="0"/>
+              </a:rPr>
+            </a:br>
+            <a:r>
+              <a:rPr lang="en-US" sz="2000" b="0" i="0" dirty="0">
+                <a:solidFill>
+                  <a:srgbClr val="000000"/>
+                </a:solidFill>
+                <a:effectLst/>
+                <a:latin typeface="Open Sans" panose="020B0606030504020204" pitchFamily="34" charset="0"/>
+              </a:rPr>
+              <a:t> - </a:t>
+            </a:r>
+            <a:r>
+              <a:rPr lang="en-US" sz="2000" b="0" i="0" dirty="0" err="1">
+                <a:solidFill>
+                  <a:srgbClr val="000000"/>
+                </a:solidFill>
+                <a:effectLst/>
+                <a:latin typeface="Open Sans" panose="020B0606030504020204" pitchFamily="34" charset="0"/>
+              </a:rPr>
+              <a:t>Keras</a:t>
+            </a:r>
+            <a:r>
+              <a:rPr lang="en-US" sz="2000" b="0" i="0" dirty="0">
+                <a:solidFill>
+                  <a:srgbClr val="000000"/>
+                </a:solidFill>
+                <a:effectLst/>
+                <a:latin typeface="Open Sans" panose="020B0606030504020204" pitchFamily="34" charset="0"/>
+              </a:rPr>
+              <a:t> Tuner</a:t>
+            </a:r>
+            <a:endParaRPr lang="en-US" sz="2400" b="0" i="0" dirty="0">
+              <a:solidFill>
+                <a:srgbClr val="000000"/>
+              </a:solidFill>
+              <a:effectLst/>
+              <a:latin typeface="Open Sans" panose="020B0606030504020204" pitchFamily="34" charset="0"/>
+            </a:endParaRPr>
+          </a:p>
+        </p:txBody>
+      </p:sp>
+      <p:sp>
+        <p:nvSpPr>
+          <p:cNvPr id="3" name="Title 1">
+            <a:extLst>
+              <a:ext uri="{FF2B5EF4-FFF2-40B4-BE49-F238E27FC236}">
+                <a16:creationId xmlns:a16="http://schemas.microsoft.com/office/drawing/2014/main" id="{6D879261-B2E9-ECC4-9786-005031D6B1A3}"/>
+              </a:ext>
+            </a:extLst>
+          </p:cNvPr>
+          <p:cNvSpPr txBox="1">
+            <a:spLocks/>
+          </p:cNvSpPr>
+          <p:nvPr/>
+        </p:nvSpPr>
+        <p:spPr>
+          <a:xfrm>
+            <a:off x="1524000" y="1268476"/>
+            <a:ext cx="9144000" cy="1344168"/>
+          </a:xfrm>
+          <a:prstGeom prst="rect">
+            <a:avLst/>
+          </a:prstGeom>
+        </p:spPr>
+        <p:txBody>
+          <a:bodyPr vert="horz" lIns="91440" tIns="45720" rIns="91440" bIns="45720" rtlCol="0" anchor="t">
+            <a:normAutofit/>
+          </a:bodyPr>
+          <a:lstStyle>
+            <a:lvl1pPr algn="l" defTabSz="914400" rtl="0" eaLnBrk="1" latinLnBrk="0" hangingPunct="1">
+              <a:lnSpc>
+                <a:spcPct val="95000"/>
+              </a:lnSpc>
+              <a:spcBef>
+                <a:spcPct val="0"/>
+              </a:spcBef>
+              <a:buNone/>
+              <a:defRPr sz="4200" kern="1200" spc="-50" baseline="0">
+                <a:solidFill>
+                  <a:schemeClr val="tx1"/>
+                </a:solidFill>
+                <a:latin typeface="+mj-lt"/>
+                <a:ea typeface="+mj-ea"/>
+                <a:cs typeface="+mj-cs"/>
+              </a:defRPr>
+            </a:lvl1pPr>
+          </a:lstStyle>
+          <a:p>
+            <a:r>
+              <a:rPr lang="en-US" dirty="0"/>
+              <a:t>Modelling Heart Disease</a:t>
+            </a:r>
+          </a:p>
+        </p:txBody>
+      </p:sp>
+      <p:pic>
+        <p:nvPicPr>
+          <p:cNvPr id="4" name="Picture 3" descr="A picture of an electromagnetic radiation">
+            <a:extLst>
+              <a:ext uri="{FF2B5EF4-FFF2-40B4-BE49-F238E27FC236}">
+                <a16:creationId xmlns:a16="http://schemas.microsoft.com/office/drawing/2014/main" id="{E81C4484-E9A5-9F69-9365-6EC1F7D51AB2}"/>
+              </a:ext>
+            </a:extLst>
+          </p:cNvPr>
+          <p:cNvPicPr>
+            <a:picLocks noChangeAspect="1"/>
+          </p:cNvPicPr>
+          <p:nvPr/>
+        </p:nvPicPr>
+        <p:blipFill rotWithShape="1">
+          <a:blip r:embed="rId2"/>
+          <a:srcRect l="11693" r="11778" b="-2"/>
+          <a:stretch/>
+        </p:blipFill>
+        <p:spPr>
+          <a:xfrm>
+            <a:off x="7305039" y="2479683"/>
+            <a:ext cx="4033520" cy="3531348"/>
+          </a:xfrm>
+          <a:prstGeom prst="rect">
+            <a:avLst/>
+          </a:prstGeom>
+        </p:spPr>
+      </p:pic>
+    </p:spTree>
+    <p:extLst>
+      <p:ext uri="{BB962C8B-B14F-4D97-AF65-F5344CB8AC3E}">
+        <p14:creationId xmlns:p14="http://schemas.microsoft.com/office/powerpoint/2010/main" val="3583774458"/>
+      </p:ext>
+    </p:extLst>
+  </p:cSld>
+  <p:clrMapOvr>
+    <a:masterClrMapping/>
+  </p:clrMapOvr>
+</p:sld>
+</file>
+
+<file path=ppt/slides/slide8.xml><?xml version="1.0" encoding="utf-8"?>
+<p:sld xmlns:a="http://schemas.openxmlformats.org/drawingml/2006/main" xmlns:r="http://schemas.openxmlformats.org/officeDocument/2006/relationships" xmlns:p="http://schemas.openxmlformats.org/presentationml/2006/main">
+  <p:cSld>
+    <p:spTree>
+      <p:nvGrpSpPr>
+        <p:cNvPr id="1" name=""/>
+        <p:cNvGrpSpPr/>
+        <p:nvPr/>
+      </p:nvGrpSpPr>
+      <p:grpSpPr>
+        <a:xfrm>
+          <a:off x="0" y="0"/>
+          <a:ext cx="0" cy="0"/>
+          <a:chOff x="0" y="0"/>
+          <a:chExt cx="0" cy="0"/>
+        </a:xfrm>
+      </p:grpSpPr>
+      <p:sp>
+        <p:nvSpPr>
+          <p:cNvPr id="2" name="Title 1">
+            <a:extLst>
+              <a:ext uri="{FF2B5EF4-FFF2-40B4-BE49-F238E27FC236}">
+                <a16:creationId xmlns:a16="http://schemas.microsoft.com/office/drawing/2014/main" id="{A13F5AA5-FB92-C6BC-80D2-6C47F60EBDCB}"/>
+              </a:ext>
+            </a:extLst>
+          </p:cNvPr>
+          <p:cNvSpPr>
+            <a:spLocks noGrp="1"/>
+          </p:cNvSpPr>
+          <p:nvPr>
+            <p:ph type="title"/>
+          </p:nvPr>
+        </p:nvSpPr>
+        <p:spPr/>
+        <p:txBody>
+          <a:bodyPr/>
+          <a:lstStyle/>
+          <a:p>
+            <a:r>
+              <a:rPr lang="en-US" dirty="0"/>
+              <a:t>Logistic Regression</a:t>
+            </a:r>
+            <a:br>
+              <a:rPr lang="en-US" dirty="0"/>
+            </a:br>
+            <a:endParaRPr lang="en-US" dirty="0"/>
+          </a:p>
+        </p:txBody>
+      </p:sp>
+      <p:sp>
+        <p:nvSpPr>
+          <p:cNvPr id="3" name="Content Placeholder 2">
+            <a:extLst>
+              <a:ext uri="{FF2B5EF4-FFF2-40B4-BE49-F238E27FC236}">
+                <a16:creationId xmlns:a16="http://schemas.microsoft.com/office/drawing/2014/main" id="{B3CAE228-85EE-25EA-51B9-CD15F03B4A4D}"/>
+              </a:ext>
+            </a:extLst>
+          </p:cNvPr>
+          <p:cNvSpPr>
+            <a:spLocks noGrp="1"/>
+          </p:cNvSpPr>
+          <p:nvPr>
+            <p:ph sz="half" idx="1"/>
+          </p:nvPr>
+        </p:nvSpPr>
+        <p:spPr/>
+        <p:txBody>
+          <a:bodyPr/>
+          <a:lstStyle/>
+          <a:p>
+            <a:r>
+              <a:rPr lang="en-US" dirty="0"/>
+              <a:t>Logistic regression is a statistical method for predicting binary(0,1) outcomes from data. </a:t>
+            </a:r>
+          </a:p>
+          <a:p>
+            <a:pPr marL="0" indent="0">
+              <a:buNone/>
+            </a:pPr>
+            <a:endParaRPr lang="en-US" dirty="0"/>
+          </a:p>
+        </p:txBody>
+      </p:sp>
+      <p:pic>
+        <p:nvPicPr>
+          <p:cNvPr id="6" name="Content Placeholder 5">
+            <a:extLst>
+              <a:ext uri="{FF2B5EF4-FFF2-40B4-BE49-F238E27FC236}">
+                <a16:creationId xmlns:a16="http://schemas.microsoft.com/office/drawing/2014/main" id="{412DE073-2830-4637-EE52-4C580F26E4EB}"/>
+              </a:ext>
+            </a:extLst>
+          </p:cNvPr>
+          <p:cNvPicPr>
+            <a:picLocks noGrp="1" noChangeAspect="1"/>
+          </p:cNvPicPr>
+          <p:nvPr>
+            <p:ph sz="half" idx="2"/>
+          </p:nvPr>
+        </p:nvPicPr>
+        <p:blipFill>
+          <a:blip r:embed="rId2"/>
+          <a:stretch>
+            <a:fillRect/>
+          </a:stretch>
+        </p:blipFill>
+        <p:spPr>
+          <a:xfrm>
+            <a:off x="6417971" y="3120827"/>
+            <a:ext cx="4172532" cy="2838846"/>
+          </a:xfrm>
+        </p:spPr>
+      </p:pic>
+      <p:pic>
+        <p:nvPicPr>
+          <p:cNvPr id="7" name="Picture 6">
+            <a:extLst>
+              <a:ext uri="{FF2B5EF4-FFF2-40B4-BE49-F238E27FC236}">
+                <a16:creationId xmlns:a16="http://schemas.microsoft.com/office/drawing/2014/main" id="{6245EB18-466B-26D8-378B-7B31AD9BDEA2}"/>
+              </a:ext>
+            </a:extLst>
+          </p:cNvPr>
+          <p:cNvPicPr>
+            <a:picLocks noChangeAspect="1"/>
+          </p:cNvPicPr>
+          <p:nvPr/>
+        </p:nvPicPr>
+        <p:blipFill rotWithShape="1">
+          <a:blip r:embed="rId3"/>
+          <a:srcRect l="3765" t="7040" b="4941"/>
+          <a:stretch/>
+        </p:blipFill>
+        <p:spPr>
+          <a:xfrm>
+            <a:off x="7308344" y="1509871"/>
+            <a:ext cx="1988055" cy="1259372"/>
+          </a:xfrm>
+          <a:prstGeom prst="rect">
+            <a:avLst/>
+          </a:prstGeom>
+        </p:spPr>
+      </p:pic>
+      <p:sp>
+        <p:nvSpPr>
+          <p:cNvPr id="8" name="TextBox 7">
+            <a:extLst>
+              <a:ext uri="{FF2B5EF4-FFF2-40B4-BE49-F238E27FC236}">
+                <a16:creationId xmlns:a16="http://schemas.microsoft.com/office/drawing/2014/main" id="{7E26452A-84D2-650A-E8C3-5AFF856FBE2B}"/>
+              </a:ext>
+            </a:extLst>
+          </p:cNvPr>
+          <p:cNvSpPr txBox="1"/>
+          <p:nvPr/>
+        </p:nvSpPr>
+        <p:spPr>
+          <a:xfrm>
+            <a:off x="9185564" y="3295915"/>
+            <a:ext cx="678872" cy="369332"/>
+          </a:xfrm>
+          <a:prstGeom prst="rect">
+            <a:avLst/>
+          </a:prstGeom>
+          <a:solidFill>
+            <a:schemeClr val="bg1"/>
+          </a:solidFill>
+        </p:spPr>
+        <p:txBody>
+          <a:bodyPr wrap="square" rtlCol="0">
+            <a:spAutoFit/>
+          </a:bodyPr>
+          <a:lstStyle/>
+          <a:p>
+            <a:endParaRPr lang="en-US" dirty="0"/>
+          </a:p>
+        </p:txBody>
+      </p:sp>
+    </p:spTree>
+    <p:extLst>
+      <p:ext uri="{BB962C8B-B14F-4D97-AF65-F5344CB8AC3E}">
+        <p14:creationId xmlns:p14="http://schemas.microsoft.com/office/powerpoint/2010/main" val="1008253675"/>
+      </p:ext>
+    </p:extLst>
+  </p:cSld>
+  <p:clrMapOvr>
+    <a:masterClrMapping/>
+  </p:clrMapOvr>
+</p:sld>
+</file>
+
+<file path=ppt/slides/slide9.xml><?xml version="1.0" encoding="utf-8"?>
+<p:sld xmlns:a="http://schemas.openxmlformats.org/drawingml/2006/main" xmlns:r="http://schemas.openxmlformats.org/officeDocument/2006/relationships" xmlns:p="http://schemas.openxmlformats.org/presentationml/2006/main">
+  <p:cSld>
+    <p:bg>
+      <p:bgPr>
+        <a:solidFill>
+          <a:schemeClr val="bg1"/>
+        </a:solidFill>
+        <a:effectLst/>
+      </p:bgPr>
+    </p:bg>
+    <p:spTree>
+      <p:nvGrpSpPr>
+        <p:cNvPr id="1" name=""/>
+        <p:cNvGrpSpPr/>
+        <p:nvPr/>
+      </p:nvGrpSpPr>
+      <p:grpSpPr>
+        <a:xfrm>
+          <a:off x="0" y="0"/>
+          <a:ext cx="0" cy="0"/>
+          <a:chOff x="0" y="0"/>
+          <a:chExt cx="0" cy="0"/>
+        </a:xfrm>
+      </p:grpSpPr>
+      <p:sp>
+        <p:nvSpPr>
+          <p:cNvPr id="1028" name="Freeform: Shape 1030">
             <a:extLst>
               <a:ext uri="{FF2B5EF4-FFF2-40B4-BE49-F238E27FC236}">
                 <a16:creationId xmlns:a16="http://schemas.microsoft.com/office/drawing/2014/main" id="{49306479-8C4D-4E4A-A330-DFC80A8A01BE}"/>
@@ -7678,1874 +9927,6 @@
       </p:sp>
       <p:sp useBgFill="1">
         <p:nvSpPr>
-          <p:cNvPr id="26" name="Rectangle 11">
-            <a:extLst>
-              <a:ext uri="{FF2B5EF4-FFF2-40B4-BE49-F238E27FC236}">
-                <a16:creationId xmlns:a16="http://schemas.microsoft.com/office/drawing/2014/main" id="{ACEDC033-8DAA-4024-87F5-57430053AE84}"/>
-              </a:ext>
-              <a:ext uri="{C183D7F6-B498-43B3-948B-1728B52AA6E4}">
-                <adec:decorative xmlns:adec="http://schemas.microsoft.com/office/drawing/2017/decorative" val="1"/>
-              </a:ext>
-            </a:extLst>
-          </p:cNvPr>
-          <p:cNvSpPr>
-            <a:spLocks noGrp="1" noRot="1" noChangeAspect="1" noMove="1" noResize="1" noEditPoints="1" noAdjustHandles="1" noChangeArrowheads="1" noChangeShapeType="1" noTextEdit="1"/>
-          </p:cNvSpPr>
-          <p:nvPr>
-            <p:extLst>
-              <p:ext uri="{386F3935-93C4-4BCD-93E2-E3B085C9AB24}">
-                <p16:designElem xmlns:p16="http://schemas.microsoft.com/office/powerpoint/2015/main" val="1"/>
-              </p:ext>
-            </p:extLst>
-          </p:nvPr>
-        </p:nvSpPr>
-        <p:spPr>
-          <a:xfrm>
-            <a:off x="0" y="0"/>
-            <a:ext cx="12192000" cy="6858000"/>
-          </a:xfrm>
-          <a:prstGeom prst="rect">
-            <a:avLst/>
-          </a:prstGeom>
-          <a:ln>
-            <a:noFill/>
-          </a:ln>
-        </p:spPr>
-        <p:style>
-          <a:lnRef idx="2">
-            <a:schemeClr val="accent1">
-              <a:shade val="50000"/>
-            </a:schemeClr>
-          </a:lnRef>
-          <a:fillRef idx="1">
-            <a:schemeClr val="accent1"/>
-          </a:fillRef>
-          <a:effectRef idx="0">
-            <a:schemeClr val="accent1"/>
-          </a:effectRef>
-          <a:fontRef idx="minor">
-            <a:schemeClr val="lt1"/>
-          </a:fontRef>
-        </p:style>
-        <p:txBody>
-          <a:bodyPr rtlCol="0" anchor="ctr"/>
-          <a:lstStyle/>
-          <a:p>
-            <a:pPr algn="ctr"/>
-            <a:endParaRPr lang="en-US"/>
-          </a:p>
-        </p:txBody>
-      </p:sp>
-      <p:sp>
-        <p:nvSpPr>
-          <p:cNvPr id="27" name="Freeform: Shape 13">
-            <a:extLst>
-              <a:ext uri="{FF2B5EF4-FFF2-40B4-BE49-F238E27FC236}">
-                <a16:creationId xmlns:a16="http://schemas.microsoft.com/office/drawing/2014/main" id="{D584A691-C497-4066-927B-46560195E11F}"/>
-              </a:ext>
-              <a:ext uri="{C183D7F6-B498-43B3-948B-1728B52AA6E4}">
-                <adec:decorative xmlns:adec="http://schemas.microsoft.com/office/drawing/2017/decorative" val="1"/>
-              </a:ext>
-            </a:extLst>
-          </p:cNvPr>
-          <p:cNvSpPr>
-            <a:spLocks noGrp="1" noRot="1" noChangeAspect="1" noMove="1" noResize="1" noEditPoints="1" noAdjustHandles="1" noChangeArrowheads="1" noChangeShapeType="1" noTextEdit="1"/>
-          </p:cNvSpPr>
-          <p:nvPr>
-            <p:extLst>
-              <p:ext uri="{386F3935-93C4-4BCD-93E2-E3B085C9AB24}">
-                <p16:designElem xmlns:p16="http://schemas.microsoft.com/office/powerpoint/2015/main" val="1"/>
-              </p:ext>
-            </p:extLst>
-          </p:nvPr>
-        </p:nvSpPr>
-        <p:spPr>
-          <a:xfrm>
-            <a:off x="0" y="0"/>
-            <a:ext cx="12192000" cy="6105524"/>
-          </a:xfrm>
-          <a:custGeom>
-            <a:avLst/>
-            <a:gdLst>
-              <a:gd name="connsiteX0" fmla="*/ 0 w 12192000"/>
-              <a:gd name="connsiteY0" fmla="*/ 0 h 6105524"/>
-              <a:gd name="connsiteX1" fmla="*/ 12192000 w 12192000"/>
-              <a:gd name="connsiteY1" fmla="*/ 0 h 6105524"/>
-              <a:gd name="connsiteX2" fmla="*/ 12192000 w 12192000"/>
-              <a:gd name="connsiteY2" fmla="*/ 6105524 h 6105524"/>
-              <a:gd name="connsiteX3" fmla="*/ 11435080 w 12192000"/>
-              <a:gd name="connsiteY3" fmla="*/ 6105524 h 6105524"/>
-              <a:gd name="connsiteX4" fmla="*/ 11435080 w 12192000"/>
-              <a:gd name="connsiteY4" fmla="*/ 771523 h 6105524"/>
-              <a:gd name="connsiteX5" fmla="*/ 767080 w 12192000"/>
-              <a:gd name="connsiteY5" fmla="*/ 771523 h 6105524"/>
-              <a:gd name="connsiteX6" fmla="*/ 767080 w 12192000"/>
-              <a:gd name="connsiteY6" fmla="*/ 6105524 h 6105524"/>
-              <a:gd name="connsiteX7" fmla="*/ 0 w 12192000"/>
-              <a:gd name="connsiteY7" fmla="*/ 6105524 h 6105524"/>
-            </a:gdLst>
-            <a:ahLst/>
-            <a:cxnLst>
-              <a:cxn ang="0">
-                <a:pos x="connsiteX0" y="connsiteY0"/>
-              </a:cxn>
-              <a:cxn ang="0">
-                <a:pos x="connsiteX1" y="connsiteY1"/>
-              </a:cxn>
-              <a:cxn ang="0">
-                <a:pos x="connsiteX2" y="connsiteY2"/>
-              </a:cxn>
-              <a:cxn ang="0">
-                <a:pos x="connsiteX3" y="connsiteY3"/>
-              </a:cxn>
-              <a:cxn ang="0">
-                <a:pos x="connsiteX4" y="connsiteY4"/>
-              </a:cxn>
-              <a:cxn ang="0">
-                <a:pos x="connsiteX5" y="connsiteY5"/>
-              </a:cxn>
-              <a:cxn ang="0">
-                <a:pos x="connsiteX6" y="connsiteY6"/>
-              </a:cxn>
-              <a:cxn ang="0">
-                <a:pos x="connsiteX7" y="connsiteY7"/>
-              </a:cxn>
-            </a:cxnLst>
-            <a:rect l="l" t="t" r="r" b="b"/>
-            <a:pathLst>
-              <a:path w="12192000" h="6105524">
-                <a:moveTo>
-                  <a:pt x="0" y="0"/>
-                </a:moveTo>
-                <a:lnTo>
-                  <a:pt x="12192000" y="0"/>
-                </a:lnTo>
-                <a:lnTo>
-                  <a:pt x="12192000" y="6105524"/>
-                </a:lnTo>
-                <a:lnTo>
-                  <a:pt x="11435080" y="6105524"/>
-                </a:lnTo>
-                <a:lnTo>
-                  <a:pt x="11435080" y="771523"/>
-                </a:lnTo>
-                <a:lnTo>
-                  <a:pt x="767080" y="771523"/>
-                </a:lnTo>
-                <a:lnTo>
-                  <a:pt x="767080" y="6105524"/>
-                </a:lnTo>
-                <a:lnTo>
-                  <a:pt x="0" y="6105524"/>
-                </a:lnTo>
-                <a:close/>
-              </a:path>
-            </a:pathLst>
-          </a:custGeom>
-          <a:gradFill flip="none" rotWithShape="1">
-            <a:gsLst>
-              <a:gs pos="10000">
-                <a:schemeClr val="accent5"/>
-              </a:gs>
-              <a:gs pos="90000">
-                <a:schemeClr val="accent1"/>
-              </a:gs>
-              <a:gs pos="70000">
-                <a:schemeClr val="accent2"/>
-              </a:gs>
-              <a:gs pos="30000">
-                <a:schemeClr val="accent4"/>
-              </a:gs>
-              <a:gs pos="50000">
-                <a:schemeClr val="accent3">
-                  <a:lumMod val="60000"/>
-                  <a:lumOff val="40000"/>
-                </a:schemeClr>
-              </a:gs>
-            </a:gsLst>
-            <a:lin ang="7200000" scaled="0"/>
-            <a:tileRect/>
-          </a:gradFill>
-          <a:ln>
-            <a:noFill/>
-          </a:ln>
-        </p:spPr>
-        <p:style>
-          <a:lnRef idx="2">
-            <a:schemeClr val="accent1">
-              <a:shade val="50000"/>
-            </a:schemeClr>
-          </a:lnRef>
-          <a:fillRef idx="1">
-            <a:schemeClr val="accent1"/>
-          </a:fillRef>
-          <a:effectRef idx="0">
-            <a:schemeClr val="accent1"/>
-          </a:effectRef>
-          <a:fontRef idx="minor">
-            <a:schemeClr val="lt1"/>
-          </a:fontRef>
-        </p:style>
-        <p:txBody>
-          <a:bodyPr wrap="square" rtlCol="0" anchor="ctr">
-            <a:noAutofit/>
-          </a:bodyPr>
-          <a:lstStyle/>
-          <a:p>
-            <a:pPr algn="ctr"/>
-            <a:endParaRPr lang="en-US"/>
-          </a:p>
-        </p:txBody>
-      </p:sp>
-      <p:sp useBgFill="1">
-        <p:nvSpPr>
-          <p:cNvPr id="28" name="Rectangle 15">
-            <a:extLst>
-              <a:ext uri="{FF2B5EF4-FFF2-40B4-BE49-F238E27FC236}">
-                <a16:creationId xmlns:a16="http://schemas.microsoft.com/office/drawing/2014/main" id="{85142CA2-DBFB-4161-ABDF-E87C86881F99}"/>
-              </a:ext>
-              <a:ext uri="{C183D7F6-B498-43B3-948B-1728B52AA6E4}">
-                <adec:decorative xmlns:adec="http://schemas.microsoft.com/office/drawing/2017/decorative" val="1"/>
-              </a:ext>
-            </a:extLst>
-          </p:cNvPr>
-          <p:cNvSpPr>
-            <a:spLocks noGrp="1" noRot="1" noChangeAspect="1" noMove="1" noResize="1" noEditPoints="1" noAdjustHandles="1" noChangeArrowheads="1" noChangeShapeType="1" noTextEdit="1"/>
-          </p:cNvSpPr>
-          <p:nvPr>
-            <p:extLst>
-              <p:ext uri="{386F3935-93C4-4BCD-93E2-E3B085C9AB24}">
-                <p16:designElem xmlns:p16="http://schemas.microsoft.com/office/powerpoint/2015/main" val="1"/>
-              </p:ext>
-            </p:extLst>
-          </p:nvPr>
-        </p:nvSpPr>
-        <p:spPr>
-          <a:xfrm>
-            <a:off x="-2" y="757238"/>
-            <a:ext cx="12192002" cy="6100762"/>
-          </a:xfrm>
-          <a:prstGeom prst="rect">
-            <a:avLst/>
-          </a:prstGeom>
-          <a:ln w="76200">
-            <a:noFill/>
-          </a:ln>
-        </p:spPr>
-        <p:style>
-          <a:lnRef idx="2">
-            <a:schemeClr val="accent1">
-              <a:shade val="50000"/>
-            </a:schemeClr>
-          </a:lnRef>
-          <a:fillRef idx="1">
-            <a:schemeClr val="accent1"/>
-          </a:fillRef>
-          <a:effectRef idx="0">
-            <a:schemeClr val="accent1"/>
-          </a:effectRef>
-          <a:fontRef idx="minor">
-            <a:schemeClr val="lt1"/>
-          </a:fontRef>
-        </p:style>
-        <p:txBody>
-          <a:bodyPr rtlCol="0" anchor="ctr"/>
-          <a:lstStyle/>
-          <a:p>
-            <a:pPr algn="ctr"/>
-            <a:endParaRPr lang="en-US" dirty="0"/>
-          </a:p>
-        </p:txBody>
-      </p:sp>
-      <p:sp>
-        <p:nvSpPr>
-          <p:cNvPr id="2" name="Title 1">
-            <a:extLst>
-              <a:ext uri="{FF2B5EF4-FFF2-40B4-BE49-F238E27FC236}">
-                <a16:creationId xmlns:a16="http://schemas.microsoft.com/office/drawing/2014/main" id="{BC134F07-A928-4A4A-6551-3C2A0F2AB0EE}"/>
-              </a:ext>
-            </a:extLst>
-          </p:cNvPr>
-          <p:cNvSpPr>
-            <a:spLocks noGrp="1"/>
-          </p:cNvSpPr>
-          <p:nvPr>
-            <p:ph type="title"/>
-          </p:nvPr>
-        </p:nvSpPr>
-        <p:spPr>
-          <a:xfrm>
-            <a:off x="1405465" y="1412897"/>
-            <a:ext cx="7547607" cy="1109498"/>
-          </a:xfrm>
-        </p:spPr>
-        <p:txBody>
-          <a:bodyPr/>
-          <a:lstStyle/>
-          <a:p>
-            <a:pPr defTabSz="736066"/>
-            <a:r>
-              <a:rPr lang="en-US" sz="3381" kern="1200" spc="-40" baseline="0">
-                <a:solidFill>
-                  <a:schemeClr val="tx1"/>
-                </a:solidFill>
-                <a:latin typeface="+mj-lt"/>
-                <a:ea typeface="+mj-ea"/>
-                <a:cs typeface="+mj-cs"/>
-              </a:rPr>
-              <a:t>Machine Learning and Heart Disease Dataset</a:t>
-            </a:r>
-            <a:endParaRPr lang="en-US"/>
-          </a:p>
-        </p:txBody>
-      </p:sp>
-      <p:sp>
-        <p:nvSpPr>
-          <p:cNvPr id="3" name="Content Placeholder 2">
-            <a:extLst>
-              <a:ext uri="{FF2B5EF4-FFF2-40B4-BE49-F238E27FC236}">
-                <a16:creationId xmlns:a16="http://schemas.microsoft.com/office/drawing/2014/main" id="{CFFB90DE-DD47-5318-F8B8-D2DBB7D46F5F}"/>
-              </a:ext>
-            </a:extLst>
-          </p:cNvPr>
-          <p:cNvSpPr>
-            <a:spLocks noGrp="1"/>
-          </p:cNvSpPr>
-          <p:nvPr>
-            <p:ph idx="1"/>
-          </p:nvPr>
-        </p:nvSpPr>
-        <p:spPr>
-          <a:xfrm>
-            <a:off x="1405465" y="2612966"/>
-            <a:ext cx="9408364" cy="925611"/>
-          </a:xfrm>
-        </p:spPr>
-        <p:txBody>
-          <a:bodyPr>
-            <a:normAutofit/>
-          </a:bodyPr>
-          <a:lstStyle/>
-          <a:p>
-            <a:pPr marL="0" indent="0" defTabSz="736066">
-              <a:lnSpc>
-                <a:spcPct val="95000"/>
-              </a:lnSpc>
-              <a:spcBef>
-                <a:spcPts val="724"/>
-              </a:spcBef>
-              <a:buNone/>
-            </a:pPr>
-            <a:r>
-              <a:rPr lang="en-US" sz="1610" kern="1200" err="1">
-                <a:solidFill>
-                  <a:schemeClr val="tx1"/>
-                </a:solidFill>
-                <a:latin typeface="+mn-lt"/>
-                <a:ea typeface="+mn-ea"/>
-                <a:cs typeface="+mn-cs"/>
-              </a:rPr>
-              <a:t>Kagger</a:t>
-            </a:r>
-            <a:r>
-              <a:rPr lang="en-US" sz="1610" kern="1200">
-                <a:solidFill>
-                  <a:schemeClr val="tx1"/>
-                </a:solidFill>
-                <a:latin typeface="+mn-lt"/>
-                <a:ea typeface="+mn-ea"/>
-                <a:cs typeface="+mn-cs"/>
-              </a:rPr>
-              <a:t> Heart Disease:  This data set dates from 1988 and consists of four databases: Cleveland, Hungary, Switzerland, and Long Beach V. </a:t>
-            </a:r>
-          </a:p>
-          <a:p>
-            <a:pPr marL="0" indent="0" defTabSz="736066">
-              <a:lnSpc>
-                <a:spcPct val="95000"/>
-              </a:lnSpc>
-              <a:spcBef>
-                <a:spcPts val="724"/>
-              </a:spcBef>
-              <a:buNone/>
-            </a:pPr>
-            <a:r>
-              <a:rPr lang="en-US" sz="1610" kern="1200">
-                <a:solidFill>
-                  <a:schemeClr val="tx1"/>
-                </a:solidFill>
-                <a:latin typeface="+mn-lt"/>
-                <a:ea typeface="+mn-ea"/>
-                <a:cs typeface="+mn-cs"/>
-              </a:rPr>
-              <a:t>Features:</a:t>
-            </a:r>
-            <a:endParaRPr lang="en-US" sz="2000"/>
-          </a:p>
-        </p:txBody>
-      </p:sp>
-      <p:sp>
-        <p:nvSpPr>
-          <p:cNvPr id="5" name="TextBox 4">
-            <a:extLst>
-              <a:ext uri="{FF2B5EF4-FFF2-40B4-BE49-F238E27FC236}">
-                <a16:creationId xmlns:a16="http://schemas.microsoft.com/office/drawing/2014/main" id="{63BDE919-C74D-D047-F52B-80112D96660C}"/>
-              </a:ext>
-            </a:extLst>
-          </p:cNvPr>
-          <p:cNvSpPr txBox="1"/>
-          <p:nvPr/>
-        </p:nvSpPr>
-        <p:spPr>
-          <a:xfrm>
-            <a:off x="1405465" y="3538577"/>
-            <a:ext cx="9408364" cy="2549992"/>
-          </a:xfrm>
-          <a:prstGeom prst="rect">
-            <a:avLst/>
-          </a:prstGeom>
-          <a:noFill/>
-        </p:spPr>
-        <p:txBody>
-          <a:bodyPr wrap="square" numCol="2" rtlCol="0">
-            <a:spAutoFit/>
-          </a:bodyPr>
-          <a:lstStyle/>
-          <a:p>
-            <a:pPr marL="310839" indent="-310839" defTabSz="736066">
-              <a:spcAft>
-                <a:spcPts val="653"/>
-              </a:spcAft>
-              <a:buFont typeface="Arial" panose="020B0604020202020204" pitchFamily="34" charset="0"/>
-              <a:buChar char="•"/>
-            </a:pPr>
-            <a:r>
-              <a:rPr lang="en-US" sz="1449" kern="1200" dirty="0">
-                <a:solidFill>
-                  <a:schemeClr val="tx1"/>
-                </a:solidFill>
-                <a:latin typeface="+mn-lt"/>
-                <a:ea typeface="+mn-ea"/>
-                <a:cs typeface="+mn-cs"/>
-              </a:rPr>
-              <a:t>age</a:t>
-            </a:r>
-          </a:p>
-          <a:p>
-            <a:pPr marL="310839" indent="-310839" defTabSz="736066">
-              <a:spcAft>
-                <a:spcPts val="653"/>
-              </a:spcAft>
-              <a:buFont typeface="Arial" panose="020B0604020202020204" pitchFamily="34" charset="0"/>
-              <a:buChar char="•"/>
-            </a:pPr>
-            <a:r>
-              <a:rPr lang="en-US" sz="1449" kern="1200" dirty="0">
-                <a:solidFill>
-                  <a:schemeClr val="tx1"/>
-                </a:solidFill>
-                <a:latin typeface="+mn-lt"/>
-                <a:ea typeface="+mn-ea"/>
-                <a:cs typeface="+mn-cs"/>
-              </a:rPr>
-              <a:t>sex</a:t>
-            </a:r>
-          </a:p>
-          <a:p>
-            <a:pPr marL="310839" indent="-310839" defTabSz="736066">
-              <a:spcAft>
-                <a:spcPts val="653"/>
-              </a:spcAft>
-              <a:buFont typeface="Arial" panose="020B0604020202020204" pitchFamily="34" charset="0"/>
-              <a:buChar char="•"/>
-            </a:pPr>
-            <a:r>
-              <a:rPr lang="en-US" sz="1449" kern="1200" dirty="0">
-                <a:solidFill>
-                  <a:schemeClr val="tx1"/>
-                </a:solidFill>
-                <a:latin typeface="+mn-lt"/>
-                <a:ea typeface="+mn-ea"/>
-                <a:cs typeface="+mn-cs"/>
-              </a:rPr>
-              <a:t>chest pain type (4 values)</a:t>
-            </a:r>
-          </a:p>
-          <a:p>
-            <a:pPr marL="310839" indent="-310839" defTabSz="736066">
-              <a:spcAft>
-                <a:spcPts val="653"/>
-              </a:spcAft>
-              <a:buFont typeface="Arial" panose="020B0604020202020204" pitchFamily="34" charset="0"/>
-              <a:buChar char="•"/>
-            </a:pPr>
-            <a:r>
-              <a:rPr lang="en-US" sz="1449" kern="1200" dirty="0">
-                <a:solidFill>
-                  <a:schemeClr val="tx1"/>
-                </a:solidFill>
-                <a:latin typeface="+mn-lt"/>
-                <a:ea typeface="+mn-ea"/>
-                <a:cs typeface="+mn-cs"/>
-              </a:rPr>
-              <a:t>resting blood pressure</a:t>
-            </a:r>
-          </a:p>
-          <a:p>
-            <a:pPr marL="310839" indent="-310839" defTabSz="736066">
-              <a:spcAft>
-                <a:spcPts val="653"/>
-              </a:spcAft>
-              <a:buFont typeface="Arial" panose="020B0604020202020204" pitchFamily="34" charset="0"/>
-              <a:buChar char="•"/>
-            </a:pPr>
-            <a:r>
-              <a:rPr lang="en-US" sz="1449" kern="1200" dirty="0">
-                <a:solidFill>
-                  <a:schemeClr val="tx1"/>
-                </a:solidFill>
-                <a:latin typeface="+mn-lt"/>
-                <a:ea typeface="+mn-ea"/>
-                <a:cs typeface="+mn-cs"/>
-              </a:rPr>
-              <a:t>serum cholesterol in mg/dl</a:t>
-            </a:r>
-          </a:p>
-          <a:p>
-            <a:pPr marL="310839" indent="-310839" defTabSz="736066">
-              <a:spcAft>
-                <a:spcPts val="653"/>
-              </a:spcAft>
-              <a:buFont typeface="Arial" panose="020B0604020202020204" pitchFamily="34" charset="0"/>
-              <a:buChar char="•"/>
-            </a:pPr>
-            <a:r>
-              <a:rPr lang="en-US" sz="1449" kern="1200" dirty="0">
-                <a:solidFill>
-                  <a:schemeClr val="tx1"/>
-                </a:solidFill>
-                <a:latin typeface="+mn-lt"/>
-                <a:ea typeface="+mn-ea"/>
-                <a:cs typeface="+mn-cs"/>
-              </a:rPr>
-              <a:t>fasting blood sugar &gt; 120 mg/dl</a:t>
-            </a:r>
-          </a:p>
-          <a:p>
-            <a:pPr marL="310839" indent="-310839" defTabSz="736066">
-              <a:spcAft>
-                <a:spcPts val="653"/>
-              </a:spcAft>
-              <a:buFont typeface="Arial" panose="020B0604020202020204" pitchFamily="34" charset="0"/>
-              <a:buChar char="•"/>
-            </a:pPr>
-            <a:r>
-              <a:rPr lang="en-US" sz="1449" kern="1200" dirty="0">
-                <a:solidFill>
-                  <a:schemeClr val="tx1"/>
-                </a:solidFill>
-                <a:latin typeface="+mn-lt"/>
-                <a:ea typeface="+mn-ea"/>
-                <a:cs typeface="+mn-cs"/>
-              </a:rPr>
-              <a:t>resting electrocardiographic results (values 0,1,2)</a:t>
-            </a:r>
-          </a:p>
-          <a:p>
-            <a:pPr marL="310839" indent="-310839" defTabSz="736066">
-              <a:spcAft>
-                <a:spcPts val="653"/>
-              </a:spcAft>
-              <a:buFont typeface="Arial" panose="020B0604020202020204" pitchFamily="34" charset="0"/>
-              <a:buChar char="•"/>
-            </a:pPr>
-            <a:r>
-              <a:rPr lang="en-US" sz="1449" kern="1200" dirty="0">
-                <a:solidFill>
-                  <a:schemeClr val="tx1"/>
-                </a:solidFill>
-                <a:latin typeface="+mn-lt"/>
-                <a:ea typeface="+mn-ea"/>
-                <a:cs typeface="+mn-cs"/>
-              </a:rPr>
-              <a:t>maximum heart rate achieved</a:t>
-            </a:r>
-          </a:p>
-          <a:p>
-            <a:pPr marL="310839" indent="-310839" defTabSz="736066">
-              <a:spcAft>
-                <a:spcPts val="653"/>
-              </a:spcAft>
-              <a:buFont typeface="Arial" panose="020B0604020202020204" pitchFamily="34" charset="0"/>
-              <a:buChar char="•"/>
-            </a:pPr>
-            <a:r>
-              <a:rPr lang="en-US" sz="1449" kern="1200" dirty="0">
-                <a:solidFill>
-                  <a:schemeClr val="tx1"/>
-                </a:solidFill>
-                <a:latin typeface="+mn-lt"/>
-                <a:ea typeface="+mn-ea"/>
-                <a:cs typeface="+mn-cs"/>
-              </a:rPr>
-              <a:t>exercise induced angina</a:t>
-            </a:r>
-          </a:p>
-          <a:p>
-            <a:pPr marL="310839" indent="-310839" defTabSz="736066">
-              <a:spcAft>
-                <a:spcPts val="653"/>
-              </a:spcAft>
-              <a:buFont typeface="Arial" panose="020B0604020202020204" pitchFamily="34" charset="0"/>
-              <a:buChar char="•"/>
-            </a:pPr>
-            <a:r>
-              <a:rPr lang="en-US" sz="1449" kern="1200" dirty="0" err="1">
-                <a:solidFill>
-                  <a:schemeClr val="tx1"/>
-                </a:solidFill>
-                <a:latin typeface="+mn-lt"/>
-                <a:ea typeface="+mn-ea"/>
-                <a:cs typeface="+mn-cs"/>
-              </a:rPr>
-              <a:t>oldpeak</a:t>
-            </a:r>
-            <a:r>
-              <a:rPr lang="en-US" sz="1449" kern="1200" dirty="0">
-                <a:solidFill>
-                  <a:schemeClr val="tx1"/>
-                </a:solidFill>
-                <a:latin typeface="+mn-lt"/>
-                <a:ea typeface="+mn-ea"/>
-                <a:cs typeface="+mn-cs"/>
-              </a:rPr>
-              <a:t> = ST depression induced by exercise relative to rest</a:t>
-            </a:r>
-          </a:p>
-          <a:p>
-            <a:pPr marL="310839" indent="-310839" defTabSz="736066">
-              <a:spcAft>
-                <a:spcPts val="653"/>
-              </a:spcAft>
-              <a:buFont typeface="Arial" panose="020B0604020202020204" pitchFamily="34" charset="0"/>
-              <a:buChar char="•"/>
-            </a:pPr>
-            <a:r>
-              <a:rPr lang="en-US" sz="1449" kern="1200" dirty="0">
-                <a:solidFill>
-                  <a:schemeClr val="tx1"/>
-                </a:solidFill>
-                <a:latin typeface="+mn-lt"/>
-                <a:ea typeface="+mn-ea"/>
-                <a:cs typeface="+mn-cs"/>
-              </a:rPr>
-              <a:t>the slope of the peak exercise ST segment</a:t>
-            </a:r>
-          </a:p>
-          <a:p>
-            <a:pPr marL="310839" indent="-310839" defTabSz="736066">
-              <a:spcAft>
-                <a:spcPts val="653"/>
-              </a:spcAft>
-              <a:buFont typeface="Arial" panose="020B0604020202020204" pitchFamily="34" charset="0"/>
-              <a:buChar char="•"/>
-            </a:pPr>
-            <a:r>
-              <a:rPr lang="en-US" sz="1449" kern="1200" dirty="0">
-                <a:solidFill>
-                  <a:schemeClr val="tx1"/>
-                </a:solidFill>
-                <a:latin typeface="+mn-lt"/>
-                <a:ea typeface="+mn-ea"/>
-                <a:cs typeface="+mn-cs"/>
-              </a:rPr>
-              <a:t>number of major vessels (0-3) colored by fluoroscopy</a:t>
-            </a:r>
-          </a:p>
-          <a:p>
-            <a:pPr marL="310839" indent="-310839" defTabSz="736066">
-              <a:spcAft>
-                <a:spcPts val="653"/>
-              </a:spcAft>
-              <a:buFont typeface="Arial" panose="020B0604020202020204" pitchFamily="34" charset="0"/>
-              <a:buChar char="•"/>
-            </a:pPr>
-            <a:r>
-              <a:rPr lang="en-US" sz="1449" kern="1200" dirty="0" err="1">
-                <a:solidFill>
-                  <a:schemeClr val="tx1"/>
-                </a:solidFill>
-                <a:latin typeface="+mn-lt"/>
-                <a:ea typeface="+mn-ea"/>
-                <a:cs typeface="+mn-cs"/>
-              </a:rPr>
-              <a:t>thal</a:t>
-            </a:r>
-            <a:r>
-              <a:rPr lang="en-US" sz="1449" kern="1200" dirty="0">
-                <a:solidFill>
-                  <a:schemeClr val="tx1"/>
-                </a:solidFill>
-                <a:latin typeface="+mn-lt"/>
-                <a:ea typeface="+mn-ea"/>
-                <a:cs typeface="+mn-cs"/>
-              </a:rPr>
-              <a:t>: 0 = normal; 1 = fixed defect; 2 = reversable defect</a:t>
-            </a:r>
-            <a:endParaRPr lang="en-US" dirty="0"/>
-          </a:p>
-        </p:txBody>
-      </p:sp>
-    </p:spTree>
-    <p:extLst>
-      <p:ext uri="{BB962C8B-B14F-4D97-AF65-F5344CB8AC3E}">
-        <p14:creationId xmlns:p14="http://schemas.microsoft.com/office/powerpoint/2010/main" val="3082918316"/>
-      </p:ext>
-    </p:extLst>
-  </p:cSld>
-  <p:clrMapOvr>
-    <a:masterClrMapping/>
-  </p:clrMapOvr>
-</p:sld>
-</file>
-
-<file path=ppt/slides/slide5.xml><?xml version="1.0" encoding="utf-8"?>
-<p:sld xmlns:a="http://schemas.openxmlformats.org/drawingml/2006/main" xmlns:r="http://schemas.openxmlformats.org/officeDocument/2006/relationships" xmlns:p="http://schemas.openxmlformats.org/presentationml/2006/main">
-  <p:cSld>
-    <p:bg>
-      <p:bgPr>
-        <a:solidFill>
-          <a:schemeClr val="bg1"/>
-        </a:solidFill>
-        <a:effectLst/>
-      </p:bgPr>
-    </p:bg>
-    <p:spTree>
-      <p:nvGrpSpPr>
-        <p:cNvPr id="1" name=""/>
-        <p:cNvGrpSpPr/>
-        <p:nvPr/>
-      </p:nvGrpSpPr>
-      <p:grpSpPr>
-        <a:xfrm>
-          <a:off x="0" y="0"/>
-          <a:ext cx="0" cy="0"/>
-          <a:chOff x="0" y="0"/>
-          <a:chExt cx="0" cy="0"/>
-        </a:xfrm>
-      </p:grpSpPr>
-      <p:sp>
-        <p:nvSpPr>
-          <p:cNvPr id="2" name="Title 1">
-            <a:extLst>
-              <a:ext uri="{FF2B5EF4-FFF2-40B4-BE49-F238E27FC236}">
-                <a16:creationId xmlns:a16="http://schemas.microsoft.com/office/drawing/2014/main" id="{604E8EE8-914A-C5FB-2FEC-E5D394C12514}"/>
-              </a:ext>
-            </a:extLst>
-          </p:cNvPr>
-          <p:cNvSpPr>
-            <a:spLocks noGrp="1"/>
-          </p:cNvSpPr>
-          <p:nvPr>
-            <p:ph type="title"/>
-          </p:nvPr>
-        </p:nvSpPr>
-        <p:spPr>
-          <a:xfrm>
-            <a:off x="5431940" y="1517650"/>
-            <a:ext cx="5998059" cy="1344613"/>
-          </a:xfrm>
-        </p:spPr>
-        <p:txBody>
-          <a:bodyPr vert="horz" lIns="91440" tIns="45720" rIns="91440" bIns="45720" rtlCol="0" anchor="t">
-            <a:normAutofit/>
-          </a:bodyPr>
-          <a:lstStyle/>
-          <a:p>
-            <a:pPr>
-              <a:lnSpc>
-                <a:spcPct val="95000"/>
-              </a:lnSpc>
-            </a:pPr>
-            <a:r>
-              <a:rPr lang="en-US" sz="4200" kern="1200" spc="-50" baseline="0">
-                <a:solidFill>
-                  <a:schemeClr val="tx1"/>
-                </a:solidFill>
-                <a:latin typeface="+mj-lt"/>
-                <a:ea typeface="+mj-ea"/>
-                <a:cs typeface="+mj-cs"/>
-              </a:rPr>
-              <a:t>Looking at the Data</a:t>
-            </a:r>
-          </a:p>
-        </p:txBody>
-      </p:sp>
-      <p:sp>
-        <p:nvSpPr>
-          <p:cNvPr id="4" name="Text Placeholder 3">
-            <a:extLst>
-              <a:ext uri="{FF2B5EF4-FFF2-40B4-BE49-F238E27FC236}">
-                <a16:creationId xmlns:a16="http://schemas.microsoft.com/office/drawing/2014/main" id="{E8D5986B-A007-368A-E7D5-A455AAED440B}"/>
-              </a:ext>
-            </a:extLst>
-          </p:cNvPr>
-          <p:cNvSpPr>
-            <a:spLocks noGrp="1"/>
-          </p:cNvSpPr>
-          <p:nvPr>
-            <p:ph type="body" sz="half" idx="2"/>
-          </p:nvPr>
-        </p:nvSpPr>
-        <p:spPr>
-          <a:xfrm>
-            <a:off x="5431940" y="2970213"/>
-            <a:ext cx="5998059" cy="3125787"/>
-          </a:xfrm>
-        </p:spPr>
-        <p:txBody>
-          <a:bodyPr vert="horz" lIns="91440" tIns="45720" rIns="91440" bIns="45720" rtlCol="0">
-            <a:normAutofit/>
-          </a:bodyPr>
-          <a:lstStyle/>
-          <a:p>
-            <a:endParaRPr lang="en-US" dirty="0"/>
-          </a:p>
-          <a:p>
-            <a:endParaRPr lang="en-US" dirty="0"/>
-          </a:p>
-          <a:p>
-            <a:r>
-              <a:rPr lang="en-US" sz="3200" dirty="0">
-                <a:solidFill>
-                  <a:srgbClr val="0070C0"/>
-                </a:solidFill>
-                <a:hlinkClick r:id="rId2">
-                  <a:extLst>
-                    <a:ext uri="{A12FA001-AC4F-418D-AE19-62706E023703}">
-                      <ahyp:hlinkClr xmlns:ahyp="http://schemas.microsoft.com/office/drawing/2018/hyperlinkcolor" val="tx"/>
-                    </a:ext>
-                  </a:extLst>
-                </a:hlinkClick>
-              </a:rPr>
-              <a:t>The Story Starts Here</a:t>
-            </a:r>
-            <a:r>
-              <a:rPr lang="en-US" sz="3200" dirty="0">
-                <a:solidFill>
-                  <a:srgbClr val="0070C0"/>
-                </a:solidFill>
-              </a:rPr>
-              <a:t> </a:t>
-            </a:r>
-          </a:p>
-        </p:txBody>
-      </p:sp>
-      <p:pic>
-        <p:nvPicPr>
-          <p:cNvPr id="5" name="Picture 4">
-            <a:extLst>
-              <a:ext uri="{FF2B5EF4-FFF2-40B4-BE49-F238E27FC236}">
-                <a16:creationId xmlns:a16="http://schemas.microsoft.com/office/drawing/2014/main" id="{7CA3BC05-1F94-DF5B-A5D1-ADDFE5C6E676}"/>
-              </a:ext>
-            </a:extLst>
-          </p:cNvPr>
-          <p:cNvPicPr>
-            <a:picLocks noChangeAspect="1"/>
-          </p:cNvPicPr>
-          <p:nvPr/>
-        </p:nvPicPr>
-        <p:blipFill rotWithShape="1">
-          <a:blip r:embed="rId3"/>
-          <a:srcRect l="9070" r="38434" b="1"/>
-          <a:stretch/>
-        </p:blipFill>
-        <p:spPr>
-          <a:xfrm>
-            <a:off x="119583" y="761998"/>
-            <a:ext cx="4534710" cy="5334002"/>
-          </a:xfrm>
-          <a:prstGeom prst="rect">
-            <a:avLst/>
-          </a:prstGeom>
-        </p:spPr>
-      </p:pic>
-    </p:spTree>
-    <p:extLst>
-      <p:ext uri="{BB962C8B-B14F-4D97-AF65-F5344CB8AC3E}">
-        <p14:creationId xmlns:p14="http://schemas.microsoft.com/office/powerpoint/2010/main" val="2015659930"/>
-      </p:ext>
-    </p:extLst>
-  </p:cSld>
-  <p:clrMapOvr>
-    <a:masterClrMapping/>
-  </p:clrMapOvr>
-</p:sld>
-</file>
-
-<file path=ppt/slides/slide6.xml><?xml version="1.0" encoding="utf-8"?>
-<p:sld xmlns:a="http://schemas.openxmlformats.org/drawingml/2006/main" xmlns:r="http://schemas.openxmlformats.org/officeDocument/2006/relationships" xmlns:p="http://schemas.openxmlformats.org/presentationml/2006/main">
-  <p:cSld>
-    <p:bg>
-      <p:bgPr>
-        <a:solidFill>
-          <a:schemeClr val="bg1"/>
-        </a:solidFill>
-        <a:effectLst/>
-      </p:bgPr>
-    </p:bg>
-    <p:spTree>
-      <p:nvGrpSpPr>
-        <p:cNvPr id="1" name=""/>
-        <p:cNvGrpSpPr/>
-        <p:nvPr/>
-      </p:nvGrpSpPr>
-      <p:grpSpPr>
-        <a:xfrm>
-          <a:off x="0" y="0"/>
-          <a:ext cx="0" cy="0"/>
-          <a:chOff x="0" y="0"/>
-          <a:chExt cx="0" cy="0"/>
-        </a:xfrm>
-      </p:grpSpPr>
-      <p:sp>
-        <p:nvSpPr>
-          <p:cNvPr id="25" name="Freeform: Shape 26">
-            <a:extLst>
-              <a:ext uri="{FF2B5EF4-FFF2-40B4-BE49-F238E27FC236}">
-                <a16:creationId xmlns:a16="http://schemas.microsoft.com/office/drawing/2014/main" id="{49306479-8C4D-4E4A-A330-DFC80A8A01BE}"/>
-              </a:ext>
-              <a:ext uri="{C183D7F6-B498-43B3-948B-1728B52AA6E4}">
-                <adec:decorative xmlns:adec="http://schemas.microsoft.com/office/drawing/2017/decorative" val="1"/>
-              </a:ext>
-            </a:extLst>
-          </p:cNvPr>
-          <p:cNvSpPr>
-            <a:spLocks noGrp="1" noRot="1" noChangeAspect="1" noMove="1" noResize="1" noEditPoints="1" noAdjustHandles="1" noChangeArrowheads="1" noChangeShapeType="1" noTextEdit="1"/>
-          </p:cNvSpPr>
-          <p:nvPr>
-            <p:extLst>
-              <p:ext uri="{386F3935-93C4-4BCD-93E2-E3B085C9AB24}">
-                <p16:designElem xmlns:p16="http://schemas.microsoft.com/office/powerpoint/2015/main" val="1"/>
-              </p:ext>
-            </p:extLst>
-          </p:nvPr>
-        </p:nvSpPr>
-        <p:spPr>
-          <a:xfrm>
-            <a:off x="0" y="0"/>
-            <a:ext cx="12192000" cy="6105524"/>
-          </a:xfrm>
-          <a:custGeom>
-            <a:avLst/>
-            <a:gdLst>
-              <a:gd name="connsiteX0" fmla="*/ 0 w 12192000"/>
-              <a:gd name="connsiteY0" fmla="*/ 0 h 6105524"/>
-              <a:gd name="connsiteX1" fmla="*/ 12192000 w 12192000"/>
-              <a:gd name="connsiteY1" fmla="*/ 0 h 6105524"/>
-              <a:gd name="connsiteX2" fmla="*/ 12192000 w 12192000"/>
-              <a:gd name="connsiteY2" fmla="*/ 6105524 h 6105524"/>
-              <a:gd name="connsiteX3" fmla="*/ 11435080 w 12192000"/>
-              <a:gd name="connsiteY3" fmla="*/ 6105524 h 6105524"/>
-              <a:gd name="connsiteX4" fmla="*/ 11435080 w 12192000"/>
-              <a:gd name="connsiteY4" fmla="*/ 771523 h 6105524"/>
-              <a:gd name="connsiteX5" fmla="*/ 767080 w 12192000"/>
-              <a:gd name="connsiteY5" fmla="*/ 771523 h 6105524"/>
-              <a:gd name="connsiteX6" fmla="*/ 767080 w 12192000"/>
-              <a:gd name="connsiteY6" fmla="*/ 6105524 h 6105524"/>
-              <a:gd name="connsiteX7" fmla="*/ 0 w 12192000"/>
-              <a:gd name="connsiteY7" fmla="*/ 6105524 h 6105524"/>
-            </a:gdLst>
-            <a:ahLst/>
-            <a:cxnLst>
-              <a:cxn ang="0">
-                <a:pos x="connsiteX0" y="connsiteY0"/>
-              </a:cxn>
-              <a:cxn ang="0">
-                <a:pos x="connsiteX1" y="connsiteY1"/>
-              </a:cxn>
-              <a:cxn ang="0">
-                <a:pos x="connsiteX2" y="connsiteY2"/>
-              </a:cxn>
-              <a:cxn ang="0">
-                <a:pos x="connsiteX3" y="connsiteY3"/>
-              </a:cxn>
-              <a:cxn ang="0">
-                <a:pos x="connsiteX4" y="connsiteY4"/>
-              </a:cxn>
-              <a:cxn ang="0">
-                <a:pos x="connsiteX5" y="connsiteY5"/>
-              </a:cxn>
-              <a:cxn ang="0">
-                <a:pos x="connsiteX6" y="connsiteY6"/>
-              </a:cxn>
-              <a:cxn ang="0">
-                <a:pos x="connsiteX7" y="connsiteY7"/>
-              </a:cxn>
-            </a:cxnLst>
-            <a:rect l="l" t="t" r="r" b="b"/>
-            <a:pathLst>
-              <a:path w="12192000" h="6105524">
-                <a:moveTo>
-                  <a:pt x="0" y="0"/>
-                </a:moveTo>
-                <a:lnTo>
-                  <a:pt x="12192000" y="0"/>
-                </a:lnTo>
-                <a:lnTo>
-                  <a:pt x="12192000" y="6105524"/>
-                </a:lnTo>
-                <a:lnTo>
-                  <a:pt x="11435080" y="6105524"/>
-                </a:lnTo>
-                <a:lnTo>
-                  <a:pt x="11435080" y="771523"/>
-                </a:lnTo>
-                <a:lnTo>
-                  <a:pt x="767080" y="771523"/>
-                </a:lnTo>
-                <a:lnTo>
-                  <a:pt x="767080" y="6105524"/>
-                </a:lnTo>
-                <a:lnTo>
-                  <a:pt x="0" y="6105524"/>
-                </a:lnTo>
-                <a:close/>
-              </a:path>
-            </a:pathLst>
-          </a:custGeom>
-          <a:gradFill flip="none" rotWithShape="1">
-            <a:gsLst>
-              <a:gs pos="10000">
-                <a:schemeClr val="accent5"/>
-              </a:gs>
-              <a:gs pos="90000">
-                <a:schemeClr val="accent1"/>
-              </a:gs>
-              <a:gs pos="70000">
-                <a:schemeClr val="accent2"/>
-              </a:gs>
-              <a:gs pos="30000">
-                <a:schemeClr val="accent4"/>
-              </a:gs>
-              <a:gs pos="50000">
-                <a:schemeClr val="accent3">
-                  <a:lumMod val="60000"/>
-                  <a:lumOff val="40000"/>
-                </a:schemeClr>
-              </a:gs>
-            </a:gsLst>
-            <a:lin ang="7200000" scaled="0"/>
-            <a:tileRect/>
-          </a:gradFill>
-          <a:ln>
-            <a:noFill/>
-          </a:ln>
-        </p:spPr>
-        <p:style>
-          <a:lnRef idx="2">
-            <a:schemeClr val="accent1">
-              <a:shade val="50000"/>
-            </a:schemeClr>
-          </a:lnRef>
-          <a:fillRef idx="1">
-            <a:schemeClr val="accent1"/>
-          </a:fillRef>
-          <a:effectRef idx="0">
-            <a:schemeClr val="accent1"/>
-          </a:effectRef>
-          <a:fontRef idx="minor">
-            <a:schemeClr val="lt1"/>
-          </a:fontRef>
-        </p:style>
-        <p:txBody>
-          <a:bodyPr wrap="square" rtlCol="0" anchor="ctr">
-            <a:noAutofit/>
-          </a:bodyPr>
-          <a:lstStyle/>
-          <a:p>
-            <a:pPr algn="ctr"/>
-            <a:endParaRPr lang="en-US"/>
-          </a:p>
-        </p:txBody>
-      </p:sp>
-      <p:sp useBgFill="1">
-        <p:nvSpPr>
-          <p:cNvPr id="30" name="Rectangle 28">
-            <a:extLst>
-              <a:ext uri="{FF2B5EF4-FFF2-40B4-BE49-F238E27FC236}">
-                <a16:creationId xmlns:a16="http://schemas.microsoft.com/office/drawing/2014/main" id="{84136905-015B-4510-B514-027CBA846BD6}"/>
-              </a:ext>
-              <a:ext uri="{C183D7F6-B498-43B3-948B-1728B52AA6E4}">
-                <adec:decorative xmlns:adec="http://schemas.microsoft.com/office/drawing/2017/decorative" val="1"/>
-              </a:ext>
-            </a:extLst>
-          </p:cNvPr>
-          <p:cNvSpPr>
-            <a:spLocks noGrp="1" noRot="1" noChangeAspect="1" noMove="1" noResize="1" noEditPoints="1" noAdjustHandles="1" noChangeArrowheads="1" noChangeShapeType="1" noTextEdit="1"/>
-          </p:cNvSpPr>
-          <p:nvPr>
-            <p:extLst>
-              <p:ext uri="{386F3935-93C4-4BCD-93E2-E3B085C9AB24}">
-                <p16:designElem xmlns:p16="http://schemas.microsoft.com/office/powerpoint/2015/main" val="1"/>
-              </p:ext>
-            </p:extLst>
-          </p:nvPr>
-        </p:nvSpPr>
-        <p:spPr>
-          <a:xfrm>
-            <a:off x="0" y="0"/>
-            <a:ext cx="12192000" cy="6858000"/>
-          </a:xfrm>
-          <a:prstGeom prst="rect">
-            <a:avLst/>
-          </a:prstGeom>
-          <a:ln>
-            <a:noFill/>
-          </a:ln>
-        </p:spPr>
-        <p:style>
-          <a:lnRef idx="2">
-            <a:schemeClr val="accent1">
-              <a:shade val="50000"/>
-            </a:schemeClr>
-          </a:lnRef>
-          <a:fillRef idx="1">
-            <a:schemeClr val="accent1"/>
-          </a:fillRef>
-          <a:effectRef idx="0">
-            <a:schemeClr val="accent1"/>
-          </a:effectRef>
-          <a:fontRef idx="minor">
-            <a:schemeClr val="lt1"/>
-          </a:fontRef>
-        </p:style>
-        <p:txBody>
-          <a:bodyPr rtlCol="0" anchor="ctr"/>
-          <a:lstStyle/>
-          <a:p>
-            <a:pPr algn="ctr"/>
-            <a:endParaRPr lang="en-US"/>
-          </a:p>
-        </p:txBody>
-      </p:sp>
-      <p:sp>
-        <p:nvSpPr>
-          <p:cNvPr id="32" name="Rectangle 30">
-            <a:extLst>
-              <a:ext uri="{FF2B5EF4-FFF2-40B4-BE49-F238E27FC236}">
-                <a16:creationId xmlns:a16="http://schemas.microsoft.com/office/drawing/2014/main" id="{36CD0F97-2E5B-4E84-8544-EB24DED10446}"/>
-              </a:ext>
-              <a:ext uri="{C183D7F6-B498-43B3-948B-1728B52AA6E4}">
-                <adec:decorative xmlns:adec="http://schemas.microsoft.com/office/drawing/2017/decorative" val="1"/>
-              </a:ext>
-            </a:extLst>
-          </p:cNvPr>
-          <p:cNvSpPr>
-            <a:spLocks noGrp="1" noRot="1" noChangeAspect="1" noMove="1" noResize="1" noEditPoints="1" noAdjustHandles="1" noChangeArrowheads="1" noChangeShapeType="1" noTextEdit="1"/>
-          </p:cNvSpPr>
-          <p:nvPr>
-            <p:extLst>
-              <p:ext uri="{386F3935-93C4-4BCD-93E2-E3B085C9AB24}">
-                <p16:designElem xmlns:p16="http://schemas.microsoft.com/office/powerpoint/2015/main" val="1"/>
-              </p:ext>
-            </p:extLst>
-          </p:nvPr>
-        </p:nvSpPr>
-        <p:spPr>
-          <a:xfrm>
-            <a:off x="0" y="0"/>
-            <a:ext cx="12192000" cy="6099048"/>
-          </a:xfrm>
-          <a:prstGeom prst="rect">
-            <a:avLst/>
-          </a:prstGeom>
-          <a:gradFill flip="none" rotWithShape="1">
-            <a:gsLst>
-              <a:gs pos="10000">
-                <a:schemeClr val="accent5"/>
-              </a:gs>
-              <a:gs pos="90000">
-                <a:schemeClr val="accent1"/>
-              </a:gs>
-              <a:gs pos="70000">
-                <a:schemeClr val="accent2"/>
-              </a:gs>
-              <a:gs pos="30000">
-                <a:schemeClr val="accent4"/>
-              </a:gs>
-              <a:gs pos="50000">
-                <a:schemeClr val="accent3">
-                  <a:lumMod val="60000"/>
-                  <a:lumOff val="40000"/>
-                </a:schemeClr>
-              </a:gs>
-            </a:gsLst>
-            <a:lin ang="7200000" scaled="0"/>
-            <a:tileRect/>
-          </a:gradFill>
-          <a:ln>
-            <a:noFill/>
-          </a:ln>
-        </p:spPr>
-        <p:style>
-          <a:lnRef idx="2">
-            <a:schemeClr val="accent1">
-              <a:shade val="50000"/>
-            </a:schemeClr>
-          </a:lnRef>
-          <a:fillRef idx="1">
-            <a:schemeClr val="accent1"/>
-          </a:fillRef>
-          <a:effectRef idx="0">
-            <a:schemeClr val="accent1"/>
-          </a:effectRef>
-          <a:fontRef idx="minor">
-            <a:schemeClr val="lt1"/>
-          </a:fontRef>
-        </p:style>
-        <p:txBody>
-          <a:bodyPr rtlCol="0" anchor="ctr"/>
-          <a:lstStyle/>
-          <a:p>
-            <a:pPr algn="ctr"/>
-            <a:endParaRPr lang="en-US"/>
-          </a:p>
-        </p:txBody>
-      </p:sp>
-      <p:sp useBgFill="1">
-        <p:nvSpPr>
-          <p:cNvPr id="34" name="Rectangle 32">
-            <a:extLst>
-              <a:ext uri="{FF2B5EF4-FFF2-40B4-BE49-F238E27FC236}">
-                <a16:creationId xmlns:a16="http://schemas.microsoft.com/office/drawing/2014/main" id="{867738BA-6281-40B8-B775-410D49E724D0}"/>
-              </a:ext>
-              <a:ext uri="{C183D7F6-B498-43B3-948B-1728B52AA6E4}">
-                <adec:decorative xmlns:adec="http://schemas.microsoft.com/office/drawing/2017/decorative" val="1"/>
-              </a:ext>
-            </a:extLst>
-          </p:cNvPr>
-          <p:cNvSpPr>
-            <a:spLocks noGrp="1" noRot="1" noChangeAspect="1" noMove="1" noResize="1" noEditPoints="1" noAdjustHandles="1" noChangeArrowheads="1" noChangeShapeType="1" noTextEdit="1"/>
-          </p:cNvSpPr>
-          <p:nvPr>
-            <p:extLst>
-              <p:ext uri="{386F3935-93C4-4BCD-93E2-E3B085C9AB24}">
-                <p16:designElem xmlns:p16="http://schemas.microsoft.com/office/powerpoint/2015/main" val="1"/>
-              </p:ext>
-            </p:extLst>
-          </p:nvPr>
-        </p:nvSpPr>
-        <p:spPr>
-          <a:xfrm>
-            <a:off x="0" y="0"/>
-            <a:ext cx="5334003" cy="6858000"/>
-          </a:xfrm>
-          <a:prstGeom prst="rect">
-            <a:avLst/>
-          </a:prstGeom>
-          <a:ln>
-            <a:noFill/>
-          </a:ln>
-        </p:spPr>
-        <p:style>
-          <a:lnRef idx="2">
-            <a:schemeClr val="accent1">
-              <a:shade val="50000"/>
-            </a:schemeClr>
-          </a:lnRef>
-          <a:fillRef idx="1">
-            <a:schemeClr val="accent1"/>
-          </a:fillRef>
-          <a:effectRef idx="0">
-            <a:schemeClr val="accent1"/>
-          </a:effectRef>
-          <a:fontRef idx="minor">
-            <a:schemeClr val="lt1"/>
-          </a:fontRef>
-        </p:style>
-        <p:txBody>
-          <a:bodyPr rtlCol="0" anchor="ctr"/>
-          <a:lstStyle/>
-          <a:p>
-            <a:pPr algn="ctr"/>
-            <a:endParaRPr lang="en-US"/>
-          </a:p>
-        </p:txBody>
-      </p:sp>
-      <p:sp>
-        <p:nvSpPr>
-          <p:cNvPr id="2" name="Title 1">
-            <a:extLst>
-              <a:ext uri="{FF2B5EF4-FFF2-40B4-BE49-F238E27FC236}">
-                <a16:creationId xmlns:a16="http://schemas.microsoft.com/office/drawing/2014/main" id="{CFAC65D7-205C-11F7-CD59-D7DD317EB129}"/>
-              </a:ext>
-            </a:extLst>
-          </p:cNvPr>
-          <p:cNvSpPr>
-            <a:spLocks noGrp="1"/>
-          </p:cNvSpPr>
-          <p:nvPr>
-            <p:ph type="title"/>
-          </p:nvPr>
-        </p:nvSpPr>
-        <p:spPr>
-          <a:xfrm>
-            <a:off x="762000" y="758953"/>
-            <a:ext cx="4089779" cy="2028388"/>
-          </a:xfrm>
-        </p:spPr>
-        <p:txBody>
-          <a:bodyPr vert="horz" lIns="91440" tIns="45720" rIns="91440" bIns="45720" rtlCol="0" anchor="ctr">
-            <a:normAutofit/>
-          </a:bodyPr>
-          <a:lstStyle/>
-          <a:p>
-            <a:pPr>
-              <a:lnSpc>
-                <a:spcPct val="95000"/>
-              </a:lnSpc>
-            </a:pPr>
-            <a:r>
-              <a:rPr lang="en-US" sz="2600" kern="1200" spc="-50" baseline="0" dirty="0">
-                <a:solidFill>
-                  <a:schemeClr val="tx1"/>
-                </a:solidFill>
-                <a:latin typeface="+mj-lt"/>
-                <a:ea typeface="+mj-ea"/>
-                <a:cs typeface="+mj-cs"/>
-              </a:rPr>
-              <a:t>Multiple Models were created to determine which was the most effective to Predict Heart Disease </a:t>
-            </a:r>
-          </a:p>
-        </p:txBody>
-      </p:sp>
-      <p:sp>
-        <p:nvSpPr>
-          <p:cNvPr id="4" name="Text Placeholder 3">
-            <a:extLst>
-              <a:ext uri="{FF2B5EF4-FFF2-40B4-BE49-F238E27FC236}">
-                <a16:creationId xmlns:a16="http://schemas.microsoft.com/office/drawing/2014/main" id="{1BEA912B-59BD-C309-C958-E228D1F8AE47}"/>
-              </a:ext>
-            </a:extLst>
-          </p:cNvPr>
-          <p:cNvSpPr>
-            <a:spLocks noGrp="1"/>
-          </p:cNvSpPr>
-          <p:nvPr>
-            <p:ph type="body" sz="half" idx="2"/>
-          </p:nvPr>
-        </p:nvSpPr>
-        <p:spPr>
-          <a:xfrm>
-            <a:off x="762000" y="2893326"/>
-            <a:ext cx="4089779" cy="3202674"/>
-          </a:xfrm>
-        </p:spPr>
-        <p:txBody>
-          <a:bodyPr vert="horz" lIns="91440" tIns="45720" rIns="91440" bIns="45720" rtlCol="0" anchor="t">
-            <a:normAutofit/>
-          </a:bodyPr>
-          <a:lstStyle/>
-          <a:p>
-            <a:r>
-              <a:rPr lang="en-US" dirty="0"/>
-              <a:t>Supervised Learning Models:</a:t>
-            </a:r>
-          </a:p>
-          <a:p>
-            <a:pPr marL="800100" lvl="1" indent="-342900">
-              <a:buFont typeface="Arial" panose="020B0604020202020204" pitchFamily="34" charset="0"/>
-              <a:buChar char="•"/>
-            </a:pPr>
-            <a:r>
-              <a:rPr lang="en-US" dirty="0"/>
-              <a:t>Logistic Regression</a:t>
-            </a:r>
-          </a:p>
-          <a:p>
-            <a:pPr marL="800100" lvl="1" indent="-342900">
-              <a:buFont typeface="Arial" panose="020B0604020202020204" pitchFamily="34" charset="0"/>
-              <a:buChar char="•"/>
-            </a:pPr>
-            <a:r>
-              <a:rPr lang="en-US" dirty="0"/>
-              <a:t>Decision Tree</a:t>
-            </a:r>
-          </a:p>
-          <a:p>
-            <a:pPr marL="800100" lvl="1" indent="-342900">
-              <a:buFont typeface="Arial" panose="020B0604020202020204" pitchFamily="34" charset="0"/>
-              <a:buChar char="•"/>
-            </a:pPr>
-            <a:r>
-              <a:rPr lang="en-US" dirty="0"/>
-              <a:t>Random Forest</a:t>
-            </a:r>
-          </a:p>
-          <a:p>
-            <a:pPr marL="800100" lvl="1" indent="-342900">
-              <a:buFont typeface="Arial" panose="020B0604020202020204" pitchFamily="34" charset="0"/>
-              <a:buChar char="•"/>
-            </a:pPr>
-            <a:r>
-              <a:rPr lang="en-US" dirty="0"/>
-              <a:t>Support Vector Classifier (SVC)</a:t>
-            </a:r>
-          </a:p>
-          <a:p>
-            <a:r>
-              <a:rPr lang="en-US" dirty="0"/>
-              <a:t>Neural Networks:</a:t>
-            </a:r>
-          </a:p>
-          <a:p>
-            <a:pPr marL="800100" lvl="1" indent="-342900">
-              <a:buFont typeface="Arial" panose="020B0604020202020204" pitchFamily="34" charset="0"/>
-              <a:buChar char="•"/>
-            </a:pPr>
-            <a:r>
-              <a:rPr lang="en-US" dirty="0"/>
-              <a:t>Sequential </a:t>
-            </a:r>
-          </a:p>
-          <a:p>
-            <a:pPr marL="800100" lvl="1" indent="-342900">
-              <a:buFont typeface="Arial" panose="020B0604020202020204" pitchFamily="34" charset="0"/>
-              <a:buChar char="•"/>
-            </a:pPr>
-            <a:r>
-              <a:rPr lang="en-US" dirty="0" err="1"/>
-              <a:t>Keras</a:t>
-            </a:r>
-            <a:r>
-              <a:rPr lang="en-US" dirty="0"/>
-              <a:t> Tuner</a:t>
-            </a:r>
-          </a:p>
-          <a:p>
-            <a:endParaRPr lang="en-US" dirty="0"/>
-          </a:p>
-        </p:txBody>
-      </p:sp>
-      <p:pic>
-        <p:nvPicPr>
-          <p:cNvPr id="22" name="Picture 21" descr="A picture of an electromagnetic radiation">
-            <a:extLst>
-              <a:ext uri="{FF2B5EF4-FFF2-40B4-BE49-F238E27FC236}">
-                <a16:creationId xmlns:a16="http://schemas.microsoft.com/office/drawing/2014/main" id="{5C71467B-9122-2B44-A37C-004F73D58D9B}"/>
-              </a:ext>
-            </a:extLst>
-          </p:cNvPr>
-          <p:cNvPicPr>
-            <a:picLocks noChangeAspect="1"/>
-          </p:cNvPicPr>
-          <p:nvPr/>
-        </p:nvPicPr>
-        <p:blipFill rotWithShape="1">
-          <a:blip r:embed="rId2"/>
-          <a:srcRect l="11693" r="11778" b="-2"/>
-          <a:stretch/>
-        </p:blipFill>
-        <p:spPr>
-          <a:xfrm>
-            <a:off x="5334003" y="762000"/>
-            <a:ext cx="6095997" cy="5337048"/>
-          </a:xfrm>
-          <a:prstGeom prst="rect">
-            <a:avLst/>
-          </a:prstGeom>
-        </p:spPr>
-      </p:pic>
-    </p:spTree>
-    <p:extLst>
-      <p:ext uri="{BB962C8B-B14F-4D97-AF65-F5344CB8AC3E}">
-        <p14:creationId xmlns:p14="http://schemas.microsoft.com/office/powerpoint/2010/main" val="3983833377"/>
-      </p:ext>
-    </p:extLst>
-  </p:cSld>
-  <p:clrMapOvr>
-    <a:masterClrMapping/>
-  </p:clrMapOvr>
-</p:sld>
-</file>
-
-<file path=ppt/slides/slide7.xml><?xml version="1.0" encoding="utf-8"?>
-<p:sld xmlns:a="http://schemas.openxmlformats.org/drawingml/2006/main" xmlns:r="http://schemas.openxmlformats.org/officeDocument/2006/relationships" xmlns:p="http://schemas.openxmlformats.org/presentationml/2006/main">
-  <p:cSld>
-    <p:spTree>
-      <p:nvGrpSpPr>
-        <p:cNvPr id="1" name=""/>
-        <p:cNvGrpSpPr/>
-        <p:nvPr/>
-      </p:nvGrpSpPr>
-      <p:grpSpPr>
-        <a:xfrm>
-          <a:off x="0" y="0"/>
-          <a:ext cx="0" cy="0"/>
-          <a:chOff x="0" y="0"/>
-          <a:chExt cx="0" cy="0"/>
-        </a:xfrm>
-      </p:grpSpPr>
-      <p:sp>
-        <p:nvSpPr>
-          <p:cNvPr id="2" name="Title 1">
-            <a:extLst>
-              <a:ext uri="{FF2B5EF4-FFF2-40B4-BE49-F238E27FC236}">
-                <a16:creationId xmlns:a16="http://schemas.microsoft.com/office/drawing/2014/main" id="{A13F5AA5-FB92-C6BC-80D2-6C47F60EBDCB}"/>
-              </a:ext>
-            </a:extLst>
-          </p:cNvPr>
-          <p:cNvSpPr>
-            <a:spLocks noGrp="1"/>
-          </p:cNvSpPr>
-          <p:nvPr>
-            <p:ph type="title"/>
-          </p:nvPr>
-        </p:nvSpPr>
-        <p:spPr/>
-        <p:txBody>
-          <a:bodyPr/>
-          <a:lstStyle/>
-          <a:p>
-            <a:r>
-              <a:rPr lang="en-US" dirty="0"/>
-              <a:t>Logistic Regression</a:t>
-            </a:r>
-            <a:br>
-              <a:rPr lang="en-US" dirty="0"/>
-            </a:br>
-            <a:endParaRPr lang="en-US" dirty="0"/>
-          </a:p>
-        </p:txBody>
-      </p:sp>
-      <p:sp>
-        <p:nvSpPr>
-          <p:cNvPr id="3" name="Content Placeholder 2">
-            <a:extLst>
-              <a:ext uri="{FF2B5EF4-FFF2-40B4-BE49-F238E27FC236}">
-                <a16:creationId xmlns:a16="http://schemas.microsoft.com/office/drawing/2014/main" id="{B3CAE228-85EE-25EA-51B9-CD15F03B4A4D}"/>
-              </a:ext>
-            </a:extLst>
-          </p:cNvPr>
-          <p:cNvSpPr>
-            <a:spLocks noGrp="1"/>
-          </p:cNvSpPr>
-          <p:nvPr>
-            <p:ph sz="half" idx="1"/>
-          </p:nvPr>
-        </p:nvSpPr>
-        <p:spPr/>
-        <p:txBody>
-          <a:bodyPr/>
-          <a:lstStyle/>
-          <a:p>
-            <a:r>
-              <a:rPr lang="en-US" dirty="0"/>
-              <a:t>Logistic regression is a statistical method for predicting binary(0,1) outcomes from data. </a:t>
-            </a:r>
-          </a:p>
-          <a:p>
-            <a:pPr marL="0" indent="0">
-              <a:buNone/>
-            </a:pPr>
-            <a:endParaRPr lang="en-US" dirty="0"/>
-          </a:p>
-        </p:txBody>
-      </p:sp>
-      <p:pic>
-        <p:nvPicPr>
-          <p:cNvPr id="6" name="Content Placeholder 5">
-            <a:extLst>
-              <a:ext uri="{FF2B5EF4-FFF2-40B4-BE49-F238E27FC236}">
-                <a16:creationId xmlns:a16="http://schemas.microsoft.com/office/drawing/2014/main" id="{412DE073-2830-4637-EE52-4C580F26E4EB}"/>
-              </a:ext>
-            </a:extLst>
-          </p:cNvPr>
-          <p:cNvPicPr>
-            <a:picLocks noGrp="1" noChangeAspect="1"/>
-          </p:cNvPicPr>
-          <p:nvPr>
-            <p:ph sz="half" idx="2"/>
-          </p:nvPr>
-        </p:nvPicPr>
-        <p:blipFill>
-          <a:blip r:embed="rId2"/>
-          <a:stretch>
-            <a:fillRect/>
-          </a:stretch>
-        </p:blipFill>
-        <p:spPr>
-          <a:xfrm>
-            <a:off x="6417971" y="3120827"/>
-            <a:ext cx="4172532" cy="2838846"/>
-          </a:xfrm>
-        </p:spPr>
-      </p:pic>
-      <p:pic>
-        <p:nvPicPr>
-          <p:cNvPr id="7" name="Picture 6">
-            <a:extLst>
-              <a:ext uri="{FF2B5EF4-FFF2-40B4-BE49-F238E27FC236}">
-                <a16:creationId xmlns:a16="http://schemas.microsoft.com/office/drawing/2014/main" id="{6245EB18-466B-26D8-378B-7B31AD9BDEA2}"/>
-              </a:ext>
-            </a:extLst>
-          </p:cNvPr>
-          <p:cNvPicPr>
-            <a:picLocks noChangeAspect="1"/>
-          </p:cNvPicPr>
-          <p:nvPr/>
-        </p:nvPicPr>
-        <p:blipFill rotWithShape="1">
-          <a:blip r:embed="rId3"/>
-          <a:srcRect l="3765" t="7040" b="4941"/>
-          <a:stretch/>
-        </p:blipFill>
-        <p:spPr>
-          <a:xfrm>
-            <a:off x="7308344" y="1509871"/>
-            <a:ext cx="1988055" cy="1259372"/>
-          </a:xfrm>
-          <a:prstGeom prst="rect">
-            <a:avLst/>
-          </a:prstGeom>
-        </p:spPr>
-      </p:pic>
-      <p:sp>
-        <p:nvSpPr>
-          <p:cNvPr id="8" name="TextBox 7">
-            <a:extLst>
-              <a:ext uri="{FF2B5EF4-FFF2-40B4-BE49-F238E27FC236}">
-                <a16:creationId xmlns:a16="http://schemas.microsoft.com/office/drawing/2014/main" id="{7E26452A-84D2-650A-E8C3-5AFF856FBE2B}"/>
-              </a:ext>
-            </a:extLst>
-          </p:cNvPr>
-          <p:cNvSpPr txBox="1"/>
-          <p:nvPr/>
-        </p:nvSpPr>
-        <p:spPr>
-          <a:xfrm>
-            <a:off x="9185564" y="3295915"/>
-            <a:ext cx="678872" cy="369332"/>
-          </a:xfrm>
-          <a:prstGeom prst="rect">
-            <a:avLst/>
-          </a:prstGeom>
-          <a:solidFill>
-            <a:schemeClr val="bg1"/>
-          </a:solidFill>
-        </p:spPr>
-        <p:txBody>
-          <a:bodyPr wrap="square" rtlCol="0">
-            <a:spAutoFit/>
-          </a:bodyPr>
-          <a:lstStyle/>
-          <a:p>
-            <a:endParaRPr lang="en-US" dirty="0"/>
-          </a:p>
-        </p:txBody>
-      </p:sp>
-    </p:spTree>
-    <p:extLst>
-      <p:ext uri="{BB962C8B-B14F-4D97-AF65-F5344CB8AC3E}">
-        <p14:creationId xmlns:p14="http://schemas.microsoft.com/office/powerpoint/2010/main" val="1008253675"/>
-      </p:ext>
-    </p:extLst>
-  </p:cSld>
-  <p:clrMapOvr>
-    <a:masterClrMapping/>
-  </p:clrMapOvr>
-</p:sld>
-</file>
-
-<file path=ppt/slides/slide8.xml><?xml version="1.0" encoding="utf-8"?>
-<p:sld xmlns:a="http://schemas.openxmlformats.org/drawingml/2006/main" xmlns:r="http://schemas.openxmlformats.org/officeDocument/2006/relationships" xmlns:p="http://schemas.openxmlformats.org/presentationml/2006/main">
-  <p:cSld>
-    <p:bg>
-      <p:bgPr>
-        <a:solidFill>
-          <a:schemeClr val="bg1"/>
-        </a:solidFill>
-        <a:effectLst/>
-      </p:bgPr>
-    </p:bg>
-    <p:spTree>
-      <p:nvGrpSpPr>
-        <p:cNvPr id="1" name=""/>
-        <p:cNvGrpSpPr/>
-        <p:nvPr/>
-      </p:nvGrpSpPr>
-      <p:grpSpPr>
-        <a:xfrm>
-          <a:off x="0" y="0"/>
-          <a:ext cx="0" cy="0"/>
-          <a:chOff x="0" y="0"/>
-          <a:chExt cx="0" cy="0"/>
-        </a:xfrm>
-      </p:grpSpPr>
-      <p:sp>
-        <p:nvSpPr>
-          <p:cNvPr id="1028" name="Freeform: Shape 1030">
-            <a:extLst>
-              <a:ext uri="{FF2B5EF4-FFF2-40B4-BE49-F238E27FC236}">
-                <a16:creationId xmlns:a16="http://schemas.microsoft.com/office/drawing/2014/main" id="{49306479-8C4D-4E4A-A330-DFC80A8A01BE}"/>
-              </a:ext>
-              <a:ext uri="{C183D7F6-B498-43B3-948B-1728B52AA6E4}">
-                <adec:decorative xmlns:adec="http://schemas.microsoft.com/office/drawing/2017/decorative" val="1"/>
-              </a:ext>
-            </a:extLst>
-          </p:cNvPr>
-          <p:cNvSpPr>
-            <a:spLocks noGrp="1" noRot="1" noChangeAspect="1" noMove="1" noResize="1" noEditPoints="1" noAdjustHandles="1" noChangeArrowheads="1" noChangeShapeType="1" noTextEdit="1"/>
-          </p:cNvSpPr>
-          <p:nvPr>
-            <p:extLst>
-              <p:ext uri="{386F3935-93C4-4BCD-93E2-E3B085C9AB24}">
-                <p16:designElem xmlns:p16="http://schemas.microsoft.com/office/powerpoint/2015/main" val="1"/>
-              </p:ext>
-            </p:extLst>
-          </p:nvPr>
-        </p:nvSpPr>
-        <p:spPr>
-          <a:xfrm>
-            <a:off x="0" y="0"/>
-            <a:ext cx="12192000" cy="6105524"/>
-          </a:xfrm>
-          <a:custGeom>
-            <a:avLst/>
-            <a:gdLst>
-              <a:gd name="connsiteX0" fmla="*/ 0 w 12192000"/>
-              <a:gd name="connsiteY0" fmla="*/ 0 h 6105524"/>
-              <a:gd name="connsiteX1" fmla="*/ 12192000 w 12192000"/>
-              <a:gd name="connsiteY1" fmla="*/ 0 h 6105524"/>
-              <a:gd name="connsiteX2" fmla="*/ 12192000 w 12192000"/>
-              <a:gd name="connsiteY2" fmla="*/ 6105524 h 6105524"/>
-              <a:gd name="connsiteX3" fmla="*/ 11435080 w 12192000"/>
-              <a:gd name="connsiteY3" fmla="*/ 6105524 h 6105524"/>
-              <a:gd name="connsiteX4" fmla="*/ 11435080 w 12192000"/>
-              <a:gd name="connsiteY4" fmla="*/ 771523 h 6105524"/>
-              <a:gd name="connsiteX5" fmla="*/ 767080 w 12192000"/>
-              <a:gd name="connsiteY5" fmla="*/ 771523 h 6105524"/>
-              <a:gd name="connsiteX6" fmla="*/ 767080 w 12192000"/>
-              <a:gd name="connsiteY6" fmla="*/ 6105524 h 6105524"/>
-              <a:gd name="connsiteX7" fmla="*/ 0 w 12192000"/>
-              <a:gd name="connsiteY7" fmla="*/ 6105524 h 6105524"/>
-            </a:gdLst>
-            <a:ahLst/>
-            <a:cxnLst>
-              <a:cxn ang="0">
-                <a:pos x="connsiteX0" y="connsiteY0"/>
-              </a:cxn>
-              <a:cxn ang="0">
-                <a:pos x="connsiteX1" y="connsiteY1"/>
-              </a:cxn>
-              <a:cxn ang="0">
-                <a:pos x="connsiteX2" y="connsiteY2"/>
-              </a:cxn>
-              <a:cxn ang="0">
-                <a:pos x="connsiteX3" y="connsiteY3"/>
-              </a:cxn>
-              <a:cxn ang="0">
-                <a:pos x="connsiteX4" y="connsiteY4"/>
-              </a:cxn>
-              <a:cxn ang="0">
-                <a:pos x="connsiteX5" y="connsiteY5"/>
-              </a:cxn>
-              <a:cxn ang="0">
-                <a:pos x="connsiteX6" y="connsiteY6"/>
-              </a:cxn>
-              <a:cxn ang="0">
-                <a:pos x="connsiteX7" y="connsiteY7"/>
-              </a:cxn>
-            </a:cxnLst>
-            <a:rect l="l" t="t" r="r" b="b"/>
-            <a:pathLst>
-              <a:path w="12192000" h="6105524">
-                <a:moveTo>
-                  <a:pt x="0" y="0"/>
-                </a:moveTo>
-                <a:lnTo>
-                  <a:pt x="12192000" y="0"/>
-                </a:lnTo>
-                <a:lnTo>
-                  <a:pt x="12192000" y="6105524"/>
-                </a:lnTo>
-                <a:lnTo>
-                  <a:pt x="11435080" y="6105524"/>
-                </a:lnTo>
-                <a:lnTo>
-                  <a:pt x="11435080" y="771523"/>
-                </a:lnTo>
-                <a:lnTo>
-                  <a:pt x="767080" y="771523"/>
-                </a:lnTo>
-                <a:lnTo>
-                  <a:pt x="767080" y="6105524"/>
-                </a:lnTo>
-                <a:lnTo>
-                  <a:pt x="0" y="6105524"/>
-                </a:lnTo>
-                <a:close/>
-              </a:path>
-            </a:pathLst>
-          </a:custGeom>
-          <a:gradFill flip="none" rotWithShape="1">
-            <a:gsLst>
-              <a:gs pos="10000">
-                <a:schemeClr val="accent5"/>
-              </a:gs>
-              <a:gs pos="90000">
-                <a:schemeClr val="accent1"/>
-              </a:gs>
-              <a:gs pos="70000">
-                <a:schemeClr val="accent2"/>
-              </a:gs>
-              <a:gs pos="30000">
-                <a:schemeClr val="accent4"/>
-              </a:gs>
-              <a:gs pos="50000">
-                <a:schemeClr val="accent3">
-                  <a:lumMod val="60000"/>
-                  <a:lumOff val="40000"/>
-                </a:schemeClr>
-              </a:gs>
-            </a:gsLst>
-            <a:lin ang="7200000" scaled="0"/>
-            <a:tileRect/>
-          </a:gradFill>
-          <a:ln>
-            <a:noFill/>
-          </a:ln>
-        </p:spPr>
-        <p:style>
-          <a:lnRef idx="2">
-            <a:schemeClr val="accent1">
-              <a:shade val="50000"/>
-            </a:schemeClr>
-          </a:lnRef>
-          <a:fillRef idx="1">
-            <a:schemeClr val="accent1"/>
-          </a:fillRef>
-          <a:effectRef idx="0">
-            <a:schemeClr val="accent1"/>
-          </a:effectRef>
-          <a:fontRef idx="minor">
-            <a:schemeClr val="lt1"/>
-          </a:fontRef>
-        </p:style>
-        <p:txBody>
-          <a:bodyPr wrap="square" rtlCol="0" anchor="ctr">
-            <a:noAutofit/>
-          </a:bodyPr>
-          <a:lstStyle/>
-          <a:p>
-            <a:pPr algn="ctr"/>
-            <a:endParaRPr lang="en-US"/>
-          </a:p>
-        </p:txBody>
-      </p:sp>
-      <p:sp useBgFill="1">
-        <p:nvSpPr>
           <p:cNvPr id="1029" name="Rectangle 1032">
             <a:extLst>
               <a:ext uri="{FF2B5EF4-FFF2-40B4-BE49-F238E27FC236}">
@@ -10009,227 +10390,6 @@
     <p:extLst>
       <p:ext uri="{BB962C8B-B14F-4D97-AF65-F5344CB8AC3E}">
         <p14:creationId xmlns:p14="http://schemas.microsoft.com/office/powerpoint/2010/main" val="1644834414"/>
-      </p:ext>
-    </p:extLst>
-  </p:cSld>
-  <p:clrMapOvr>
-    <a:masterClrMapping/>
-  </p:clrMapOvr>
-</p:sld>
-</file>
-
-<file path=ppt/slides/slide9.xml><?xml version="1.0" encoding="utf-8"?>
-<p:sld xmlns:a="http://schemas.openxmlformats.org/drawingml/2006/main" xmlns:r="http://schemas.openxmlformats.org/officeDocument/2006/relationships" xmlns:p="http://schemas.openxmlformats.org/presentationml/2006/main">
-  <p:cSld>
-    <p:spTree>
-      <p:nvGrpSpPr>
-        <p:cNvPr id="1" name=""/>
-        <p:cNvGrpSpPr/>
-        <p:nvPr/>
-      </p:nvGrpSpPr>
-      <p:grpSpPr>
-        <a:xfrm>
-          <a:off x="0" y="0"/>
-          <a:ext cx="0" cy="0"/>
-          <a:chOff x="0" y="0"/>
-          <a:chExt cx="0" cy="0"/>
-        </a:xfrm>
-      </p:grpSpPr>
-      <p:sp>
-        <p:nvSpPr>
-          <p:cNvPr id="2" name="Title 1">
-            <a:extLst>
-              <a:ext uri="{FF2B5EF4-FFF2-40B4-BE49-F238E27FC236}">
-                <a16:creationId xmlns:a16="http://schemas.microsoft.com/office/drawing/2014/main" id="{8BBDACE1-E5AB-4223-921C-AF6EC0CA2F39}"/>
-              </a:ext>
-            </a:extLst>
-          </p:cNvPr>
-          <p:cNvSpPr>
-            <a:spLocks noGrp="1"/>
-          </p:cNvSpPr>
-          <p:nvPr>
-            <p:ph type="title"/>
-          </p:nvPr>
-        </p:nvSpPr>
-        <p:spPr/>
-        <p:txBody>
-          <a:bodyPr/>
-          <a:lstStyle/>
-          <a:p>
-            <a:r>
-              <a:rPr lang="en-US" dirty="0"/>
-              <a:t>Random Forest</a:t>
-            </a:r>
-            <a:br>
-              <a:rPr lang="en-US" dirty="0"/>
-            </a:br>
-            <a:endParaRPr lang="en-US" dirty="0"/>
-          </a:p>
-        </p:txBody>
-      </p:sp>
-      <p:sp>
-        <p:nvSpPr>
-          <p:cNvPr id="3" name="Content Placeholder 2">
-            <a:extLst>
-              <a:ext uri="{FF2B5EF4-FFF2-40B4-BE49-F238E27FC236}">
-                <a16:creationId xmlns:a16="http://schemas.microsoft.com/office/drawing/2014/main" id="{51F736C5-640F-6BEC-23E2-BAB82E5FC071}"/>
-              </a:ext>
-            </a:extLst>
-          </p:cNvPr>
-          <p:cNvSpPr>
-            <a:spLocks noGrp="1"/>
-          </p:cNvSpPr>
-          <p:nvPr>
-            <p:ph sz="half" idx="1"/>
-          </p:nvPr>
-        </p:nvSpPr>
-        <p:spPr/>
-        <p:txBody>
-          <a:bodyPr/>
-          <a:lstStyle/>
-          <a:p>
-            <a:r>
-              <a:rPr lang="en-US" b="0" i="0" dirty="0">
-                <a:solidFill>
-                  <a:srgbClr val="202124"/>
-                </a:solidFill>
-                <a:effectLst/>
-                <a:latin typeface="Google Sans"/>
-              </a:rPr>
-              <a:t>Random Forest is used for both </a:t>
-            </a:r>
-            <a:r>
-              <a:rPr lang="en-US" b="0" i="0" dirty="0">
-                <a:solidFill>
-                  <a:srgbClr val="040C28"/>
-                </a:solidFill>
-                <a:effectLst/>
-                <a:latin typeface="Google Sans"/>
-              </a:rPr>
-              <a:t>classification and regression.</a:t>
-            </a:r>
-            <a:endParaRPr lang="en-US" dirty="0"/>
-          </a:p>
-        </p:txBody>
-      </p:sp>
-      <p:sp>
-        <p:nvSpPr>
-          <p:cNvPr id="4" name="Content Placeholder 3">
-            <a:extLst>
-              <a:ext uri="{FF2B5EF4-FFF2-40B4-BE49-F238E27FC236}">
-                <a16:creationId xmlns:a16="http://schemas.microsoft.com/office/drawing/2014/main" id="{04E087CF-F218-E966-D87A-6751A0724182}"/>
-              </a:ext>
-            </a:extLst>
-          </p:cNvPr>
-          <p:cNvSpPr>
-            <a:spLocks noGrp="1"/>
-          </p:cNvSpPr>
-          <p:nvPr>
-            <p:ph sz="half" idx="2"/>
-          </p:nvPr>
-        </p:nvSpPr>
-        <p:spPr/>
-        <p:txBody>
-          <a:bodyPr/>
-          <a:lstStyle/>
-          <a:p>
-            <a:endParaRPr lang="en-US" dirty="0"/>
-          </a:p>
-        </p:txBody>
-      </p:sp>
-      <p:pic>
-        <p:nvPicPr>
-          <p:cNvPr id="6" name="Picture 5">
-            <a:extLst>
-              <a:ext uri="{FF2B5EF4-FFF2-40B4-BE49-F238E27FC236}">
-                <a16:creationId xmlns:a16="http://schemas.microsoft.com/office/drawing/2014/main" id="{4E3110D7-787B-4A4D-F617-90D75B7F8C06}"/>
-              </a:ext>
-            </a:extLst>
-          </p:cNvPr>
-          <p:cNvPicPr>
-            <a:picLocks noChangeAspect="1"/>
-          </p:cNvPicPr>
-          <p:nvPr/>
-        </p:nvPicPr>
-        <p:blipFill>
-          <a:blip r:embed="rId2"/>
-          <a:stretch>
-            <a:fillRect/>
-          </a:stretch>
-        </p:blipFill>
-        <p:spPr>
-          <a:xfrm>
-            <a:off x="6384311" y="2953862"/>
-            <a:ext cx="4239217" cy="3172268"/>
-          </a:xfrm>
-          <a:prstGeom prst="rect">
-            <a:avLst/>
-          </a:prstGeom>
-        </p:spPr>
-      </p:pic>
-      <p:pic>
-        <p:nvPicPr>
-          <p:cNvPr id="9" name="Picture 8">
-            <a:extLst>
-              <a:ext uri="{FF2B5EF4-FFF2-40B4-BE49-F238E27FC236}">
-                <a16:creationId xmlns:a16="http://schemas.microsoft.com/office/drawing/2014/main" id="{EB37A413-F775-8B53-F0FE-480AF7220D8B}"/>
-              </a:ext>
-            </a:extLst>
-          </p:cNvPr>
-          <p:cNvPicPr>
-            <a:picLocks noChangeAspect="1"/>
-          </p:cNvPicPr>
-          <p:nvPr/>
-        </p:nvPicPr>
-        <p:blipFill>
-          <a:blip r:embed="rId3"/>
-          <a:stretch>
-            <a:fillRect/>
-          </a:stretch>
-        </p:blipFill>
-        <p:spPr>
-          <a:xfrm>
-            <a:off x="7378844" y="1149455"/>
-            <a:ext cx="2809875" cy="1628775"/>
-          </a:xfrm>
-          <a:prstGeom prst="rect">
-            <a:avLst/>
-          </a:prstGeom>
-        </p:spPr>
-      </p:pic>
-      <p:pic>
-        <p:nvPicPr>
-          <p:cNvPr id="10" name="Picture 9">
-            <a:extLst>
-              <a:ext uri="{FF2B5EF4-FFF2-40B4-BE49-F238E27FC236}">
-                <a16:creationId xmlns:a16="http://schemas.microsoft.com/office/drawing/2014/main" id="{31FA9C0E-4779-C89D-B46B-2C34DA48A85A}"/>
-              </a:ext>
-            </a:extLst>
-          </p:cNvPr>
-          <p:cNvPicPr>
-            <a:picLocks noChangeAspect="1"/>
-          </p:cNvPicPr>
-          <p:nvPr/>
-        </p:nvPicPr>
-        <p:blipFill rotWithShape="1">
-          <a:blip r:embed="rId4"/>
-          <a:srcRect r="10312"/>
-          <a:stretch/>
-        </p:blipFill>
-        <p:spPr>
-          <a:xfrm>
-            <a:off x="1442201" y="4323162"/>
-            <a:ext cx="4628515" cy="2033867"/>
-          </a:xfrm>
-          <a:prstGeom prst="rect">
-            <a:avLst/>
-          </a:prstGeom>
-        </p:spPr>
-      </p:pic>
-    </p:spTree>
-    <p:extLst>
-      <p:ext uri="{BB962C8B-B14F-4D97-AF65-F5344CB8AC3E}">
-        <p14:creationId xmlns:p14="http://schemas.microsoft.com/office/powerpoint/2010/main" val="1352397419"/>
       </p:ext>
     </p:extLst>
   </p:cSld>
